--- a/mducng_VN-KR.pptx
+++ b/mducng_VN-KR.pptx
@@ -5,15 +5,22 @@
     <p:sldMasterId id="2147483648" r:id="rId4"/>
   </p:sldMasterIdLst>
   <p:notesMasterIdLst>
-    <p:notesMasterId r:id="rId8"/>
+    <p:notesMasterId r:id="rId15"/>
   </p:notesMasterIdLst>
   <p:handoutMasterIdLst>
-    <p:handoutMasterId r:id="rId9"/>
+    <p:handoutMasterId r:id="rId16"/>
   </p:handoutMasterIdLst>
   <p:sldIdLst>
     <p:sldId id="272" r:id="rId5"/>
     <p:sldId id="275" r:id="rId6"/>
-    <p:sldId id="276" r:id="rId7"/>
+    <p:sldId id="281" r:id="rId7"/>
+    <p:sldId id="276" r:id="rId8"/>
+    <p:sldId id="280" r:id="rId9"/>
+    <p:sldId id="278" r:id="rId10"/>
+    <p:sldId id="279" r:id="rId11"/>
+    <p:sldId id="277" r:id="rId12"/>
+    <p:sldId id="282" r:id="rId13"/>
+    <p:sldId id="283" r:id="rId14"/>
   </p:sldIdLst>
   <p:sldSz cx="12192000" cy="6858000"/>
   <p:notesSz cx="6858000" cy="9144000"/>
@@ -1072,7 +1079,7 @@
               </a:solidFill>
               <a:latin typeface="Abadi" panose="020B0604020104020204" pitchFamily="34" charset="0"/>
             </a:rPr>
-            <a:t>Some fact of Vietnam</a:t>
+            <a:t>Some facts of Vietnam</a:t>
           </a:r>
         </a:p>
       </dgm:t>
@@ -1676,7 +1683,7 @@
               </a:solidFill>
               <a:latin typeface="Abadi" panose="020B0604020104020204" pitchFamily="34" charset="0"/>
             </a:rPr>
-            <a:t>Some fact of Vietnam</a:t>
+            <a:t>Some facts of Vietnam</a:t>
           </a:r>
         </a:p>
       </dsp:txBody>
@@ -3558,7 +3565,7 @@
           <a:p>
             <a:fld id="{3A6639B8-EA76-475F-ABF2-3D49BD1F56D3}" type="datetimeFigureOut">
               <a:rPr lang="en-US" smtClean="0"/>
-              <a:t>2/14/2021</a:t>
+              <a:t>2/15/2021</a:t>
             </a:fld>
             <a:endParaRPr lang="en-US" dirty="0"/>
           </a:p>
@@ -3735,7 +3742,7 @@
           <a:p>
             <a:fld id="{774F3147-C309-44B8-AF20-BAB82B7C4F88}" type="datetimeFigureOut">
               <a:rPr lang="en-US" smtClean="0"/>
-              <a:t>2/14/2021</a:t>
+              <a:t>2/15/2021</a:t>
             </a:fld>
             <a:endParaRPr lang="en-US" dirty="0"/>
           </a:p>
@@ -4077,6 +4084,441 @@
     <p:extLst>
       <p:ext uri="{BB962C8B-B14F-4D97-AF65-F5344CB8AC3E}">
         <p14:creationId xmlns:p14="http://schemas.microsoft.com/office/powerpoint/2010/main" val="956339179"/>
+      </p:ext>
+    </p:extLst>
+  </p:cSld>
+  <p:clrMapOvr>
+    <a:masterClrMapping/>
+  </p:clrMapOvr>
+</p:notes>
+</file>
+
+<file path=ppt/notesSlides/notesSlide2.xml><?xml version="1.0" encoding="utf-8"?>
+<p:notes xmlns:a="http://schemas.openxmlformats.org/drawingml/2006/main" xmlns:r="http://schemas.openxmlformats.org/officeDocument/2006/relationships" xmlns:p="http://schemas.openxmlformats.org/presentationml/2006/main">
+  <p:cSld>
+    <p:spTree>
+      <p:nvGrpSpPr>
+        <p:cNvPr id="1" name=""/>
+        <p:cNvGrpSpPr/>
+        <p:nvPr/>
+      </p:nvGrpSpPr>
+      <p:grpSpPr>
+        <a:xfrm>
+          <a:off x="0" y="0"/>
+          <a:ext cx="0" cy="0"/>
+          <a:chOff x="0" y="0"/>
+          <a:chExt cx="0" cy="0"/>
+        </a:xfrm>
+      </p:grpSpPr>
+      <p:sp>
+        <p:nvSpPr>
+          <p:cNvPr id="2" name="Slide Image Placeholder 1"/>
+          <p:cNvSpPr>
+            <a:spLocks noGrp="1" noRot="1" noChangeAspect="1"/>
+          </p:cNvSpPr>
+          <p:nvPr>
+            <p:ph type="sldImg"/>
+          </p:nvPr>
+        </p:nvSpPr>
+        <p:spPr/>
+      </p:sp>
+      <p:sp>
+        <p:nvSpPr>
+          <p:cNvPr id="3" name="Notes Placeholder 2"/>
+          <p:cNvSpPr>
+            <a:spLocks noGrp="1"/>
+          </p:cNvSpPr>
+          <p:nvPr>
+            <p:ph type="body" idx="1"/>
+          </p:nvPr>
+        </p:nvSpPr>
+        <p:spPr/>
+        <p:txBody>
+          <a:bodyPr/>
+          <a:lstStyle/>
+          <a:p>
+            <a:r>
+              <a:rPr lang="en-US" dirty="0"/>
+              <a:t>Visiting relatives, friends, colleagues, neighbors</a:t>
+            </a:r>
+          </a:p>
+        </p:txBody>
+      </p:sp>
+      <p:sp>
+        <p:nvSpPr>
+          <p:cNvPr id="4" name="Slide Number Placeholder 3"/>
+          <p:cNvSpPr>
+            <a:spLocks noGrp="1"/>
+          </p:cNvSpPr>
+          <p:nvPr>
+            <p:ph type="sldNum" sz="quarter" idx="5"/>
+          </p:nvPr>
+        </p:nvSpPr>
+        <p:spPr/>
+        <p:txBody>
+          <a:bodyPr/>
+          <a:lstStyle/>
+          <a:p>
+            <a:fld id="{99CAC06A-4905-4B1A-83C1-3B011A8CF04B}" type="slidenum">
+              <a:rPr lang="en-US" smtClean="0"/>
+              <a:t>3</a:t>
+            </a:fld>
+            <a:endParaRPr lang="en-US" dirty="0"/>
+          </a:p>
+        </p:txBody>
+      </p:sp>
+    </p:spTree>
+    <p:extLst>
+      <p:ext uri="{BB962C8B-B14F-4D97-AF65-F5344CB8AC3E}">
+        <p14:creationId xmlns:p14="http://schemas.microsoft.com/office/powerpoint/2010/main" val="1286135633"/>
+      </p:ext>
+    </p:extLst>
+  </p:cSld>
+  <p:clrMapOvr>
+    <a:masterClrMapping/>
+  </p:clrMapOvr>
+</p:notes>
+</file>
+
+<file path=ppt/notesSlides/notesSlide3.xml><?xml version="1.0" encoding="utf-8"?>
+<p:notes xmlns:a="http://schemas.openxmlformats.org/drawingml/2006/main" xmlns:r="http://schemas.openxmlformats.org/officeDocument/2006/relationships" xmlns:p="http://schemas.openxmlformats.org/presentationml/2006/main">
+  <p:cSld>
+    <p:spTree>
+      <p:nvGrpSpPr>
+        <p:cNvPr id="1" name=""/>
+        <p:cNvGrpSpPr/>
+        <p:nvPr/>
+      </p:nvGrpSpPr>
+      <p:grpSpPr>
+        <a:xfrm>
+          <a:off x="0" y="0"/>
+          <a:ext cx="0" cy="0"/>
+          <a:chOff x="0" y="0"/>
+          <a:chExt cx="0" cy="0"/>
+        </a:xfrm>
+      </p:grpSpPr>
+      <p:sp>
+        <p:nvSpPr>
+          <p:cNvPr id="2" name="Slide Image Placeholder 1"/>
+          <p:cNvSpPr>
+            <a:spLocks noGrp="1" noRot="1" noChangeAspect="1"/>
+          </p:cNvSpPr>
+          <p:nvPr>
+            <p:ph type="sldImg"/>
+          </p:nvPr>
+        </p:nvSpPr>
+        <p:spPr/>
+      </p:sp>
+      <p:sp>
+        <p:nvSpPr>
+          <p:cNvPr id="3" name="Notes Placeholder 2"/>
+          <p:cNvSpPr>
+            <a:spLocks noGrp="1"/>
+          </p:cNvSpPr>
+          <p:nvPr>
+            <p:ph type="body" idx="1"/>
+          </p:nvPr>
+        </p:nvSpPr>
+        <p:spPr/>
+        <p:txBody>
+          <a:bodyPr/>
+          <a:lstStyle/>
+          <a:p>
+            <a:r>
+              <a:rPr lang="en-US" dirty="0"/>
+              <a:t>Visiting relatives, friends, colleagues, neighbors</a:t>
+            </a:r>
+          </a:p>
+        </p:txBody>
+      </p:sp>
+      <p:sp>
+        <p:nvSpPr>
+          <p:cNvPr id="4" name="Slide Number Placeholder 3"/>
+          <p:cNvSpPr>
+            <a:spLocks noGrp="1"/>
+          </p:cNvSpPr>
+          <p:nvPr>
+            <p:ph type="sldNum" sz="quarter" idx="5"/>
+          </p:nvPr>
+        </p:nvSpPr>
+        <p:spPr/>
+        <p:txBody>
+          <a:bodyPr/>
+          <a:lstStyle/>
+          <a:p>
+            <a:fld id="{99CAC06A-4905-4B1A-83C1-3B011A8CF04B}" type="slidenum">
+              <a:rPr lang="en-US" smtClean="0"/>
+              <a:t>4</a:t>
+            </a:fld>
+            <a:endParaRPr lang="en-US" dirty="0"/>
+          </a:p>
+        </p:txBody>
+      </p:sp>
+    </p:spTree>
+    <p:extLst>
+      <p:ext uri="{BB962C8B-B14F-4D97-AF65-F5344CB8AC3E}">
+        <p14:creationId xmlns:p14="http://schemas.microsoft.com/office/powerpoint/2010/main" val="2436753116"/>
+      </p:ext>
+    </p:extLst>
+  </p:cSld>
+  <p:clrMapOvr>
+    <a:masterClrMapping/>
+  </p:clrMapOvr>
+</p:notes>
+</file>
+
+<file path=ppt/notesSlides/notesSlide4.xml><?xml version="1.0" encoding="utf-8"?>
+<p:notes xmlns:a="http://schemas.openxmlformats.org/drawingml/2006/main" xmlns:r="http://schemas.openxmlformats.org/officeDocument/2006/relationships" xmlns:p="http://schemas.openxmlformats.org/presentationml/2006/main">
+  <p:cSld>
+    <p:spTree>
+      <p:nvGrpSpPr>
+        <p:cNvPr id="1" name=""/>
+        <p:cNvGrpSpPr/>
+        <p:nvPr/>
+      </p:nvGrpSpPr>
+      <p:grpSpPr>
+        <a:xfrm>
+          <a:off x="0" y="0"/>
+          <a:ext cx="0" cy="0"/>
+          <a:chOff x="0" y="0"/>
+          <a:chExt cx="0" cy="0"/>
+        </a:xfrm>
+      </p:grpSpPr>
+      <p:sp>
+        <p:nvSpPr>
+          <p:cNvPr id="2" name="Slide Image Placeholder 1"/>
+          <p:cNvSpPr>
+            <a:spLocks noGrp="1" noRot="1" noChangeAspect="1"/>
+          </p:cNvSpPr>
+          <p:nvPr>
+            <p:ph type="sldImg"/>
+          </p:nvPr>
+        </p:nvSpPr>
+        <p:spPr/>
+      </p:sp>
+      <p:sp>
+        <p:nvSpPr>
+          <p:cNvPr id="3" name="Notes Placeholder 2"/>
+          <p:cNvSpPr>
+            <a:spLocks noGrp="1"/>
+          </p:cNvSpPr>
+          <p:nvPr>
+            <p:ph type="body" idx="1"/>
+          </p:nvPr>
+        </p:nvSpPr>
+        <p:spPr/>
+        <p:txBody>
+          <a:bodyPr/>
+          <a:lstStyle/>
+          <a:p>
+            <a:r>
+              <a:rPr lang="en-US" dirty="0"/>
+              <a:t>Visiting relatives, friends, colleagues, neighbors</a:t>
+            </a:r>
+          </a:p>
+        </p:txBody>
+      </p:sp>
+      <p:sp>
+        <p:nvSpPr>
+          <p:cNvPr id="4" name="Slide Number Placeholder 3"/>
+          <p:cNvSpPr>
+            <a:spLocks noGrp="1"/>
+          </p:cNvSpPr>
+          <p:nvPr>
+            <p:ph type="sldNum" sz="quarter" idx="5"/>
+          </p:nvPr>
+        </p:nvSpPr>
+        <p:spPr/>
+        <p:txBody>
+          <a:bodyPr/>
+          <a:lstStyle/>
+          <a:p>
+            <a:fld id="{99CAC06A-4905-4B1A-83C1-3B011A8CF04B}" type="slidenum">
+              <a:rPr lang="en-US" smtClean="0"/>
+              <a:t>5</a:t>
+            </a:fld>
+            <a:endParaRPr lang="en-US" dirty="0"/>
+          </a:p>
+        </p:txBody>
+      </p:sp>
+    </p:spTree>
+    <p:extLst>
+      <p:ext uri="{BB962C8B-B14F-4D97-AF65-F5344CB8AC3E}">
+        <p14:creationId xmlns:p14="http://schemas.microsoft.com/office/powerpoint/2010/main" val="2406382201"/>
+      </p:ext>
+    </p:extLst>
+  </p:cSld>
+  <p:clrMapOvr>
+    <a:masterClrMapping/>
+  </p:clrMapOvr>
+</p:notes>
+</file>
+
+<file path=ppt/notesSlides/notesSlide5.xml><?xml version="1.0" encoding="utf-8"?>
+<p:notes xmlns:a="http://schemas.openxmlformats.org/drawingml/2006/main" xmlns:r="http://schemas.openxmlformats.org/officeDocument/2006/relationships" xmlns:p="http://schemas.openxmlformats.org/presentationml/2006/main">
+  <p:cSld>
+    <p:spTree>
+      <p:nvGrpSpPr>
+        <p:cNvPr id="1" name=""/>
+        <p:cNvGrpSpPr/>
+        <p:nvPr/>
+      </p:nvGrpSpPr>
+      <p:grpSpPr>
+        <a:xfrm>
+          <a:off x="0" y="0"/>
+          <a:ext cx="0" cy="0"/>
+          <a:chOff x="0" y="0"/>
+          <a:chExt cx="0" cy="0"/>
+        </a:xfrm>
+      </p:grpSpPr>
+      <p:sp>
+        <p:nvSpPr>
+          <p:cNvPr id="2" name="Slide Image Placeholder 1"/>
+          <p:cNvSpPr>
+            <a:spLocks noGrp="1" noRot="1" noChangeAspect="1"/>
+          </p:cNvSpPr>
+          <p:nvPr>
+            <p:ph type="sldImg"/>
+          </p:nvPr>
+        </p:nvSpPr>
+        <p:spPr/>
+      </p:sp>
+      <p:sp>
+        <p:nvSpPr>
+          <p:cNvPr id="3" name="Notes Placeholder 2"/>
+          <p:cNvSpPr>
+            <a:spLocks noGrp="1"/>
+          </p:cNvSpPr>
+          <p:nvPr>
+            <p:ph type="body" idx="1"/>
+          </p:nvPr>
+        </p:nvSpPr>
+        <p:spPr/>
+        <p:txBody>
+          <a:bodyPr/>
+          <a:lstStyle/>
+          <a:p>
+            <a:r>
+              <a:rPr lang="en-US" dirty="0"/>
+              <a:t>Visiting relatives, friends, colleagues, neighbors</a:t>
+            </a:r>
+          </a:p>
+        </p:txBody>
+      </p:sp>
+      <p:sp>
+        <p:nvSpPr>
+          <p:cNvPr id="4" name="Slide Number Placeholder 3"/>
+          <p:cNvSpPr>
+            <a:spLocks noGrp="1"/>
+          </p:cNvSpPr>
+          <p:nvPr>
+            <p:ph type="sldNum" sz="quarter" idx="5"/>
+          </p:nvPr>
+        </p:nvSpPr>
+        <p:spPr/>
+        <p:txBody>
+          <a:bodyPr/>
+          <a:lstStyle/>
+          <a:p>
+            <a:fld id="{99CAC06A-4905-4B1A-83C1-3B011A8CF04B}" type="slidenum">
+              <a:rPr lang="en-US" smtClean="0"/>
+              <a:t>6</a:t>
+            </a:fld>
+            <a:endParaRPr lang="en-US" dirty="0"/>
+          </a:p>
+        </p:txBody>
+      </p:sp>
+    </p:spTree>
+    <p:extLst>
+      <p:ext uri="{BB962C8B-B14F-4D97-AF65-F5344CB8AC3E}">
+        <p14:creationId xmlns:p14="http://schemas.microsoft.com/office/powerpoint/2010/main" val="2706436056"/>
+      </p:ext>
+    </p:extLst>
+  </p:cSld>
+  <p:clrMapOvr>
+    <a:masterClrMapping/>
+  </p:clrMapOvr>
+</p:notes>
+</file>
+
+<file path=ppt/notesSlides/notesSlide6.xml><?xml version="1.0" encoding="utf-8"?>
+<p:notes xmlns:a="http://schemas.openxmlformats.org/drawingml/2006/main" xmlns:r="http://schemas.openxmlformats.org/officeDocument/2006/relationships" xmlns:p="http://schemas.openxmlformats.org/presentationml/2006/main">
+  <p:cSld>
+    <p:spTree>
+      <p:nvGrpSpPr>
+        <p:cNvPr id="1" name=""/>
+        <p:cNvGrpSpPr/>
+        <p:nvPr/>
+      </p:nvGrpSpPr>
+      <p:grpSpPr>
+        <a:xfrm>
+          <a:off x="0" y="0"/>
+          <a:ext cx="0" cy="0"/>
+          <a:chOff x="0" y="0"/>
+          <a:chExt cx="0" cy="0"/>
+        </a:xfrm>
+      </p:grpSpPr>
+      <p:sp>
+        <p:nvSpPr>
+          <p:cNvPr id="2" name="Slide Image Placeholder 1"/>
+          <p:cNvSpPr>
+            <a:spLocks noGrp="1" noRot="1" noChangeAspect="1"/>
+          </p:cNvSpPr>
+          <p:nvPr>
+            <p:ph type="sldImg"/>
+          </p:nvPr>
+        </p:nvSpPr>
+        <p:spPr/>
+      </p:sp>
+      <p:sp>
+        <p:nvSpPr>
+          <p:cNvPr id="3" name="Notes Placeholder 2"/>
+          <p:cNvSpPr>
+            <a:spLocks noGrp="1"/>
+          </p:cNvSpPr>
+          <p:nvPr>
+            <p:ph type="body" idx="1"/>
+          </p:nvPr>
+        </p:nvSpPr>
+        <p:spPr/>
+        <p:txBody>
+          <a:bodyPr/>
+          <a:lstStyle/>
+          <a:p>
+            <a:r>
+              <a:rPr lang="en-US" dirty="0"/>
+              <a:t>Visiting relatives, friends, colleagues, neighbors</a:t>
+            </a:r>
+          </a:p>
+        </p:txBody>
+      </p:sp>
+      <p:sp>
+        <p:nvSpPr>
+          <p:cNvPr id="4" name="Slide Number Placeholder 3"/>
+          <p:cNvSpPr>
+            <a:spLocks noGrp="1"/>
+          </p:cNvSpPr>
+          <p:nvPr>
+            <p:ph type="sldNum" sz="quarter" idx="5"/>
+          </p:nvPr>
+        </p:nvSpPr>
+        <p:spPr/>
+        <p:txBody>
+          <a:bodyPr/>
+          <a:lstStyle/>
+          <a:p>
+            <a:fld id="{99CAC06A-4905-4B1A-83C1-3B011A8CF04B}" type="slidenum">
+              <a:rPr lang="en-US" smtClean="0"/>
+              <a:t>7</a:t>
+            </a:fld>
+            <a:endParaRPr lang="en-US" dirty="0"/>
+          </a:p>
+        </p:txBody>
+      </p:sp>
+    </p:spTree>
+    <p:extLst>
+      <p:ext uri="{BB962C8B-B14F-4D97-AF65-F5344CB8AC3E}">
+        <p14:creationId xmlns:p14="http://schemas.microsoft.com/office/powerpoint/2010/main" val="942926203"/>
       </p:ext>
     </p:extLst>
   </p:cSld>
@@ -9965,7 +10407,7 @@
           <p:nvPr>
             <p:extLst>
               <p:ext uri="{D42A27DB-BD31-4B8C-83A1-F6EECF244321}">
-                <p14:modId xmlns:p14="http://schemas.microsoft.com/office/powerpoint/2010/main" val="1640090337"/>
+                <p14:modId xmlns:p14="http://schemas.microsoft.com/office/powerpoint/2010/main" val="3680824895"/>
               </p:ext>
             </p:extLst>
           </p:nvPr>
@@ -10145,6 +10587,406 @@
 </p:sld>
 </file>
 
+<file path=ppt/slides/slide10.xml><?xml version="1.0" encoding="utf-8"?>
+<p:sld xmlns:a="http://schemas.openxmlformats.org/drawingml/2006/main" xmlns:r="http://schemas.openxmlformats.org/officeDocument/2006/relationships" xmlns:p="http://schemas.openxmlformats.org/presentationml/2006/main">
+  <p:cSld>
+    <p:spTree>
+      <p:nvGrpSpPr>
+        <p:cNvPr id="1" name=""/>
+        <p:cNvGrpSpPr/>
+        <p:nvPr/>
+      </p:nvGrpSpPr>
+      <p:grpSpPr>
+        <a:xfrm>
+          <a:off x="0" y="0"/>
+          <a:ext cx="0" cy="0"/>
+          <a:chOff x="0" y="0"/>
+          <a:chExt cx="0" cy="0"/>
+        </a:xfrm>
+      </p:grpSpPr>
+      <p:sp>
+        <p:nvSpPr>
+          <p:cNvPr id="2" name="Picture Placeholder 1">
+            <a:extLst>
+              <a:ext uri="{FF2B5EF4-FFF2-40B4-BE49-F238E27FC236}">
+                <a16:creationId xmlns:a16="http://schemas.microsoft.com/office/drawing/2014/main" id="{23C6E8D1-D7A3-4BB4-9729-D16A3C182A21}"/>
+              </a:ext>
+            </a:extLst>
+          </p:cNvPr>
+          <p:cNvSpPr>
+            <a:spLocks noGrp="1"/>
+          </p:cNvSpPr>
+          <p:nvPr>
+            <p:ph type="pic" sz="quarter" idx="12"/>
+          </p:nvPr>
+        </p:nvSpPr>
+        <p:spPr>
+          <a:xfrm>
+            <a:off x="6096000" y="0"/>
+            <a:ext cx="6578600" cy="6858000"/>
+          </a:xfrm>
+        </p:spPr>
+      </p:sp>
+      <p:sp>
+        <p:nvSpPr>
+          <p:cNvPr id="3" name="Title 2">
+            <a:extLst>
+              <a:ext uri="{FF2B5EF4-FFF2-40B4-BE49-F238E27FC236}">
+                <a16:creationId xmlns:a16="http://schemas.microsoft.com/office/drawing/2014/main" id="{398F23BE-74AF-42C0-BA1D-FA64AB617C6F}"/>
+              </a:ext>
+            </a:extLst>
+          </p:cNvPr>
+          <p:cNvSpPr>
+            <a:spLocks noGrp="1"/>
+          </p:cNvSpPr>
+          <p:nvPr>
+            <p:ph type="title"/>
+          </p:nvPr>
+        </p:nvSpPr>
+        <p:spPr>
+          <a:xfrm>
+            <a:off x="101601" y="137400"/>
+            <a:ext cx="5994400" cy="792000"/>
+          </a:xfrm>
+        </p:spPr>
+        <p:txBody>
+          <a:bodyPr>
+            <a:normAutofit/>
+          </a:bodyPr>
+          <a:lstStyle/>
+          <a:p>
+            <a:pPr lvl="0"/>
+            <a:r>
+              <a:rPr lang="en-US" sz="2800" b="1" i="0" dirty="0">
+                <a:solidFill>
+                  <a:schemeClr val="tx1"/>
+                </a:solidFill>
+                <a:latin typeface="Abadi" panose="020B0604020104020204" pitchFamily="34" charset="0"/>
+              </a:rPr>
+              <a:t>What Korea can learn from Vietnam?</a:t>
+            </a:r>
+          </a:p>
+        </p:txBody>
+      </p:sp>
+      <p:graphicFrame>
+        <p:nvGraphicFramePr>
+          <p:cNvPr id="6" name="Table 6">
+            <a:extLst>
+              <a:ext uri="{FF2B5EF4-FFF2-40B4-BE49-F238E27FC236}">
+                <a16:creationId xmlns:a16="http://schemas.microsoft.com/office/drawing/2014/main" id="{628B3944-71CD-4AD5-9EB5-B9BBD7CC9718}"/>
+              </a:ext>
+            </a:extLst>
+          </p:cNvPr>
+          <p:cNvGraphicFramePr>
+            <a:graphicFrameLocks noGrp="1"/>
+          </p:cNvGraphicFramePr>
+          <p:nvPr>
+            <p:ph idx="1"/>
+          </p:nvPr>
+        </p:nvGraphicFramePr>
+        <p:xfrm>
+          <a:off x="50801" y="1233170"/>
+          <a:ext cx="6096000" cy="1193800"/>
+        </p:xfrm>
+        <a:graphic>
+          <a:graphicData uri="http://schemas.openxmlformats.org/drawingml/2006/table">
+            <a:tbl>
+              <a:tblPr firstRow="1" bandRow="1">
+                <a:tableStyleId>{5C22544A-7EE6-4342-B048-85BDC9FD1C3A}</a:tableStyleId>
+              </a:tblPr>
+              <a:tblGrid>
+                <a:gridCol w="1278609">
+                  <a:extLst>
+                    <a:ext uri="{9D8B030D-6E8A-4147-A177-3AD203B41FA5}">
+                      <a16:colId xmlns:a16="http://schemas.microsoft.com/office/drawing/2014/main" val="4058099069"/>
+                    </a:ext>
+                  </a:extLst>
+                </a:gridCol>
+                <a:gridCol w="2040611">
+                  <a:extLst>
+                    <a:ext uri="{9D8B030D-6E8A-4147-A177-3AD203B41FA5}">
+                      <a16:colId xmlns:a16="http://schemas.microsoft.com/office/drawing/2014/main" val="1096586304"/>
+                    </a:ext>
+                  </a:extLst>
+                </a:gridCol>
+                <a:gridCol w="2776780">
+                  <a:extLst>
+                    <a:ext uri="{9D8B030D-6E8A-4147-A177-3AD203B41FA5}">
+                      <a16:colId xmlns:a16="http://schemas.microsoft.com/office/drawing/2014/main" val="3464940675"/>
+                    </a:ext>
+                  </a:extLst>
+                </a:gridCol>
+              </a:tblGrid>
+              <a:tr h="462280">
+                <a:tc>
+                  <a:txBody>
+                    <a:bodyPr/>
+                    <a:lstStyle/>
+                    <a:p>
+                      <a:pPr algn="ctr"/>
+                      <a:endParaRPr lang="en-US" dirty="0"/>
+                    </a:p>
+                  </a:txBody>
+                  <a:tcPr/>
+                </a:tc>
+                <a:tc>
+                  <a:txBody>
+                    <a:bodyPr/>
+                    <a:lstStyle/>
+                    <a:p>
+                      <a:pPr marL="0" marR="0" lvl="0" indent="0" algn="ctr" defTabSz="914400" rtl="0" eaLnBrk="1" fontAlgn="auto" latinLnBrk="1" hangingPunct="1">
+                        <a:lnSpc>
+                          <a:spcPct val="100000"/>
+                        </a:lnSpc>
+                        <a:spcBef>
+                          <a:spcPts val="0"/>
+                        </a:spcBef>
+                        <a:spcAft>
+                          <a:spcPts val="0"/>
+                        </a:spcAft>
+                        <a:buClrTx/>
+                        <a:buSzTx/>
+                        <a:buFontTx/>
+                        <a:buNone/>
+                        <a:tabLst/>
+                        <a:defRPr/>
+                      </a:pPr>
+                      <a:r>
+                        <a:rPr lang="ko-KR" altLang="en-US" sz="1800" b="1" dirty="0">
+                          <a:latin typeface="Abadi" panose="020B0604020104020204" pitchFamily="34" charset="0"/>
+                        </a:rPr>
+                        <a:t>대한민국</a:t>
+                      </a:r>
+                      <a:endParaRPr lang="en-US" dirty="0">
+                        <a:effectLst/>
+                      </a:endParaRPr>
+                    </a:p>
+                  </a:txBody>
+                  <a:tcPr/>
+                </a:tc>
+                <a:tc>
+                  <a:txBody>
+                    <a:bodyPr/>
+                    <a:lstStyle/>
+                    <a:p>
+                      <a:pPr marL="0" marR="0" lvl="0" indent="0" algn="ctr" defTabSz="914400" rtl="0" eaLnBrk="1" fontAlgn="auto" latinLnBrk="1" hangingPunct="1">
+                        <a:lnSpc>
+                          <a:spcPct val="100000"/>
+                        </a:lnSpc>
+                        <a:spcBef>
+                          <a:spcPts val="0"/>
+                        </a:spcBef>
+                        <a:spcAft>
+                          <a:spcPts val="0"/>
+                        </a:spcAft>
+                        <a:buClrTx/>
+                        <a:buSzTx/>
+                        <a:buFontTx/>
+                        <a:buNone/>
+                        <a:tabLst/>
+                        <a:defRPr/>
+                      </a:pPr>
+                      <a:r>
+                        <a:rPr lang="ko-KR" altLang="en-US" sz="1800" b="1" dirty="0">
+                          <a:latin typeface="Abadi" panose="020B0604020104020204" pitchFamily="34" charset="0"/>
+                        </a:rPr>
+                        <a:t>베트남</a:t>
+                      </a:r>
+                      <a:endParaRPr lang="en-US" dirty="0">
+                        <a:effectLst/>
+                      </a:endParaRPr>
+                    </a:p>
+                  </a:txBody>
+                  <a:tcPr/>
+                </a:tc>
+                <a:extLst>
+                  <a:ext uri="{0D108BD9-81ED-4DB2-BD59-A6C34878D82A}">
+                    <a16:rowId xmlns:a16="http://schemas.microsoft.com/office/drawing/2014/main" val="3826548073"/>
+                  </a:ext>
+                </a:extLst>
+              </a:tr>
+              <a:tr h="622300">
+                <a:tc>
+                  <a:txBody>
+                    <a:bodyPr/>
+                    <a:lstStyle/>
+                    <a:p>
+                      <a:pPr algn="ctr"/>
+                      <a:r>
+                        <a:rPr lang="en-US" sz="1400" b="1" dirty="0">
+                          <a:effectLst/>
+                          <a:latin typeface="Abadi" panose="020B0604020104020204" pitchFamily="34" charset="0"/>
+                        </a:rPr>
+                        <a:t>2 parts</a:t>
+                      </a:r>
+                    </a:p>
+                  </a:txBody>
+                  <a:tcPr marL="95250" marR="95250" marT="95250" marB="95250" anchor="ctr"/>
+                </a:tc>
+                <a:tc>
+                  <a:txBody>
+                    <a:bodyPr/>
+                    <a:lstStyle/>
+                    <a:p>
+                      <a:pPr marL="285750" indent="-285750" algn="l">
+                        <a:buFont typeface="Arial" panose="020B0604020202020204" pitchFamily="34" charset="0"/>
+                        <a:buChar char="•"/>
+                      </a:pPr>
+                      <a:r>
+                        <a:rPr lang="en-US" sz="1400" dirty="0">
+                          <a:latin typeface="Abadi" panose="020B0604020104020204" pitchFamily="34" charset="0"/>
+                        </a:rPr>
+                        <a:t>1950-now:</a:t>
+                      </a:r>
+                    </a:p>
+                    <a:p>
+                      <a:pPr algn="l"/>
+                      <a:r>
+                        <a:rPr lang="ko-KR" altLang="en-US" sz="1400" b="1" dirty="0">
+                          <a:latin typeface="Abadi" panose="020B0604020104020204" pitchFamily="34" charset="0"/>
+                        </a:rPr>
+                        <a:t>대한민국 </a:t>
+                      </a:r>
+                      <a:r>
+                        <a:rPr lang="en-US" sz="1400" dirty="0">
+                          <a:latin typeface="Abadi" panose="020B0604020104020204" pitchFamily="34" charset="0"/>
+                        </a:rPr>
+                        <a:t>vs </a:t>
+                      </a:r>
+                      <a:r>
+                        <a:rPr lang="ko-KR" altLang="en-US" sz="1400" dirty="0">
+                          <a:effectLst/>
+                          <a:latin typeface="Abadi" panose="020B0604020104020204" pitchFamily="34" charset="0"/>
+                        </a:rPr>
+                        <a:t>북</a:t>
+                      </a:r>
+                      <a:r>
+                        <a:rPr lang="ko-KR" altLang="en-US" sz="1400" b="1" dirty="0">
+                          <a:latin typeface="Abadi" panose="020B0604020104020204" pitchFamily="34" charset="0"/>
+                        </a:rPr>
+                        <a:t>한</a:t>
+                      </a:r>
+                      <a:endParaRPr lang="en-US" sz="1400" dirty="0">
+                        <a:latin typeface="Abadi" panose="020B0604020104020204" pitchFamily="34" charset="0"/>
+                      </a:endParaRPr>
+                    </a:p>
+                  </a:txBody>
+                  <a:tcPr/>
+                </a:tc>
+                <a:tc>
+                  <a:txBody>
+                    <a:bodyPr/>
+                    <a:lstStyle/>
+                    <a:p>
+                      <a:pPr marL="285750" indent="-285750" algn="l">
+                        <a:buFont typeface="Arial" panose="020B0604020202020204" pitchFamily="34" charset="0"/>
+                        <a:buChar char="•"/>
+                      </a:pPr>
+                      <a:r>
+                        <a:rPr lang="en-US" sz="1400" dirty="0">
+                          <a:latin typeface="Abadi" panose="020B0604020104020204" pitchFamily="34" charset="0"/>
+                        </a:rPr>
+                        <a:t>2 times</a:t>
+                      </a:r>
+                    </a:p>
+                    <a:p>
+                      <a:pPr algn="l"/>
+                      <a:r>
+                        <a:rPr lang="en-US" sz="1400" dirty="0">
+                          <a:latin typeface="Abadi" panose="020B0604020104020204" pitchFamily="34" charset="0"/>
+                        </a:rPr>
+                        <a:t>1954 - 1975: </a:t>
+                      </a:r>
+                      <a:r>
+                        <a:rPr lang="ko-KR" altLang="en-US" sz="1400" dirty="0">
+                          <a:latin typeface="Abadi" panose="020B0604020104020204" pitchFamily="34" charset="0"/>
+                        </a:rPr>
+                        <a:t>북베트</a:t>
+                      </a:r>
+                      <a:r>
+                        <a:rPr lang="en-US" sz="1400" dirty="0">
+                          <a:latin typeface="Abadi" panose="020B0604020104020204" pitchFamily="34" charset="0"/>
+                        </a:rPr>
+                        <a:t>win</a:t>
+                      </a:r>
+                    </a:p>
+                    <a:p>
+                      <a:pPr algn="l"/>
+                      <a:r>
+                        <a:rPr lang="en-US" sz="1400" dirty="0">
+                          <a:latin typeface="Abadi" panose="020B0604020104020204" pitchFamily="34" charset="0"/>
+                        </a:rPr>
+                        <a:t>16xx  - 18xx:  </a:t>
+                      </a:r>
+                      <a:r>
+                        <a:rPr lang="ko-KR" altLang="en-US" sz="1400" dirty="0">
+                          <a:latin typeface="Abadi" panose="020B0604020104020204" pitchFamily="34" charset="0"/>
+                        </a:rPr>
+                        <a:t>남베트</a:t>
+                      </a:r>
+                      <a:r>
+                        <a:rPr lang="en-US" sz="1400" dirty="0">
+                          <a:latin typeface="Abadi" panose="020B0604020104020204" pitchFamily="34" charset="0"/>
+                        </a:rPr>
+                        <a:t>win</a:t>
+                      </a:r>
+                    </a:p>
+                  </a:txBody>
+                  <a:tcPr/>
+                </a:tc>
+                <a:extLst>
+                  <a:ext uri="{0D108BD9-81ED-4DB2-BD59-A6C34878D82A}">
+                    <a16:rowId xmlns:a16="http://schemas.microsoft.com/office/drawing/2014/main" val="988632346"/>
+                  </a:ext>
+                </a:extLst>
+              </a:tr>
+            </a:tbl>
+          </a:graphicData>
+        </a:graphic>
+      </p:graphicFrame>
+      <p:sp>
+        <p:nvSpPr>
+          <p:cNvPr id="5" name="Slide Number Placeholder 4">
+            <a:extLst>
+              <a:ext uri="{FF2B5EF4-FFF2-40B4-BE49-F238E27FC236}">
+                <a16:creationId xmlns:a16="http://schemas.microsoft.com/office/drawing/2014/main" id="{3EB3E1F4-13A8-480F-BF66-537E5C6846AF}"/>
+              </a:ext>
+            </a:extLst>
+          </p:cNvPr>
+          <p:cNvSpPr>
+            <a:spLocks noGrp="1"/>
+          </p:cNvSpPr>
+          <p:nvPr>
+            <p:ph type="sldNum" sz="quarter" idx="11"/>
+          </p:nvPr>
+        </p:nvSpPr>
+        <p:spPr/>
+        <p:txBody>
+          <a:bodyPr/>
+          <a:lstStyle/>
+          <a:p>
+            <a:fld id="{7E0E41E9-E887-49CF-A358-8367F0C34840}" type="slidenum">
+              <a:rPr lang="en-US" smtClean="0"/>
+              <a:pPr/>
+              <a:t>10</a:t>
+            </a:fld>
+            <a:endParaRPr lang="en-US" dirty="0"/>
+          </a:p>
+        </p:txBody>
+      </p:sp>
+    </p:spTree>
+    <p:extLst>
+      <p:ext uri="{BB962C8B-B14F-4D97-AF65-F5344CB8AC3E}">
+        <p14:creationId xmlns:p14="http://schemas.microsoft.com/office/powerpoint/2010/main" val="4291722942"/>
+      </p:ext>
+    </p:extLst>
+  </p:cSld>
+  <p:clrMapOvr>
+    <a:masterClrMapping/>
+  </p:clrMapOvr>
+</p:sld>
+</file>
+
 <file path=ppt/slides/slide2.xml><?xml version="1.0" encoding="utf-8"?>
 <p:sld xmlns:a="http://schemas.openxmlformats.org/drawingml/2006/main" xmlns:r="http://schemas.openxmlformats.org/officeDocument/2006/relationships" xmlns:p="http://schemas.openxmlformats.org/presentationml/2006/main">
   <p:cSld>
@@ -10241,14 +11083,14 @@
             <p:ph idx="1"/>
             <p:extLst>
               <p:ext uri="{D42A27DB-BD31-4B8C-83A1-F6EECF244321}">
-                <p14:modId xmlns:p14="http://schemas.microsoft.com/office/powerpoint/2010/main" val="306046695"/>
+                <p14:modId xmlns:p14="http://schemas.microsoft.com/office/powerpoint/2010/main" val="3347535892"/>
               </p:ext>
             </p:extLst>
           </p:nvPr>
         </p:nvGraphicFramePr>
         <p:xfrm>
-          <a:off x="0" y="1823720"/>
-          <a:ext cx="6096000" cy="2969260"/>
+          <a:off x="0" y="1191260"/>
+          <a:ext cx="6096000" cy="2237740"/>
         </p:xfrm>
         <a:graphic>
           <a:graphicData uri="http://schemas.openxmlformats.org/drawingml/2006/table">
@@ -10598,141 +11440,6 @@
                           <a:effectLst/>
                           <a:latin typeface="Abadi" panose="020B0604020104020204" pitchFamily="34" charset="0"/>
                         </a:rPr>
-                        <a:t>2 parts</a:t>
-                      </a:r>
-                    </a:p>
-                  </a:txBody>
-                  <a:tcPr marL="95250" marR="95250" marT="95250" marB="95250" anchor="ctr"/>
-                </a:tc>
-                <a:tc>
-                  <a:txBody>
-                    <a:bodyPr/>
-                    <a:lstStyle/>
-                    <a:p>
-                      <a:pPr marL="285750" indent="-285750" algn="l">
-                        <a:buFont typeface="Arial" panose="020B0604020202020204" pitchFamily="34" charset="0"/>
-                        <a:buChar char="•"/>
-                      </a:pPr>
-                      <a:r>
-                        <a:rPr lang="en-US" sz="1400" dirty="0">
-                          <a:latin typeface="Abadi" panose="020B0604020104020204" pitchFamily="34" charset="0"/>
-                        </a:rPr>
-                        <a:t>1950-now:</a:t>
-                      </a:r>
-                    </a:p>
-                    <a:p>
-                      <a:pPr algn="l"/>
-                      <a:r>
-                        <a:rPr lang="ko-KR" altLang="en-US" sz="1400" b="1" dirty="0">
-                          <a:latin typeface="Abadi" panose="020B0604020104020204" pitchFamily="34" charset="0"/>
-                        </a:rPr>
-                        <a:t>대한민국 </a:t>
-                      </a:r>
-                      <a:r>
-                        <a:rPr lang="en-US" sz="1400" dirty="0">
-                          <a:latin typeface="Abadi" panose="020B0604020104020204" pitchFamily="34" charset="0"/>
-                        </a:rPr>
-                        <a:t>vs </a:t>
-                      </a:r>
-                      <a:r>
-                        <a:rPr lang="ko-KR" altLang="en-US" sz="1400" dirty="0">
-                          <a:effectLst/>
-                          <a:latin typeface="Abadi" panose="020B0604020104020204" pitchFamily="34" charset="0"/>
-                        </a:rPr>
-                        <a:t>북</a:t>
-                      </a:r>
-                      <a:r>
-                        <a:rPr lang="ko-KR" altLang="en-US" sz="1400" b="1" dirty="0">
-                          <a:latin typeface="Abadi" panose="020B0604020104020204" pitchFamily="34" charset="0"/>
-                        </a:rPr>
-                        <a:t>한</a:t>
-                      </a:r>
-                      <a:endParaRPr lang="en-US" sz="1400" dirty="0">
-                        <a:latin typeface="Abadi" panose="020B0604020104020204" pitchFamily="34" charset="0"/>
-                      </a:endParaRPr>
-                    </a:p>
-                  </a:txBody>
-                  <a:tcPr/>
-                </a:tc>
-                <a:tc>
-                  <a:txBody>
-                    <a:bodyPr/>
-                    <a:lstStyle/>
-                    <a:p>
-                      <a:pPr marL="285750" indent="-285750" algn="l">
-                        <a:buFont typeface="Arial" panose="020B0604020202020204" pitchFamily="34" charset="0"/>
-                        <a:buChar char="•"/>
-                      </a:pPr>
-                      <a:r>
-                        <a:rPr lang="en-US" sz="1400" dirty="0">
-                          <a:latin typeface="Abadi" panose="020B0604020104020204" pitchFamily="34" charset="0"/>
-                        </a:rPr>
-                        <a:t>2 times</a:t>
-                      </a:r>
-                    </a:p>
-                    <a:p>
-                      <a:pPr algn="l"/>
-                      <a:r>
-                        <a:rPr lang="en-US" sz="1400" dirty="0">
-                          <a:latin typeface="Abadi" panose="020B0604020104020204" pitchFamily="34" charset="0"/>
-                        </a:rPr>
-                        <a:t>1954 - 1975: </a:t>
-                      </a:r>
-                      <a:r>
-                        <a:rPr lang="ko-KR" altLang="en-US" sz="1400" dirty="0">
-                          <a:latin typeface="Abadi" panose="020B0604020104020204" pitchFamily="34" charset="0"/>
-                        </a:rPr>
-                        <a:t>북베트</a:t>
-                      </a:r>
-                      <a:r>
-                        <a:rPr lang="en-US" sz="1400" dirty="0">
-                          <a:latin typeface="Abadi" panose="020B0604020104020204" pitchFamily="34" charset="0"/>
-                        </a:rPr>
-                        <a:t>win</a:t>
-                      </a:r>
-                    </a:p>
-                    <a:p>
-                      <a:pPr algn="l"/>
-                      <a:r>
-                        <a:rPr lang="en-US" sz="1400" dirty="0">
-                          <a:latin typeface="Abadi" panose="020B0604020104020204" pitchFamily="34" charset="0"/>
-                        </a:rPr>
-                        <a:t>16xx  - 18xx:  </a:t>
-                      </a:r>
-                      <a:r>
-                        <a:rPr lang="ko-KR" altLang="en-US" sz="1400" dirty="0">
-                          <a:latin typeface="Abadi" panose="020B0604020104020204" pitchFamily="34" charset="0"/>
-                        </a:rPr>
-                        <a:t>남베트</a:t>
-                      </a:r>
-                      <a:r>
-                        <a:rPr lang="en-US" sz="1400" dirty="0">
-                          <a:latin typeface="Abadi" panose="020B0604020104020204" pitchFamily="34" charset="0"/>
-                        </a:rPr>
-                        <a:t>win</a:t>
-                      </a:r>
-                    </a:p>
-                  </a:txBody>
-                  <a:tcPr/>
-                </a:tc>
-                <a:extLst>
-                  <a:ext uri="{0D108BD9-81ED-4DB2-BD59-A6C34878D82A}">
-                    <a16:rowId xmlns:a16="http://schemas.microsoft.com/office/drawing/2014/main" val="988632346"/>
-                  </a:ext>
-                </a:extLst>
-              </a:tr>
-              <a:tr h="622300">
-                <a:tc>
-                  <a:txBody>
-                    <a:bodyPr/>
-                    <a:lstStyle/>
-                    <a:p>
-                      <a:pPr algn="ctr"/>
-                      <a:r>
-                        <a:rPr lang="en-US" sz="1400" b="1" dirty="0">
-                          <a:effectLst/>
-                          <a:latin typeface="Abadi" panose="020B0604020104020204" pitchFamily="34" charset="0"/>
-                        </a:rPr>
                         <a:t>Folk costume</a:t>
                       </a:r>
                     </a:p>
@@ -10925,6 +11632,889 @@
         </p:nvSpPr>
         <p:spPr>
           <a:xfrm>
+            <a:off x="4381500" y="0"/>
+            <a:ext cx="8293100" cy="6858000"/>
+          </a:xfrm>
+        </p:spPr>
+      </p:sp>
+      <p:sp>
+        <p:nvSpPr>
+          <p:cNvPr id="3" name="Title 2">
+            <a:extLst>
+              <a:ext uri="{FF2B5EF4-FFF2-40B4-BE49-F238E27FC236}">
+                <a16:creationId xmlns:a16="http://schemas.microsoft.com/office/drawing/2014/main" id="{398F23BE-74AF-42C0-BA1D-FA64AB617C6F}"/>
+              </a:ext>
+            </a:extLst>
+          </p:cNvPr>
+          <p:cNvSpPr>
+            <a:spLocks noGrp="1"/>
+          </p:cNvSpPr>
+          <p:nvPr>
+            <p:ph type="title"/>
+          </p:nvPr>
+        </p:nvSpPr>
+        <p:spPr>
+          <a:xfrm>
+            <a:off x="101601" y="137400"/>
+            <a:ext cx="4584700" cy="792000"/>
+          </a:xfrm>
+        </p:spPr>
+        <p:txBody>
+          <a:bodyPr>
+            <a:normAutofit/>
+          </a:bodyPr>
+          <a:lstStyle/>
+          <a:p>
+            <a:r>
+              <a:rPr lang="en-US" b="1" dirty="0">
+                <a:latin typeface="Abadi" panose="020B0604020104020204" pitchFamily="34" charset="0"/>
+              </a:rPr>
+              <a:t>New year activity</a:t>
+            </a:r>
+            <a:endParaRPr lang="en-US" dirty="0">
+              <a:latin typeface="Abadi" panose="020B0604020104020204" pitchFamily="34" charset="0"/>
+            </a:endParaRPr>
+          </a:p>
+        </p:txBody>
+      </p:sp>
+      <p:sp>
+        <p:nvSpPr>
+          <p:cNvPr id="5" name="Slide Number Placeholder 4">
+            <a:extLst>
+              <a:ext uri="{FF2B5EF4-FFF2-40B4-BE49-F238E27FC236}">
+                <a16:creationId xmlns:a16="http://schemas.microsoft.com/office/drawing/2014/main" id="{3EB3E1F4-13A8-480F-BF66-537E5C6846AF}"/>
+              </a:ext>
+            </a:extLst>
+          </p:cNvPr>
+          <p:cNvSpPr>
+            <a:spLocks noGrp="1"/>
+          </p:cNvSpPr>
+          <p:nvPr>
+            <p:ph type="sldNum" sz="quarter" idx="11"/>
+          </p:nvPr>
+        </p:nvSpPr>
+        <p:spPr/>
+        <p:txBody>
+          <a:bodyPr/>
+          <a:lstStyle/>
+          <a:p>
+            <a:fld id="{7E0E41E9-E887-49CF-A358-8367F0C34840}" type="slidenum">
+              <a:rPr lang="en-US" smtClean="0"/>
+              <a:pPr/>
+              <a:t>3</a:t>
+            </a:fld>
+            <a:endParaRPr lang="en-US" dirty="0"/>
+          </a:p>
+        </p:txBody>
+      </p:sp>
+      <p:sp>
+        <p:nvSpPr>
+          <p:cNvPr id="7" name="Content Placeholder 6">
+            <a:extLst>
+              <a:ext uri="{FF2B5EF4-FFF2-40B4-BE49-F238E27FC236}">
+                <a16:creationId xmlns:a16="http://schemas.microsoft.com/office/drawing/2014/main" id="{BD9EDC80-57A1-45E2-97D7-4C23148F3E55}"/>
+              </a:ext>
+            </a:extLst>
+          </p:cNvPr>
+          <p:cNvSpPr>
+            <a:spLocks noGrp="1"/>
+          </p:cNvSpPr>
+          <p:nvPr>
+            <p:ph idx="1"/>
+          </p:nvPr>
+        </p:nvSpPr>
+        <p:spPr>
+          <a:xfrm>
+            <a:off x="101602" y="1181102"/>
+            <a:ext cx="5994398" cy="2781298"/>
+          </a:xfrm>
+        </p:spPr>
+        <p:txBody>
+          <a:bodyPr/>
+          <a:lstStyle/>
+          <a:p>
+            <a:r>
+              <a:rPr lang="ko-KR" altLang="en-US" dirty="0"/>
+              <a:t>설날음식</a:t>
+            </a:r>
+            <a:endParaRPr lang="en-US" altLang="ko-KR" dirty="0"/>
+          </a:p>
+          <a:p>
+            <a:r>
+              <a:rPr lang="ko-KR" altLang="en-US" dirty="0"/>
+              <a:t>설빔 </a:t>
+            </a:r>
+            <a:r>
+              <a:rPr lang="en-US" altLang="ko-KR" dirty="0"/>
+              <a:t>(Quan </a:t>
+            </a:r>
+            <a:r>
+              <a:rPr lang="en-US" altLang="ko-KR" dirty="0" err="1"/>
+              <a:t>ao</a:t>
+            </a:r>
+            <a:r>
+              <a:rPr lang="en-US" altLang="ko-KR" dirty="0"/>
+              <a:t> </a:t>
+            </a:r>
+            <a:r>
+              <a:rPr lang="en-US" altLang="ko-KR" dirty="0" err="1"/>
+              <a:t>ngay</a:t>
+            </a:r>
+            <a:r>
+              <a:rPr lang="en-US" altLang="ko-KR" dirty="0"/>
+              <a:t> </a:t>
+            </a:r>
+            <a:r>
+              <a:rPr lang="en-US" altLang="ko-KR" dirty="0" err="1"/>
+              <a:t>tet</a:t>
+            </a:r>
+            <a:r>
+              <a:rPr lang="en-US" altLang="ko-KR" dirty="0"/>
+              <a:t>)</a:t>
+            </a:r>
+          </a:p>
+        </p:txBody>
+      </p:sp>
+    </p:spTree>
+    <p:extLst>
+      <p:ext uri="{BB962C8B-B14F-4D97-AF65-F5344CB8AC3E}">
+        <p14:creationId xmlns:p14="http://schemas.microsoft.com/office/powerpoint/2010/main" val="2108849615"/>
+      </p:ext>
+    </p:extLst>
+  </p:cSld>
+  <p:clrMapOvr>
+    <a:masterClrMapping/>
+  </p:clrMapOvr>
+</p:sld>
+</file>
+
+<file path=ppt/slides/slide4.xml><?xml version="1.0" encoding="utf-8"?>
+<p:sld xmlns:a="http://schemas.openxmlformats.org/drawingml/2006/main" xmlns:r="http://schemas.openxmlformats.org/officeDocument/2006/relationships" xmlns:p="http://schemas.openxmlformats.org/presentationml/2006/main">
+  <p:cSld>
+    <p:spTree>
+      <p:nvGrpSpPr>
+        <p:cNvPr id="1" name=""/>
+        <p:cNvGrpSpPr/>
+        <p:nvPr/>
+      </p:nvGrpSpPr>
+      <p:grpSpPr>
+        <a:xfrm>
+          <a:off x="0" y="0"/>
+          <a:ext cx="0" cy="0"/>
+          <a:chOff x="0" y="0"/>
+          <a:chExt cx="0" cy="0"/>
+        </a:xfrm>
+      </p:grpSpPr>
+      <p:sp>
+        <p:nvSpPr>
+          <p:cNvPr id="2" name="Picture Placeholder 1">
+            <a:extLst>
+              <a:ext uri="{FF2B5EF4-FFF2-40B4-BE49-F238E27FC236}">
+                <a16:creationId xmlns:a16="http://schemas.microsoft.com/office/drawing/2014/main" id="{23C6E8D1-D7A3-4BB4-9729-D16A3C182A21}"/>
+              </a:ext>
+            </a:extLst>
+          </p:cNvPr>
+          <p:cNvSpPr>
+            <a:spLocks noGrp="1"/>
+          </p:cNvSpPr>
+          <p:nvPr>
+            <p:ph type="pic" sz="quarter" idx="12"/>
+          </p:nvPr>
+        </p:nvSpPr>
+        <p:spPr>
+          <a:xfrm>
+            <a:off x="4381500" y="0"/>
+            <a:ext cx="8293100" cy="6858000"/>
+          </a:xfrm>
+        </p:spPr>
+      </p:sp>
+      <p:sp>
+        <p:nvSpPr>
+          <p:cNvPr id="3" name="Title 2">
+            <a:extLst>
+              <a:ext uri="{FF2B5EF4-FFF2-40B4-BE49-F238E27FC236}">
+                <a16:creationId xmlns:a16="http://schemas.microsoft.com/office/drawing/2014/main" id="{398F23BE-74AF-42C0-BA1D-FA64AB617C6F}"/>
+              </a:ext>
+            </a:extLst>
+          </p:cNvPr>
+          <p:cNvSpPr>
+            <a:spLocks noGrp="1"/>
+          </p:cNvSpPr>
+          <p:nvPr>
+            <p:ph type="title"/>
+          </p:nvPr>
+        </p:nvSpPr>
+        <p:spPr>
+          <a:xfrm>
+            <a:off x="101601" y="137400"/>
+            <a:ext cx="4584700" cy="792000"/>
+          </a:xfrm>
+        </p:spPr>
+        <p:txBody>
+          <a:bodyPr>
+            <a:normAutofit/>
+          </a:bodyPr>
+          <a:lstStyle/>
+          <a:p>
+            <a:r>
+              <a:rPr lang="en-US" b="1" dirty="0">
+                <a:latin typeface="Abadi" panose="020B0604020104020204" pitchFamily="34" charset="0"/>
+              </a:rPr>
+              <a:t>New year activity</a:t>
+            </a:r>
+            <a:endParaRPr lang="en-US" dirty="0">
+              <a:latin typeface="Abadi" panose="020B0604020104020204" pitchFamily="34" charset="0"/>
+            </a:endParaRPr>
+          </a:p>
+        </p:txBody>
+      </p:sp>
+      <p:sp>
+        <p:nvSpPr>
+          <p:cNvPr id="5" name="Slide Number Placeholder 4">
+            <a:extLst>
+              <a:ext uri="{FF2B5EF4-FFF2-40B4-BE49-F238E27FC236}">
+                <a16:creationId xmlns:a16="http://schemas.microsoft.com/office/drawing/2014/main" id="{3EB3E1F4-13A8-480F-BF66-537E5C6846AF}"/>
+              </a:ext>
+            </a:extLst>
+          </p:cNvPr>
+          <p:cNvSpPr>
+            <a:spLocks noGrp="1"/>
+          </p:cNvSpPr>
+          <p:nvPr>
+            <p:ph type="sldNum" sz="quarter" idx="11"/>
+          </p:nvPr>
+        </p:nvSpPr>
+        <p:spPr/>
+        <p:txBody>
+          <a:bodyPr/>
+          <a:lstStyle/>
+          <a:p>
+            <a:fld id="{7E0E41E9-E887-49CF-A358-8367F0C34840}" type="slidenum">
+              <a:rPr lang="en-US" smtClean="0"/>
+              <a:pPr/>
+              <a:t>4</a:t>
+            </a:fld>
+            <a:endParaRPr lang="en-US" dirty="0"/>
+          </a:p>
+        </p:txBody>
+      </p:sp>
+      <p:sp>
+        <p:nvSpPr>
+          <p:cNvPr id="7" name="Content Placeholder 6">
+            <a:extLst>
+              <a:ext uri="{FF2B5EF4-FFF2-40B4-BE49-F238E27FC236}">
+                <a16:creationId xmlns:a16="http://schemas.microsoft.com/office/drawing/2014/main" id="{BD9EDC80-57A1-45E2-97D7-4C23148F3E55}"/>
+              </a:ext>
+            </a:extLst>
+          </p:cNvPr>
+          <p:cNvSpPr>
+            <a:spLocks noGrp="1"/>
+          </p:cNvSpPr>
+          <p:nvPr>
+            <p:ph idx="1"/>
+          </p:nvPr>
+        </p:nvSpPr>
+        <p:spPr>
+          <a:xfrm>
+            <a:off x="101602" y="1181102"/>
+            <a:ext cx="5994398" cy="2781298"/>
+          </a:xfrm>
+        </p:spPr>
+        <p:txBody>
+          <a:bodyPr/>
+          <a:lstStyle/>
+          <a:p>
+            <a:r>
+              <a:rPr lang="ko-KR" altLang="en-US" dirty="0"/>
+              <a:t>성묘 </a:t>
+            </a:r>
+            <a:r>
+              <a:rPr lang="en-US" altLang="ko-KR" dirty="0"/>
+              <a:t>( </a:t>
+            </a:r>
+            <a:r>
+              <a:rPr lang="en-US" altLang="ko-KR" dirty="0" err="1"/>
+              <a:t>tao</a:t>
+            </a:r>
+            <a:r>
+              <a:rPr lang="en-US" altLang="ko-KR" dirty="0"/>
+              <a:t> </a:t>
+            </a:r>
+            <a:r>
+              <a:rPr lang="en-US" altLang="ko-KR" dirty="0" err="1"/>
+              <a:t>mo</a:t>
+            </a:r>
+            <a:r>
+              <a:rPr lang="en-US" altLang="ko-KR" dirty="0"/>
+              <a:t>)</a:t>
+            </a:r>
+          </a:p>
+          <a:p>
+            <a:r>
+              <a:rPr lang="ko-KR" altLang="en-US" dirty="0"/>
+              <a:t>친척 </a:t>
+            </a:r>
+            <a:r>
+              <a:rPr lang="en-US" altLang="ko-KR" dirty="0"/>
+              <a:t>(ho hang)</a:t>
+            </a:r>
+          </a:p>
+          <a:p>
+            <a:pPr lvl="1"/>
+            <a:r>
+              <a:rPr lang="en-US" altLang="ko-KR" dirty="0"/>
+              <a:t>Visiting relatives, friends, colleagues, neighbors</a:t>
+            </a:r>
+          </a:p>
+          <a:p>
+            <a:pPr lvl="1"/>
+            <a:r>
+              <a:rPr lang="en-US" altLang="ko-KR" dirty="0"/>
+              <a:t>The first day is father’s Tet</a:t>
+            </a:r>
+          </a:p>
+          <a:p>
+            <a:pPr lvl="1"/>
+            <a:r>
+              <a:rPr lang="en-US" altLang="ko-KR" dirty="0"/>
+              <a:t>The second day is mother’s Tet</a:t>
+            </a:r>
+          </a:p>
+          <a:p>
+            <a:pPr lvl="1"/>
+            <a:r>
+              <a:rPr lang="en-US" altLang="ko-KR" dirty="0"/>
+              <a:t>The third day is teacher’s Tet</a:t>
+            </a:r>
+          </a:p>
+          <a:p>
+            <a:endParaRPr lang="en-US" altLang="ko-KR" dirty="0"/>
+          </a:p>
+        </p:txBody>
+      </p:sp>
+    </p:spTree>
+    <p:extLst>
+      <p:ext uri="{BB962C8B-B14F-4D97-AF65-F5344CB8AC3E}">
+        <p14:creationId xmlns:p14="http://schemas.microsoft.com/office/powerpoint/2010/main" val="1430231964"/>
+      </p:ext>
+    </p:extLst>
+  </p:cSld>
+  <p:clrMapOvr>
+    <a:masterClrMapping/>
+  </p:clrMapOvr>
+</p:sld>
+</file>
+
+<file path=ppt/slides/slide5.xml><?xml version="1.0" encoding="utf-8"?>
+<p:sld xmlns:a="http://schemas.openxmlformats.org/drawingml/2006/main" xmlns:r="http://schemas.openxmlformats.org/officeDocument/2006/relationships" xmlns:p="http://schemas.openxmlformats.org/presentationml/2006/main">
+  <p:cSld>
+    <p:spTree>
+      <p:nvGrpSpPr>
+        <p:cNvPr id="1" name=""/>
+        <p:cNvGrpSpPr/>
+        <p:nvPr/>
+      </p:nvGrpSpPr>
+      <p:grpSpPr>
+        <a:xfrm>
+          <a:off x="0" y="0"/>
+          <a:ext cx="0" cy="0"/>
+          <a:chOff x="0" y="0"/>
+          <a:chExt cx="0" cy="0"/>
+        </a:xfrm>
+      </p:grpSpPr>
+      <p:sp>
+        <p:nvSpPr>
+          <p:cNvPr id="2" name="Picture Placeholder 1">
+            <a:extLst>
+              <a:ext uri="{FF2B5EF4-FFF2-40B4-BE49-F238E27FC236}">
+                <a16:creationId xmlns:a16="http://schemas.microsoft.com/office/drawing/2014/main" id="{23C6E8D1-D7A3-4BB4-9729-D16A3C182A21}"/>
+              </a:ext>
+            </a:extLst>
+          </p:cNvPr>
+          <p:cNvSpPr>
+            <a:spLocks noGrp="1"/>
+          </p:cNvSpPr>
+          <p:nvPr>
+            <p:ph type="pic" sz="quarter" idx="12"/>
+          </p:nvPr>
+        </p:nvSpPr>
+        <p:spPr>
+          <a:xfrm>
+            <a:off x="4381500" y="0"/>
+            <a:ext cx="8293100" cy="6858000"/>
+          </a:xfrm>
+        </p:spPr>
+      </p:sp>
+      <p:sp>
+        <p:nvSpPr>
+          <p:cNvPr id="3" name="Title 2">
+            <a:extLst>
+              <a:ext uri="{FF2B5EF4-FFF2-40B4-BE49-F238E27FC236}">
+                <a16:creationId xmlns:a16="http://schemas.microsoft.com/office/drawing/2014/main" id="{398F23BE-74AF-42C0-BA1D-FA64AB617C6F}"/>
+              </a:ext>
+            </a:extLst>
+          </p:cNvPr>
+          <p:cNvSpPr>
+            <a:spLocks noGrp="1"/>
+          </p:cNvSpPr>
+          <p:nvPr>
+            <p:ph type="title"/>
+          </p:nvPr>
+        </p:nvSpPr>
+        <p:spPr>
+          <a:xfrm>
+            <a:off x="101601" y="137400"/>
+            <a:ext cx="4584700" cy="792000"/>
+          </a:xfrm>
+        </p:spPr>
+        <p:txBody>
+          <a:bodyPr>
+            <a:normAutofit/>
+          </a:bodyPr>
+          <a:lstStyle/>
+          <a:p>
+            <a:r>
+              <a:rPr lang="en-US" b="1" dirty="0">
+                <a:latin typeface="Abadi" panose="020B0604020104020204" pitchFamily="34" charset="0"/>
+              </a:rPr>
+              <a:t>New year activity</a:t>
+            </a:r>
+            <a:endParaRPr lang="en-US" dirty="0">
+              <a:latin typeface="Abadi" panose="020B0604020104020204" pitchFamily="34" charset="0"/>
+            </a:endParaRPr>
+          </a:p>
+        </p:txBody>
+      </p:sp>
+      <p:sp>
+        <p:nvSpPr>
+          <p:cNvPr id="5" name="Slide Number Placeholder 4">
+            <a:extLst>
+              <a:ext uri="{FF2B5EF4-FFF2-40B4-BE49-F238E27FC236}">
+                <a16:creationId xmlns:a16="http://schemas.microsoft.com/office/drawing/2014/main" id="{3EB3E1F4-13A8-480F-BF66-537E5C6846AF}"/>
+              </a:ext>
+            </a:extLst>
+          </p:cNvPr>
+          <p:cNvSpPr>
+            <a:spLocks noGrp="1"/>
+          </p:cNvSpPr>
+          <p:nvPr>
+            <p:ph type="sldNum" sz="quarter" idx="11"/>
+          </p:nvPr>
+        </p:nvSpPr>
+        <p:spPr/>
+        <p:txBody>
+          <a:bodyPr/>
+          <a:lstStyle/>
+          <a:p>
+            <a:fld id="{7E0E41E9-E887-49CF-A358-8367F0C34840}" type="slidenum">
+              <a:rPr lang="en-US" smtClean="0"/>
+              <a:pPr/>
+              <a:t>5</a:t>
+            </a:fld>
+            <a:endParaRPr lang="en-US" dirty="0"/>
+          </a:p>
+        </p:txBody>
+      </p:sp>
+      <p:sp>
+        <p:nvSpPr>
+          <p:cNvPr id="7" name="Content Placeholder 6">
+            <a:extLst>
+              <a:ext uri="{FF2B5EF4-FFF2-40B4-BE49-F238E27FC236}">
+                <a16:creationId xmlns:a16="http://schemas.microsoft.com/office/drawing/2014/main" id="{BD9EDC80-57A1-45E2-97D7-4C23148F3E55}"/>
+              </a:ext>
+            </a:extLst>
+          </p:cNvPr>
+          <p:cNvSpPr>
+            <a:spLocks noGrp="1"/>
+          </p:cNvSpPr>
+          <p:nvPr>
+            <p:ph idx="1"/>
+          </p:nvPr>
+        </p:nvSpPr>
+        <p:spPr>
+          <a:xfrm>
+            <a:off x="101602" y="1181102"/>
+            <a:ext cx="5994398" cy="2781298"/>
+          </a:xfrm>
+        </p:spPr>
+        <p:txBody>
+          <a:bodyPr/>
+          <a:lstStyle/>
+          <a:p>
+            <a:r>
+              <a:rPr lang="en-US" altLang="ko-KR" dirty="0"/>
+              <a:t>Greetings</a:t>
+            </a:r>
+          </a:p>
+        </p:txBody>
+      </p:sp>
+    </p:spTree>
+    <p:extLst>
+      <p:ext uri="{BB962C8B-B14F-4D97-AF65-F5344CB8AC3E}">
+        <p14:creationId xmlns:p14="http://schemas.microsoft.com/office/powerpoint/2010/main" val="3214932342"/>
+      </p:ext>
+    </p:extLst>
+  </p:cSld>
+  <p:clrMapOvr>
+    <a:masterClrMapping/>
+  </p:clrMapOvr>
+</p:sld>
+</file>
+
+<file path=ppt/slides/slide6.xml><?xml version="1.0" encoding="utf-8"?>
+<p:sld xmlns:a="http://schemas.openxmlformats.org/drawingml/2006/main" xmlns:r="http://schemas.openxmlformats.org/officeDocument/2006/relationships" xmlns:p="http://schemas.openxmlformats.org/presentationml/2006/main">
+  <p:cSld>
+    <p:spTree>
+      <p:nvGrpSpPr>
+        <p:cNvPr id="1" name=""/>
+        <p:cNvGrpSpPr/>
+        <p:nvPr/>
+      </p:nvGrpSpPr>
+      <p:grpSpPr>
+        <a:xfrm>
+          <a:off x="0" y="0"/>
+          <a:ext cx="0" cy="0"/>
+          <a:chOff x="0" y="0"/>
+          <a:chExt cx="0" cy="0"/>
+        </a:xfrm>
+      </p:grpSpPr>
+      <p:sp>
+        <p:nvSpPr>
+          <p:cNvPr id="2" name="Picture Placeholder 1">
+            <a:extLst>
+              <a:ext uri="{FF2B5EF4-FFF2-40B4-BE49-F238E27FC236}">
+                <a16:creationId xmlns:a16="http://schemas.microsoft.com/office/drawing/2014/main" id="{23C6E8D1-D7A3-4BB4-9729-D16A3C182A21}"/>
+              </a:ext>
+            </a:extLst>
+          </p:cNvPr>
+          <p:cNvSpPr>
+            <a:spLocks noGrp="1"/>
+          </p:cNvSpPr>
+          <p:nvPr>
+            <p:ph type="pic" sz="quarter" idx="12"/>
+          </p:nvPr>
+        </p:nvSpPr>
+        <p:spPr>
+          <a:xfrm>
+            <a:off x="4381500" y="0"/>
+            <a:ext cx="8293100" cy="6858000"/>
+          </a:xfrm>
+        </p:spPr>
+      </p:sp>
+      <p:sp>
+        <p:nvSpPr>
+          <p:cNvPr id="3" name="Title 2">
+            <a:extLst>
+              <a:ext uri="{FF2B5EF4-FFF2-40B4-BE49-F238E27FC236}">
+                <a16:creationId xmlns:a16="http://schemas.microsoft.com/office/drawing/2014/main" id="{398F23BE-74AF-42C0-BA1D-FA64AB617C6F}"/>
+              </a:ext>
+            </a:extLst>
+          </p:cNvPr>
+          <p:cNvSpPr>
+            <a:spLocks noGrp="1"/>
+          </p:cNvSpPr>
+          <p:nvPr>
+            <p:ph type="title"/>
+          </p:nvPr>
+        </p:nvSpPr>
+        <p:spPr>
+          <a:xfrm>
+            <a:off x="101601" y="137400"/>
+            <a:ext cx="4584700" cy="792000"/>
+          </a:xfrm>
+        </p:spPr>
+        <p:txBody>
+          <a:bodyPr>
+            <a:normAutofit/>
+          </a:bodyPr>
+          <a:lstStyle/>
+          <a:p>
+            <a:r>
+              <a:rPr lang="en-US" b="1" dirty="0">
+                <a:latin typeface="Abadi" panose="020B0604020104020204" pitchFamily="34" charset="0"/>
+              </a:rPr>
+              <a:t>New year activity</a:t>
+            </a:r>
+            <a:endParaRPr lang="en-US" dirty="0">
+              <a:latin typeface="Abadi" panose="020B0604020104020204" pitchFamily="34" charset="0"/>
+            </a:endParaRPr>
+          </a:p>
+        </p:txBody>
+      </p:sp>
+      <p:sp>
+        <p:nvSpPr>
+          <p:cNvPr id="5" name="Slide Number Placeholder 4">
+            <a:extLst>
+              <a:ext uri="{FF2B5EF4-FFF2-40B4-BE49-F238E27FC236}">
+                <a16:creationId xmlns:a16="http://schemas.microsoft.com/office/drawing/2014/main" id="{3EB3E1F4-13A8-480F-BF66-537E5C6846AF}"/>
+              </a:ext>
+            </a:extLst>
+          </p:cNvPr>
+          <p:cNvSpPr>
+            <a:spLocks noGrp="1"/>
+          </p:cNvSpPr>
+          <p:nvPr>
+            <p:ph type="sldNum" sz="quarter" idx="11"/>
+          </p:nvPr>
+        </p:nvSpPr>
+        <p:spPr/>
+        <p:txBody>
+          <a:bodyPr/>
+          <a:lstStyle/>
+          <a:p>
+            <a:fld id="{7E0E41E9-E887-49CF-A358-8367F0C34840}" type="slidenum">
+              <a:rPr lang="en-US" smtClean="0"/>
+              <a:pPr/>
+              <a:t>6</a:t>
+            </a:fld>
+            <a:endParaRPr lang="en-US" dirty="0"/>
+          </a:p>
+        </p:txBody>
+      </p:sp>
+      <p:sp>
+        <p:nvSpPr>
+          <p:cNvPr id="7" name="Content Placeholder 6">
+            <a:extLst>
+              <a:ext uri="{FF2B5EF4-FFF2-40B4-BE49-F238E27FC236}">
+                <a16:creationId xmlns:a16="http://schemas.microsoft.com/office/drawing/2014/main" id="{BD9EDC80-57A1-45E2-97D7-4C23148F3E55}"/>
+              </a:ext>
+            </a:extLst>
+          </p:cNvPr>
+          <p:cNvSpPr>
+            <a:spLocks noGrp="1"/>
+          </p:cNvSpPr>
+          <p:nvPr>
+            <p:ph idx="1"/>
+          </p:nvPr>
+        </p:nvSpPr>
+        <p:spPr>
+          <a:xfrm>
+            <a:off x="101602" y="1181102"/>
+            <a:ext cx="5994398" cy="2781298"/>
+          </a:xfrm>
+        </p:spPr>
+        <p:txBody>
+          <a:bodyPr/>
+          <a:lstStyle/>
+          <a:p>
+            <a:r>
+              <a:rPr lang="en-US" altLang="ko-KR" dirty="0"/>
+              <a:t>Go to pagodas to pray</a:t>
+            </a:r>
+          </a:p>
+          <a:p>
+            <a:r>
+              <a:rPr lang="en-US" altLang="ko-KR" dirty="0"/>
+              <a:t>Fortune teller</a:t>
+            </a:r>
+          </a:p>
+        </p:txBody>
+      </p:sp>
+    </p:spTree>
+    <p:extLst>
+      <p:ext uri="{BB962C8B-B14F-4D97-AF65-F5344CB8AC3E}">
+        <p14:creationId xmlns:p14="http://schemas.microsoft.com/office/powerpoint/2010/main" val="2812015111"/>
+      </p:ext>
+    </p:extLst>
+  </p:cSld>
+  <p:clrMapOvr>
+    <a:masterClrMapping/>
+  </p:clrMapOvr>
+</p:sld>
+</file>
+
+<file path=ppt/slides/slide7.xml><?xml version="1.0" encoding="utf-8"?>
+<p:sld xmlns:a="http://schemas.openxmlformats.org/drawingml/2006/main" xmlns:r="http://schemas.openxmlformats.org/officeDocument/2006/relationships" xmlns:p="http://schemas.openxmlformats.org/presentationml/2006/main">
+  <p:cSld>
+    <p:spTree>
+      <p:nvGrpSpPr>
+        <p:cNvPr id="1" name=""/>
+        <p:cNvGrpSpPr/>
+        <p:nvPr/>
+      </p:nvGrpSpPr>
+      <p:grpSpPr>
+        <a:xfrm>
+          <a:off x="0" y="0"/>
+          <a:ext cx="0" cy="0"/>
+          <a:chOff x="0" y="0"/>
+          <a:chExt cx="0" cy="0"/>
+        </a:xfrm>
+      </p:grpSpPr>
+      <p:sp>
+        <p:nvSpPr>
+          <p:cNvPr id="2" name="Picture Placeholder 1">
+            <a:extLst>
+              <a:ext uri="{FF2B5EF4-FFF2-40B4-BE49-F238E27FC236}">
+                <a16:creationId xmlns:a16="http://schemas.microsoft.com/office/drawing/2014/main" id="{23C6E8D1-D7A3-4BB4-9729-D16A3C182A21}"/>
+              </a:ext>
+            </a:extLst>
+          </p:cNvPr>
+          <p:cNvSpPr>
+            <a:spLocks noGrp="1"/>
+          </p:cNvSpPr>
+          <p:nvPr>
+            <p:ph type="pic" sz="quarter" idx="12"/>
+          </p:nvPr>
+        </p:nvSpPr>
+        <p:spPr>
+          <a:xfrm>
+            <a:off x="4381500" y="0"/>
+            <a:ext cx="8293100" cy="6858000"/>
+          </a:xfrm>
+        </p:spPr>
+      </p:sp>
+      <p:sp>
+        <p:nvSpPr>
+          <p:cNvPr id="3" name="Title 2">
+            <a:extLst>
+              <a:ext uri="{FF2B5EF4-FFF2-40B4-BE49-F238E27FC236}">
+                <a16:creationId xmlns:a16="http://schemas.microsoft.com/office/drawing/2014/main" id="{398F23BE-74AF-42C0-BA1D-FA64AB617C6F}"/>
+              </a:ext>
+            </a:extLst>
+          </p:cNvPr>
+          <p:cNvSpPr>
+            <a:spLocks noGrp="1"/>
+          </p:cNvSpPr>
+          <p:nvPr>
+            <p:ph type="title"/>
+          </p:nvPr>
+        </p:nvSpPr>
+        <p:spPr>
+          <a:xfrm>
+            <a:off x="101601" y="137400"/>
+            <a:ext cx="4584700" cy="792000"/>
+          </a:xfrm>
+        </p:spPr>
+        <p:txBody>
+          <a:bodyPr>
+            <a:normAutofit/>
+          </a:bodyPr>
+          <a:lstStyle/>
+          <a:p>
+            <a:r>
+              <a:rPr lang="en-US" b="1" dirty="0">
+                <a:latin typeface="Abadi" panose="020B0604020104020204" pitchFamily="34" charset="0"/>
+              </a:rPr>
+              <a:t>New year activity</a:t>
+            </a:r>
+            <a:endParaRPr lang="en-US" dirty="0">
+              <a:latin typeface="Abadi" panose="020B0604020104020204" pitchFamily="34" charset="0"/>
+            </a:endParaRPr>
+          </a:p>
+        </p:txBody>
+      </p:sp>
+      <p:sp>
+        <p:nvSpPr>
+          <p:cNvPr id="5" name="Slide Number Placeholder 4">
+            <a:extLst>
+              <a:ext uri="{FF2B5EF4-FFF2-40B4-BE49-F238E27FC236}">
+                <a16:creationId xmlns:a16="http://schemas.microsoft.com/office/drawing/2014/main" id="{3EB3E1F4-13A8-480F-BF66-537E5C6846AF}"/>
+              </a:ext>
+            </a:extLst>
+          </p:cNvPr>
+          <p:cNvSpPr>
+            <a:spLocks noGrp="1"/>
+          </p:cNvSpPr>
+          <p:nvPr>
+            <p:ph type="sldNum" sz="quarter" idx="11"/>
+          </p:nvPr>
+        </p:nvSpPr>
+        <p:spPr/>
+        <p:txBody>
+          <a:bodyPr/>
+          <a:lstStyle/>
+          <a:p>
+            <a:fld id="{7E0E41E9-E887-49CF-A358-8367F0C34840}" type="slidenum">
+              <a:rPr lang="en-US" smtClean="0"/>
+              <a:pPr/>
+              <a:t>7</a:t>
+            </a:fld>
+            <a:endParaRPr lang="en-US" dirty="0"/>
+          </a:p>
+        </p:txBody>
+      </p:sp>
+      <p:sp>
+        <p:nvSpPr>
+          <p:cNvPr id="7" name="Content Placeholder 6">
+            <a:extLst>
+              <a:ext uri="{FF2B5EF4-FFF2-40B4-BE49-F238E27FC236}">
+                <a16:creationId xmlns:a16="http://schemas.microsoft.com/office/drawing/2014/main" id="{BD9EDC80-57A1-45E2-97D7-4C23148F3E55}"/>
+              </a:ext>
+            </a:extLst>
+          </p:cNvPr>
+          <p:cNvSpPr>
+            <a:spLocks noGrp="1"/>
+          </p:cNvSpPr>
+          <p:nvPr>
+            <p:ph idx="1"/>
+          </p:nvPr>
+        </p:nvSpPr>
+        <p:spPr>
+          <a:xfrm>
+            <a:off x="101602" y="1181102"/>
+            <a:ext cx="5994398" cy="2781298"/>
+          </a:xfrm>
+        </p:spPr>
+        <p:txBody>
+          <a:bodyPr/>
+          <a:lstStyle/>
+          <a:p>
+            <a:r>
+              <a:rPr lang="ko-KR" altLang="en-US" dirty="0"/>
+              <a:t>세뱃돈</a:t>
+            </a:r>
+            <a:endParaRPr lang="en-US" altLang="ko-KR" dirty="0"/>
+          </a:p>
+        </p:txBody>
+      </p:sp>
+    </p:spTree>
+    <p:extLst>
+      <p:ext uri="{BB962C8B-B14F-4D97-AF65-F5344CB8AC3E}">
+        <p14:creationId xmlns:p14="http://schemas.microsoft.com/office/powerpoint/2010/main" val="3801076791"/>
+      </p:ext>
+    </p:extLst>
+  </p:cSld>
+  <p:clrMapOvr>
+    <a:masterClrMapping/>
+  </p:clrMapOvr>
+</p:sld>
+</file>
+
+<file path=ppt/slides/slide8.xml><?xml version="1.0" encoding="utf-8"?>
+<p:sld xmlns:a="http://schemas.openxmlformats.org/drawingml/2006/main" xmlns:r="http://schemas.openxmlformats.org/officeDocument/2006/relationships" xmlns:p="http://schemas.openxmlformats.org/presentationml/2006/main">
+  <p:cSld>
+    <p:spTree>
+      <p:nvGrpSpPr>
+        <p:cNvPr id="1" name=""/>
+        <p:cNvGrpSpPr/>
+        <p:nvPr/>
+      </p:nvGrpSpPr>
+      <p:grpSpPr>
+        <a:xfrm>
+          <a:off x="0" y="0"/>
+          <a:ext cx="0" cy="0"/>
+          <a:chOff x="0" y="0"/>
+          <a:chExt cx="0" cy="0"/>
+        </a:xfrm>
+      </p:grpSpPr>
+      <p:sp>
+        <p:nvSpPr>
+          <p:cNvPr id="2" name="Picture Placeholder 1">
+            <a:extLst>
+              <a:ext uri="{FF2B5EF4-FFF2-40B4-BE49-F238E27FC236}">
+                <a16:creationId xmlns:a16="http://schemas.microsoft.com/office/drawing/2014/main" id="{23C6E8D1-D7A3-4BB4-9729-D16A3C182A21}"/>
+              </a:ext>
+            </a:extLst>
+          </p:cNvPr>
+          <p:cNvSpPr>
+            <a:spLocks noGrp="1"/>
+          </p:cNvSpPr>
+          <p:nvPr>
+            <p:ph type="pic" sz="quarter" idx="12"/>
+          </p:nvPr>
+        </p:nvSpPr>
+        <p:spPr>
+          <a:xfrm>
             <a:off x="6096000" y="0"/>
             <a:ext cx="6578600" cy="6858000"/>
           </a:xfrm>
@@ -10994,7 +12584,7 @@
             <a:fld id="{7E0E41E9-E887-49CF-A358-8367F0C34840}" type="slidenum">
               <a:rPr lang="en-US" smtClean="0"/>
               <a:pPr/>
-              <a:t>3</a:t>
+              <a:t>8</a:t>
             </a:fld>
             <a:endParaRPr lang="en-US" dirty="0"/>
           </a:p>
@@ -11028,13 +12618,6 @@
           <a:p>
             <a:r>
               <a:rPr lang="ko-KR" altLang="en-US" dirty="0"/>
-              <a:t>설날음식</a:t>
-            </a:r>
-            <a:endParaRPr lang="en-US" altLang="ko-KR" dirty="0"/>
-          </a:p>
-          <a:p>
-            <a:r>
-              <a:rPr lang="ko-KR" altLang="en-US" dirty="0"/>
               <a:t>전통놀이</a:t>
             </a:r>
             <a:r>
@@ -11047,15 +12630,7 @@
             </a:r>
             <a:r>
               <a:rPr lang="en-US" altLang="ko-KR" dirty="0"/>
-              <a:t> </a:t>
-            </a:r>
-            <a:r>
-              <a:rPr lang="en-US" altLang="ko-KR" dirty="0" err="1"/>
-              <a:t>choi</a:t>
-            </a:r>
-            <a:r>
-              <a:rPr lang="en-US" altLang="ko-KR" dirty="0"/>
-              <a:t> </a:t>
+              <a:t> choi </a:t>
             </a:r>
             <a:r>
               <a:rPr lang="en-US" altLang="ko-KR" dirty="0" err="1"/>
@@ -11083,83 +12658,6 @@
               <a:t>덕담</a:t>
             </a:r>
             <a:endParaRPr lang="en-US" altLang="ko-KR" dirty="0"/>
-          </a:p>
-          <a:p>
-            <a:r>
-              <a:rPr lang="ko-KR" altLang="en-US" dirty="0"/>
-              <a:t>세뱃돈</a:t>
-            </a:r>
-            <a:endParaRPr lang="en-US" altLang="ko-KR" dirty="0"/>
-          </a:p>
-          <a:p>
-            <a:r>
-              <a:rPr lang="ko-KR" altLang="en-US" dirty="0"/>
-              <a:t>설빔 </a:t>
-            </a:r>
-            <a:r>
-              <a:rPr lang="en-US" altLang="ko-KR" dirty="0"/>
-              <a:t>(Quan </a:t>
-            </a:r>
-            <a:r>
-              <a:rPr lang="en-US" altLang="ko-KR" dirty="0" err="1"/>
-              <a:t>ao</a:t>
-            </a:r>
-            <a:r>
-              <a:rPr lang="en-US" altLang="ko-KR" dirty="0"/>
-              <a:t> </a:t>
-            </a:r>
-            <a:r>
-              <a:rPr lang="en-US" altLang="ko-KR" dirty="0" err="1"/>
-              <a:t>ngay</a:t>
-            </a:r>
-            <a:r>
-              <a:rPr lang="en-US" altLang="ko-KR" dirty="0"/>
-              <a:t> </a:t>
-            </a:r>
-            <a:r>
-              <a:rPr lang="en-US" altLang="ko-KR" dirty="0" err="1"/>
-              <a:t>tet</a:t>
-            </a:r>
-            <a:r>
-              <a:rPr lang="en-US" altLang="ko-KR" dirty="0"/>
-              <a:t>)</a:t>
-            </a:r>
-          </a:p>
-          <a:p>
-            <a:r>
-              <a:rPr lang="ko-KR" altLang="en-US" dirty="0"/>
-              <a:t>성묘 </a:t>
-            </a:r>
-            <a:r>
-              <a:rPr lang="en-US" altLang="ko-KR" dirty="0"/>
-              <a:t>( </a:t>
-            </a:r>
-            <a:r>
-              <a:rPr lang="en-US" altLang="ko-KR" dirty="0" err="1"/>
-              <a:t>tao</a:t>
-            </a:r>
-            <a:r>
-              <a:rPr lang="en-US" altLang="ko-KR" dirty="0"/>
-              <a:t> </a:t>
-            </a:r>
-            <a:r>
-              <a:rPr lang="en-US" altLang="ko-KR" dirty="0" err="1"/>
-              <a:t>mo</a:t>
-            </a:r>
-            <a:r>
-              <a:rPr lang="en-US" altLang="ko-KR" dirty="0"/>
-              <a:t>)</a:t>
-            </a:r>
-          </a:p>
-          <a:p>
-            <a:r>
-              <a:rPr lang="ko-KR" altLang="en-US" dirty="0"/>
-              <a:t>친척 </a:t>
-            </a:r>
-            <a:r>
-              <a:rPr lang="en-US" altLang="ko-KR" dirty="0"/>
-              <a:t>(ho hang)</a:t>
-            </a:r>
           </a:p>
           <a:p>
             <a:endParaRPr lang="en-US" altLang="ko-KR" dirty="0"/>
@@ -11172,7 +12670,202 @@
     </p:spTree>
     <p:extLst>
       <p:ext uri="{BB962C8B-B14F-4D97-AF65-F5344CB8AC3E}">
-        <p14:creationId xmlns:p14="http://schemas.microsoft.com/office/powerpoint/2010/main" val="1430231964"/>
+        <p14:creationId xmlns:p14="http://schemas.microsoft.com/office/powerpoint/2010/main" val="121874878"/>
+      </p:ext>
+    </p:extLst>
+  </p:cSld>
+  <p:clrMapOvr>
+    <a:masterClrMapping/>
+  </p:clrMapOvr>
+</p:sld>
+</file>
+
+<file path=ppt/slides/slide9.xml><?xml version="1.0" encoding="utf-8"?>
+<p:sld xmlns:a="http://schemas.openxmlformats.org/drawingml/2006/main" xmlns:r="http://schemas.openxmlformats.org/officeDocument/2006/relationships" xmlns:p="http://schemas.openxmlformats.org/presentationml/2006/main">
+  <p:cSld>
+    <p:spTree>
+      <p:nvGrpSpPr>
+        <p:cNvPr id="1" name=""/>
+        <p:cNvGrpSpPr/>
+        <p:nvPr/>
+      </p:nvGrpSpPr>
+      <p:grpSpPr>
+        <a:xfrm>
+          <a:off x="0" y="0"/>
+          <a:ext cx="0" cy="0"/>
+          <a:chOff x="0" y="0"/>
+          <a:chExt cx="0" cy="0"/>
+        </a:xfrm>
+      </p:grpSpPr>
+      <p:sp>
+        <p:nvSpPr>
+          <p:cNvPr id="2" name="Picture Placeholder 1">
+            <a:extLst>
+              <a:ext uri="{FF2B5EF4-FFF2-40B4-BE49-F238E27FC236}">
+                <a16:creationId xmlns:a16="http://schemas.microsoft.com/office/drawing/2014/main" id="{23C6E8D1-D7A3-4BB4-9729-D16A3C182A21}"/>
+              </a:ext>
+            </a:extLst>
+          </p:cNvPr>
+          <p:cNvSpPr>
+            <a:spLocks noGrp="1"/>
+          </p:cNvSpPr>
+          <p:nvPr>
+            <p:ph type="pic" sz="quarter" idx="12"/>
+          </p:nvPr>
+        </p:nvSpPr>
+        <p:spPr>
+          <a:xfrm>
+            <a:off x="6096000" y="0"/>
+            <a:ext cx="6578600" cy="6858000"/>
+          </a:xfrm>
+        </p:spPr>
+      </p:sp>
+      <p:sp>
+        <p:nvSpPr>
+          <p:cNvPr id="3" name="Title 2">
+            <a:extLst>
+              <a:ext uri="{FF2B5EF4-FFF2-40B4-BE49-F238E27FC236}">
+                <a16:creationId xmlns:a16="http://schemas.microsoft.com/office/drawing/2014/main" id="{398F23BE-74AF-42C0-BA1D-FA64AB617C6F}"/>
+              </a:ext>
+            </a:extLst>
+          </p:cNvPr>
+          <p:cNvSpPr>
+            <a:spLocks noGrp="1"/>
+          </p:cNvSpPr>
+          <p:nvPr>
+            <p:ph type="title"/>
+          </p:nvPr>
+        </p:nvSpPr>
+        <p:spPr>
+          <a:xfrm>
+            <a:off x="101601" y="137400"/>
+            <a:ext cx="5994400" cy="792000"/>
+          </a:xfrm>
+        </p:spPr>
+        <p:txBody>
+          <a:bodyPr>
+            <a:normAutofit/>
+          </a:bodyPr>
+          <a:lstStyle/>
+          <a:p>
+            <a:pPr lvl="0"/>
+            <a:r>
+              <a:rPr lang="en-US" sz="2800" b="1" dirty="0">
+                <a:solidFill>
+                  <a:schemeClr val="tx1"/>
+                </a:solidFill>
+                <a:latin typeface="Abadi" panose="020B0604020104020204" pitchFamily="34" charset="0"/>
+              </a:rPr>
+              <a:t>What Vietnam can learn from Korea?</a:t>
+            </a:r>
+            <a:endParaRPr lang="en-US" sz="2800" b="0" i="0" dirty="0">
+              <a:solidFill>
+                <a:schemeClr val="tx1"/>
+              </a:solidFill>
+              <a:latin typeface="Abadi" panose="020B0604020104020204" pitchFamily="34" charset="0"/>
+            </a:endParaRPr>
+          </a:p>
+        </p:txBody>
+      </p:sp>
+      <p:sp>
+        <p:nvSpPr>
+          <p:cNvPr id="5" name="Slide Number Placeholder 4">
+            <a:extLst>
+              <a:ext uri="{FF2B5EF4-FFF2-40B4-BE49-F238E27FC236}">
+                <a16:creationId xmlns:a16="http://schemas.microsoft.com/office/drawing/2014/main" id="{3EB3E1F4-13A8-480F-BF66-537E5C6846AF}"/>
+              </a:ext>
+            </a:extLst>
+          </p:cNvPr>
+          <p:cNvSpPr>
+            <a:spLocks noGrp="1"/>
+          </p:cNvSpPr>
+          <p:nvPr>
+            <p:ph type="sldNum" sz="quarter" idx="11"/>
+          </p:nvPr>
+        </p:nvSpPr>
+        <p:spPr/>
+        <p:txBody>
+          <a:bodyPr/>
+          <a:lstStyle/>
+          <a:p>
+            <a:fld id="{7E0E41E9-E887-49CF-A358-8367F0C34840}" type="slidenum">
+              <a:rPr lang="en-US" smtClean="0"/>
+              <a:pPr/>
+              <a:t>9</a:t>
+            </a:fld>
+            <a:endParaRPr lang="en-US" dirty="0"/>
+          </a:p>
+        </p:txBody>
+      </p:sp>
+      <p:sp>
+        <p:nvSpPr>
+          <p:cNvPr id="7" name="Content Placeholder 6">
+            <a:extLst>
+              <a:ext uri="{FF2B5EF4-FFF2-40B4-BE49-F238E27FC236}">
+                <a16:creationId xmlns:a16="http://schemas.microsoft.com/office/drawing/2014/main" id="{014AB7A2-E731-4113-B255-3EC2F548E3A3}"/>
+              </a:ext>
+            </a:extLst>
+          </p:cNvPr>
+          <p:cNvSpPr>
+            <a:spLocks noGrp="1"/>
+          </p:cNvSpPr>
+          <p:nvPr>
+            <p:ph idx="1"/>
+          </p:nvPr>
+        </p:nvSpPr>
+        <p:spPr>
+          <a:xfrm>
+            <a:off x="101601" y="1181100"/>
+            <a:ext cx="5994397" cy="3803123"/>
+          </a:xfrm>
+        </p:spPr>
+        <p:txBody>
+          <a:bodyPr/>
+          <a:lstStyle/>
+          <a:p>
+            <a:r>
+              <a:rPr lang="ko-KR" altLang="en-US" dirty="0"/>
+              <a:t>베트남 축구 국가대표팀</a:t>
+            </a:r>
+            <a:r>
+              <a:rPr lang="en-US" altLang="ko-KR" dirty="0"/>
+              <a:t>: </a:t>
+            </a:r>
+            <a:r>
+              <a:rPr lang="ko-KR" altLang="en-US" dirty="0"/>
+              <a:t>박항서</a:t>
+            </a:r>
+            <a:endParaRPr lang="en-US" altLang="ko-KR" dirty="0"/>
+          </a:p>
+          <a:p>
+            <a:endParaRPr lang="en-US" altLang="ko-KR" dirty="0"/>
+          </a:p>
+          <a:p>
+            <a:r>
+              <a:rPr lang="ko-KR" altLang="en-US" dirty="0"/>
+              <a:t>박정희 대통령</a:t>
+            </a:r>
+            <a:endParaRPr lang="en-US" altLang="ko-KR" dirty="0"/>
+          </a:p>
+          <a:p>
+            <a:endParaRPr lang="en-US" altLang="ko-KR" dirty="0"/>
+          </a:p>
+          <a:p>
+            <a:r>
+              <a:rPr lang="ko-KR" altLang="en-US" dirty="0"/>
+              <a:t>광주 민주화 항쟁</a:t>
+            </a:r>
+            <a:endParaRPr lang="en-US" altLang="ko-KR" dirty="0"/>
+          </a:p>
+          <a:p>
+            <a:endParaRPr lang="en-US" dirty="0"/>
+          </a:p>
+        </p:txBody>
+      </p:sp>
+    </p:spTree>
+    <p:extLst>
+      <p:ext uri="{BB962C8B-B14F-4D97-AF65-F5344CB8AC3E}">
+        <p14:creationId xmlns:p14="http://schemas.microsoft.com/office/powerpoint/2010/main" val="294758737"/>
       </p:ext>
     </p:extLst>
   </p:cSld>
@@ -11974,6 +13667,24 @@
 </file>
 
 <file path=customXml/item1.xml><?xml version="1.0" encoding="utf-8"?>
+<p:properties xmlns:p="http://schemas.microsoft.com/office/2006/metadata/properties" xmlns:xsi="http://www.w3.org/2001/XMLSchema-instance" xmlns:pc="http://schemas.microsoft.com/office/infopath/2007/PartnerControls">
+  <documentManagement>
+    <Status xmlns="71af3243-3dd4-4a8d-8c0d-dd76da1f02a5">Not started</Status>
+    <MediaServiceKeyPoints xmlns="71af3243-3dd4-4a8d-8c0d-dd76da1f02a5" xsi:nil="true"/>
+  </documentManagement>
+</p:properties>
+</file>
+
+<file path=customXml/item2.xml><?xml version="1.0" encoding="utf-8"?>
+<?mso-contentType ?>
+<FormTemplates xmlns="http://schemas.microsoft.com/sharepoint/v3/contenttype/forms">
+  <Display>DocumentLibraryForm</Display>
+  <Edit>DocumentLibraryForm</Edit>
+  <New>DocumentLibraryForm</New>
+</FormTemplates>
+</file>
+
+<file path=customXml/item3.xml><?xml version="1.0" encoding="utf-8"?>
 <ct:contentTypeSchema xmlns:ct="http://schemas.microsoft.com/office/2006/metadata/contentType" xmlns:ma="http://schemas.microsoft.com/office/2006/metadata/properties/metaAttributes" ct:_="" ma:_="" ma:contentTypeName="Document" ma:contentTypeID="0x01010079F111ED35F8CC479449609E8A0923A6" ma:contentTypeVersion="12" ma:contentTypeDescription="Create a new document." ma:contentTypeScope="" ma:versionID="fa6e671f1cd7e4d96ff9652be322dd5e">
   <xsd:schema xmlns:xsd="http://www.w3.org/2001/XMLSchema" xmlns:xs="http://www.w3.org/2001/XMLSchema" xmlns:p="http://schemas.microsoft.com/office/2006/metadata/properties" xmlns:ns2="71af3243-3dd4-4a8d-8c0d-dd76da1f02a5" xmlns:ns3="16c05727-aa75-4e4a-9b5f-8a80a1165891" targetNamespace="http://schemas.microsoft.com/office/2006/metadata/properties" ma:root="true" ma:fieldsID="4e2496f70b101db0b8013f30a071bbf7" ns2:_="" ns3:_="">
     <xsd:import namespace="71af3243-3dd4-4a8d-8c0d-dd76da1f02a5"/>
@@ -12194,25 +13905,25 @@
 </ct:contentTypeSchema>
 </file>
 
-<file path=customXml/item2.xml><?xml version="1.0" encoding="utf-8"?>
-<?mso-contentType ?>
-<FormTemplates xmlns="http://schemas.microsoft.com/sharepoint/v3/contenttype/forms">
-  <Display>DocumentLibraryForm</Display>
-  <Edit>DocumentLibraryForm</Edit>
-  <New>DocumentLibraryForm</New>
-</FormTemplates>
+<file path=customXml/itemProps1.xml><?xml version="1.0" encoding="utf-8"?>
+<ds:datastoreItem xmlns:ds="http://schemas.openxmlformats.org/officeDocument/2006/customXml" ds:itemID="{E2606CA9-73CA-4217-BA3D-1864E6BFEEB4}">
+  <ds:schemaRefs>
+    <ds:schemaRef ds:uri="http://schemas.microsoft.com/office/2006/metadata/properties"/>
+    <ds:schemaRef ds:uri="http://schemas.microsoft.com/office/infopath/2007/PartnerControls"/>
+    <ds:schemaRef ds:uri="71af3243-3dd4-4a8d-8c0d-dd76da1f02a5"/>
+  </ds:schemaRefs>
+</ds:datastoreItem>
 </file>
 
-<file path=customXml/item3.xml><?xml version="1.0" encoding="utf-8"?>
-<p:properties xmlns:p="http://schemas.microsoft.com/office/2006/metadata/properties" xmlns:xsi="http://www.w3.org/2001/XMLSchema-instance" xmlns:pc="http://schemas.microsoft.com/office/infopath/2007/PartnerControls">
-  <documentManagement>
-    <Status xmlns="71af3243-3dd4-4a8d-8c0d-dd76da1f02a5">Not started</Status>
-    <MediaServiceKeyPoints xmlns="71af3243-3dd4-4a8d-8c0d-dd76da1f02a5" xsi:nil="true"/>
-  </documentManagement>
-</p:properties>
+<file path=customXml/itemProps2.xml><?xml version="1.0" encoding="utf-8"?>
+<ds:datastoreItem xmlns:ds="http://schemas.openxmlformats.org/officeDocument/2006/customXml" ds:itemID="{DC58A64B-81C3-4EC2-A044-1AD401A10DA8}">
+  <ds:schemaRefs>
+    <ds:schemaRef ds:uri="http://schemas.microsoft.com/sharepoint/v3/contenttype/forms"/>
+  </ds:schemaRefs>
+</ds:datastoreItem>
 </file>
 
-<file path=customXml/itemProps1.xml><?xml version="1.0" encoding="utf-8"?>
+<file path=customXml/itemProps3.xml><?xml version="1.0" encoding="utf-8"?>
 <ds:datastoreItem xmlns:ds="http://schemas.openxmlformats.org/officeDocument/2006/customXml" ds:itemID="{9FE7B02C-5194-4175-B6C3-18AE8350DC57}">
   <ds:schemaRefs>
     <ds:schemaRef ds:uri="http://schemas.microsoft.com/office/2006/metadata/contentType"/>
@@ -12229,22 +13940,4 @@
     <ds:schemaRef ds:uri="http://schemas.microsoft.com/internal/obd"/>
   </ds:schemaRefs>
 </ds:datastoreItem>
-</file>
-
-<file path=customXml/itemProps2.xml><?xml version="1.0" encoding="utf-8"?>
-<ds:datastoreItem xmlns:ds="http://schemas.openxmlformats.org/officeDocument/2006/customXml" ds:itemID="{DC58A64B-81C3-4EC2-A044-1AD401A10DA8}">
-  <ds:schemaRefs>
-    <ds:schemaRef ds:uri="http://schemas.microsoft.com/sharepoint/v3/contenttype/forms"/>
-  </ds:schemaRefs>
-</ds:datastoreItem>
-</file>
-
-<file path=customXml/itemProps3.xml><?xml version="1.0" encoding="utf-8"?>
-<ds:datastoreItem xmlns:ds="http://schemas.openxmlformats.org/officeDocument/2006/customXml" ds:itemID="{E2606CA9-73CA-4217-BA3D-1864E6BFEEB4}">
-  <ds:schemaRefs>
-    <ds:schemaRef ds:uri="http://schemas.microsoft.com/office/2006/metadata/properties"/>
-    <ds:schemaRef ds:uri="http://schemas.microsoft.com/office/infopath/2007/PartnerControls"/>
-    <ds:schemaRef ds:uri="71af3243-3dd4-4a8d-8c0d-dd76da1f02a5"/>
-  </ds:schemaRefs>
-</ds:datastoreItem>
 </file>
--- a/mducng_VN-KR.pptx
+++ b/mducng_VN-KR.pptx
@@ -5,10 +5,10 @@
     <p:sldMasterId id="2147483648" r:id="rId4"/>
   </p:sldMasterIdLst>
   <p:notesMasterIdLst>
-    <p:notesMasterId r:id="rId15"/>
+    <p:notesMasterId r:id="rId16"/>
   </p:notesMasterIdLst>
   <p:handoutMasterIdLst>
-    <p:handoutMasterId r:id="rId16"/>
+    <p:handoutMasterId r:id="rId17"/>
   </p:handoutMasterIdLst>
   <p:sldIdLst>
     <p:sldId id="272" r:id="rId5"/>
@@ -20,7 +20,8 @@
     <p:sldId id="279" r:id="rId11"/>
     <p:sldId id="277" r:id="rId12"/>
     <p:sldId id="282" r:id="rId13"/>
-    <p:sldId id="283" r:id="rId14"/>
+    <p:sldId id="284" r:id="rId14"/>
+    <p:sldId id="283" r:id="rId15"/>
   </p:sldIdLst>
   <p:sldSz cx="12192000" cy="6858000"/>
   <p:notesSz cx="6858000" cy="9144000"/>
@@ -10538,35 +10539,53 @@
             <a:pPr algn="ctr"/>
             <a:r>
               <a:rPr lang="ko-KR" altLang="en-US" sz="3200" b="1" dirty="0">
+                <a:highlight>
+                  <a:srgbClr val="00FFFF"/>
+                </a:highlight>
                 <a:latin typeface="Abadi" panose="020B0604020104020204" pitchFamily="34" charset="0"/>
               </a:rPr>
               <a:t>대한민국</a:t>
             </a:r>
             <a:r>
               <a:rPr lang="en-US" sz="3200" b="1" dirty="0">
+                <a:highlight>
+                  <a:srgbClr val="00FFFF"/>
+                </a:highlight>
                 <a:latin typeface="Abadi" panose="020B0604020104020204" pitchFamily="34" charset="0"/>
               </a:rPr>
               <a:t> vs. </a:t>
             </a:r>
             <a:r>
               <a:rPr lang="ko-KR" altLang="en-US" sz="3200" b="1" dirty="0">
+                <a:highlight>
+                  <a:srgbClr val="00FFFF"/>
+                </a:highlight>
                 <a:latin typeface="Abadi" panose="020B0604020104020204" pitchFamily="34" charset="0"/>
               </a:rPr>
               <a:t>베트남 의 명절</a:t>
             </a:r>
             <a:r>
               <a:rPr lang="en-US" sz="3200" b="1" dirty="0">
+                <a:highlight>
+                  <a:srgbClr val="00FFFF"/>
+                </a:highlight>
                 <a:latin typeface="Abadi" panose="020B0604020104020204" pitchFamily="34" charset="0"/>
               </a:rPr>
               <a:t> </a:t>
             </a:r>
             <a:br>
               <a:rPr lang="en-US" sz="4000" b="1" dirty="0">
+                <a:highlight>
+                  <a:srgbClr val="00FFFF"/>
+                </a:highlight>
                 <a:latin typeface="Abadi" panose="020B0604020104020204" pitchFamily="34" charset="0"/>
               </a:rPr>
             </a:br>
             <a:r>
               <a:rPr lang="en-US" sz="2400" b="1" dirty="0">
+                <a:highlight>
+                  <a:srgbClr val="00FFFF"/>
+                </a:highlight>
                 <a:latin typeface="Abadi" panose="020B0604020104020204" pitchFamily="34" charset="0"/>
               </a:rPr>
               <a:t>Differences and Similarities</a:t>
@@ -10648,6 +10667,427 @@
             <a:off x="101601" y="137400"/>
             <a:ext cx="5994400" cy="792000"/>
           </a:xfrm>
+          <a:solidFill>
+            <a:srgbClr val="FFC000"/>
+          </a:solidFill>
+        </p:spPr>
+        <p:txBody>
+          <a:bodyPr>
+            <a:normAutofit/>
+          </a:bodyPr>
+          <a:lstStyle/>
+          <a:p>
+            <a:pPr lvl="0"/>
+            <a:r>
+              <a:rPr lang="en-US" sz="2800" b="1" dirty="0">
+                <a:solidFill>
+                  <a:schemeClr val="tx1"/>
+                </a:solidFill>
+                <a:latin typeface="Abadi" panose="020B0604020104020204" pitchFamily="34" charset="0"/>
+              </a:rPr>
+              <a:t>What Vietnam can learn from Korea?</a:t>
+            </a:r>
+            <a:endParaRPr lang="en-US" sz="2800" b="0" i="0" dirty="0">
+              <a:solidFill>
+                <a:schemeClr val="tx1"/>
+              </a:solidFill>
+              <a:latin typeface="Abadi" panose="020B0604020104020204" pitchFamily="34" charset="0"/>
+            </a:endParaRPr>
+          </a:p>
+        </p:txBody>
+      </p:sp>
+      <p:sp>
+        <p:nvSpPr>
+          <p:cNvPr id="5" name="Slide Number Placeholder 4">
+            <a:extLst>
+              <a:ext uri="{FF2B5EF4-FFF2-40B4-BE49-F238E27FC236}">
+                <a16:creationId xmlns:a16="http://schemas.microsoft.com/office/drawing/2014/main" id="{3EB3E1F4-13A8-480F-BF66-537E5C6846AF}"/>
+              </a:ext>
+            </a:extLst>
+          </p:cNvPr>
+          <p:cNvSpPr>
+            <a:spLocks noGrp="1"/>
+          </p:cNvSpPr>
+          <p:nvPr>
+            <p:ph type="sldNum" sz="quarter" idx="11"/>
+          </p:nvPr>
+        </p:nvSpPr>
+        <p:spPr/>
+        <p:txBody>
+          <a:bodyPr/>
+          <a:lstStyle/>
+          <a:p>
+            <a:fld id="{7E0E41E9-E887-49CF-A358-8367F0C34840}" type="slidenum">
+              <a:rPr lang="en-US" smtClean="0"/>
+              <a:pPr/>
+              <a:t>10</a:t>
+            </a:fld>
+            <a:endParaRPr lang="en-US" dirty="0"/>
+          </a:p>
+        </p:txBody>
+      </p:sp>
+      <p:sp>
+        <p:nvSpPr>
+          <p:cNvPr id="7" name="Content Placeholder 6">
+            <a:extLst>
+              <a:ext uri="{FF2B5EF4-FFF2-40B4-BE49-F238E27FC236}">
+                <a16:creationId xmlns:a16="http://schemas.microsoft.com/office/drawing/2014/main" id="{014AB7A2-E731-4113-B255-3EC2F548E3A3}"/>
+              </a:ext>
+            </a:extLst>
+          </p:cNvPr>
+          <p:cNvSpPr>
+            <a:spLocks noGrp="1"/>
+          </p:cNvSpPr>
+          <p:nvPr>
+            <p:ph idx="1"/>
+          </p:nvPr>
+        </p:nvSpPr>
+        <p:spPr>
+          <a:xfrm>
+            <a:off x="1" y="2562447"/>
+            <a:ext cx="6095998" cy="2421775"/>
+          </a:xfrm>
+        </p:spPr>
+        <p:txBody>
+          <a:bodyPr/>
+          <a:lstStyle/>
+          <a:p>
+            <a:endParaRPr lang="en-US" altLang="ko-KR" sz="2800" dirty="0"/>
+          </a:p>
+          <a:p>
+            <a:r>
+              <a:rPr lang="ko-KR" altLang="en-US" sz="2800" dirty="0"/>
+              <a:t>박정희 대통령</a:t>
+            </a:r>
+            <a:endParaRPr lang="en-US" altLang="ko-KR" sz="2800" dirty="0"/>
+          </a:p>
+          <a:p>
+            <a:endParaRPr lang="en-US" altLang="ko-KR" sz="2800" dirty="0"/>
+          </a:p>
+          <a:p>
+            <a:r>
+              <a:rPr lang="ko-KR" altLang="en-US" sz="2800" dirty="0"/>
+              <a:t>광주 민주화 항쟁</a:t>
+            </a:r>
+            <a:endParaRPr lang="en-US" altLang="ko-KR" sz="2800" dirty="0"/>
+          </a:p>
+          <a:p>
+            <a:endParaRPr lang="en-US" dirty="0"/>
+          </a:p>
+        </p:txBody>
+      </p:sp>
+      <p:graphicFrame>
+        <p:nvGraphicFramePr>
+          <p:cNvPr id="6" name="Table 6">
+            <a:extLst>
+              <a:ext uri="{FF2B5EF4-FFF2-40B4-BE49-F238E27FC236}">
+                <a16:creationId xmlns:a16="http://schemas.microsoft.com/office/drawing/2014/main" id="{3FAD808F-95C5-4F3F-9FA1-646977A5D277}"/>
+              </a:ext>
+            </a:extLst>
+          </p:cNvPr>
+          <p:cNvGraphicFramePr>
+            <a:graphicFrameLocks/>
+          </p:cNvGraphicFramePr>
+          <p:nvPr>
+            <p:extLst>
+              <p:ext uri="{D42A27DB-BD31-4B8C-83A1-F6EECF244321}">
+                <p14:modId xmlns:p14="http://schemas.microsoft.com/office/powerpoint/2010/main" val="2049604432"/>
+              </p:ext>
+            </p:extLst>
+          </p:nvPr>
+        </p:nvGraphicFramePr>
+        <p:xfrm>
+          <a:off x="8269" y="1233170"/>
+          <a:ext cx="6096000" cy="1193800"/>
+        </p:xfrm>
+        <a:graphic>
+          <a:graphicData uri="http://schemas.openxmlformats.org/drawingml/2006/table">
+            <a:tbl>
+              <a:tblPr firstRow="1" bandRow="1">
+                <a:tableStyleId>{5C22544A-7EE6-4342-B048-85BDC9FD1C3A}</a:tableStyleId>
+              </a:tblPr>
+              <a:tblGrid>
+                <a:gridCol w="1150680">
+                  <a:extLst>
+                    <a:ext uri="{9D8B030D-6E8A-4147-A177-3AD203B41FA5}">
+                      <a16:colId xmlns:a16="http://schemas.microsoft.com/office/drawing/2014/main" val="4058099069"/>
+                    </a:ext>
+                  </a:extLst>
+                </a:gridCol>
+                <a:gridCol w="1881963">
+                  <a:extLst>
+                    <a:ext uri="{9D8B030D-6E8A-4147-A177-3AD203B41FA5}">
+                      <a16:colId xmlns:a16="http://schemas.microsoft.com/office/drawing/2014/main" val="1096586304"/>
+                    </a:ext>
+                  </a:extLst>
+                </a:gridCol>
+                <a:gridCol w="3063357">
+                  <a:extLst>
+                    <a:ext uri="{9D8B030D-6E8A-4147-A177-3AD203B41FA5}">
+                      <a16:colId xmlns:a16="http://schemas.microsoft.com/office/drawing/2014/main" val="3464940675"/>
+                    </a:ext>
+                  </a:extLst>
+                </a:gridCol>
+              </a:tblGrid>
+              <a:tr h="462280">
+                <a:tc>
+                  <a:txBody>
+                    <a:bodyPr/>
+                    <a:lstStyle/>
+                    <a:p>
+                      <a:pPr algn="ctr"/>
+                      <a:endParaRPr lang="en-US" dirty="0"/>
+                    </a:p>
+                  </a:txBody>
+                  <a:tcPr/>
+                </a:tc>
+                <a:tc>
+                  <a:txBody>
+                    <a:bodyPr/>
+                    <a:lstStyle/>
+                    <a:p>
+                      <a:pPr marL="0" marR="0" lvl="0" indent="0" algn="ctr" defTabSz="914400" rtl="0" eaLnBrk="1" fontAlgn="auto" latinLnBrk="1" hangingPunct="1">
+                        <a:lnSpc>
+                          <a:spcPct val="100000"/>
+                        </a:lnSpc>
+                        <a:spcBef>
+                          <a:spcPts val="0"/>
+                        </a:spcBef>
+                        <a:spcAft>
+                          <a:spcPts val="0"/>
+                        </a:spcAft>
+                        <a:buClrTx/>
+                        <a:buSzTx/>
+                        <a:buFontTx/>
+                        <a:buNone/>
+                        <a:tabLst/>
+                        <a:defRPr/>
+                      </a:pPr>
+                      <a:r>
+                        <a:rPr lang="ko-KR" altLang="en-US" sz="1800" b="1" dirty="0">
+                          <a:latin typeface="Abadi" panose="020B0604020104020204" pitchFamily="34" charset="0"/>
+                        </a:rPr>
+                        <a:t>대한민국</a:t>
+                      </a:r>
+                      <a:endParaRPr lang="en-US" dirty="0">
+                        <a:effectLst/>
+                      </a:endParaRPr>
+                    </a:p>
+                  </a:txBody>
+                  <a:tcPr/>
+                </a:tc>
+                <a:tc>
+                  <a:txBody>
+                    <a:bodyPr/>
+                    <a:lstStyle/>
+                    <a:p>
+                      <a:pPr marL="0" marR="0" lvl="0" indent="0" algn="ctr" defTabSz="914400" rtl="0" eaLnBrk="1" fontAlgn="auto" latinLnBrk="1" hangingPunct="1">
+                        <a:lnSpc>
+                          <a:spcPct val="100000"/>
+                        </a:lnSpc>
+                        <a:spcBef>
+                          <a:spcPts val="0"/>
+                        </a:spcBef>
+                        <a:spcAft>
+                          <a:spcPts val="0"/>
+                        </a:spcAft>
+                        <a:buClrTx/>
+                        <a:buSzTx/>
+                        <a:buFontTx/>
+                        <a:buNone/>
+                        <a:tabLst/>
+                        <a:defRPr/>
+                      </a:pPr>
+                      <a:r>
+                        <a:rPr lang="ko-KR" altLang="en-US" sz="1800" b="1" dirty="0">
+                          <a:latin typeface="Abadi" panose="020B0604020104020204" pitchFamily="34" charset="0"/>
+                        </a:rPr>
+                        <a:t>베트남</a:t>
+                      </a:r>
+                      <a:endParaRPr lang="en-US" dirty="0">
+                        <a:effectLst/>
+                      </a:endParaRPr>
+                    </a:p>
+                  </a:txBody>
+                  <a:tcPr/>
+                </a:tc>
+                <a:extLst>
+                  <a:ext uri="{0D108BD9-81ED-4DB2-BD59-A6C34878D82A}">
+                    <a16:rowId xmlns:a16="http://schemas.microsoft.com/office/drawing/2014/main" val="3826548073"/>
+                  </a:ext>
+                </a:extLst>
+              </a:tr>
+              <a:tr h="622300">
+                <a:tc>
+                  <a:txBody>
+                    <a:bodyPr/>
+                    <a:lstStyle/>
+                    <a:p>
+                      <a:pPr algn="ctr"/>
+                      <a:r>
+                        <a:rPr lang="en-US" sz="1400" b="1" dirty="0">
+                          <a:effectLst/>
+                          <a:latin typeface="Abadi" panose="020B0604020104020204" pitchFamily="34" charset="0"/>
+                        </a:rPr>
+                        <a:t>Great leader</a:t>
+                      </a:r>
+                    </a:p>
+                  </a:txBody>
+                  <a:tcPr marL="95250" marR="95250" marT="95250" marB="95250" anchor="ctr"/>
+                </a:tc>
+                <a:tc>
+                  <a:txBody>
+                    <a:bodyPr/>
+                    <a:lstStyle/>
+                    <a:p>
+                      <a:pPr marL="285750" indent="-285750" algn="l">
+                        <a:buFont typeface="Arial" panose="020B0604020202020204" pitchFamily="34" charset="0"/>
+                        <a:buChar char="•"/>
+                      </a:pPr>
+                      <a:r>
+                        <a:rPr lang="ko-KR" altLang="en-US" sz="1400" dirty="0"/>
+                        <a:t>박정희</a:t>
+                      </a:r>
+                      <a:endParaRPr lang="en-US" altLang="ko-KR" sz="1400" dirty="0">
+                        <a:latin typeface="Abadi" panose="020B0604020104020204" pitchFamily="34" charset="0"/>
+                      </a:endParaRPr>
+                    </a:p>
+                    <a:p>
+                      <a:pPr marL="0" indent="0" algn="l">
+                        <a:buFont typeface="Arial" panose="020B0604020202020204" pitchFamily="34" charset="0"/>
+                        <a:buNone/>
+                      </a:pPr>
+                      <a:r>
+                        <a:rPr lang="en-US" sz="1400" dirty="0">
+                          <a:latin typeface="Abadi" panose="020B0604020104020204" pitchFamily="34" charset="0"/>
+                        </a:rPr>
+                        <a:t>Trained in Japan</a:t>
+                      </a:r>
+                    </a:p>
+                  </a:txBody>
+                  <a:tcPr/>
+                </a:tc>
+                <a:tc>
+                  <a:txBody>
+                    <a:bodyPr/>
+                    <a:lstStyle/>
+                    <a:p>
+                      <a:pPr marL="285750" indent="-285750" algn="l">
+                        <a:buFont typeface="Arial" panose="020B0604020202020204" pitchFamily="34" charset="0"/>
+                        <a:buChar char="•"/>
+                      </a:pPr>
+                      <a:r>
+                        <a:rPr lang="en-US" sz="1400" dirty="0">
+                          <a:latin typeface="Abadi" panose="020B0604020104020204" pitchFamily="34" charset="0"/>
+                        </a:rPr>
+                        <a:t>Ho Chi Minh</a:t>
+                      </a:r>
+                    </a:p>
+                    <a:p>
+                      <a:pPr marL="0" indent="0" algn="l">
+                        <a:buFont typeface="Arial" panose="020B0604020202020204" pitchFamily="34" charset="0"/>
+                        <a:buNone/>
+                      </a:pPr>
+                      <a:r>
+                        <a:rPr lang="en-US" sz="1400" dirty="0">
+                          <a:latin typeface="Abadi" panose="020B0604020104020204" pitchFamily="34" charset="0"/>
+                        </a:rPr>
+                        <a:t>Trained in France, England, America, China, Soviet Union </a:t>
+                      </a:r>
+                    </a:p>
+                  </a:txBody>
+                  <a:tcPr/>
+                </a:tc>
+                <a:extLst>
+                  <a:ext uri="{0D108BD9-81ED-4DB2-BD59-A6C34878D82A}">
+                    <a16:rowId xmlns:a16="http://schemas.microsoft.com/office/drawing/2014/main" val="988632346"/>
+                  </a:ext>
+                </a:extLst>
+              </a:tr>
+            </a:tbl>
+          </a:graphicData>
+        </a:graphic>
+      </p:graphicFrame>
+    </p:spTree>
+    <p:extLst>
+      <p:ext uri="{BB962C8B-B14F-4D97-AF65-F5344CB8AC3E}">
+        <p14:creationId xmlns:p14="http://schemas.microsoft.com/office/powerpoint/2010/main" val="1715026226"/>
+      </p:ext>
+    </p:extLst>
+  </p:cSld>
+  <p:clrMapOvr>
+    <a:masterClrMapping/>
+  </p:clrMapOvr>
+</p:sld>
+</file>
+
+<file path=ppt/slides/slide11.xml><?xml version="1.0" encoding="utf-8"?>
+<p:sld xmlns:a="http://schemas.openxmlformats.org/drawingml/2006/main" xmlns:r="http://schemas.openxmlformats.org/officeDocument/2006/relationships" xmlns:p="http://schemas.openxmlformats.org/presentationml/2006/main">
+  <p:cSld>
+    <p:spTree>
+      <p:nvGrpSpPr>
+        <p:cNvPr id="1" name=""/>
+        <p:cNvGrpSpPr/>
+        <p:nvPr/>
+      </p:nvGrpSpPr>
+      <p:grpSpPr>
+        <a:xfrm>
+          <a:off x="0" y="0"/>
+          <a:ext cx="0" cy="0"/>
+          <a:chOff x="0" y="0"/>
+          <a:chExt cx="0" cy="0"/>
+        </a:xfrm>
+      </p:grpSpPr>
+      <p:sp>
+        <p:nvSpPr>
+          <p:cNvPr id="2" name="Picture Placeholder 1">
+            <a:extLst>
+              <a:ext uri="{FF2B5EF4-FFF2-40B4-BE49-F238E27FC236}">
+                <a16:creationId xmlns:a16="http://schemas.microsoft.com/office/drawing/2014/main" id="{23C6E8D1-D7A3-4BB4-9729-D16A3C182A21}"/>
+              </a:ext>
+            </a:extLst>
+          </p:cNvPr>
+          <p:cNvSpPr>
+            <a:spLocks noGrp="1"/>
+          </p:cNvSpPr>
+          <p:nvPr>
+            <p:ph type="pic" sz="quarter" idx="12"/>
+          </p:nvPr>
+        </p:nvSpPr>
+        <p:spPr>
+          <a:xfrm>
+            <a:off x="6096000" y="0"/>
+            <a:ext cx="6578600" cy="6858000"/>
+          </a:xfrm>
+        </p:spPr>
+      </p:sp>
+      <p:sp>
+        <p:nvSpPr>
+          <p:cNvPr id="3" name="Title 2">
+            <a:extLst>
+              <a:ext uri="{FF2B5EF4-FFF2-40B4-BE49-F238E27FC236}">
+                <a16:creationId xmlns:a16="http://schemas.microsoft.com/office/drawing/2014/main" id="{398F23BE-74AF-42C0-BA1D-FA64AB617C6F}"/>
+              </a:ext>
+            </a:extLst>
+          </p:cNvPr>
+          <p:cNvSpPr>
+            <a:spLocks noGrp="1"/>
+          </p:cNvSpPr>
+          <p:nvPr>
+            <p:ph type="title"/>
+          </p:nvPr>
+        </p:nvSpPr>
+        <p:spPr>
+          <a:xfrm>
+            <a:off x="101601" y="137400"/>
+            <a:ext cx="5994400" cy="792000"/>
+          </a:xfrm>
+          <a:solidFill>
+            <a:schemeClr val="accent3">
+              <a:lumMod val="40000"/>
+              <a:lumOff val="60000"/>
+            </a:schemeClr>
+          </a:solidFill>
         </p:spPr>
         <p:txBody>
           <a:bodyPr>
@@ -10682,10 +11122,15 @@
           </p:cNvGraphicFramePr>
           <p:nvPr>
             <p:ph idx="1"/>
+            <p:extLst>
+              <p:ext uri="{D42A27DB-BD31-4B8C-83A1-F6EECF244321}">
+                <p14:modId xmlns:p14="http://schemas.microsoft.com/office/powerpoint/2010/main" val="2009952885"/>
+              </p:ext>
+            </p:extLst>
           </p:nvPr>
         </p:nvGraphicFramePr>
         <p:xfrm>
-          <a:off x="50801" y="1233170"/>
+          <a:off x="8269" y="1233170"/>
           <a:ext cx="6096000" cy="1193800"/>
         </p:xfrm>
         <a:graphic>
@@ -10968,8 +11413,225 @@
             <a:fld id="{7E0E41E9-E887-49CF-A358-8367F0C34840}" type="slidenum">
               <a:rPr lang="en-US" smtClean="0"/>
               <a:pPr/>
-              <a:t>10</a:t>
+              <a:t>11</a:t>
             </a:fld>
+            <a:endParaRPr lang="en-US" dirty="0"/>
+          </a:p>
+        </p:txBody>
+      </p:sp>
+      <p:sp>
+        <p:nvSpPr>
+          <p:cNvPr id="8" name="Content Placeholder 6">
+            <a:extLst>
+              <a:ext uri="{FF2B5EF4-FFF2-40B4-BE49-F238E27FC236}">
+                <a16:creationId xmlns:a16="http://schemas.microsoft.com/office/drawing/2014/main" id="{BE3C0C00-3B75-49F7-93F8-BE4CA616F7E0}"/>
+              </a:ext>
+            </a:extLst>
+          </p:cNvPr>
+          <p:cNvSpPr txBox="1">
+            <a:spLocks/>
+          </p:cNvSpPr>
+          <p:nvPr/>
+        </p:nvSpPr>
+        <p:spPr>
+          <a:xfrm>
+            <a:off x="1" y="2562447"/>
+            <a:ext cx="6095998" cy="2421775"/>
+          </a:xfrm>
+          <a:prstGeom prst="rect">
+            <a:avLst/>
+          </a:prstGeom>
+        </p:spPr>
+        <p:txBody>
+          <a:bodyPr vert="horz" lIns="91440" tIns="45720" rIns="91440" bIns="45720" rtlCol="0" anchor="ctr">
+            <a:normAutofit/>
+          </a:bodyPr>
+          <a:lstStyle>
+            <a:lvl1pPr marL="179388" indent="-179388" algn="l" defTabSz="914400" rtl="0" eaLnBrk="1" latinLnBrk="1" hangingPunct="1">
+              <a:lnSpc>
+                <a:spcPct val="90000"/>
+              </a:lnSpc>
+              <a:spcBef>
+                <a:spcPts val="1000"/>
+              </a:spcBef>
+              <a:buClr>
+                <a:schemeClr val="bg1"/>
+              </a:buClr>
+              <a:buFont typeface="Wingdings" panose="05000000000000000000" pitchFamily="2" charset="2"/>
+              <a:buChar char="§"/>
+              <a:defRPr sz="1800" kern="1200">
+                <a:solidFill>
+                  <a:schemeClr val="bg1"/>
+                </a:solidFill>
+                <a:latin typeface="+mn-lt"/>
+                <a:ea typeface="+mn-ea"/>
+                <a:cs typeface="+mn-cs"/>
+              </a:defRPr>
+            </a:lvl1pPr>
+            <a:lvl2pPr marL="357188" indent="-177800" algn="l" defTabSz="914400" rtl="0" eaLnBrk="1" latinLnBrk="1" hangingPunct="1">
+              <a:lnSpc>
+                <a:spcPct val="90000"/>
+              </a:lnSpc>
+              <a:spcBef>
+                <a:spcPts val="500"/>
+              </a:spcBef>
+              <a:buFont typeface="Arial" panose="020B0604020202020204" pitchFamily="34" charset="0"/>
+              <a:buChar char="•"/>
+              <a:defRPr sz="1600" kern="1200">
+                <a:solidFill>
+                  <a:schemeClr val="bg1"/>
+                </a:solidFill>
+                <a:latin typeface="+mn-lt"/>
+                <a:ea typeface="+mn-ea"/>
+                <a:cs typeface="+mn-cs"/>
+              </a:defRPr>
+            </a:lvl2pPr>
+            <a:lvl3pPr marL="536575" indent="-179388" algn="l" defTabSz="914400" rtl="0" eaLnBrk="1" latinLnBrk="1" hangingPunct="1">
+              <a:lnSpc>
+                <a:spcPct val="90000"/>
+              </a:lnSpc>
+              <a:spcBef>
+                <a:spcPts val="500"/>
+              </a:spcBef>
+              <a:buFont typeface="Arial" panose="020B0604020202020204" pitchFamily="34" charset="0"/>
+              <a:buChar char="•"/>
+              <a:defRPr sz="1400" kern="1200">
+                <a:solidFill>
+                  <a:schemeClr val="bg1"/>
+                </a:solidFill>
+                <a:latin typeface="+mn-lt"/>
+                <a:ea typeface="+mn-ea"/>
+                <a:cs typeface="+mn-cs"/>
+              </a:defRPr>
+            </a:lvl3pPr>
+            <a:lvl4pPr marL="715963" indent="-179388" algn="l" defTabSz="914400" rtl="0" eaLnBrk="1" latinLnBrk="1" hangingPunct="1">
+              <a:lnSpc>
+                <a:spcPct val="90000"/>
+              </a:lnSpc>
+              <a:spcBef>
+                <a:spcPts val="500"/>
+              </a:spcBef>
+              <a:buFont typeface="Arial" panose="020B0604020202020204" pitchFamily="34" charset="0"/>
+              <a:buChar char="•"/>
+              <a:defRPr sz="1200" kern="1200">
+                <a:solidFill>
+                  <a:schemeClr val="bg1"/>
+                </a:solidFill>
+                <a:latin typeface="+mn-lt"/>
+                <a:ea typeface="+mn-ea"/>
+                <a:cs typeface="+mn-cs"/>
+              </a:defRPr>
+            </a:lvl4pPr>
+            <a:lvl5pPr marL="893763" indent="-177800" algn="l" defTabSz="914400" rtl="0" eaLnBrk="1" latinLnBrk="1" hangingPunct="1">
+              <a:lnSpc>
+                <a:spcPct val="90000"/>
+              </a:lnSpc>
+              <a:spcBef>
+                <a:spcPts val="500"/>
+              </a:spcBef>
+              <a:buFont typeface="Arial" panose="020B0604020202020204" pitchFamily="34" charset="0"/>
+              <a:buChar char="•"/>
+              <a:defRPr sz="1200" kern="1200">
+                <a:solidFill>
+                  <a:schemeClr val="bg1"/>
+                </a:solidFill>
+                <a:latin typeface="+mn-lt"/>
+                <a:ea typeface="+mn-ea"/>
+                <a:cs typeface="+mn-cs"/>
+              </a:defRPr>
+            </a:lvl5pPr>
+            <a:lvl6pPr marL="2514600" indent="-228600" algn="l" defTabSz="914400" rtl="0" eaLnBrk="1" latinLnBrk="1" hangingPunct="1">
+              <a:lnSpc>
+                <a:spcPct val="90000"/>
+              </a:lnSpc>
+              <a:spcBef>
+                <a:spcPts val="500"/>
+              </a:spcBef>
+              <a:buFont typeface="Arial" panose="020B0604020202020204" pitchFamily="34" charset="0"/>
+              <a:buChar char="•"/>
+              <a:defRPr sz="1800" kern="1200">
+                <a:solidFill>
+                  <a:schemeClr val="tx1"/>
+                </a:solidFill>
+                <a:latin typeface="+mn-lt"/>
+                <a:ea typeface="+mn-ea"/>
+                <a:cs typeface="+mn-cs"/>
+              </a:defRPr>
+            </a:lvl6pPr>
+            <a:lvl7pPr marL="2971800" indent="-228600" algn="l" defTabSz="914400" rtl="0" eaLnBrk="1" latinLnBrk="1" hangingPunct="1">
+              <a:lnSpc>
+                <a:spcPct val="90000"/>
+              </a:lnSpc>
+              <a:spcBef>
+                <a:spcPts val="500"/>
+              </a:spcBef>
+              <a:buFont typeface="Arial" panose="020B0604020202020204" pitchFamily="34" charset="0"/>
+              <a:buChar char="•"/>
+              <a:defRPr sz="1800" kern="1200">
+                <a:solidFill>
+                  <a:schemeClr val="tx1"/>
+                </a:solidFill>
+                <a:latin typeface="+mn-lt"/>
+                <a:ea typeface="+mn-ea"/>
+                <a:cs typeface="+mn-cs"/>
+              </a:defRPr>
+            </a:lvl7pPr>
+            <a:lvl8pPr marL="3429000" indent="-228600" algn="l" defTabSz="914400" rtl="0" eaLnBrk="1" latinLnBrk="1" hangingPunct="1">
+              <a:lnSpc>
+                <a:spcPct val="90000"/>
+              </a:lnSpc>
+              <a:spcBef>
+                <a:spcPts val="500"/>
+              </a:spcBef>
+              <a:buFont typeface="Arial" panose="020B0604020202020204" pitchFamily="34" charset="0"/>
+              <a:buChar char="•"/>
+              <a:defRPr sz="1800" kern="1200">
+                <a:solidFill>
+                  <a:schemeClr val="tx1"/>
+                </a:solidFill>
+                <a:latin typeface="+mn-lt"/>
+                <a:ea typeface="+mn-ea"/>
+                <a:cs typeface="+mn-cs"/>
+              </a:defRPr>
+            </a:lvl8pPr>
+            <a:lvl9pPr marL="3886200" indent="-228600" algn="l" defTabSz="914400" rtl="0" eaLnBrk="1" latinLnBrk="1" hangingPunct="1">
+              <a:lnSpc>
+                <a:spcPct val="90000"/>
+              </a:lnSpc>
+              <a:spcBef>
+                <a:spcPts val="500"/>
+              </a:spcBef>
+              <a:buFont typeface="Arial" panose="020B0604020202020204" pitchFamily="34" charset="0"/>
+              <a:buChar char="•"/>
+              <a:defRPr sz="1800" kern="1200">
+                <a:solidFill>
+                  <a:schemeClr val="tx1"/>
+                </a:solidFill>
+                <a:latin typeface="+mn-lt"/>
+                <a:ea typeface="+mn-ea"/>
+                <a:cs typeface="+mn-cs"/>
+              </a:defRPr>
+            </a:lvl9pPr>
+          </a:lstStyle>
+          <a:p>
+            <a:endParaRPr lang="en-US" altLang="ko-KR" sz="2800" dirty="0"/>
+          </a:p>
+          <a:p>
+            <a:r>
+              <a:rPr lang="en-US" altLang="ko-KR" sz="2800" dirty="0"/>
+              <a:t>Balance between China and America</a:t>
+            </a:r>
+          </a:p>
+          <a:p>
+            <a:endParaRPr lang="en-US" altLang="ko-KR" sz="2800" dirty="0"/>
+          </a:p>
+          <a:p>
+            <a:r>
+              <a:rPr lang="en-US" altLang="ko-KR" sz="2800" dirty="0"/>
+              <a:t>Relationship with N. Korea</a:t>
+            </a:r>
+          </a:p>
+          <a:p>
             <a:endParaRPr lang="en-US" dirty="0"/>
           </a:p>
         </p:txBody>
@@ -11048,6 +11710,9 @@
             <a:off x="101601" y="137400"/>
             <a:ext cx="5994400" cy="792000"/>
           </a:xfrm>
+          <a:solidFill>
+            <a:srgbClr val="FF6600"/>
+          </a:solidFill>
         </p:spPr>
         <p:txBody>
           <a:bodyPr>
@@ -11658,6 +12323,12 @@
             <a:off x="101601" y="137400"/>
             <a:ext cx="4584700" cy="792000"/>
           </a:xfrm>
+          <a:solidFill>
+            <a:schemeClr val="accent4">
+              <a:lumMod val="40000"/>
+              <a:lumOff val="60000"/>
+            </a:schemeClr>
+          </a:solidFill>
         </p:spPr>
         <p:txBody>
           <a:bodyPr>
@@ -11830,46 +12501,6 @@
       </p:sp>
       <p:sp>
         <p:nvSpPr>
-          <p:cNvPr id="3" name="Title 2">
-            <a:extLst>
-              <a:ext uri="{FF2B5EF4-FFF2-40B4-BE49-F238E27FC236}">
-                <a16:creationId xmlns:a16="http://schemas.microsoft.com/office/drawing/2014/main" id="{398F23BE-74AF-42C0-BA1D-FA64AB617C6F}"/>
-              </a:ext>
-            </a:extLst>
-          </p:cNvPr>
-          <p:cNvSpPr>
-            <a:spLocks noGrp="1"/>
-          </p:cNvSpPr>
-          <p:nvPr>
-            <p:ph type="title"/>
-          </p:nvPr>
-        </p:nvSpPr>
-        <p:spPr>
-          <a:xfrm>
-            <a:off x="101601" y="137400"/>
-            <a:ext cx="4584700" cy="792000"/>
-          </a:xfrm>
-        </p:spPr>
-        <p:txBody>
-          <a:bodyPr>
-            <a:normAutofit/>
-          </a:bodyPr>
-          <a:lstStyle/>
-          <a:p>
-            <a:r>
-              <a:rPr lang="en-US" b="1" dirty="0">
-                <a:latin typeface="Abadi" panose="020B0604020104020204" pitchFamily="34" charset="0"/>
-              </a:rPr>
-              <a:t>New year activity</a:t>
-            </a:r>
-            <a:endParaRPr lang="en-US" dirty="0">
-              <a:latin typeface="Abadi" panose="020B0604020104020204" pitchFamily="34" charset="0"/>
-            </a:endParaRPr>
-          </a:p>
-        </p:txBody>
-      </p:sp>
-      <p:sp>
-        <p:nvSpPr>
           <p:cNvPr id="5" name="Slide Number Placeholder 4">
             <a:extLst>
               <a:ext uri="{FF2B5EF4-FFF2-40B4-BE49-F238E27FC236}">
@@ -11989,6 +12620,74 @@
           </a:p>
           <a:p>
             <a:endParaRPr lang="en-US" altLang="ko-KR" dirty="0"/>
+          </a:p>
+        </p:txBody>
+      </p:sp>
+      <p:sp>
+        <p:nvSpPr>
+          <p:cNvPr id="8" name="Title 2">
+            <a:extLst>
+              <a:ext uri="{FF2B5EF4-FFF2-40B4-BE49-F238E27FC236}">
+                <a16:creationId xmlns:a16="http://schemas.microsoft.com/office/drawing/2014/main" id="{8EAE2C3C-89E0-4387-8CD7-347287D4FCCD}"/>
+              </a:ext>
+            </a:extLst>
+          </p:cNvPr>
+          <p:cNvSpPr txBox="1">
+            <a:spLocks/>
+          </p:cNvSpPr>
+          <p:nvPr/>
+        </p:nvSpPr>
+        <p:spPr>
+          <a:xfrm>
+            <a:off x="101601" y="137400"/>
+            <a:ext cx="4584700" cy="792000"/>
+          </a:xfrm>
+          <a:prstGeom prst="rect">
+            <a:avLst/>
+          </a:prstGeom>
+          <a:solidFill>
+            <a:schemeClr val="accent4">
+              <a:lumMod val="40000"/>
+              <a:lumOff val="60000"/>
+            </a:schemeClr>
+          </a:solidFill>
+        </p:spPr>
+        <p:txBody>
+          <a:bodyPr vert="horz" lIns="91440" tIns="45720" rIns="91440" bIns="45720" rtlCol="0" anchor="ctr">
+            <a:normAutofit/>
+          </a:bodyPr>
+          <a:lstStyle>
+            <a:lvl1pPr algn="l" defTabSz="914400" rtl="0" eaLnBrk="1" latinLnBrk="1" hangingPunct="1">
+              <a:lnSpc>
+                <a:spcPct val="100000"/>
+              </a:lnSpc>
+              <a:spcBef>
+                <a:spcPct val="0"/>
+              </a:spcBef>
+              <a:buNone/>
+              <a:defRPr sz="3600" kern="1200">
+                <a:solidFill>
+                  <a:schemeClr val="tx1">
+                    <a:lumMod val="85000"/>
+                    <a:lumOff val="15000"/>
+                  </a:schemeClr>
+                </a:solidFill>
+                <a:latin typeface="+mj-lt"/>
+                <a:ea typeface="+mj-ea"/>
+                <a:cs typeface="+mj-cs"/>
+              </a:defRPr>
+            </a:lvl1pPr>
+          </a:lstStyle>
+          <a:p>
+            <a:r>
+              <a:rPr lang="en-US" b="1">
+                <a:latin typeface="Abadi" panose="020B0604020104020204" pitchFamily="34" charset="0"/>
+              </a:rPr>
+              <a:t>New year activity</a:t>
+            </a:r>
+            <a:endParaRPr lang="en-US" dirty="0">
+              <a:latin typeface="Abadi" panose="020B0604020104020204" pitchFamily="34" charset="0"/>
+            </a:endParaRPr>
           </a:p>
         </p:txBody>
       </p:sp>
@@ -12047,46 +12746,6 @@
       </p:sp>
       <p:sp>
         <p:nvSpPr>
-          <p:cNvPr id="3" name="Title 2">
-            <a:extLst>
-              <a:ext uri="{FF2B5EF4-FFF2-40B4-BE49-F238E27FC236}">
-                <a16:creationId xmlns:a16="http://schemas.microsoft.com/office/drawing/2014/main" id="{398F23BE-74AF-42C0-BA1D-FA64AB617C6F}"/>
-              </a:ext>
-            </a:extLst>
-          </p:cNvPr>
-          <p:cNvSpPr>
-            <a:spLocks noGrp="1"/>
-          </p:cNvSpPr>
-          <p:nvPr>
-            <p:ph type="title"/>
-          </p:nvPr>
-        </p:nvSpPr>
-        <p:spPr>
-          <a:xfrm>
-            <a:off x="101601" y="137400"/>
-            <a:ext cx="4584700" cy="792000"/>
-          </a:xfrm>
-        </p:spPr>
-        <p:txBody>
-          <a:bodyPr>
-            <a:normAutofit/>
-          </a:bodyPr>
-          <a:lstStyle/>
-          <a:p>
-            <a:r>
-              <a:rPr lang="en-US" b="1" dirty="0">
-                <a:latin typeface="Abadi" panose="020B0604020104020204" pitchFamily="34" charset="0"/>
-              </a:rPr>
-              <a:t>New year activity</a:t>
-            </a:r>
-            <a:endParaRPr lang="en-US" dirty="0">
-              <a:latin typeface="Abadi" panose="020B0604020104020204" pitchFamily="34" charset="0"/>
-            </a:endParaRPr>
-          </a:p>
-        </p:txBody>
-      </p:sp>
-      <p:sp>
-        <p:nvSpPr>
           <p:cNvPr id="5" name="Slide Number Placeholder 4">
             <a:extLst>
               <a:ext uri="{FF2B5EF4-FFF2-40B4-BE49-F238E27FC236}">
@@ -12145,6 +12804,74 @@
               <a:rPr lang="en-US" altLang="ko-KR" dirty="0"/>
               <a:t>Greetings</a:t>
             </a:r>
+          </a:p>
+        </p:txBody>
+      </p:sp>
+      <p:sp>
+        <p:nvSpPr>
+          <p:cNvPr id="8" name="Title 2">
+            <a:extLst>
+              <a:ext uri="{FF2B5EF4-FFF2-40B4-BE49-F238E27FC236}">
+                <a16:creationId xmlns:a16="http://schemas.microsoft.com/office/drawing/2014/main" id="{7EFCEA8F-5F25-4AAB-A678-D5B129387C4D}"/>
+              </a:ext>
+            </a:extLst>
+          </p:cNvPr>
+          <p:cNvSpPr txBox="1">
+            <a:spLocks/>
+          </p:cNvSpPr>
+          <p:nvPr/>
+        </p:nvSpPr>
+        <p:spPr>
+          <a:xfrm>
+            <a:off x="101601" y="137400"/>
+            <a:ext cx="4584700" cy="792000"/>
+          </a:xfrm>
+          <a:prstGeom prst="rect">
+            <a:avLst/>
+          </a:prstGeom>
+          <a:solidFill>
+            <a:schemeClr val="accent4">
+              <a:lumMod val="40000"/>
+              <a:lumOff val="60000"/>
+            </a:schemeClr>
+          </a:solidFill>
+        </p:spPr>
+        <p:txBody>
+          <a:bodyPr vert="horz" lIns="91440" tIns="45720" rIns="91440" bIns="45720" rtlCol="0" anchor="ctr">
+            <a:normAutofit/>
+          </a:bodyPr>
+          <a:lstStyle>
+            <a:lvl1pPr algn="l" defTabSz="914400" rtl="0" eaLnBrk="1" latinLnBrk="1" hangingPunct="1">
+              <a:lnSpc>
+                <a:spcPct val="100000"/>
+              </a:lnSpc>
+              <a:spcBef>
+                <a:spcPct val="0"/>
+              </a:spcBef>
+              <a:buNone/>
+              <a:defRPr sz="3600" kern="1200">
+                <a:solidFill>
+                  <a:schemeClr val="tx1">
+                    <a:lumMod val="85000"/>
+                    <a:lumOff val="15000"/>
+                  </a:schemeClr>
+                </a:solidFill>
+                <a:latin typeface="+mj-lt"/>
+                <a:ea typeface="+mj-ea"/>
+                <a:cs typeface="+mj-cs"/>
+              </a:defRPr>
+            </a:lvl1pPr>
+          </a:lstStyle>
+          <a:p>
+            <a:r>
+              <a:rPr lang="en-US" b="1">
+                <a:latin typeface="Abadi" panose="020B0604020104020204" pitchFamily="34" charset="0"/>
+              </a:rPr>
+              <a:t>New year activity</a:t>
+            </a:r>
+            <a:endParaRPr lang="en-US" dirty="0">
+              <a:latin typeface="Abadi" panose="020B0604020104020204" pitchFamily="34" charset="0"/>
+            </a:endParaRPr>
           </a:p>
         </p:txBody>
       </p:sp>
@@ -12203,46 +12930,6 @@
       </p:sp>
       <p:sp>
         <p:nvSpPr>
-          <p:cNvPr id="3" name="Title 2">
-            <a:extLst>
-              <a:ext uri="{FF2B5EF4-FFF2-40B4-BE49-F238E27FC236}">
-                <a16:creationId xmlns:a16="http://schemas.microsoft.com/office/drawing/2014/main" id="{398F23BE-74AF-42C0-BA1D-FA64AB617C6F}"/>
-              </a:ext>
-            </a:extLst>
-          </p:cNvPr>
-          <p:cNvSpPr>
-            <a:spLocks noGrp="1"/>
-          </p:cNvSpPr>
-          <p:nvPr>
-            <p:ph type="title"/>
-          </p:nvPr>
-        </p:nvSpPr>
-        <p:spPr>
-          <a:xfrm>
-            <a:off x="101601" y="137400"/>
-            <a:ext cx="4584700" cy="792000"/>
-          </a:xfrm>
-        </p:spPr>
-        <p:txBody>
-          <a:bodyPr>
-            <a:normAutofit/>
-          </a:bodyPr>
-          <a:lstStyle/>
-          <a:p>
-            <a:r>
-              <a:rPr lang="en-US" b="1" dirty="0">
-                <a:latin typeface="Abadi" panose="020B0604020104020204" pitchFamily="34" charset="0"/>
-              </a:rPr>
-              <a:t>New year activity</a:t>
-            </a:r>
-            <a:endParaRPr lang="en-US" dirty="0">
-              <a:latin typeface="Abadi" panose="020B0604020104020204" pitchFamily="34" charset="0"/>
-            </a:endParaRPr>
-          </a:p>
-        </p:txBody>
-      </p:sp>
-      <p:sp>
-        <p:nvSpPr>
           <p:cNvPr id="5" name="Slide Number Placeholder 4">
             <a:extLst>
               <a:ext uri="{FF2B5EF4-FFF2-40B4-BE49-F238E27FC236}">
@@ -12307,6 +12994,74 @@
               <a:rPr lang="en-US" altLang="ko-KR" dirty="0"/>
               <a:t>Fortune teller</a:t>
             </a:r>
+          </a:p>
+        </p:txBody>
+      </p:sp>
+      <p:sp>
+        <p:nvSpPr>
+          <p:cNvPr id="8" name="Title 2">
+            <a:extLst>
+              <a:ext uri="{FF2B5EF4-FFF2-40B4-BE49-F238E27FC236}">
+                <a16:creationId xmlns:a16="http://schemas.microsoft.com/office/drawing/2014/main" id="{DE9AF4D2-8C5B-4567-A9ED-17DF96068963}"/>
+              </a:ext>
+            </a:extLst>
+          </p:cNvPr>
+          <p:cNvSpPr txBox="1">
+            <a:spLocks/>
+          </p:cNvSpPr>
+          <p:nvPr/>
+        </p:nvSpPr>
+        <p:spPr>
+          <a:xfrm>
+            <a:off x="101601" y="137400"/>
+            <a:ext cx="4584700" cy="792000"/>
+          </a:xfrm>
+          <a:prstGeom prst="rect">
+            <a:avLst/>
+          </a:prstGeom>
+          <a:solidFill>
+            <a:schemeClr val="accent4">
+              <a:lumMod val="40000"/>
+              <a:lumOff val="60000"/>
+            </a:schemeClr>
+          </a:solidFill>
+        </p:spPr>
+        <p:txBody>
+          <a:bodyPr vert="horz" lIns="91440" tIns="45720" rIns="91440" bIns="45720" rtlCol="0" anchor="ctr">
+            <a:normAutofit/>
+          </a:bodyPr>
+          <a:lstStyle>
+            <a:lvl1pPr algn="l" defTabSz="914400" rtl="0" eaLnBrk="1" latinLnBrk="1" hangingPunct="1">
+              <a:lnSpc>
+                <a:spcPct val="100000"/>
+              </a:lnSpc>
+              <a:spcBef>
+                <a:spcPct val="0"/>
+              </a:spcBef>
+              <a:buNone/>
+              <a:defRPr sz="3600" kern="1200">
+                <a:solidFill>
+                  <a:schemeClr val="tx1">
+                    <a:lumMod val="85000"/>
+                    <a:lumOff val="15000"/>
+                  </a:schemeClr>
+                </a:solidFill>
+                <a:latin typeface="+mj-lt"/>
+                <a:ea typeface="+mj-ea"/>
+                <a:cs typeface="+mj-cs"/>
+              </a:defRPr>
+            </a:lvl1pPr>
+          </a:lstStyle>
+          <a:p>
+            <a:r>
+              <a:rPr lang="en-US" b="1">
+                <a:latin typeface="Abadi" panose="020B0604020104020204" pitchFamily="34" charset="0"/>
+              </a:rPr>
+              <a:t>New year activity</a:t>
+            </a:r>
+            <a:endParaRPr lang="en-US" dirty="0">
+              <a:latin typeface="Abadi" panose="020B0604020104020204" pitchFamily="34" charset="0"/>
+            </a:endParaRPr>
           </a:p>
         </p:txBody>
       </p:sp>
@@ -12365,46 +13120,6 @@
       </p:sp>
       <p:sp>
         <p:nvSpPr>
-          <p:cNvPr id="3" name="Title 2">
-            <a:extLst>
-              <a:ext uri="{FF2B5EF4-FFF2-40B4-BE49-F238E27FC236}">
-                <a16:creationId xmlns:a16="http://schemas.microsoft.com/office/drawing/2014/main" id="{398F23BE-74AF-42C0-BA1D-FA64AB617C6F}"/>
-              </a:ext>
-            </a:extLst>
-          </p:cNvPr>
-          <p:cNvSpPr>
-            <a:spLocks noGrp="1"/>
-          </p:cNvSpPr>
-          <p:nvPr>
-            <p:ph type="title"/>
-          </p:nvPr>
-        </p:nvSpPr>
-        <p:spPr>
-          <a:xfrm>
-            <a:off x="101601" y="137400"/>
-            <a:ext cx="4584700" cy="792000"/>
-          </a:xfrm>
-        </p:spPr>
-        <p:txBody>
-          <a:bodyPr>
-            <a:normAutofit/>
-          </a:bodyPr>
-          <a:lstStyle/>
-          <a:p>
-            <a:r>
-              <a:rPr lang="en-US" b="1" dirty="0">
-                <a:latin typeface="Abadi" panose="020B0604020104020204" pitchFamily="34" charset="0"/>
-              </a:rPr>
-              <a:t>New year activity</a:t>
-            </a:r>
-            <a:endParaRPr lang="en-US" dirty="0">
-              <a:latin typeface="Abadi" panose="020B0604020104020204" pitchFamily="34" charset="0"/>
-            </a:endParaRPr>
-          </a:p>
-        </p:txBody>
-      </p:sp>
-      <p:sp>
-        <p:nvSpPr>
           <p:cNvPr id="5" name="Slide Number Placeholder 4">
             <a:extLst>
               <a:ext uri="{FF2B5EF4-FFF2-40B4-BE49-F238E27FC236}">
@@ -12464,6 +13179,74 @@
               <a:t>세뱃돈</a:t>
             </a:r>
             <a:endParaRPr lang="en-US" altLang="ko-KR" dirty="0"/>
+          </a:p>
+        </p:txBody>
+      </p:sp>
+      <p:sp>
+        <p:nvSpPr>
+          <p:cNvPr id="8" name="Title 2">
+            <a:extLst>
+              <a:ext uri="{FF2B5EF4-FFF2-40B4-BE49-F238E27FC236}">
+                <a16:creationId xmlns:a16="http://schemas.microsoft.com/office/drawing/2014/main" id="{3FD22D15-5D8E-430E-8C5A-D82A7EC802BF}"/>
+              </a:ext>
+            </a:extLst>
+          </p:cNvPr>
+          <p:cNvSpPr txBox="1">
+            <a:spLocks/>
+          </p:cNvSpPr>
+          <p:nvPr/>
+        </p:nvSpPr>
+        <p:spPr>
+          <a:xfrm>
+            <a:off x="101601" y="137400"/>
+            <a:ext cx="4584700" cy="792000"/>
+          </a:xfrm>
+          <a:prstGeom prst="rect">
+            <a:avLst/>
+          </a:prstGeom>
+          <a:solidFill>
+            <a:schemeClr val="accent4">
+              <a:lumMod val="40000"/>
+              <a:lumOff val="60000"/>
+            </a:schemeClr>
+          </a:solidFill>
+        </p:spPr>
+        <p:txBody>
+          <a:bodyPr vert="horz" lIns="91440" tIns="45720" rIns="91440" bIns="45720" rtlCol="0" anchor="ctr">
+            <a:normAutofit/>
+          </a:bodyPr>
+          <a:lstStyle>
+            <a:lvl1pPr algn="l" defTabSz="914400" rtl="0" eaLnBrk="1" latinLnBrk="1" hangingPunct="1">
+              <a:lnSpc>
+                <a:spcPct val="100000"/>
+              </a:lnSpc>
+              <a:spcBef>
+                <a:spcPct val="0"/>
+              </a:spcBef>
+              <a:buNone/>
+              <a:defRPr sz="3600" kern="1200">
+                <a:solidFill>
+                  <a:schemeClr val="tx1">
+                    <a:lumMod val="85000"/>
+                    <a:lumOff val="15000"/>
+                  </a:schemeClr>
+                </a:solidFill>
+                <a:latin typeface="+mj-lt"/>
+                <a:ea typeface="+mj-ea"/>
+                <a:cs typeface="+mj-cs"/>
+              </a:defRPr>
+            </a:lvl1pPr>
+          </a:lstStyle>
+          <a:p>
+            <a:r>
+              <a:rPr lang="en-US" b="1">
+                <a:latin typeface="Abadi" panose="020B0604020104020204" pitchFamily="34" charset="0"/>
+              </a:rPr>
+              <a:t>New year activity</a:t>
+            </a:r>
+            <a:endParaRPr lang="en-US" dirty="0">
+              <a:latin typeface="Abadi" panose="020B0604020104020204" pitchFamily="34" charset="0"/>
+            </a:endParaRPr>
           </a:p>
         </p:txBody>
       </p:sp>
@@ -12522,46 +13305,6 @@
       </p:sp>
       <p:sp>
         <p:nvSpPr>
-          <p:cNvPr id="3" name="Title 2">
-            <a:extLst>
-              <a:ext uri="{FF2B5EF4-FFF2-40B4-BE49-F238E27FC236}">
-                <a16:creationId xmlns:a16="http://schemas.microsoft.com/office/drawing/2014/main" id="{398F23BE-74AF-42C0-BA1D-FA64AB617C6F}"/>
-              </a:ext>
-            </a:extLst>
-          </p:cNvPr>
-          <p:cNvSpPr>
-            <a:spLocks noGrp="1"/>
-          </p:cNvSpPr>
-          <p:nvPr>
-            <p:ph type="title"/>
-          </p:nvPr>
-        </p:nvSpPr>
-        <p:spPr>
-          <a:xfrm>
-            <a:off x="101600" y="137400"/>
-            <a:ext cx="6075915" cy="792000"/>
-          </a:xfrm>
-        </p:spPr>
-        <p:txBody>
-          <a:bodyPr>
-            <a:normAutofit/>
-          </a:bodyPr>
-          <a:lstStyle/>
-          <a:p>
-            <a:r>
-              <a:rPr lang="en-US" b="1" dirty="0">
-                <a:latin typeface="Abadi" panose="020B0604020104020204" pitchFamily="34" charset="0"/>
-              </a:rPr>
-              <a:t>New year activity</a:t>
-            </a:r>
-            <a:endParaRPr lang="en-US" dirty="0">
-              <a:latin typeface="Abadi" panose="020B0604020104020204" pitchFamily="34" charset="0"/>
-            </a:endParaRPr>
-          </a:p>
-        </p:txBody>
-      </p:sp>
-      <p:sp>
-        <p:nvSpPr>
           <p:cNvPr id="5" name="Slide Number Placeholder 4">
             <a:extLst>
               <a:ext uri="{FF2B5EF4-FFF2-40B4-BE49-F238E27FC236}">
@@ -12664,6 +13407,74 @@
           </a:p>
           <a:p>
             <a:endParaRPr lang="en-US" dirty="0"/>
+          </a:p>
+        </p:txBody>
+      </p:sp>
+      <p:sp>
+        <p:nvSpPr>
+          <p:cNvPr id="8" name="Title 2">
+            <a:extLst>
+              <a:ext uri="{FF2B5EF4-FFF2-40B4-BE49-F238E27FC236}">
+                <a16:creationId xmlns:a16="http://schemas.microsoft.com/office/drawing/2014/main" id="{9A37240E-1E4B-4814-904B-C330AE25CEE6}"/>
+              </a:ext>
+            </a:extLst>
+          </p:cNvPr>
+          <p:cNvSpPr txBox="1">
+            <a:spLocks/>
+          </p:cNvSpPr>
+          <p:nvPr/>
+        </p:nvSpPr>
+        <p:spPr>
+          <a:xfrm>
+            <a:off x="101601" y="137400"/>
+            <a:ext cx="4584700" cy="792000"/>
+          </a:xfrm>
+          <a:prstGeom prst="rect">
+            <a:avLst/>
+          </a:prstGeom>
+          <a:solidFill>
+            <a:schemeClr val="accent4">
+              <a:lumMod val="40000"/>
+              <a:lumOff val="60000"/>
+            </a:schemeClr>
+          </a:solidFill>
+        </p:spPr>
+        <p:txBody>
+          <a:bodyPr vert="horz" lIns="91440" tIns="45720" rIns="91440" bIns="45720" rtlCol="0" anchor="ctr">
+            <a:normAutofit/>
+          </a:bodyPr>
+          <a:lstStyle>
+            <a:lvl1pPr algn="l" defTabSz="914400" rtl="0" eaLnBrk="1" latinLnBrk="1" hangingPunct="1">
+              <a:lnSpc>
+                <a:spcPct val="100000"/>
+              </a:lnSpc>
+              <a:spcBef>
+                <a:spcPct val="0"/>
+              </a:spcBef>
+              <a:buNone/>
+              <a:defRPr sz="3600" kern="1200">
+                <a:solidFill>
+                  <a:schemeClr val="tx1">
+                    <a:lumMod val="85000"/>
+                    <a:lumOff val="15000"/>
+                  </a:schemeClr>
+                </a:solidFill>
+                <a:latin typeface="+mj-lt"/>
+                <a:ea typeface="+mj-ea"/>
+                <a:cs typeface="+mj-cs"/>
+              </a:defRPr>
+            </a:lvl1pPr>
+          </a:lstStyle>
+          <a:p>
+            <a:r>
+              <a:rPr lang="en-US" b="1">
+                <a:latin typeface="Abadi" panose="020B0604020104020204" pitchFamily="34" charset="0"/>
+              </a:rPr>
+              <a:t>New year activity</a:t>
+            </a:r>
+            <a:endParaRPr lang="en-US" dirty="0">
+              <a:latin typeface="Abadi" panose="020B0604020104020204" pitchFamily="34" charset="0"/>
+            </a:endParaRPr>
           </a:p>
         </p:txBody>
       </p:sp>
@@ -12741,6 +13552,9 @@
             <a:off x="101601" y="137400"/>
             <a:ext cx="5994400" cy="792000"/>
           </a:xfrm>
+          <a:solidFill>
+            <a:srgbClr val="FFC000"/>
+          </a:solidFill>
         </p:spPr>
         <p:txBody>
           <a:bodyPr>
@@ -12815,50 +13629,29 @@
         </p:nvSpPr>
         <p:spPr>
           <a:xfrm>
-            <a:off x="101601" y="1181100"/>
-            <a:ext cx="5994397" cy="3803123"/>
+            <a:off x="1" y="1181100"/>
+            <a:ext cx="6095998" cy="3803123"/>
           </a:xfrm>
         </p:spPr>
         <p:txBody>
-          <a:bodyPr/>
+          <a:bodyPr>
+            <a:normAutofit/>
+          </a:bodyPr>
           <a:lstStyle/>
           <a:p>
             <a:r>
-              <a:rPr lang="ko-KR" altLang="en-US" dirty="0"/>
+              <a:rPr lang="ko-KR" altLang="en-US" sz="2400" dirty="0"/>
               <a:t>베트남 축구 국가대표팀</a:t>
             </a:r>
             <a:r>
-              <a:rPr lang="en-US" altLang="ko-KR" dirty="0"/>
+              <a:rPr lang="en-US" altLang="ko-KR" sz="2400" dirty="0"/>
               <a:t>: </a:t>
             </a:r>
             <a:r>
-              <a:rPr lang="ko-KR" altLang="en-US" dirty="0"/>
+              <a:rPr lang="ko-KR" altLang="en-US" sz="2400" dirty="0"/>
               <a:t>박항서</a:t>
             </a:r>
-            <a:endParaRPr lang="en-US" altLang="ko-KR" dirty="0"/>
-          </a:p>
-          <a:p>
-            <a:endParaRPr lang="en-US" altLang="ko-KR" dirty="0"/>
-          </a:p>
-          <a:p>
-            <a:r>
-              <a:rPr lang="ko-KR" altLang="en-US" dirty="0"/>
-              <a:t>박정희 대통령</a:t>
-            </a:r>
-            <a:endParaRPr lang="en-US" altLang="ko-KR" dirty="0"/>
-          </a:p>
-          <a:p>
-            <a:endParaRPr lang="en-US" altLang="ko-KR" dirty="0"/>
-          </a:p>
-          <a:p>
-            <a:r>
-              <a:rPr lang="ko-KR" altLang="en-US" dirty="0"/>
-              <a:t>광주 민주화 항쟁</a:t>
-            </a:r>
-            <a:endParaRPr lang="en-US" altLang="ko-KR" dirty="0"/>
-          </a:p>
-          <a:p>
-            <a:endParaRPr lang="en-US" dirty="0"/>
+            <a:endParaRPr lang="en-US" altLang="ko-KR" sz="2400" dirty="0"/>
           </a:p>
         </p:txBody>
       </p:sp>
@@ -13667,21 +14460,21 @@
 </file>
 
 <file path=customXml/item1.xml><?xml version="1.0" encoding="utf-8"?>
+<?mso-contentType ?>
+<FormTemplates xmlns="http://schemas.microsoft.com/sharepoint/v3/contenttype/forms">
+  <Display>DocumentLibraryForm</Display>
+  <Edit>DocumentLibraryForm</Edit>
+  <New>DocumentLibraryForm</New>
+</FormTemplates>
+</file>
+
+<file path=customXml/item2.xml><?xml version="1.0" encoding="utf-8"?>
 <p:properties xmlns:p="http://schemas.microsoft.com/office/2006/metadata/properties" xmlns:xsi="http://www.w3.org/2001/XMLSchema-instance" xmlns:pc="http://schemas.microsoft.com/office/infopath/2007/PartnerControls">
   <documentManagement>
     <Status xmlns="71af3243-3dd4-4a8d-8c0d-dd76da1f02a5">Not started</Status>
     <MediaServiceKeyPoints xmlns="71af3243-3dd4-4a8d-8c0d-dd76da1f02a5" xsi:nil="true"/>
   </documentManagement>
 </p:properties>
-</file>
-
-<file path=customXml/item2.xml><?xml version="1.0" encoding="utf-8"?>
-<?mso-contentType ?>
-<FormTemplates xmlns="http://schemas.microsoft.com/sharepoint/v3/contenttype/forms">
-  <Display>DocumentLibraryForm</Display>
-  <Edit>DocumentLibraryForm</Edit>
-  <New>DocumentLibraryForm</New>
-</FormTemplates>
 </file>
 
 <file path=customXml/item3.xml><?xml version="1.0" encoding="utf-8"?>
@@ -13906,19 +14699,19 @@
 </file>
 
 <file path=customXml/itemProps1.xml><?xml version="1.0" encoding="utf-8"?>
+<ds:datastoreItem xmlns:ds="http://schemas.openxmlformats.org/officeDocument/2006/customXml" ds:itemID="{DC58A64B-81C3-4EC2-A044-1AD401A10DA8}">
+  <ds:schemaRefs>
+    <ds:schemaRef ds:uri="http://schemas.microsoft.com/sharepoint/v3/contenttype/forms"/>
+  </ds:schemaRefs>
+</ds:datastoreItem>
+</file>
+
+<file path=customXml/itemProps2.xml><?xml version="1.0" encoding="utf-8"?>
 <ds:datastoreItem xmlns:ds="http://schemas.openxmlformats.org/officeDocument/2006/customXml" ds:itemID="{E2606CA9-73CA-4217-BA3D-1864E6BFEEB4}">
   <ds:schemaRefs>
     <ds:schemaRef ds:uri="http://schemas.microsoft.com/office/2006/metadata/properties"/>
     <ds:schemaRef ds:uri="http://schemas.microsoft.com/office/infopath/2007/PartnerControls"/>
     <ds:schemaRef ds:uri="71af3243-3dd4-4a8d-8c0d-dd76da1f02a5"/>
-  </ds:schemaRefs>
-</ds:datastoreItem>
-</file>
-
-<file path=customXml/itemProps2.xml><?xml version="1.0" encoding="utf-8"?>
-<ds:datastoreItem xmlns:ds="http://schemas.openxmlformats.org/officeDocument/2006/customXml" ds:itemID="{DC58A64B-81C3-4EC2-A044-1AD401A10DA8}">
-  <ds:schemaRefs>
-    <ds:schemaRef ds:uri="http://schemas.microsoft.com/sharepoint/v3/contenttype/forms"/>
   </ds:schemaRefs>
 </ds:datastoreItem>
 </file>

--- a/mducng_VN-KR.pptx
+++ b/mducng_VN-KR.pptx
@@ -5,10 +5,10 @@
     <p:sldMasterId id="2147483648" r:id="rId4"/>
   </p:sldMasterIdLst>
   <p:notesMasterIdLst>
-    <p:notesMasterId r:id="rId16"/>
+    <p:notesMasterId r:id="rId17"/>
   </p:notesMasterIdLst>
   <p:handoutMasterIdLst>
-    <p:handoutMasterId r:id="rId17"/>
+    <p:handoutMasterId r:id="rId18"/>
   </p:handoutMasterIdLst>
   <p:sldIdLst>
     <p:sldId id="272" r:id="rId5"/>
@@ -21,7 +21,8 @@
     <p:sldId id="277" r:id="rId12"/>
     <p:sldId id="282" r:id="rId13"/>
     <p:sldId id="284" r:id="rId14"/>
-    <p:sldId id="283" r:id="rId15"/>
+    <p:sldId id="285" r:id="rId15"/>
+    <p:sldId id="283" r:id="rId16"/>
   </p:sldIdLst>
   <p:sldSz cx="12192000" cy="6858000"/>
   <p:notesSz cx="6858000" cy="9144000"/>
@@ -11083,6 +11084,238 @@
             <a:ext cx="5994400" cy="792000"/>
           </a:xfrm>
           <a:solidFill>
+            <a:srgbClr val="FFC000"/>
+          </a:solidFill>
+        </p:spPr>
+        <p:txBody>
+          <a:bodyPr>
+            <a:normAutofit/>
+          </a:bodyPr>
+          <a:lstStyle/>
+          <a:p>
+            <a:pPr lvl="0"/>
+            <a:r>
+              <a:rPr lang="en-US" sz="2800" b="1" dirty="0">
+                <a:solidFill>
+                  <a:schemeClr val="tx1"/>
+                </a:solidFill>
+                <a:latin typeface="Abadi" panose="020B0604020104020204" pitchFamily="34" charset="0"/>
+              </a:rPr>
+              <a:t>What Vietnam can learn from Korea?</a:t>
+            </a:r>
+            <a:endParaRPr lang="en-US" sz="2800" b="0" i="0" dirty="0">
+              <a:solidFill>
+                <a:schemeClr val="tx1"/>
+              </a:solidFill>
+              <a:latin typeface="Abadi" panose="020B0604020104020204" pitchFamily="34" charset="0"/>
+            </a:endParaRPr>
+          </a:p>
+        </p:txBody>
+      </p:sp>
+      <p:sp>
+        <p:nvSpPr>
+          <p:cNvPr id="5" name="Slide Number Placeholder 4">
+            <a:extLst>
+              <a:ext uri="{FF2B5EF4-FFF2-40B4-BE49-F238E27FC236}">
+                <a16:creationId xmlns:a16="http://schemas.microsoft.com/office/drawing/2014/main" id="{3EB3E1F4-13A8-480F-BF66-537E5C6846AF}"/>
+              </a:ext>
+            </a:extLst>
+          </p:cNvPr>
+          <p:cNvSpPr>
+            <a:spLocks noGrp="1"/>
+          </p:cNvSpPr>
+          <p:nvPr>
+            <p:ph type="sldNum" sz="quarter" idx="11"/>
+          </p:nvPr>
+        </p:nvSpPr>
+        <p:spPr/>
+        <p:txBody>
+          <a:bodyPr/>
+          <a:lstStyle/>
+          <a:p>
+            <a:fld id="{7E0E41E9-E887-49CF-A358-8367F0C34840}" type="slidenum">
+              <a:rPr lang="en-US" smtClean="0"/>
+              <a:pPr/>
+              <a:t>11</a:t>
+            </a:fld>
+            <a:endParaRPr lang="en-US" dirty="0"/>
+          </a:p>
+        </p:txBody>
+      </p:sp>
+      <p:sp>
+        <p:nvSpPr>
+          <p:cNvPr id="7" name="Content Placeholder 6">
+            <a:extLst>
+              <a:ext uri="{FF2B5EF4-FFF2-40B4-BE49-F238E27FC236}">
+                <a16:creationId xmlns:a16="http://schemas.microsoft.com/office/drawing/2014/main" id="{014AB7A2-E731-4113-B255-3EC2F548E3A3}"/>
+              </a:ext>
+            </a:extLst>
+          </p:cNvPr>
+          <p:cNvSpPr>
+            <a:spLocks noGrp="1"/>
+          </p:cNvSpPr>
+          <p:nvPr>
+            <p:ph idx="1"/>
+          </p:nvPr>
+        </p:nvSpPr>
+        <p:spPr>
+          <a:xfrm>
+            <a:off x="1" y="1181100"/>
+            <a:ext cx="6095998" cy="3803123"/>
+          </a:xfrm>
+        </p:spPr>
+        <p:txBody>
+          <a:bodyPr>
+            <a:normAutofit/>
+          </a:bodyPr>
+          <a:lstStyle/>
+          <a:p>
+            <a:r>
+              <a:rPr lang="ko-KR" altLang="en-US" sz="2400" dirty="0"/>
+              <a:t>화산 이씨</a:t>
+            </a:r>
+            <a:r>
+              <a:rPr lang="en-US" altLang="ko-KR" sz="2400" dirty="0"/>
+              <a:t>, </a:t>
+            </a:r>
+            <a:r>
+              <a:rPr lang="ko-KR" altLang="en-US" sz="2400" dirty="0"/>
+              <a:t>花山李氏</a:t>
+            </a:r>
+            <a:r>
+              <a:rPr lang="en-US" altLang="ko-KR" sz="2400" dirty="0"/>
+              <a:t>, </a:t>
+            </a:r>
+            <a:r>
+              <a:rPr lang="en-US" altLang="ko-KR" sz="2400" dirty="0" err="1"/>
+              <a:t>Hoa</a:t>
+            </a:r>
+            <a:r>
+              <a:rPr lang="en-US" altLang="ko-KR" sz="2400" dirty="0"/>
+              <a:t> </a:t>
+            </a:r>
+            <a:r>
+              <a:rPr lang="en-US" altLang="ko-KR" sz="2400" dirty="0" err="1"/>
+              <a:t>Sơn</a:t>
+            </a:r>
+            <a:r>
+              <a:rPr lang="en-US" altLang="ko-KR" sz="2400" dirty="0"/>
+              <a:t> </a:t>
+            </a:r>
+            <a:r>
+              <a:rPr lang="en-US" altLang="ko-KR" sz="2400" dirty="0" err="1"/>
+              <a:t>Lý</a:t>
+            </a:r>
+            <a:r>
+              <a:rPr lang="en-US" altLang="ko-KR" sz="2400" dirty="0"/>
+              <a:t> </a:t>
+            </a:r>
+            <a:r>
+              <a:rPr lang="en-US" altLang="ko-KR" sz="2400" dirty="0" err="1"/>
+              <a:t>thị</a:t>
+            </a:r>
+            <a:endParaRPr lang="en-US" altLang="ko-KR" sz="2400" dirty="0"/>
+          </a:p>
+          <a:p>
+            <a:pPr lvl="1"/>
+            <a:r>
+              <a:rPr lang="ko-KR" altLang="en-US" dirty="0"/>
+              <a:t>이용상</a:t>
+            </a:r>
+            <a:r>
+              <a:rPr lang="en-US" altLang="ko-KR" dirty="0"/>
+              <a:t>, </a:t>
+            </a:r>
+            <a:r>
+              <a:rPr lang="ko-KR" altLang="en-US" dirty="0"/>
+              <a:t>李龍祥</a:t>
+            </a:r>
+            <a:r>
+              <a:rPr lang="en-US" altLang="ko-KR" dirty="0"/>
+              <a:t>, </a:t>
+            </a:r>
+            <a:r>
+              <a:rPr lang="vi-VN" altLang="ko-KR" dirty="0"/>
+              <a:t>Lý Long Tường</a:t>
+            </a:r>
+          </a:p>
+        </p:txBody>
+      </p:sp>
+    </p:spTree>
+    <p:extLst>
+      <p:ext uri="{BB962C8B-B14F-4D97-AF65-F5344CB8AC3E}">
+        <p14:creationId xmlns:p14="http://schemas.microsoft.com/office/powerpoint/2010/main" val="4272052194"/>
+      </p:ext>
+    </p:extLst>
+  </p:cSld>
+  <p:clrMapOvr>
+    <a:masterClrMapping/>
+  </p:clrMapOvr>
+</p:sld>
+</file>
+
+<file path=ppt/slides/slide12.xml><?xml version="1.0" encoding="utf-8"?>
+<p:sld xmlns:a="http://schemas.openxmlformats.org/drawingml/2006/main" xmlns:r="http://schemas.openxmlformats.org/officeDocument/2006/relationships" xmlns:p="http://schemas.openxmlformats.org/presentationml/2006/main">
+  <p:cSld>
+    <p:spTree>
+      <p:nvGrpSpPr>
+        <p:cNvPr id="1" name=""/>
+        <p:cNvGrpSpPr/>
+        <p:nvPr/>
+      </p:nvGrpSpPr>
+      <p:grpSpPr>
+        <a:xfrm>
+          <a:off x="0" y="0"/>
+          <a:ext cx="0" cy="0"/>
+          <a:chOff x="0" y="0"/>
+          <a:chExt cx="0" cy="0"/>
+        </a:xfrm>
+      </p:grpSpPr>
+      <p:sp>
+        <p:nvSpPr>
+          <p:cNvPr id="2" name="Picture Placeholder 1">
+            <a:extLst>
+              <a:ext uri="{FF2B5EF4-FFF2-40B4-BE49-F238E27FC236}">
+                <a16:creationId xmlns:a16="http://schemas.microsoft.com/office/drawing/2014/main" id="{23C6E8D1-D7A3-4BB4-9729-D16A3C182A21}"/>
+              </a:ext>
+            </a:extLst>
+          </p:cNvPr>
+          <p:cNvSpPr>
+            <a:spLocks noGrp="1"/>
+          </p:cNvSpPr>
+          <p:nvPr>
+            <p:ph type="pic" sz="quarter" idx="12"/>
+          </p:nvPr>
+        </p:nvSpPr>
+        <p:spPr>
+          <a:xfrm>
+            <a:off x="6096000" y="0"/>
+            <a:ext cx="6578600" cy="6858000"/>
+          </a:xfrm>
+        </p:spPr>
+      </p:sp>
+      <p:sp>
+        <p:nvSpPr>
+          <p:cNvPr id="3" name="Title 2">
+            <a:extLst>
+              <a:ext uri="{FF2B5EF4-FFF2-40B4-BE49-F238E27FC236}">
+                <a16:creationId xmlns:a16="http://schemas.microsoft.com/office/drawing/2014/main" id="{398F23BE-74AF-42C0-BA1D-FA64AB617C6F}"/>
+              </a:ext>
+            </a:extLst>
+          </p:cNvPr>
+          <p:cNvSpPr>
+            <a:spLocks noGrp="1"/>
+          </p:cNvSpPr>
+          <p:nvPr>
+            <p:ph type="title"/>
+          </p:nvPr>
+        </p:nvSpPr>
+        <p:spPr>
+          <a:xfrm>
+            <a:off x="101601" y="137400"/>
+            <a:ext cx="5994400" cy="792000"/>
+          </a:xfrm>
+          <a:solidFill>
             <a:schemeClr val="accent3">
               <a:lumMod val="40000"/>
               <a:lumOff val="60000"/>
@@ -11413,7 +11646,7 @@
             <a:fld id="{7E0E41E9-E887-49CF-A358-8367F0C34840}" type="slidenum">
               <a:rPr lang="en-US" smtClean="0"/>
               <a:pPr/>
-              <a:t>11</a:t>
+              <a:t>12</a:t>
             </a:fld>
             <a:endParaRPr lang="en-US" dirty="0"/>
           </a:p>
@@ -14469,15 +14702,6 @@
 </file>
 
 <file path=customXml/item2.xml><?xml version="1.0" encoding="utf-8"?>
-<p:properties xmlns:p="http://schemas.microsoft.com/office/2006/metadata/properties" xmlns:xsi="http://www.w3.org/2001/XMLSchema-instance" xmlns:pc="http://schemas.microsoft.com/office/infopath/2007/PartnerControls">
-  <documentManagement>
-    <Status xmlns="71af3243-3dd4-4a8d-8c0d-dd76da1f02a5">Not started</Status>
-    <MediaServiceKeyPoints xmlns="71af3243-3dd4-4a8d-8c0d-dd76da1f02a5" xsi:nil="true"/>
-  </documentManagement>
-</p:properties>
-</file>
-
-<file path=customXml/item3.xml><?xml version="1.0" encoding="utf-8"?>
 <ct:contentTypeSchema xmlns:ct="http://schemas.microsoft.com/office/2006/metadata/contentType" xmlns:ma="http://schemas.microsoft.com/office/2006/metadata/properties/metaAttributes" ct:_="" ma:_="" ma:contentTypeName="Document" ma:contentTypeID="0x01010079F111ED35F8CC479449609E8A0923A6" ma:contentTypeVersion="12" ma:contentTypeDescription="Create a new document." ma:contentTypeScope="" ma:versionID="fa6e671f1cd7e4d96ff9652be322dd5e">
   <xsd:schema xmlns:xsd="http://www.w3.org/2001/XMLSchema" xmlns:xs="http://www.w3.org/2001/XMLSchema" xmlns:p="http://schemas.microsoft.com/office/2006/metadata/properties" xmlns:ns2="71af3243-3dd4-4a8d-8c0d-dd76da1f02a5" xmlns:ns3="16c05727-aa75-4e4a-9b5f-8a80a1165891" targetNamespace="http://schemas.microsoft.com/office/2006/metadata/properties" ma:root="true" ma:fieldsID="4e2496f70b101db0b8013f30a071bbf7" ns2:_="" ns3:_="">
     <xsd:import namespace="71af3243-3dd4-4a8d-8c0d-dd76da1f02a5"/>
@@ -14698,6 +14922,15 @@
 </ct:contentTypeSchema>
 </file>
 
+<file path=customXml/item3.xml><?xml version="1.0" encoding="utf-8"?>
+<p:properties xmlns:p="http://schemas.microsoft.com/office/2006/metadata/properties" xmlns:xsi="http://www.w3.org/2001/XMLSchema-instance" xmlns:pc="http://schemas.microsoft.com/office/infopath/2007/PartnerControls">
+  <documentManagement>
+    <Status xmlns="71af3243-3dd4-4a8d-8c0d-dd76da1f02a5">Not started</Status>
+    <MediaServiceKeyPoints xmlns="71af3243-3dd4-4a8d-8c0d-dd76da1f02a5" xsi:nil="true"/>
+  </documentManagement>
+</p:properties>
+</file>
+
 <file path=customXml/itemProps1.xml><?xml version="1.0" encoding="utf-8"?>
 <ds:datastoreItem xmlns:ds="http://schemas.openxmlformats.org/officeDocument/2006/customXml" ds:itemID="{DC58A64B-81C3-4EC2-A044-1AD401A10DA8}">
   <ds:schemaRefs>
@@ -14707,16 +14940,6 @@
 </file>
 
 <file path=customXml/itemProps2.xml><?xml version="1.0" encoding="utf-8"?>
-<ds:datastoreItem xmlns:ds="http://schemas.openxmlformats.org/officeDocument/2006/customXml" ds:itemID="{E2606CA9-73CA-4217-BA3D-1864E6BFEEB4}">
-  <ds:schemaRefs>
-    <ds:schemaRef ds:uri="http://schemas.microsoft.com/office/2006/metadata/properties"/>
-    <ds:schemaRef ds:uri="http://schemas.microsoft.com/office/infopath/2007/PartnerControls"/>
-    <ds:schemaRef ds:uri="71af3243-3dd4-4a8d-8c0d-dd76da1f02a5"/>
-  </ds:schemaRefs>
-</ds:datastoreItem>
-</file>
-
-<file path=customXml/itemProps3.xml><?xml version="1.0" encoding="utf-8"?>
 <ds:datastoreItem xmlns:ds="http://schemas.openxmlformats.org/officeDocument/2006/customXml" ds:itemID="{9FE7B02C-5194-4175-B6C3-18AE8350DC57}">
   <ds:schemaRefs>
     <ds:schemaRef ds:uri="http://schemas.microsoft.com/office/2006/metadata/contentType"/>
@@ -14733,4 +14956,14 @@
     <ds:schemaRef ds:uri="http://schemas.microsoft.com/internal/obd"/>
   </ds:schemaRefs>
 </ds:datastoreItem>
+</file>
+
+<file path=customXml/itemProps3.xml><?xml version="1.0" encoding="utf-8"?>
+<ds:datastoreItem xmlns:ds="http://schemas.openxmlformats.org/officeDocument/2006/customXml" ds:itemID="{E2606CA9-73CA-4217-BA3D-1864E6BFEEB4}">
+  <ds:schemaRefs>
+    <ds:schemaRef ds:uri="http://schemas.microsoft.com/office/2006/metadata/properties"/>
+    <ds:schemaRef ds:uri="http://schemas.microsoft.com/office/infopath/2007/PartnerControls"/>
+    <ds:schemaRef ds:uri="71af3243-3dd4-4a8d-8c0d-dd76da1f02a5"/>
+  </ds:schemaRefs>
+</ds:datastoreItem>
 </file>
--- a/mducng_VN-KR.pptx
+++ b/mducng_VN-KR.pptx
@@ -3567,7 +3567,7 @@
           <a:p>
             <a:fld id="{3A6639B8-EA76-475F-ABF2-3D49BD1F56D3}" type="datetimeFigureOut">
               <a:rPr lang="en-US" smtClean="0"/>
-              <a:t>2/15/2021</a:t>
+              <a:t>2/18/2021</a:t>
             </a:fld>
             <a:endParaRPr lang="en-US" dirty="0"/>
           </a:p>
@@ -3744,7 +3744,7 @@
           <a:p>
             <a:fld id="{774F3147-C309-44B8-AF20-BAB82B7C4F88}" type="datetimeFigureOut">
               <a:rPr lang="en-US" smtClean="0"/>
-              <a:t>2/15/2021</a:t>
+              <a:t>2/18/2021</a:t>
             </a:fld>
             <a:endParaRPr lang="en-US" dirty="0"/>
           </a:p>
@@ -11316,10 +11316,7 @@
             <a:ext cx="5994400" cy="792000"/>
           </a:xfrm>
           <a:solidFill>
-            <a:schemeClr val="accent3">
-              <a:lumMod val="40000"/>
-              <a:lumOff val="60000"/>
-            </a:schemeClr>
+            <a:srgbClr val="FFFF00"/>
           </a:solidFill>
         </p:spPr>
         <p:txBody>
@@ -11917,8 +11914,8 @@
         </p:nvSpPr>
         <p:spPr>
           <a:xfrm>
-            <a:off x="6096000" y="0"/>
-            <a:ext cx="6578600" cy="6858000"/>
+            <a:off x="5598671" y="0"/>
+            <a:ext cx="7075929" cy="6858000"/>
           </a:xfrm>
         </p:spPr>
       </p:sp>
@@ -11954,10 +11951,14 @@
           <a:lstStyle/>
           <a:p>
             <a:r>
-              <a:rPr lang="en-US" b="1" dirty="0">
-                <a:latin typeface="Abadi" panose="020B0604020104020204" pitchFamily="34" charset="0"/>
+              <a:rPr lang="ko-KR" altLang="en-US" b="0" i="0" dirty="0">
+                <a:solidFill>
+                  <a:srgbClr val="000000"/>
+                </a:solidFill>
+                <a:effectLst/>
+                <a:latin typeface="Noto Sans"/>
               </a:rPr>
-              <a:t>People and history</a:t>
+              <a:t>민족과 역사</a:t>
             </a:r>
             <a:endParaRPr lang="en-US" dirty="0">
               <a:latin typeface="Abadi" panose="020B0604020104020204" pitchFamily="34" charset="0"/>
@@ -11981,14 +11982,14 @@
             <p:ph idx="1"/>
             <p:extLst>
               <p:ext uri="{D42A27DB-BD31-4B8C-83A1-F6EECF244321}">
-                <p14:modId xmlns:p14="http://schemas.microsoft.com/office/powerpoint/2010/main" val="3347535892"/>
+                <p14:modId xmlns:p14="http://schemas.microsoft.com/office/powerpoint/2010/main" val="1502472026"/>
               </p:ext>
             </p:extLst>
           </p:nvPr>
         </p:nvGraphicFramePr>
         <p:xfrm>
           <a:off x="0" y="1191260"/>
-          <a:ext cx="6096000" cy="2237740"/>
+          <a:ext cx="6096000" cy="2451100"/>
         </p:xfrm>
         <a:graphic>
           <a:graphicData uri="http://schemas.openxmlformats.org/drawingml/2006/table">
@@ -12175,11 +12176,20 @@
                         <a:defRPr/>
                       </a:pPr>
                       <a:r>
-                        <a:rPr lang="en-US" sz="1400" b="1" dirty="0">
-                          <a:latin typeface="Abadi" panose="020B0604020104020204" pitchFamily="34" charset="0"/>
+                        <a:rPr lang="ko-KR" altLang="en-US" sz="1400" b="1" i="0" kern="1200" dirty="0">
+                          <a:solidFill>
+                            <a:schemeClr val="dk1"/>
+                          </a:solidFill>
+                          <a:effectLst/>
+                          <a:latin typeface="+mn-lt"/>
+                          <a:ea typeface="+mn-ea"/>
+                          <a:cs typeface="+mn-cs"/>
                         </a:rPr>
-                        <a:t>People</a:t>
+                        <a:t>사람</a:t>
                       </a:r>
+                      <a:endParaRPr lang="en-US" sz="1400" b="1" dirty="0">
+                        <a:latin typeface="Abadi" panose="020B0604020104020204" pitchFamily="34" charset="0"/>
+                      </a:endParaRPr>
                     </a:p>
                   </a:txBody>
                   <a:tcPr/>
@@ -12334,12 +12344,16 @@
                     <a:p>
                       <a:pPr algn="ctr"/>
                       <a:r>
-                        <a:rPr lang="en-US" sz="1400" b="1" dirty="0">
+                        <a:rPr lang="ko-KR" altLang="en-US" sz="1400" b="1" dirty="0">
                           <a:effectLst/>
                           <a:latin typeface="Abadi" panose="020B0604020104020204" pitchFamily="34" charset="0"/>
                         </a:rPr>
-                        <a:t>Folk costume</a:t>
+                        <a:t>전통의상</a:t>
                       </a:r>
+                      <a:endParaRPr lang="en-US" sz="1400" b="1" dirty="0">
+                        <a:effectLst/>
+                        <a:latin typeface="Abadi" panose="020B0604020104020204" pitchFamily="34" charset="0"/>
+                      </a:endParaRPr>
                     </a:p>
                   </a:txBody>
                   <a:tcPr marL="95250" marR="95250" marT="95250" marB="95250" anchor="ctr"/>
@@ -12389,12 +12403,28 @@
                       </a:r>
                     </a:p>
                     <a:p>
-                      <a:pPr algn="l"/>
+                      <a:pPr marL="0" marR="0" lvl="0" indent="0" algn="l" defTabSz="914400" rtl="0" eaLnBrk="1" fontAlgn="auto" latinLnBrk="1" hangingPunct="1">
+                        <a:lnSpc>
+                          <a:spcPct val="100000"/>
+                        </a:lnSpc>
+                        <a:spcBef>
+                          <a:spcPts val="0"/>
+                        </a:spcBef>
+                        <a:spcAft>
+                          <a:spcPts val="0"/>
+                        </a:spcAft>
+                        <a:buClrTx/>
+                        <a:buSzTx/>
+                        <a:buFontTx/>
+                        <a:buNone/>
+                        <a:tabLst/>
+                        <a:defRPr/>
+                      </a:pPr>
                       <a:r>
                         <a:rPr lang="en-US" sz="1400" dirty="0" err="1">
                           <a:latin typeface="Abadi" panose="020B0604020104020204" pitchFamily="34" charset="0"/>
                         </a:rPr>
-                        <a:t>Ao</a:t>
+                        <a:t>Áo</a:t>
                       </a:r>
                       <a:r>
                         <a:rPr lang="en-US" sz="1400" dirty="0">
@@ -12406,19 +12436,7 @@
                         <a:rPr lang="en-US" sz="1400" dirty="0" err="1">
                           <a:latin typeface="Abadi" panose="020B0604020104020204" pitchFamily="34" charset="0"/>
                         </a:rPr>
-                        <a:t>dai</a:t>
-                      </a:r>
-                      <a:endParaRPr lang="en-US" sz="1400" dirty="0">
-                        <a:latin typeface="Abadi" panose="020B0604020104020204" pitchFamily="34" charset="0"/>
-                      </a:endParaRPr>
-                    </a:p>
-                    <a:p>
-                      <a:pPr algn="l"/>
-                      <a:r>
-                        <a:rPr lang="en-US" sz="1400" dirty="0" err="1">
-                          <a:latin typeface="Abadi" panose="020B0604020104020204" pitchFamily="34" charset="0"/>
-                        </a:rPr>
-                        <a:t>Ao</a:t>
+                        <a:t>tứ</a:t>
                       </a:r>
                       <a:r>
                         <a:rPr lang="en-US" sz="1400" dirty="0">
@@ -12430,13 +12448,91 @@
                         <a:rPr lang="en-US" sz="1400" dirty="0" err="1">
                           <a:latin typeface="Abadi" panose="020B0604020104020204" pitchFamily="34" charset="0"/>
                         </a:rPr>
-                        <a:t>tu</a:t>
+                        <a:t>thân</a:t>
                       </a:r>
                       <a:r>
                         <a:rPr lang="en-US" sz="1400" dirty="0">
                           <a:latin typeface="Abadi" panose="020B0604020104020204" pitchFamily="34" charset="0"/>
                         </a:rPr>
-                        <a:t> than</a:t>
+                        <a:t> (four-part dress)</a:t>
+                      </a:r>
+                    </a:p>
+                    <a:p>
+                      <a:pPr algn="l"/>
+                      <a:r>
+                        <a:rPr lang="en-US" sz="1400" dirty="0" err="1">
+                          <a:latin typeface="Abadi" panose="020B0604020104020204" pitchFamily="34" charset="0"/>
+                        </a:rPr>
+                        <a:t>Áo</a:t>
+                      </a:r>
+                      <a:r>
+                        <a:rPr lang="en-US" sz="1400" dirty="0">
+                          <a:latin typeface="Abadi" panose="020B0604020104020204" pitchFamily="34" charset="0"/>
+                        </a:rPr>
+                        <a:t> </a:t>
+                      </a:r>
+                      <a:r>
+                        <a:rPr lang="en-US" sz="1400" dirty="0" err="1">
+                          <a:latin typeface="Abadi" panose="020B0604020104020204" pitchFamily="34" charset="0"/>
+                        </a:rPr>
+                        <a:t>dài</a:t>
+                      </a:r>
+                      <a:r>
+                        <a:rPr lang="en-US" sz="1400" dirty="0">
+                          <a:latin typeface="Abadi" panose="020B0604020104020204" pitchFamily="34" charset="0"/>
+                        </a:rPr>
+                        <a:t>       (long dress)</a:t>
+                      </a:r>
+                    </a:p>
+                    <a:p>
+                      <a:pPr algn="l"/>
+                      <a:r>
+                        <a:rPr lang="en-US" sz="1400" dirty="0" err="1">
+                          <a:latin typeface="Abadi" panose="020B0604020104020204" pitchFamily="34" charset="0"/>
+                        </a:rPr>
+                        <a:t>Áo</a:t>
+                      </a:r>
+                      <a:r>
+                        <a:rPr lang="en-US" sz="1400" dirty="0">
+                          <a:latin typeface="Abadi" panose="020B0604020104020204" pitchFamily="34" charset="0"/>
+                        </a:rPr>
+                        <a:t> </a:t>
+                      </a:r>
+                      <a:r>
+                        <a:rPr lang="en-US" sz="1400" dirty="0" err="1">
+                          <a:latin typeface="Abadi" panose="020B0604020104020204" pitchFamily="34" charset="0"/>
+                        </a:rPr>
+                        <a:t>bà</a:t>
+                      </a:r>
+                      <a:r>
+                        <a:rPr lang="en-US" sz="1400" dirty="0">
+                          <a:latin typeface="Abadi" panose="020B0604020104020204" pitchFamily="34" charset="0"/>
+                        </a:rPr>
+                        <a:t> </a:t>
+                      </a:r>
+                      <a:r>
+                        <a:rPr lang="en-US" sz="1400" dirty="0" err="1">
+                          <a:latin typeface="Abadi" panose="020B0604020104020204" pitchFamily="34" charset="0"/>
+                        </a:rPr>
+                        <a:t>ba</a:t>
+                      </a:r>
+                      <a:r>
+                        <a:rPr lang="en-US" sz="1400" dirty="0">
+                          <a:latin typeface="Abadi" panose="020B0604020104020204" pitchFamily="34" charset="0"/>
+                        </a:rPr>
+                        <a:t>   (the shirt of </a:t>
+                      </a:r>
+                      <a:r>
+                        <a:rPr lang="en-US" sz="1400" dirty="0" err="1">
+                          <a:latin typeface="Abadi" panose="020B0604020104020204" pitchFamily="34" charset="0"/>
+                        </a:rPr>
+                        <a:t>Mrs</a:t>
+                      </a:r>
+                      <a:r>
+                        <a:rPr lang="en-US" sz="1400" dirty="0">
+                          <a:latin typeface="Abadi" panose="020B0604020104020204" pitchFamily="34" charset="0"/>
+                        </a:rPr>
+                        <a:t>) </a:t>
                       </a:r>
                     </a:p>
                   </a:txBody>
@@ -12482,6 +12578,66 @@
           </a:p>
         </p:txBody>
       </p:sp>
+      <p:pic>
+        <p:nvPicPr>
+          <p:cNvPr id="7" name="Picture 6">
+            <a:extLst>
+              <a:ext uri="{FF2B5EF4-FFF2-40B4-BE49-F238E27FC236}">
+                <a16:creationId xmlns:a16="http://schemas.microsoft.com/office/drawing/2014/main" id="{5ECC595B-CF72-4928-AD8E-2BE1FF56874C}"/>
+              </a:ext>
+            </a:extLst>
+          </p:cNvPr>
+          <p:cNvPicPr>
+            <a:picLocks noChangeAspect="1"/>
+          </p:cNvPicPr>
+          <p:nvPr/>
+        </p:nvPicPr>
+        <p:blipFill>
+          <a:blip r:embed="rId2"/>
+          <a:stretch>
+            <a:fillRect/>
+          </a:stretch>
+        </p:blipFill>
+        <p:spPr>
+          <a:xfrm>
+            <a:off x="453460" y="3810317"/>
+            <a:ext cx="2788594" cy="2879725"/>
+          </a:xfrm>
+          <a:prstGeom prst="rect">
+            <a:avLst/>
+          </a:prstGeom>
+        </p:spPr>
+      </p:pic>
+      <p:pic>
+        <p:nvPicPr>
+          <p:cNvPr id="11" name="Picture 10">
+            <a:extLst>
+              <a:ext uri="{FF2B5EF4-FFF2-40B4-BE49-F238E27FC236}">
+                <a16:creationId xmlns:a16="http://schemas.microsoft.com/office/drawing/2014/main" id="{5CC38FA2-8512-4399-9820-FB0B14C33B86}"/>
+              </a:ext>
+            </a:extLst>
+          </p:cNvPr>
+          <p:cNvPicPr>
+            <a:picLocks noChangeAspect="1"/>
+          </p:cNvPicPr>
+          <p:nvPr/>
+        </p:nvPicPr>
+        <p:blipFill>
+          <a:blip r:embed="rId3"/>
+          <a:stretch>
+            <a:fillRect/>
+          </a:stretch>
+        </p:blipFill>
+        <p:spPr>
+          <a:xfrm>
+            <a:off x="3376283" y="3810317"/>
+            <a:ext cx="2088159" cy="2879725"/>
+          </a:xfrm>
+          <a:prstGeom prst="rect">
+            <a:avLst/>
+          </a:prstGeom>
+        </p:spPr>
+      </p:pic>
     </p:spTree>
     <p:extLst>
       <p:ext uri="{BB962C8B-B14F-4D97-AF65-F5344CB8AC3E}">
@@ -12570,10 +12726,10 @@
           <a:lstStyle/>
           <a:p>
             <a:r>
-              <a:rPr lang="en-US" b="1" dirty="0">
+              <a:rPr lang="ko-KR" altLang="en-US" b="1" dirty="0">
                 <a:latin typeface="Abadi" panose="020B0604020104020204" pitchFamily="34" charset="0"/>
               </a:rPr>
-              <a:t>New year activity</a:t>
+              <a:t>설날 이벤트</a:t>
             </a:r>
             <a:endParaRPr lang="en-US" dirty="0">
               <a:latin typeface="Abadi" panose="020B0604020104020204" pitchFamily="34" charset="0"/>
@@ -12913,10 +13069,10 @@
           </a:lstStyle>
           <a:p>
             <a:r>
-              <a:rPr lang="en-US" b="1">
+              <a:rPr lang="ko-KR" altLang="en-US" b="1" dirty="0">
                 <a:latin typeface="Abadi" panose="020B0604020104020204" pitchFamily="34" charset="0"/>
               </a:rPr>
-              <a:t>New year activity</a:t>
+              <a:t>설날 이벤트</a:t>
             </a:r>
             <a:endParaRPr lang="en-US" dirty="0">
               <a:latin typeface="Abadi" panose="020B0604020104020204" pitchFamily="34" charset="0"/>
@@ -13097,10 +13253,10 @@
           </a:lstStyle>
           <a:p>
             <a:r>
-              <a:rPr lang="en-US" b="1">
+              <a:rPr lang="ko-KR" altLang="en-US" b="1" dirty="0">
                 <a:latin typeface="Abadi" panose="020B0604020104020204" pitchFamily="34" charset="0"/>
               </a:rPr>
-              <a:t>New year activity</a:t>
+              <a:t>설날 이벤트</a:t>
             </a:r>
             <a:endParaRPr lang="en-US" dirty="0">
               <a:latin typeface="Abadi" panose="020B0604020104020204" pitchFamily="34" charset="0"/>
@@ -13287,10 +13443,10 @@
           </a:lstStyle>
           <a:p>
             <a:r>
-              <a:rPr lang="en-US" b="1">
+              <a:rPr lang="ko-KR" altLang="en-US" b="1" dirty="0">
                 <a:latin typeface="Abadi" panose="020B0604020104020204" pitchFamily="34" charset="0"/>
               </a:rPr>
-              <a:t>New year activity</a:t>
+              <a:t>설날 이벤트</a:t>
             </a:r>
             <a:endParaRPr lang="en-US" dirty="0">
               <a:latin typeface="Abadi" panose="020B0604020104020204" pitchFamily="34" charset="0"/>
@@ -13472,10 +13628,10 @@
           </a:lstStyle>
           <a:p>
             <a:r>
-              <a:rPr lang="en-US" b="1">
+              <a:rPr lang="ko-KR" altLang="en-US" b="1" dirty="0">
                 <a:latin typeface="Abadi" panose="020B0604020104020204" pitchFamily="34" charset="0"/>
               </a:rPr>
-              <a:t>New year activity</a:t>
+              <a:t>설날 이벤트</a:t>
             </a:r>
             <a:endParaRPr lang="en-US" dirty="0">
               <a:latin typeface="Abadi" panose="020B0604020104020204" pitchFamily="34" charset="0"/>
@@ -13700,10 +13856,10 @@
           </a:lstStyle>
           <a:p>
             <a:r>
-              <a:rPr lang="en-US" b="1">
+              <a:rPr lang="ko-KR" altLang="en-US" b="1" dirty="0">
                 <a:latin typeface="Abadi" panose="020B0604020104020204" pitchFamily="34" charset="0"/>
               </a:rPr>
-              <a:t>New year activity</a:t>
+              <a:t>설날 이벤트</a:t>
             </a:r>
             <a:endParaRPr lang="en-US" dirty="0">
               <a:latin typeface="Abadi" panose="020B0604020104020204" pitchFamily="34" charset="0"/>
@@ -14693,12 +14849,12 @@
 </file>
 
 <file path=customXml/item1.xml><?xml version="1.0" encoding="utf-8"?>
-<?mso-contentType ?>
-<FormTemplates xmlns="http://schemas.microsoft.com/sharepoint/v3/contenttype/forms">
-  <Display>DocumentLibraryForm</Display>
-  <Edit>DocumentLibraryForm</Edit>
-  <New>DocumentLibraryForm</New>
-</FormTemplates>
+<p:properties xmlns:p="http://schemas.microsoft.com/office/2006/metadata/properties" xmlns:xsi="http://www.w3.org/2001/XMLSchema-instance" xmlns:pc="http://schemas.microsoft.com/office/infopath/2007/PartnerControls">
+  <documentManagement>
+    <Status xmlns="71af3243-3dd4-4a8d-8c0d-dd76da1f02a5">Not started</Status>
+    <MediaServiceKeyPoints xmlns="71af3243-3dd4-4a8d-8c0d-dd76da1f02a5" xsi:nil="true"/>
+  </documentManagement>
+</p:properties>
 </file>
 
 <file path=customXml/item2.xml><?xml version="1.0" encoding="utf-8"?>
@@ -14923,18 +15079,20 @@
 </file>
 
 <file path=customXml/item3.xml><?xml version="1.0" encoding="utf-8"?>
-<p:properties xmlns:p="http://schemas.microsoft.com/office/2006/metadata/properties" xmlns:xsi="http://www.w3.org/2001/XMLSchema-instance" xmlns:pc="http://schemas.microsoft.com/office/infopath/2007/PartnerControls">
-  <documentManagement>
-    <Status xmlns="71af3243-3dd4-4a8d-8c0d-dd76da1f02a5">Not started</Status>
-    <MediaServiceKeyPoints xmlns="71af3243-3dd4-4a8d-8c0d-dd76da1f02a5" xsi:nil="true"/>
-  </documentManagement>
-</p:properties>
+<?mso-contentType ?>
+<FormTemplates xmlns="http://schemas.microsoft.com/sharepoint/v3/contenttype/forms">
+  <Display>DocumentLibraryForm</Display>
+  <Edit>DocumentLibraryForm</Edit>
+  <New>DocumentLibraryForm</New>
+</FormTemplates>
 </file>
 
 <file path=customXml/itemProps1.xml><?xml version="1.0" encoding="utf-8"?>
-<ds:datastoreItem xmlns:ds="http://schemas.openxmlformats.org/officeDocument/2006/customXml" ds:itemID="{DC58A64B-81C3-4EC2-A044-1AD401A10DA8}">
+<ds:datastoreItem xmlns:ds="http://schemas.openxmlformats.org/officeDocument/2006/customXml" ds:itemID="{E2606CA9-73CA-4217-BA3D-1864E6BFEEB4}">
   <ds:schemaRefs>
-    <ds:schemaRef ds:uri="http://schemas.microsoft.com/sharepoint/v3/contenttype/forms"/>
+    <ds:schemaRef ds:uri="http://schemas.microsoft.com/office/2006/metadata/properties"/>
+    <ds:schemaRef ds:uri="http://schemas.microsoft.com/office/infopath/2007/PartnerControls"/>
+    <ds:schemaRef ds:uri="71af3243-3dd4-4a8d-8c0d-dd76da1f02a5"/>
   </ds:schemaRefs>
 </ds:datastoreItem>
 </file>
@@ -14959,11 +15117,9 @@
 </file>
 
 <file path=customXml/itemProps3.xml><?xml version="1.0" encoding="utf-8"?>
-<ds:datastoreItem xmlns:ds="http://schemas.openxmlformats.org/officeDocument/2006/customXml" ds:itemID="{E2606CA9-73CA-4217-BA3D-1864E6BFEEB4}">
+<ds:datastoreItem xmlns:ds="http://schemas.openxmlformats.org/officeDocument/2006/customXml" ds:itemID="{DC58A64B-81C3-4EC2-A044-1AD401A10DA8}">
   <ds:schemaRefs>
-    <ds:schemaRef ds:uri="http://schemas.microsoft.com/office/2006/metadata/properties"/>
-    <ds:schemaRef ds:uri="http://schemas.microsoft.com/office/infopath/2007/PartnerControls"/>
-    <ds:schemaRef ds:uri="71af3243-3dd4-4a8d-8c0d-dd76da1f02a5"/>
+    <ds:schemaRef ds:uri="http://schemas.microsoft.com/sharepoint/v3/contenttype/forms"/>
   </ds:schemaRefs>
 </ds:datastoreItem>
 </file>
--- a/mducng_VN-KR.pptx
+++ b/mducng_VN-KR.pptx
@@ -3567,7 +3567,7 @@
           <a:p>
             <a:fld id="{3A6639B8-EA76-475F-ABF2-3D49BD1F56D3}" type="datetimeFigureOut">
               <a:rPr lang="en-US" smtClean="0"/>
-              <a:t>2/18/2021</a:t>
+              <a:t>2/19/2021</a:t>
             </a:fld>
             <a:endParaRPr lang="en-US" dirty="0"/>
           </a:p>
@@ -3744,7 +3744,7 @@
           <a:p>
             <a:fld id="{774F3147-C309-44B8-AF20-BAB82B7C4F88}" type="datetimeFigureOut">
               <a:rPr lang="en-US" smtClean="0"/>
-              <a:t>2/18/2021</a:t>
+              <a:t>2/19/2021</a:t>
             </a:fld>
             <a:endParaRPr lang="en-US" dirty="0"/>
           </a:p>
@@ -10563,34 +10563,31 @@
                 </a:highlight>
                 <a:latin typeface="Abadi" panose="020B0604020104020204" pitchFamily="34" charset="0"/>
               </a:rPr>
-              <a:t>베트남 의 명절</a:t>
-            </a:r>
-            <a:r>
+              <a:t>베트남 의 설날 </a:t>
+            </a:r>
+            <a:br>
               <a:rPr lang="en-US" sz="3200" b="1" dirty="0">
                 <a:highlight>
                   <a:srgbClr val="00FFFF"/>
                 </a:highlight>
                 <a:latin typeface="Abadi" panose="020B0604020104020204" pitchFamily="34" charset="0"/>
               </a:rPr>
-              <a:t> </a:t>
-            </a:r>
-            <a:br>
-              <a:rPr lang="en-US" sz="4000" b="1" dirty="0">
+            </a:br>
+            <a:r>
+              <a:rPr lang="ko-KR" altLang="en-US" sz="3200" b="1" dirty="0">
                 <a:highlight>
                   <a:srgbClr val="00FFFF"/>
                 </a:highlight>
                 <a:latin typeface="Abadi" panose="020B0604020104020204" pitchFamily="34" charset="0"/>
               </a:rPr>
-            </a:br>
-            <a:r>
-              <a:rPr lang="en-US" sz="2400" b="1" dirty="0">
-                <a:highlight>
-                  <a:srgbClr val="00FFFF"/>
-                </a:highlight>
-                <a:latin typeface="Abadi" panose="020B0604020104020204" pitchFamily="34" charset="0"/>
-              </a:rPr>
-              <a:t>Differences and Similarities</a:t>
-            </a:r>
+              <a:t>차이점 및 유사점</a:t>
+            </a:r>
+            <a:endParaRPr lang="en-US" sz="3200" b="1" dirty="0">
+              <a:highlight>
+                <a:srgbClr val="00FFFF"/>
+              </a:highlight>
+              <a:latin typeface="Abadi" panose="020B0604020104020204" pitchFamily="34" charset="0"/>
+            </a:endParaRPr>
           </a:p>
         </p:txBody>
       </p:sp>
@@ -11898,29 +11895,6 @@
       </p:grpSpPr>
       <p:sp>
         <p:nvSpPr>
-          <p:cNvPr id="2" name="Picture Placeholder 1">
-            <a:extLst>
-              <a:ext uri="{FF2B5EF4-FFF2-40B4-BE49-F238E27FC236}">
-                <a16:creationId xmlns:a16="http://schemas.microsoft.com/office/drawing/2014/main" id="{23C6E8D1-D7A3-4BB4-9729-D16A3C182A21}"/>
-              </a:ext>
-            </a:extLst>
-          </p:cNvPr>
-          <p:cNvSpPr>
-            <a:spLocks noGrp="1"/>
-          </p:cNvSpPr>
-          <p:nvPr>
-            <p:ph type="pic" sz="quarter" idx="12"/>
-          </p:nvPr>
-        </p:nvSpPr>
-        <p:spPr>
-          <a:xfrm>
-            <a:off x="5598671" y="0"/>
-            <a:ext cx="7075929" cy="6858000"/>
-          </a:xfrm>
-        </p:spPr>
-      </p:sp>
-      <p:sp>
-        <p:nvSpPr>
           <p:cNvPr id="3" name="Title 2">
             <a:extLst>
               <a:ext uri="{FF2B5EF4-FFF2-40B4-BE49-F238E27FC236}">
@@ -11958,7 +11932,7 @@
                 <a:effectLst/>
                 <a:latin typeface="Noto Sans"/>
               </a:rPr>
-              <a:t>민족과 역사</a:t>
+              <a:t>베트남민족</a:t>
             </a:r>
             <a:endParaRPr lang="en-US" dirty="0">
               <a:latin typeface="Abadi" panose="020B0604020104020204" pitchFamily="34" charset="0"/>
@@ -11982,14 +11956,14 @@
             <p:ph idx="1"/>
             <p:extLst>
               <p:ext uri="{D42A27DB-BD31-4B8C-83A1-F6EECF244321}">
-                <p14:modId xmlns:p14="http://schemas.microsoft.com/office/powerpoint/2010/main" val="1502472026"/>
+                <p14:modId xmlns:p14="http://schemas.microsoft.com/office/powerpoint/2010/main" val="2155899569"/>
               </p:ext>
             </p:extLst>
           </p:nvPr>
         </p:nvGraphicFramePr>
         <p:xfrm>
           <a:off x="0" y="1191260"/>
-          <a:ext cx="6096000" cy="2451100"/>
+          <a:ext cx="5651872" cy="2451100"/>
         </p:xfrm>
         <a:graphic>
           <a:graphicData uri="http://schemas.openxmlformats.org/drawingml/2006/table">
@@ -11998,21 +11972,21 @@
                 <a:tableStyleId>{5C22544A-7EE6-4342-B048-85BDC9FD1C3A}</a:tableStyleId>
               </a:tblPr>
               <a:tblGrid>
-                <a:gridCol w="1278609">
+                <a:gridCol w="1185455">
                   <a:extLst>
                     <a:ext uri="{9D8B030D-6E8A-4147-A177-3AD203B41FA5}">
                       <a16:colId xmlns:a16="http://schemas.microsoft.com/office/drawing/2014/main" val="4058099069"/>
                     </a:ext>
                   </a:extLst>
                 </a:gridCol>
-                <a:gridCol w="2040611">
+                <a:gridCol w="1891941">
                   <a:extLst>
                     <a:ext uri="{9D8B030D-6E8A-4147-A177-3AD203B41FA5}">
                       <a16:colId xmlns:a16="http://schemas.microsoft.com/office/drawing/2014/main" val="1096586304"/>
                     </a:ext>
                   </a:extLst>
                 </a:gridCol>
-                <a:gridCol w="2776780">
+                <a:gridCol w="2574476">
                   <a:extLst>
                     <a:ext uri="{9D8B030D-6E8A-4147-A177-3AD203B41FA5}">
                       <a16:colId xmlns:a16="http://schemas.microsoft.com/office/drawing/2014/main" val="3464940675"/>
@@ -12600,8 +12574,8 @@
         </p:blipFill>
         <p:spPr>
           <a:xfrm>
-            <a:off x="453460" y="3810317"/>
-            <a:ext cx="2788594" cy="2879725"/>
+            <a:off x="9336" y="3666893"/>
+            <a:ext cx="3090121" cy="3191106"/>
           </a:xfrm>
           <a:prstGeom prst="rect">
             <a:avLst/>
@@ -12630,12 +12604,42 @@
         </p:blipFill>
         <p:spPr>
           <a:xfrm>
-            <a:off x="3376283" y="3810317"/>
-            <a:ext cx="2088159" cy="2879725"/>
+            <a:off x="3098801" y="3654626"/>
+            <a:ext cx="2331738" cy="3215639"/>
           </a:xfrm>
           <a:prstGeom prst="rect">
             <a:avLst/>
           </a:prstGeom>
+        </p:spPr>
+      </p:pic>
+      <p:pic>
+        <p:nvPicPr>
+          <p:cNvPr id="17" name="Picture Placeholder 16" descr="A collage of people in garment&#10;&#10;Description automatically generated with low confidence">
+            <a:extLst>
+              <a:ext uri="{FF2B5EF4-FFF2-40B4-BE49-F238E27FC236}">
+                <a16:creationId xmlns:a16="http://schemas.microsoft.com/office/drawing/2014/main" id="{04A39985-F9BE-419E-85BE-C6AF80BB3F73}"/>
+              </a:ext>
+            </a:extLst>
+          </p:cNvPr>
+          <p:cNvPicPr>
+            <a:picLocks noGrp="1" noChangeAspect="1"/>
+          </p:cNvPicPr>
+          <p:nvPr>
+            <p:ph type="pic" sz="quarter" idx="12"/>
+          </p:nvPr>
+        </p:nvPicPr>
+        <p:blipFill>
+          <a:blip r:embed="rId4"/>
+          <a:srcRect l="16656" r="16656"/>
+          <a:stretch>
+            <a:fillRect/>
+          </a:stretch>
+        </p:blipFill>
+        <p:spPr>
+          <a:xfrm>
+            <a:off x="5462525" y="0"/>
+            <a:ext cx="7022727" cy="6858000"/>
+          </a:xfrm>
         </p:spPr>
       </p:pic>
     </p:spTree>
@@ -14858,6 +14862,15 @@
 </file>
 
 <file path=customXml/item2.xml><?xml version="1.0" encoding="utf-8"?>
+<?mso-contentType ?>
+<FormTemplates xmlns="http://schemas.microsoft.com/sharepoint/v3/contenttype/forms">
+  <Display>DocumentLibraryForm</Display>
+  <Edit>DocumentLibraryForm</Edit>
+  <New>DocumentLibraryForm</New>
+</FormTemplates>
+</file>
+
+<file path=customXml/item3.xml><?xml version="1.0" encoding="utf-8"?>
 <ct:contentTypeSchema xmlns:ct="http://schemas.microsoft.com/office/2006/metadata/contentType" xmlns:ma="http://schemas.microsoft.com/office/2006/metadata/properties/metaAttributes" ct:_="" ma:_="" ma:contentTypeName="Document" ma:contentTypeID="0x01010079F111ED35F8CC479449609E8A0923A6" ma:contentTypeVersion="12" ma:contentTypeDescription="Create a new document." ma:contentTypeScope="" ma:versionID="fa6e671f1cd7e4d96ff9652be322dd5e">
   <xsd:schema xmlns:xsd="http://www.w3.org/2001/XMLSchema" xmlns:xs="http://www.w3.org/2001/XMLSchema" xmlns:p="http://schemas.microsoft.com/office/2006/metadata/properties" xmlns:ns2="71af3243-3dd4-4a8d-8c0d-dd76da1f02a5" xmlns:ns3="16c05727-aa75-4e4a-9b5f-8a80a1165891" targetNamespace="http://schemas.microsoft.com/office/2006/metadata/properties" ma:root="true" ma:fieldsID="4e2496f70b101db0b8013f30a071bbf7" ns2:_="" ns3:_="">
     <xsd:import namespace="71af3243-3dd4-4a8d-8c0d-dd76da1f02a5"/>
@@ -15078,15 +15091,6 @@
 </ct:contentTypeSchema>
 </file>
 
-<file path=customXml/item3.xml><?xml version="1.0" encoding="utf-8"?>
-<?mso-contentType ?>
-<FormTemplates xmlns="http://schemas.microsoft.com/sharepoint/v3/contenttype/forms">
-  <Display>DocumentLibraryForm</Display>
-  <Edit>DocumentLibraryForm</Edit>
-  <New>DocumentLibraryForm</New>
-</FormTemplates>
-</file>
-
 <file path=customXml/itemProps1.xml><?xml version="1.0" encoding="utf-8"?>
 <ds:datastoreItem xmlns:ds="http://schemas.openxmlformats.org/officeDocument/2006/customXml" ds:itemID="{E2606CA9-73CA-4217-BA3D-1864E6BFEEB4}">
   <ds:schemaRefs>
@@ -15098,6 +15102,14 @@
 </file>
 
 <file path=customXml/itemProps2.xml><?xml version="1.0" encoding="utf-8"?>
+<ds:datastoreItem xmlns:ds="http://schemas.openxmlformats.org/officeDocument/2006/customXml" ds:itemID="{DC58A64B-81C3-4EC2-A044-1AD401A10DA8}">
+  <ds:schemaRefs>
+    <ds:schemaRef ds:uri="http://schemas.microsoft.com/sharepoint/v3/contenttype/forms"/>
+  </ds:schemaRefs>
+</ds:datastoreItem>
+</file>
+
+<file path=customXml/itemProps3.xml><?xml version="1.0" encoding="utf-8"?>
 <ds:datastoreItem xmlns:ds="http://schemas.openxmlformats.org/officeDocument/2006/customXml" ds:itemID="{9FE7B02C-5194-4175-B6C3-18AE8350DC57}">
   <ds:schemaRefs>
     <ds:schemaRef ds:uri="http://schemas.microsoft.com/office/2006/metadata/contentType"/>
@@ -15114,12 +15126,4 @@
     <ds:schemaRef ds:uri="http://schemas.microsoft.com/internal/obd"/>
   </ds:schemaRefs>
 </ds:datastoreItem>
-</file>
-
-<file path=customXml/itemProps3.xml><?xml version="1.0" encoding="utf-8"?>
-<ds:datastoreItem xmlns:ds="http://schemas.openxmlformats.org/officeDocument/2006/customXml" ds:itemID="{DC58A64B-81C3-4EC2-A044-1AD401A10DA8}">
-  <ds:schemaRefs>
-    <ds:schemaRef ds:uri="http://schemas.microsoft.com/sharepoint/v3/contenttype/forms"/>
-  </ds:schemaRefs>
-</ds:datastoreItem>
 </file>
--- a/mducng_VN-KR.pptx
+++ b/mducng_VN-KR.pptx
@@ -5,24 +5,23 @@
     <p:sldMasterId id="2147483648" r:id="rId4"/>
   </p:sldMasterIdLst>
   <p:notesMasterIdLst>
-    <p:notesMasterId r:id="rId17"/>
+    <p:notesMasterId r:id="rId16"/>
   </p:notesMasterIdLst>
   <p:handoutMasterIdLst>
-    <p:handoutMasterId r:id="rId18"/>
+    <p:handoutMasterId r:id="rId17"/>
   </p:handoutMasterIdLst>
   <p:sldIdLst>
     <p:sldId id="272" r:id="rId5"/>
     <p:sldId id="275" r:id="rId6"/>
     <p:sldId id="281" r:id="rId7"/>
     <p:sldId id="276" r:id="rId8"/>
-    <p:sldId id="280" r:id="rId9"/>
+    <p:sldId id="279" r:id="rId9"/>
     <p:sldId id="278" r:id="rId10"/>
-    <p:sldId id="279" r:id="rId11"/>
-    <p:sldId id="277" r:id="rId12"/>
-    <p:sldId id="282" r:id="rId13"/>
-    <p:sldId id="284" r:id="rId14"/>
-    <p:sldId id="285" r:id="rId15"/>
-    <p:sldId id="283" r:id="rId16"/>
+    <p:sldId id="277" r:id="rId11"/>
+    <p:sldId id="282" r:id="rId12"/>
+    <p:sldId id="284" r:id="rId13"/>
+    <p:sldId id="285" r:id="rId14"/>
+    <p:sldId id="283" r:id="rId15"/>
   </p:sldIdLst>
   <p:sldSz cx="12192000" cy="6858000"/>
   <p:notesSz cx="6858000" cy="9144000"/>
@@ -3567,7 +3566,7 @@
           <a:p>
             <a:fld id="{3A6639B8-EA76-475F-ABF2-3D49BD1F56D3}" type="datetimeFigureOut">
               <a:rPr lang="en-US" smtClean="0"/>
-              <a:t>2/19/2021</a:t>
+              <a:t>2/21/2021</a:t>
             </a:fld>
             <a:endParaRPr lang="en-US" dirty="0"/>
           </a:p>
@@ -3744,7 +3743,7 @@
           <a:p>
             <a:fld id="{774F3147-C309-44B8-AF20-BAB82B7C4F88}" type="datetimeFigureOut">
               <a:rPr lang="en-US" smtClean="0"/>
-              <a:t>2/19/2021</a:t>
+              <a:t>2/21/2021</a:t>
             </a:fld>
             <a:endParaRPr lang="en-US" dirty="0"/>
           </a:p>
@@ -4141,8 +4140,20 @@
           <a:p>
             <a:r>
               <a:rPr lang="en-US" dirty="0"/>
-              <a:t>Visiting relatives, friends, colleagues, neighbors</a:t>
-            </a:r>
+              <a:t>https://www.vietvisiontravel.com/post/tet-holiday-vietnamese-new-year-festival/</a:t>
+            </a:r>
+          </a:p>
+          <a:p>
+            <a:r>
+              <a:rPr lang="en-US" dirty="0"/>
+              <a:t>https://www.photovisi.com/vi/photovisi/angled-side-by-side</a:t>
+            </a:r>
+          </a:p>
+          <a:p>
+            <a:endParaRPr lang="en-US" dirty="0"/>
+          </a:p>
+          <a:p>
+            <a:endParaRPr lang="en-US" dirty="0"/>
           </a:p>
         </p:txBody>
       </p:sp>
@@ -4163,7 +4174,7 @@
           <a:p>
             <a:fld id="{99CAC06A-4905-4B1A-83C1-3B011A8CF04B}" type="slidenum">
               <a:rPr lang="en-US" smtClean="0"/>
-              <a:t>3</a:t>
+              <a:t>2</a:t>
             </a:fld>
             <a:endParaRPr lang="en-US" dirty="0"/>
           </a:p>
@@ -4172,7 +4183,7 @@
     </p:spTree>
     <p:extLst>
       <p:ext uri="{BB962C8B-B14F-4D97-AF65-F5344CB8AC3E}">
-        <p14:creationId xmlns:p14="http://schemas.microsoft.com/office/powerpoint/2010/main" val="1286135633"/>
+        <p14:creationId xmlns:p14="http://schemas.microsoft.com/office/powerpoint/2010/main" val="236710911"/>
       </p:ext>
     </p:extLst>
   </p:cSld>
@@ -4250,7 +4261,7 @@
           <a:p>
             <a:fld id="{99CAC06A-4905-4B1A-83C1-3B011A8CF04B}" type="slidenum">
               <a:rPr lang="en-US" smtClean="0"/>
-              <a:t>4</a:t>
+              <a:t>3</a:t>
             </a:fld>
             <a:endParaRPr lang="en-US" dirty="0"/>
           </a:p>
@@ -4259,7 +4270,7 @@
     </p:spTree>
     <p:extLst>
       <p:ext uri="{BB962C8B-B14F-4D97-AF65-F5344CB8AC3E}">
-        <p14:creationId xmlns:p14="http://schemas.microsoft.com/office/powerpoint/2010/main" val="2436753116"/>
+        <p14:creationId xmlns:p14="http://schemas.microsoft.com/office/powerpoint/2010/main" val="1286135633"/>
       </p:ext>
     </p:extLst>
   </p:cSld>
@@ -4337,7 +4348,7 @@
           <a:p>
             <a:fld id="{99CAC06A-4905-4B1A-83C1-3B011A8CF04B}" type="slidenum">
               <a:rPr lang="en-US" smtClean="0"/>
-              <a:t>5</a:t>
+              <a:t>4</a:t>
             </a:fld>
             <a:endParaRPr lang="en-US" dirty="0"/>
           </a:p>
@@ -4346,7 +4357,7 @@
     </p:spTree>
     <p:extLst>
       <p:ext uri="{BB962C8B-B14F-4D97-AF65-F5344CB8AC3E}">
-        <p14:creationId xmlns:p14="http://schemas.microsoft.com/office/powerpoint/2010/main" val="2406382201"/>
+        <p14:creationId xmlns:p14="http://schemas.microsoft.com/office/powerpoint/2010/main" val="2436753116"/>
       </p:ext>
     </p:extLst>
   </p:cSld>
@@ -4424,7 +4435,7 @@
           <a:p>
             <a:fld id="{99CAC06A-4905-4B1A-83C1-3B011A8CF04B}" type="slidenum">
               <a:rPr lang="en-US" smtClean="0"/>
-              <a:t>6</a:t>
+              <a:t>5</a:t>
             </a:fld>
             <a:endParaRPr lang="en-US" dirty="0"/>
           </a:p>
@@ -4433,7 +4444,7 @@
     </p:spTree>
     <p:extLst>
       <p:ext uri="{BB962C8B-B14F-4D97-AF65-F5344CB8AC3E}">
-        <p14:creationId xmlns:p14="http://schemas.microsoft.com/office/powerpoint/2010/main" val="2706436056"/>
+        <p14:creationId xmlns:p14="http://schemas.microsoft.com/office/powerpoint/2010/main" val="942926203"/>
       </p:ext>
     </p:extLst>
   </p:cSld>
@@ -4511,7 +4522,7 @@
           <a:p>
             <a:fld id="{99CAC06A-4905-4B1A-83C1-3B011A8CF04B}" type="slidenum">
               <a:rPr lang="en-US" smtClean="0"/>
-              <a:t>7</a:t>
+              <a:t>6</a:t>
             </a:fld>
             <a:endParaRPr lang="en-US" dirty="0"/>
           </a:p>
@@ -4520,7 +4531,7 @@
     </p:spTree>
     <p:extLst>
       <p:ext uri="{BB962C8B-B14F-4D97-AF65-F5344CB8AC3E}">
-        <p14:creationId xmlns:p14="http://schemas.microsoft.com/office/powerpoint/2010/main" val="942926203"/>
+        <p14:creationId xmlns:p14="http://schemas.microsoft.com/office/powerpoint/2010/main" val="2706436056"/>
       </p:ext>
     </p:extLst>
   </p:cSld>
@@ -10742,421 +10753,6 @@
         </p:nvSpPr>
         <p:spPr>
           <a:xfrm>
-            <a:off x="1" y="2562447"/>
-            <a:ext cx="6095998" cy="2421775"/>
-          </a:xfrm>
-        </p:spPr>
-        <p:txBody>
-          <a:bodyPr/>
-          <a:lstStyle/>
-          <a:p>
-            <a:endParaRPr lang="en-US" altLang="ko-KR" sz="2800" dirty="0"/>
-          </a:p>
-          <a:p>
-            <a:r>
-              <a:rPr lang="ko-KR" altLang="en-US" sz="2800" dirty="0"/>
-              <a:t>박정희 대통령</a:t>
-            </a:r>
-            <a:endParaRPr lang="en-US" altLang="ko-KR" sz="2800" dirty="0"/>
-          </a:p>
-          <a:p>
-            <a:endParaRPr lang="en-US" altLang="ko-KR" sz="2800" dirty="0"/>
-          </a:p>
-          <a:p>
-            <a:r>
-              <a:rPr lang="ko-KR" altLang="en-US" sz="2800" dirty="0"/>
-              <a:t>광주 민주화 항쟁</a:t>
-            </a:r>
-            <a:endParaRPr lang="en-US" altLang="ko-KR" sz="2800" dirty="0"/>
-          </a:p>
-          <a:p>
-            <a:endParaRPr lang="en-US" dirty="0"/>
-          </a:p>
-        </p:txBody>
-      </p:sp>
-      <p:graphicFrame>
-        <p:nvGraphicFramePr>
-          <p:cNvPr id="6" name="Table 6">
-            <a:extLst>
-              <a:ext uri="{FF2B5EF4-FFF2-40B4-BE49-F238E27FC236}">
-                <a16:creationId xmlns:a16="http://schemas.microsoft.com/office/drawing/2014/main" id="{3FAD808F-95C5-4F3F-9FA1-646977A5D277}"/>
-              </a:ext>
-            </a:extLst>
-          </p:cNvPr>
-          <p:cNvGraphicFramePr>
-            <a:graphicFrameLocks/>
-          </p:cNvGraphicFramePr>
-          <p:nvPr>
-            <p:extLst>
-              <p:ext uri="{D42A27DB-BD31-4B8C-83A1-F6EECF244321}">
-                <p14:modId xmlns:p14="http://schemas.microsoft.com/office/powerpoint/2010/main" val="2049604432"/>
-              </p:ext>
-            </p:extLst>
-          </p:nvPr>
-        </p:nvGraphicFramePr>
-        <p:xfrm>
-          <a:off x="8269" y="1233170"/>
-          <a:ext cx="6096000" cy="1193800"/>
-        </p:xfrm>
-        <a:graphic>
-          <a:graphicData uri="http://schemas.openxmlformats.org/drawingml/2006/table">
-            <a:tbl>
-              <a:tblPr firstRow="1" bandRow="1">
-                <a:tableStyleId>{5C22544A-7EE6-4342-B048-85BDC9FD1C3A}</a:tableStyleId>
-              </a:tblPr>
-              <a:tblGrid>
-                <a:gridCol w="1150680">
-                  <a:extLst>
-                    <a:ext uri="{9D8B030D-6E8A-4147-A177-3AD203B41FA5}">
-                      <a16:colId xmlns:a16="http://schemas.microsoft.com/office/drawing/2014/main" val="4058099069"/>
-                    </a:ext>
-                  </a:extLst>
-                </a:gridCol>
-                <a:gridCol w="1881963">
-                  <a:extLst>
-                    <a:ext uri="{9D8B030D-6E8A-4147-A177-3AD203B41FA5}">
-                      <a16:colId xmlns:a16="http://schemas.microsoft.com/office/drawing/2014/main" val="1096586304"/>
-                    </a:ext>
-                  </a:extLst>
-                </a:gridCol>
-                <a:gridCol w="3063357">
-                  <a:extLst>
-                    <a:ext uri="{9D8B030D-6E8A-4147-A177-3AD203B41FA5}">
-                      <a16:colId xmlns:a16="http://schemas.microsoft.com/office/drawing/2014/main" val="3464940675"/>
-                    </a:ext>
-                  </a:extLst>
-                </a:gridCol>
-              </a:tblGrid>
-              <a:tr h="462280">
-                <a:tc>
-                  <a:txBody>
-                    <a:bodyPr/>
-                    <a:lstStyle/>
-                    <a:p>
-                      <a:pPr algn="ctr"/>
-                      <a:endParaRPr lang="en-US" dirty="0"/>
-                    </a:p>
-                  </a:txBody>
-                  <a:tcPr/>
-                </a:tc>
-                <a:tc>
-                  <a:txBody>
-                    <a:bodyPr/>
-                    <a:lstStyle/>
-                    <a:p>
-                      <a:pPr marL="0" marR="0" lvl="0" indent="0" algn="ctr" defTabSz="914400" rtl="0" eaLnBrk="1" fontAlgn="auto" latinLnBrk="1" hangingPunct="1">
-                        <a:lnSpc>
-                          <a:spcPct val="100000"/>
-                        </a:lnSpc>
-                        <a:spcBef>
-                          <a:spcPts val="0"/>
-                        </a:spcBef>
-                        <a:spcAft>
-                          <a:spcPts val="0"/>
-                        </a:spcAft>
-                        <a:buClrTx/>
-                        <a:buSzTx/>
-                        <a:buFontTx/>
-                        <a:buNone/>
-                        <a:tabLst/>
-                        <a:defRPr/>
-                      </a:pPr>
-                      <a:r>
-                        <a:rPr lang="ko-KR" altLang="en-US" sz="1800" b="1" dirty="0">
-                          <a:latin typeface="Abadi" panose="020B0604020104020204" pitchFamily="34" charset="0"/>
-                        </a:rPr>
-                        <a:t>대한민국</a:t>
-                      </a:r>
-                      <a:endParaRPr lang="en-US" dirty="0">
-                        <a:effectLst/>
-                      </a:endParaRPr>
-                    </a:p>
-                  </a:txBody>
-                  <a:tcPr/>
-                </a:tc>
-                <a:tc>
-                  <a:txBody>
-                    <a:bodyPr/>
-                    <a:lstStyle/>
-                    <a:p>
-                      <a:pPr marL="0" marR="0" lvl="0" indent="0" algn="ctr" defTabSz="914400" rtl="0" eaLnBrk="1" fontAlgn="auto" latinLnBrk="1" hangingPunct="1">
-                        <a:lnSpc>
-                          <a:spcPct val="100000"/>
-                        </a:lnSpc>
-                        <a:spcBef>
-                          <a:spcPts val="0"/>
-                        </a:spcBef>
-                        <a:spcAft>
-                          <a:spcPts val="0"/>
-                        </a:spcAft>
-                        <a:buClrTx/>
-                        <a:buSzTx/>
-                        <a:buFontTx/>
-                        <a:buNone/>
-                        <a:tabLst/>
-                        <a:defRPr/>
-                      </a:pPr>
-                      <a:r>
-                        <a:rPr lang="ko-KR" altLang="en-US" sz="1800" b="1" dirty="0">
-                          <a:latin typeface="Abadi" panose="020B0604020104020204" pitchFamily="34" charset="0"/>
-                        </a:rPr>
-                        <a:t>베트남</a:t>
-                      </a:r>
-                      <a:endParaRPr lang="en-US" dirty="0">
-                        <a:effectLst/>
-                      </a:endParaRPr>
-                    </a:p>
-                  </a:txBody>
-                  <a:tcPr/>
-                </a:tc>
-                <a:extLst>
-                  <a:ext uri="{0D108BD9-81ED-4DB2-BD59-A6C34878D82A}">
-                    <a16:rowId xmlns:a16="http://schemas.microsoft.com/office/drawing/2014/main" val="3826548073"/>
-                  </a:ext>
-                </a:extLst>
-              </a:tr>
-              <a:tr h="622300">
-                <a:tc>
-                  <a:txBody>
-                    <a:bodyPr/>
-                    <a:lstStyle/>
-                    <a:p>
-                      <a:pPr algn="ctr"/>
-                      <a:r>
-                        <a:rPr lang="en-US" sz="1400" b="1" dirty="0">
-                          <a:effectLst/>
-                          <a:latin typeface="Abadi" panose="020B0604020104020204" pitchFamily="34" charset="0"/>
-                        </a:rPr>
-                        <a:t>Great leader</a:t>
-                      </a:r>
-                    </a:p>
-                  </a:txBody>
-                  <a:tcPr marL="95250" marR="95250" marT="95250" marB="95250" anchor="ctr"/>
-                </a:tc>
-                <a:tc>
-                  <a:txBody>
-                    <a:bodyPr/>
-                    <a:lstStyle/>
-                    <a:p>
-                      <a:pPr marL="285750" indent="-285750" algn="l">
-                        <a:buFont typeface="Arial" panose="020B0604020202020204" pitchFamily="34" charset="0"/>
-                        <a:buChar char="•"/>
-                      </a:pPr>
-                      <a:r>
-                        <a:rPr lang="ko-KR" altLang="en-US" sz="1400" dirty="0"/>
-                        <a:t>박정희</a:t>
-                      </a:r>
-                      <a:endParaRPr lang="en-US" altLang="ko-KR" sz="1400" dirty="0">
-                        <a:latin typeface="Abadi" panose="020B0604020104020204" pitchFamily="34" charset="0"/>
-                      </a:endParaRPr>
-                    </a:p>
-                    <a:p>
-                      <a:pPr marL="0" indent="0" algn="l">
-                        <a:buFont typeface="Arial" panose="020B0604020202020204" pitchFamily="34" charset="0"/>
-                        <a:buNone/>
-                      </a:pPr>
-                      <a:r>
-                        <a:rPr lang="en-US" sz="1400" dirty="0">
-                          <a:latin typeface="Abadi" panose="020B0604020104020204" pitchFamily="34" charset="0"/>
-                        </a:rPr>
-                        <a:t>Trained in Japan</a:t>
-                      </a:r>
-                    </a:p>
-                  </a:txBody>
-                  <a:tcPr/>
-                </a:tc>
-                <a:tc>
-                  <a:txBody>
-                    <a:bodyPr/>
-                    <a:lstStyle/>
-                    <a:p>
-                      <a:pPr marL="285750" indent="-285750" algn="l">
-                        <a:buFont typeface="Arial" panose="020B0604020202020204" pitchFamily="34" charset="0"/>
-                        <a:buChar char="•"/>
-                      </a:pPr>
-                      <a:r>
-                        <a:rPr lang="en-US" sz="1400" dirty="0">
-                          <a:latin typeface="Abadi" panose="020B0604020104020204" pitchFamily="34" charset="0"/>
-                        </a:rPr>
-                        <a:t>Ho Chi Minh</a:t>
-                      </a:r>
-                    </a:p>
-                    <a:p>
-                      <a:pPr marL="0" indent="0" algn="l">
-                        <a:buFont typeface="Arial" panose="020B0604020202020204" pitchFamily="34" charset="0"/>
-                        <a:buNone/>
-                      </a:pPr>
-                      <a:r>
-                        <a:rPr lang="en-US" sz="1400" dirty="0">
-                          <a:latin typeface="Abadi" panose="020B0604020104020204" pitchFamily="34" charset="0"/>
-                        </a:rPr>
-                        <a:t>Trained in France, England, America, China, Soviet Union </a:t>
-                      </a:r>
-                    </a:p>
-                  </a:txBody>
-                  <a:tcPr/>
-                </a:tc>
-                <a:extLst>
-                  <a:ext uri="{0D108BD9-81ED-4DB2-BD59-A6C34878D82A}">
-                    <a16:rowId xmlns:a16="http://schemas.microsoft.com/office/drawing/2014/main" val="988632346"/>
-                  </a:ext>
-                </a:extLst>
-              </a:tr>
-            </a:tbl>
-          </a:graphicData>
-        </a:graphic>
-      </p:graphicFrame>
-    </p:spTree>
-    <p:extLst>
-      <p:ext uri="{BB962C8B-B14F-4D97-AF65-F5344CB8AC3E}">
-        <p14:creationId xmlns:p14="http://schemas.microsoft.com/office/powerpoint/2010/main" val="1715026226"/>
-      </p:ext>
-    </p:extLst>
-  </p:cSld>
-  <p:clrMapOvr>
-    <a:masterClrMapping/>
-  </p:clrMapOvr>
-</p:sld>
-</file>
-
-<file path=ppt/slides/slide11.xml><?xml version="1.0" encoding="utf-8"?>
-<p:sld xmlns:a="http://schemas.openxmlformats.org/drawingml/2006/main" xmlns:r="http://schemas.openxmlformats.org/officeDocument/2006/relationships" xmlns:p="http://schemas.openxmlformats.org/presentationml/2006/main">
-  <p:cSld>
-    <p:spTree>
-      <p:nvGrpSpPr>
-        <p:cNvPr id="1" name=""/>
-        <p:cNvGrpSpPr/>
-        <p:nvPr/>
-      </p:nvGrpSpPr>
-      <p:grpSpPr>
-        <a:xfrm>
-          <a:off x="0" y="0"/>
-          <a:ext cx="0" cy="0"/>
-          <a:chOff x="0" y="0"/>
-          <a:chExt cx="0" cy="0"/>
-        </a:xfrm>
-      </p:grpSpPr>
-      <p:sp>
-        <p:nvSpPr>
-          <p:cNvPr id="2" name="Picture Placeholder 1">
-            <a:extLst>
-              <a:ext uri="{FF2B5EF4-FFF2-40B4-BE49-F238E27FC236}">
-                <a16:creationId xmlns:a16="http://schemas.microsoft.com/office/drawing/2014/main" id="{23C6E8D1-D7A3-4BB4-9729-D16A3C182A21}"/>
-              </a:ext>
-            </a:extLst>
-          </p:cNvPr>
-          <p:cNvSpPr>
-            <a:spLocks noGrp="1"/>
-          </p:cNvSpPr>
-          <p:nvPr>
-            <p:ph type="pic" sz="quarter" idx="12"/>
-          </p:nvPr>
-        </p:nvSpPr>
-        <p:spPr>
-          <a:xfrm>
-            <a:off x="6096000" y="0"/>
-            <a:ext cx="6578600" cy="6858000"/>
-          </a:xfrm>
-        </p:spPr>
-      </p:sp>
-      <p:sp>
-        <p:nvSpPr>
-          <p:cNvPr id="3" name="Title 2">
-            <a:extLst>
-              <a:ext uri="{FF2B5EF4-FFF2-40B4-BE49-F238E27FC236}">
-                <a16:creationId xmlns:a16="http://schemas.microsoft.com/office/drawing/2014/main" id="{398F23BE-74AF-42C0-BA1D-FA64AB617C6F}"/>
-              </a:ext>
-            </a:extLst>
-          </p:cNvPr>
-          <p:cNvSpPr>
-            <a:spLocks noGrp="1"/>
-          </p:cNvSpPr>
-          <p:nvPr>
-            <p:ph type="title"/>
-          </p:nvPr>
-        </p:nvSpPr>
-        <p:spPr>
-          <a:xfrm>
-            <a:off x="101601" y="137400"/>
-            <a:ext cx="5994400" cy="792000"/>
-          </a:xfrm>
-          <a:solidFill>
-            <a:srgbClr val="FFC000"/>
-          </a:solidFill>
-        </p:spPr>
-        <p:txBody>
-          <a:bodyPr>
-            <a:normAutofit/>
-          </a:bodyPr>
-          <a:lstStyle/>
-          <a:p>
-            <a:pPr lvl="0"/>
-            <a:r>
-              <a:rPr lang="en-US" sz="2800" b="1" dirty="0">
-                <a:solidFill>
-                  <a:schemeClr val="tx1"/>
-                </a:solidFill>
-                <a:latin typeface="Abadi" panose="020B0604020104020204" pitchFamily="34" charset="0"/>
-              </a:rPr>
-              <a:t>What Vietnam can learn from Korea?</a:t>
-            </a:r>
-            <a:endParaRPr lang="en-US" sz="2800" b="0" i="0" dirty="0">
-              <a:solidFill>
-                <a:schemeClr val="tx1"/>
-              </a:solidFill>
-              <a:latin typeface="Abadi" panose="020B0604020104020204" pitchFamily="34" charset="0"/>
-            </a:endParaRPr>
-          </a:p>
-        </p:txBody>
-      </p:sp>
-      <p:sp>
-        <p:nvSpPr>
-          <p:cNvPr id="5" name="Slide Number Placeholder 4">
-            <a:extLst>
-              <a:ext uri="{FF2B5EF4-FFF2-40B4-BE49-F238E27FC236}">
-                <a16:creationId xmlns:a16="http://schemas.microsoft.com/office/drawing/2014/main" id="{3EB3E1F4-13A8-480F-BF66-537E5C6846AF}"/>
-              </a:ext>
-            </a:extLst>
-          </p:cNvPr>
-          <p:cNvSpPr>
-            <a:spLocks noGrp="1"/>
-          </p:cNvSpPr>
-          <p:nvPr>
-            <p:ph type="sldNum" sz="quarter" idx="11"/>
-          </p:nvPr>
-        </p:nvSpPr>
-        <p:spPr/>
-        <p:txBody>
-          <a:bodyPr/>
-          <a:lstStyle/>
-          <a:p>
-            <a:fld id="{7E0E41E9-E887-49CF-A358-8367F0C34840}" type="slidenum">
-              <a:rPr lang="en-US" smtClean="0"/>
-              <a:pPr/>
-              <a:t>11</a:t>
-            </a:fld>
-            <a:endParaRPr lang="en-US" dirty="0"/>
-          </a:p>
-        </p:txBody>
-      </p:sp>
-      <p:sp>
-        <p:nvSpPr>
-          <p:cNvPr id="7" name="Content Placeholder 6">
-            <a:extLst>
-              <a:ext uri="{FF2B5EF4-FFF2-40B4-BE49-F238E27FC236}">
-                <a16:creationId xmlns:a16="http://schemas.microsoft.com/office/drawing/2014/main" id="{014AB7A2-E731-4113-B255-3EC2F548E3A3}"/>
-              </a:ext>
-            </a:extLst>
-          </p:cNvPr>
-          <p:cNvSpPr>
-            <a:spLocks noGrp="1"/>
-          </p:cNvSpPr>
-          <p:nvPr>
-            <p:ph idx="1"/>
-          </p:nvPr>
-        </p:nvSpPr>
-        <p:spPr>
-          <a:xfrm>
             <a:off x="1" y="1181100"/>
             <a:ext cx="6095998" cy="3803123"/>
           </a:xfrm>
@@ -11168,56 +10764,8 @@
           <a:lstStyle/>
           <a:p>
             <a:r>
-              <a:rPr lang="ko-KR" altLang="en-US" sz="2400" dirty="0"/>
+              <a:rPr lang="ko-KR" altLang="en-US" dirty="0"/>
               <a:t>화산 이씨</a:t>
-            </a:r>
-            <a:r>
-              <a:rPr lang="en-US" altLang="ko-KR" sz="2400" dirty="0"/>
-              <a:t>, </a:t>
-            </a:r>
-            <a:r>
-              <a:rPr lang="ko-KR" altLang="en-US" sz="2400" dirty="0"/>
-              <a:t>花山李氏</a:t>
-            </a:r>
-            <a:r>
-              <a:rPr lang="en-US" altLang="ko-KR" sz="2400" dirty="0"/>
-              <a:t>, </a:t>
-            </a:r>
-            <a:r>
-              <a:rPr lang="en-US" altLang="ko-KR" sz="2400" dirty="0" err="1"/>
-              <a:t>Hoa</a:t>
-            </a:r>
-            <a:r>
-              <a:rPr lang="en-US" altLang="ko-KR" sz="2400" dirty="0"/>
-              <a:t> </a:t>
-            </a:r>
-            <a:r>
-              <a:rPr lang="en-US" altLang="ko-KR" sz="2400" dirty="0" err="1"/>
-              <a:t>Sơn</a:t>
-            </a:r>
-            <a:r>
-              <a:rPr lang="en-US" altLang="ko-KR" sz="2400" dirty="0"/>
-              <a:t> </a:t>
-            </a:r>
-            <a:r>
-              <a:rPr lang="en-US" altLang="ko-KR" sz="2400" dirty="0" err="1"/>
-              <a:t>Lý</a:t>
-            </a:r>
-            <a:r>
-              <a:rPr lang="en-US" altLang="ko-KR" sz="2400" dirty="0"/>
-              <a:t> </a:t>
-            </a:r>
-            <a:r>
-              <a:rPr lang="en-US" altLang="ko-KR" sz="2400" dirty="0" err="1"/>
-              <a:t>thị</a:t>
-            </a:r>
-            <a:endParaRPr lang="en-US" altLang="ko-KR" sz="2400" dirty="0"/>
-          </a:p>
-          <a:p>
-            <a:pPr lvl="1"/>
-            <a:r>
-              <a:rPr lang="ko-KR" altLang="en-US" dirty="0"/>
-              <a:t>이용상</a:t>
             </a:r>
             <a:r>
               <a:rPr lang="en-US" altLang="ko-KR" dirty="0"/>
@@ -11225,14 +10773,62 @@
             </a:r>
             <a:r>
               <a:rPr lang="ko-KR" altLang="en-US" dirty="0"/>
-              <a:t>李龍祥</a:t>
+              <a:t>花山李氏</a:t>
             </a:r>
             <a:r>
               <a:rPr lang="en-US" altLang="ko-KR" dirty="0"/>
               <a:t>, </a:t>
             </a:r>
             <a:r>
-              <a:rPr lang="vi-VN" altLang="ko-KR" dirty="0"/>
+              <a:rPr lang="en-US" altLang="ko-KR" dirty="0" err="1"/>
+              <a:t>Hoa</a:t>
+            </a:r>
+            <a:r>
+              <a:rPr lang="en-US" altLang="ko-KR" dirty="0"/>
+              <a:t> </a:t>
+            </a:r>
+            <a:r>
+              <a:rPr lang="en-US" altLang="ko-KR" dirty="0" err="1"/>
+              <a:t>Sơn</a:t>
+            </a:r>
+            <a:r>
+              <a:rPr lang="en-US" altLang="ko-KR" dirty="0"/>
+              <a:t> </a:t>
+            </a:r>
+            <a:r>
+              <a:rPr lang="en-US" altLang="ko-KR" dirty="0" err="1"/>
+              <a:t>Lý</a:t>
+            </a:r>
+            <a:r>
+              <a:rPr lang="en-US" altLang="ko-KR" dirty="0"/>
+              <a:t> </a:t>
+            </a:r>
+            <a:r>
+              <a:rPr lang="en-US" altLang="ko-KR" dirty="0" err="1"/>
+              <a:t>thị</a:t>
+            </a:r>
+            <a:endParaRPr lang="en-US" altLang="ko-KR" dirty="0"/>
+          </a:p>
+          <a:p>
+            <a:pPr lvl="1"/>
+            <a:r>
+              <a:rPr lang="ko-KR" altLang="en-US" sz="1800" dirty="0"/>
+              <a:t>이용상</a:t>
+            </a:r>
+            <a:r>
+              <a:rPr lang="en-US" altLang="ko-KR" sz="1800" dirty="0"/>
+              <a:t>, </a:t>
+            </a:r>
+            <a:r>
+              <a:rPr lang="ko-KR" altLang="en-US" sz="1800" dirty="0"/>
+              <a:t>李龍祥</a:t>
+            </a:r>
+            <a:r>
+              <a:rPr lang="en-US" altLang="ko-KR" sz="1800" dirty="0"/>
+              <a:t>, </a:t>
+            </a:r>
+            <a:r>
+              <a:rPr lang="vi-VN" altLang="ko-KR" sz="1800" dirty="0"/>
               <a:t>Lý Long Tường</a:t>
             </a:r>
           </a:p>
@@ -11251,7 +10847,7 @@
 </p:sld>
 </file>
 
-<file path=ppt/slides/slide12.xml><?xml version="1.0" encoding="utf-8"?>
+<file path=ppt/slides/slide11.xml><?xml version="1.0" encoding="utf-8"?>
 <p:sld xmlns:a="http://schemas.openxmlformats.org/drawingml/2006/main" xmlns:r="http://schemas.openxmlformats.org/officeDocument/2006/relationships" xmlns:p="http://schemas.openxmlformats.org/presentationml/2006/main">
   <p:cSld>
     <p:spTree>
@@ -11640,7 +11236,7 @@
             <a:fld id="{7E0E41E9-E887-49CF-A358-8367F0C34840}" type="slidenum">
               <a:rPr lang="en-US" smtClean="0"/>
               <a:pPr/>
-              <a:t>12</a:t>
+              <a:t>11</a:t>
             </a:fld>
             <a:endParaRPr lang="en-US" dirty="0"/>
           </a:p>
@@ -11956,14 +11552,14 @@
             <p:ph idx="1"/>
             <p:extLst>
               <p:ext uri="{D42A27DB-BD31-4B8C-83A1-F6EECF244321}">
-                <p14:modId xmlns:p14="http://schemas.microsoft.com/office/powerpoint/2010/main" val="2155899569"/>
+                <p14:modId xmlns:p14="http://schemas.microsoft.com/office/powerpoint/2010/main" val="2124867670"/>
               </p:ext>
             </p:extLst>
           </p:nvPr>
         </p:nvGraphicFramePr>
         <p:xfrm>
-          <a:off x="0" y="1191260"/>
-          <a:ext cx="5651872" cy="2451100"/>
+          <a:off x="101600" y="1072596"/>
+          <a:ext cx="4765349" cy="2207260"/>
         </p:xfrm>
         <a:graphic>
           <a:graphicData uri="http://schemas.openxmlformats.org/drawingml/2006/table">
@@ -11972,21 +11568,21 @@
                 <a:tableStyleId>{5C22544A-7EE6-4342-B048-85BDC9FD1C3A}</a:tableStyleId>
               </a:tblPr>
               <a:tblGrid>
-                <a:gridCol w="1185455">
+                <a:gridCol w="549477">
                   <a:extLst>
                     <a:ext uri="{9D8B030D-6E8A-4147-A177-3AD203B41FA5}">
                       <a16:colId xmlns:a16="http://schemas.microsoft.com/office/drawing/2014/main" val="4058099069"/>
                     </a:ext>
                   </a:extLst>
                 </a:gridCol>
-                <a:gridCol w="1891941">
+                <a:gridCol w="1692073">
                   <a:extLst>
                     <a:ext uri="{9D8B030D-6E8A-4147-A177-3AD203B41FA5}">
                       <a16:colId xmlns:a16="http://schemas.microsoft.com/office/drawing/2014/main" val="1096586304"/>
                     </a:ext>
                   </a:extLst>
                 </a:gridCol>
-                <a:gridCol w="2574476">
+                <a:gridCol w="2523799">
                   <a:extLst>
                     <a:ext uri="{9D8B030D-6E8A-4147-A177-3AD203B41FA5}">
                       <a16:colId xmlns:a16="http://schemas.microsoft.com/office/drawing/2014/main" val="3464940675"/>
@@ -12105,7 +11701,7 @@
                         <a:tabLst/>
                         <a:defRPr/>
                       </a:pPr>
-                      <a:endParaRPr lang="en-US" sz="1400" b="1" dirty="0">
+                      <a:endParaRPr lang="en-US" sz="1200" b="1" dirty="0">
                         <a:latin typeface="Abadi" panose="020B0604020104020204" pitchFamily="34" charset="0"/>
                       </a:endParaRPr>
                     </a:p>
@@ -12127,7 +11723,7 @@
                         <a:tabLst/>
                         <a:defRPr/>
                       </a:pPr>
-                      <a:endParaRPr lang="en-US" sz="1400" b="1" dirty="0">
+                      <a:endParaRPr lang="en-US" sz="1200" b="1" dirty="0">
                         <a:latin typeface="Abadi" panose="020B0604020104020204" pitchFamily="34" charset="0"/>
                       </a:endParaRPr>
                     </a:p>
@@ -12150,7 +11746,7 @@
                         <a:defRPr/>
                       </a:pPr>
                       <a:r>
-                        <a:rPr lang="ko-KR" altLang="en-US" sz="1400" b="1" i="0" kern="1200" dirty="0">
+                        <a:rPr lang="ko-KR" altLang="en-US" sz="1200" b="1" i="0" kern="1200" dirty="0">
                           <a:solidFill>
                             <a:schemeClr val="dk1"/>
                           </a:solidFill>
@@ -12161,7 +11757,7 @@
                         </a:rPr>
                         <a:t>사람</a:t>
                       </a:r>
-                      <a:endParaRPr lang="en-US" sz="1400" b="1" dirty="0">
+                      <a:endParaRPr lang="en-US" sz="1200" b="1" dirty="0">
                         <a:latin typeface="Abadi" panose="020B0604020104020204" pitchFamily="34" charset="0"/>
                       </a:endParaRPr>
                     </a:p>
@@ -12174,20 +11770,20 @@
                     <a:lstStyle/>
                     <a:p>
                       <a:r>
-                        <a:rPr lang="en-US" sz="1400" dirty="0">
+                        <a:rPr lang="en-US" sz="1200" dirty="0">
                           <a:effectLst/>
                           <a:latin typeface="Abadi" panose="020B0604020104020204" pitchFamily="34" charset="0"/>
                         </a:rPr>
                         <a:t>~50mil  (</a:t>
                       </a:r>
                       <a:r>
-                        <a:rPr lang="ko-KR" altLang="en-US" sz="1400" b="1" dirty="0">
+                        <a:rPr lang="ko-KR" altLang="en-US" sz="1200" b="1" dirty="0">
                           <a:latin typeface="Abadi" panose="020B0604020104020204" pitchFamily="34" charset="0"/>
                         </a:rPr>
                         <a:t>대한민국</a:t>
                       </a:r>
                       <a:r>
-                        <a:rPr lang="en-US" sz="1400" dirty="0">
+                        <a:rPr lang="en-US" sz="1200" dirty="0">
                           <a:effectLst/>
                           <a:latin typeface="Abadi" panose="020B0604020104020204" pitchFamily="34" charset="0"/>
                         </a:rPr>
@@ -12196,27 +11792,27 @@
                     </a:p>
                     <a:p>
                       <a:r>
-                        <a:rPr lang="en-US" sz="1400" dirty="0">
+                        <a:rPr lang="en-US" sz="1200" dirty="0">
                           <a:effectLst/>
                           <a:latin typeface="Abadi" panose="020B0604020104020204" pitchFamily="34" charset="0"/>
                         </a:rPr>
                         <a:t>~25mil  (</a:t>
                       </a:r>
                       <a:r>
-                        <a:rPr lang="ko-KR" altLang="en-US" sz="1400" dirty="0">
+                        <a:rPr lang="ko-KR" altLang="en-US" sz="1200" dirty="0">
                           <a:effectLst/>
                           <a:latin typeface="Abadi" panose="020B0604020104020204" pitchFamily="34" charset="0"/>
                         </a:rPr>
                         <a:t>북</a:t>
                       </a:r>
                       <a:r>
-                        <a:rPr lang="ko-KR" altLang="en-US" sz="1400" b="1" dirty="0">
+                        <a:rPr lang="ko-KR" altLang="en-US" sz="1200" b="1" dirty="0">
                           <a:latin typeface="Abadi" panose="020B0604020104020204" pitchFamily="34" charset="0"/>
                         </a:rPr>
                         <a:t>한</a:t>
                       </a:r>
                       <a:r>
-                        <a:rPr lang="en-US" sz="1400" dirty="0">
+                        <a:rPr lang="en-US" sz="1200" dirty="0">
                           <a:effectLst/>
                           <a:latin typeface="Abadi" panose="020B0604020104020204" pitchFamily="34" charset="0"/>
                         </a:rPr>
@@ -12229,7 +11825,7 @@
                         <a:buChar char="•"/>
                       </a:pPr>
                       <a:r>
-                        <a:rPr lang="en-US" sz="1400" dirty="0">
+                        <a:rPr lang="en-US" sz="1200" dirty="0">
                           <a:effectLst/>
                           <a:latin typeface="Abadi" panose="020B0604020104020204" pitchFamily="34" charset="0"/>
                         </a:rPr>
@@ -12245,7 +11841,7 @@
                     <a:lstStyle/>
                     <a:p>
                       <a:r>
-                        <a:rPr lang="en-US" sz="1400" dirty="0">
+                        <a:rPr lang="en-US" sz="1200" dirty="0">
                           <a:effectLst/>
                           <a:latin typeface="Abadi" panose="020B0604020104020204" pitchFamily="34" charset="0"/>
                         </a:rPr>
@@ -12258,7 +11854,7 @@
                         <a:buChar char="•"/>
                       </a:pPr>
                       <a:r>
-                        <a:rPr lang="en-US" sz="1400" dirty="0">
+                        <a:rPr lang="en-US" sz="1200" dirty="0">
                           <a:effectLst/>
                           <a:latin typeface="Abadi" panose="020B0604020104020204" pitchFamily="34" charset="0"/>
                         </a:rPr>
@@ -12267,7 +11863,7 @@
                     </a:p>
                     <a:p>
                       <a:r>
-                        <a:rPr lang="en-US" sz="1400" dirty="0">
+                        <a:rPr lang="en-US" sz="1200" dirty="0">
                           <a:effectLst/>
                           <a:latin typeface="Abadi" panose="020B0604020104020204" pitchFamily="34" charset="0"/>
                         </a:rPr>
@@ -12280,21 +11876,21 @@
                         <a:buChar char="•"/>
                       </a:pPr>
                       <a:r>
-                        <a:rPr lang="en-US" sz="1400" dirty="0">
+                        <a:rPr lang="en-US" sz="1200" dirty="0">
                           <a:effectLst/>
                           <a:latin typeface="Abadi" panose="020B0604020104020204" pitchFamily="34" charset="0"/>
                         </a:rPr>
                         <a:t>main ( </a:t>
                       </a:r>
                       <a:r>
-                        <a:rPr lang="en-US" sz="1400" dirty="0" err="1">
+                        <a:rPr lang="en-US" sz="1200" dirty="0" err="1">
                           <a:effectLst/>
                           <a:latin typeface="Abadi" panose="020B0604020104020204" pitchFamily="34" charset="0"/>
                         </a:rPr>
                         <a:t>Kinh</a:t>
                       </a:r>
                       <a:r>
-                        <a:rPr lang="en-US" sz="1400" dirty="0">
+                        <a:rPr lang="en-US" sz="1200" dirty="0">
                           <a:effectLst/>
                           <a:latin typeface="Abadi" panose="020B0604020104020204" pitchFamily="34" charset="0"/>
                         </a:rPr>
@@ -12318,13 +11914,13 @@
                     <a:p>
                       <a:pPr algn="ctr"/>
                       <a:r>
-                        <a:rPr lang="ko-KR" altLang="en-US" sz="1400" b="1" dirty="0">
+                        <a:rPr lang="ko-KR" altLang="en-US" sz="1200" b="1" dirty="0">
                           <a:effectLst/>
                           <a:latin typeface="Abadi" panose="020B0604020104020204" pitchFamily="34" charset="0"/>
                         </a:rPr>
                         <a:t>전통의상</a:t>
                       </a:r>
-                      <a:endParaRPr lang="en-US" sz="1400" b="1" dirty="0">
+                      <a:endParaRPr lang="en-US" sz="1200" b="1" dirty="0">
                         <a:effectLst/>
                         <a:latin typeface="Abadi" panose="020B0604020104020204" pitchFamily="34" charset="0"/>
                       </a:endParaRPr>
@@ -12342,12 +11938,12 @@
                         <a:buChar char="•"/>
                       </a:pPr>
                       <a:r>
-                        <a:rPr lang="ko-KR" altLang="en-US" sz="1400" dirty="0">
+                        <a:rPr lang="ko-KR" altLang="en-US" sz="1200" dirty="0">
                           <a:latin typeface="Abadi" panose="020B0604020104020204" pitchFamily="34" charset="0"/>
                         </a:rPr>
                         <a:t>한복</a:t>
                       </a:r>
-                      <a:endParaRPr lang="en-US" sz="1400" dirty="0">
+                      <a:endParaRPr lang="en-US" sz="1200" dirty="0">
                         <a:latin typeface="Abadi" panose="020B0604020104020204" pitchFamily="34" charset="0"/>
                       </a:endParaRPr>
                     </a:p>
@@ -12364,13 +11960,13 @@
                         <a:buChar char="•"/>
                       </a:pPr>
                       <a:r>
-                        <a:rPr lang="ko-KR" altLang="en-US" sz="1400" dirty="0">
+                        <a:rPr lang="ko-KR" altLang="en-US" sz="1200" dirty="0">
                           <a:latin typeface="Abadi" panose="020B0604020104020204" pitchFamily="34" charset="0"/>
                         </a:rPr>
                         <a:t>베트남복</a:t>
                       </a:r>
                       <a:r>
-                        <a:rPr lang="en-US" altLang="ko-KR" sz="1400" dirty="0">
+                        <a:rPr lang="en-US" altLang="ko-KR" sz="1200" dirty="0">
                           <a:latin typeface="Abadi" panose="020B0604020104020204" pitchFamily="34" charset="0"/>
                         </a:rPr>
                         <a:t>:</a:t>
@@ -12395,37 +11991,37 @@
                         <a:defRPr/>
                       </a:pPr>
                       <a:r>
-                        <a:rPr lang="en-US" sz="1400" dirty="0" err="1">
+                        <a:rPr lang="en-US" sz="1200" dirty="0" err="1">
                           <a:latin typeface="Abadi" panose="020B0604020104020204" pitchFamily="34" charset="0"/>
                         </a:rPr>
                         <a:t>Áo</a:t>
                       </a:r>
                       <a:r>
-                        <a:rPr lang="en-US" sz="1400" dirty="0">
+                        <a:rPr lang="en-US" sz="1200" dirty="0">
                           <a:latin typeface="Abadi" panose="020B0604020104020204" pitchFamily="34" charset="0"/>
                         </a:rPr>
                         <a:t> </a:t>
                       </a:r>
                       <a:r>
-                        <a:rPr lang="en-US" sz="1400" dirty="0" err="1">
+                        <a:rPr lang="en-US" sz="1200" dirty="0" err="1">
                           <a:latin typeface="Abadi" panose="020B0604020104020204" pitchFamily="34" charset="0"/>
                         </a:rPr>
                         <a:t>tứ</a:t>
                       </a:r>
                       <a:r>
-                        <a:rPr lang="en-US" sz="1400" dirty="0">
+                        <a:rPr lang="en-US" sz="1200" dirty="0">
                           <a:latin typeface="Abadi" panose="020B0604020104020204" pitchFamily="34" charset="0"/>
                         </a:rPr>
                         <a:t> </a:t>
                       </a:r>
                       <a:r>
-                        <a:rPr lang="en-US" sz="1400" dirty="0" err="1">
+                        <a:rPr lang="en-US" sz="1200" dirty="0" err="1">
                           <a:latin typeface="Abadi" panose="020B0604020104020204" pitchFamily="34" charset="0"/>
                         </a:rPr>
                         <a:t>thân</a:t>
                       </a:r>
                       <a:r>
-                        <a:rPr lang="en-US" sz="1400" dirty="0">
+                        <a:rPr lang="en-US" sz="1200" dirty="0">
                           <a:latin typeface="Abadi" panose="020B0604020104020204" pitchFamily="34" charset="0"/>
                         </a:rPr>
                         <a:t> (four-part dress)</a:t>
@@ -12434,25 +12030,25 @@
                     <a:p>
                       <a:pPr algn="l"/>
                       <a:r>
-                        <a:rPr lang="en-US" sz="1400" dirty="0" err="1">
+                        <a:rPr lang="en-US" sz="1200" dirty="0" err="1">
                           <a:latin typeface="Abadi" panose="020B0604020104020204" pitchFamily="34" charset="0"/>
                         </a:rPr>
                         <a:t>Áo</a:t>
                       </a:r>
                       <a:r>
-                        <a:rPr lang="en-US" sz="1400" dirty="0">
+                        <a:rPr lang="en-US" sz="1200" dirty="0">
                           <a:latin typeface="Abadi" panose="020B0604020104020204" pitchFamily="34" charset="0"/>
                         </a:rPr>
                         <a:t> </a:t>
                       </a:r>
                       <a:r>
-                        <a:rPr lang="en-US" sz="1400" dirty="0" err="1">
+                        <a:rPr lang="en-US" sz="1200" dirty="0" err="1">
                           <a:latin typeface="Abadi" panose="020B0604020104020204" pitchFamily="34" charset="0"/>
                         </a:rPr>
                         <a:t>dài</a:t>
                       </a:r>
                       <a:r>
-                        <a:rPr lang="en-US" sz="1400" dirty="0">
+                        <a:rPr lang="en-US" sz="1200" dirty="0">
                           <a:latin typeface="Abadi" panose="020B0604020104020204" pitchFamily="34" charset="0"/>
                         </a:rPr>
                         <a:t>       (long dress)</a:t>
@@ -12461,49 +12057,49 @@
                     <a:p>
                       <a:pPr algn="l"/>
                       <a:r>
-                        <a:rPr lang="en-US" sz="1400" dirty="0" err="1">
+                        <a:rPr lang="en-US" sz="1200" dirty="0" err="1">
                           <a:latin typeface="Abadi" panose="020B0604020104020204" pitchFamily="34" charset="0"/>
                         </a:rPr>
                         <a:t>Áo</a:t>
                       </a:r>
                       <a:r>
-                        <a:rPr lang="en-US" sz="1400" dirty="0">
+                        <a:rPr lang="en-US" sz="1200" dirty="0">
                           <a:latin typeface="Abadi" panose="020B0604020104020204" pitchFamily="34" charset="0"/>
                         </a:rPr>
                         <a:t> </a:t>
                       </a:r>
                       <a:r>
-                        <a:rPr lang="en-US" sz="1400" dirty="0" err="1">
+                        <a:rPr lang="en-US" sz="1200" dirty="0" err="1">
                           <a:latin typeface="Abadi" panose="020B0604020104020204" pitchFamily="34" charset="0"/>
                         </a:rPr>
                         <a:t>bà</a:t>
                       </a:r>
                       <a:r>
-                        <a:rPr lang="en-US" sz="1400" dirty="0">
+                        <a:rPr lang="en-US" sz="1200" dirty="0">
                           <a:latin typeface="Abadi" panose="020B0604020104020204" pitchFamily="34" charset="0"/>
                         </a:rPr>
                         <a:t> </a:t>
                       </a:r>
                       <a:r>
-                        <a:rPr lang="en-US" sz="1400" dirty="0" err="1">
+                        <a:rPr lang="en-US" sz="1200" dirty="0" err="1">
                           <a:latin typeface="Abadi" panose="020B0604020104020204" pitchFamily="34" charset="0"/>
                         </a:rPr>
                         <a:t>ba</a:t>
                       </a:r>
                       <a:r>
-                        <a:rPr lang="en-US" sz="1400" dirty="0">
+                        <a:rPr lang="en-US" sz="1200" dirty="0">
                           <a:latin typeface="Abadi" panose="020B0604020104020204" pitchFamily="34" charset="0"/>
                         </a:rPr>
                         <a:t>   (the shirt of </a:t>
                       </a:r>
                       <a:r>
-                        <a:rPr lang="en-US" sz="1400" dirty="0" err="1">
+                        <a:rPr lang="en-US" sz="1200" dirty="0" err="1">
                           <a:latin typeface="Abadi" panose="020B0604020104020204" pitchFamily="34" charset="0"/>
                         </a:rPr>
                         <a:t>Mrs</a:t>
                       </a:r>
                       <a:r>
-                        <a:rPr lang="en-US" sz="1400" dirty="0">
+                        <a:rPr lang="en-US" sz="1200" dirty="0">
                           <a:latin typeface="Abadi" panose="020B0604020104020204" pitchFamily="34" charset="0"/>
                         </a:rPr>
                         <a:t>) </a:t>
@@ -12567,7 +12163,7 @@
           <p:nvPr/>
         </p:nvPicPr>
         <p:blipFill>
-          <a:blip r:embed="rId2"/>
+          <a:blip r:embed="rId3"/>
           <a:stretch>
             <a:fillRect/>
           </a:stretch>
@@ -12597,7 +12193,7 @@
           <p:nvPr/>
         </p:nvPicPr>
         <p:blipFill>
-          <a:blip r:embed="rId3"/>
+          <a:blip r:embed="rId4"/>
           <a:stretch>
             <a:fillRect/>
           </a:stretch>
@@ -12614,10 +12210,10 @@
       </p:pic>
       <p:pic>
         <p:nvPicPr>
-          <p:cNvPr id="17" name="Picture Placeholder 16" descr="A collage of people in garment&#10;&#10;Description automatically generated with low confidence">
+          <p:cNvPr id="9" name="Picture Placeholder 8" descr="A picture containing text, person, outdoor, standing&#10;&#10;Description automatically generated">
             <a:extLst>
               <a:ext uri="{FF2B5EF4-FFF2-40B4-BE49-F238E27FC236}">
-                <a16:creationId xmlns:a16="http://schemas.microsoft.com/office/drawing/2014/main" id="{04A39985-F9BE-419E-85BE-C6AF80BB3F73}"/>
+                <a16:creationId xmlns:a16="http://schemas.microsoft.com/office/drawing/2014/main" id="{AD3440DD-AB14-4A81-9FA8-37AF1435E08E}"/>
               </a:ext>
             </a:extLst>
           </p:cNvPr>
@@ -12628,17 +12224,15 @@
             <p:ph type="pic" sz="quarter" idx="12"/>
           </p:nvPr>
         </p:nvPicPr>
-        <p:blipFill>
-          <a:blip r:embed="rId4"/>
-          <a:srcRect l="16656" r="16656"/>
-          <a:stretch>
-            <a:fillRect/>
-          </a:stretch>
+        <p:blipFill rotWithShape="1">
+          <a:blip r:embed="rId5"/>
+          <a:srcRect l="3573" t="4007" r="13849" b="-2004"/>
+          <a:stretch/>
         </p:blipFill>
         <p:spPr>
           <a:xfrm>
-            <a:off x="5462525" y="0"/>
-            <a:ext cx="7022727" cy="6858000"/>
+            <a:off x="4866949" y="0"/>
+            <a:ext cx="8495258" cy="6857999"/>
           </a:xfrm>
         </p:spPr>
       </p:pic>
@@ -12806,15 +12400,15 @@
           <a:p>
             <a:r>
               <a:rPr lang="ko-KR" altLang="en-US" dirty="0"/>
-              <a:t>설빔 </a:t>
+              <a:t>성묘 </a:t>
             </a:r>
             <a:r>
               <a:rPr lang="en-US" altLang="ko-KR" dirty="0"/>
-              <a:t>(Quan </a:t>
+              <a:t>( </a:t>
             </a:r>
             <a:r>
               <a:rPr lang="en-US" altLang="ko-KR" dirty="0" err="1"/>
-              <a:t>ao</a:t>
+              <a:t>tao</a:t>
             </a:r>
             <a:r>
               <a:rPr lang="en-US" altLang="ko-KR" dirty="0"/>
@@ -12822,20 +12416,15 @@
             </a:r>
             <a:r>
               <a:rPr lang="en-US" altLang="ko-KR" dirty="0" err="1"/>
-              <a:t>ngay</a:t>
-            </a:r>
-            <a:r>
-              <a:rPr lang="en-US" altLang="ko-KR" dirty="0"/>
-              <a:t> </a:t>
-            </a:r>
-            <a:r>
-              <a:rPr lang="en-US" altLang="ko-KR" dirty="0" err="1"/>
-              <a:t>tet</a:t>
+              <a:t>mo</a:t>
             </a:r>
             <a:r>
               <a:rPr lang="en-US" altLang="ko-KR" dirty="0"/>
               <a:t>)</a:t>
             </a:r>
+          </a:p>
+          <a:p>
+            <a:endParaRPr lang="en-US" altLang="ko-KR" dirty="0"/>
           </a:p>
         </p:txBody>
       </p:sp>
@@ -12950,15 +12539,15 @@
           <a:p>
             <a:r>
               <a:rPr lang="ko-KR" altLang="en-US" dirty="0"/>
-              <a:t>성묘 </a:t>
+              <a:t>설빔 </a:t>
             </a:r>
             <a:r>
               <a:rPr lang="en-US" altLang="ko-KR" dirty="0"/>
-              <a:t>( </a:t>
+              <a:t>(Quan </a:t>
             </a:r>
             <a:r>
               <a:rPr lang="en-US" altLang="ko-KR" dirty="0" err="1"/>
-              <a:t>tao</a:t>
+              <a:t>ao</a:t>
             </a:r>
             <a:r>
               <a:rPr lang="en-US" altLang="ko-KR" dirty="0"/>
@@ -12966,12 +12555,23 @@
             </a:r>
             <a:r>
               <a:rPr lang="en-US" altLang="ko-KR" dirty="0" err="1"/>
-              <a:t>mo</a:t>
+              <a:t>ngay</a:t>
+            </a:r>
+            <a:r>
+              <a:rPr lang="en-US" altLang="ko-KR" dirty="0"/>
+              <a:t> </a:t>
+            </a:r>
+            <a:r>
+              <a:rPr lang="en-US" altLang="ko-KR" dirty="0" err="1"/>
+              <a:t>tet</a:t>
             </a:r>
             <a:r>
               <a:rPr lang="en-US" altLang="ko-KR" dirty="0"/>
               <a:t>)</a:t>
             </a:r>
+          </a:p>
+          <a:p>
+            <a:endParaRPr lang="en-US" altLang="ko-KR" dirty="0"/>
           </a:p>
           <a:p>
             <a:r>
@@ -13195,8 +12795,18 @@
           <a:p>
             <a:r>
               <a:rPr lang="en-US" altLang="ko-KR" dirty="0"/>
-              <a:t>Greetings</a:t>
-            </a:r>
+              <a:t>Greeting</a:t>
+            </a:r>
+          </a:p>
+          <a:p>
+            <a:r>
+              <a:rPr lang="ko-KR" altLang="en-US" dirty="0"/>
+              <a:t>세뱃돈</a:t>
+            </a:r>
+            <a:endParaRPr lang="en-US" altLang="ko-KR" dirty="0"/>
+          </a:p>
+          <a:p>
+            <a:endParaRPr lang="en-US" altLang="ko-KR" dirty="0"/>
           </a:p>
         </p:txBody>
       </p:sp>
@@ -13205,7 +12815,7 @@
           <p:cNvPr id="8" name="Title 2">
             <a:extLst>
               <a:ext uri="{FF2B5EF4-FFF2-40B4-BE49-F238E27FC236}">
-                <a16:creationId xmlns:a16="http://schemas.microsoft.com/office/drawing/2014/main" id="{7EFCEA8F-5F25-4AAB-A678-D5B129387C4D}"/>
+                <a16:creationId xmlns:a16="http://schemas.microsoft.com/office/drawing/2014/main" id="{3FD22D15-5D8E-430E-8C5A-D82A7EC802BF}"/>
               </a:ext>
             </a:extLst>
           </p:cNvPr>
@@ -13271,7 +12881,7 @@
     </p:spTree>
     <p:extLst>
       <p:ext uri="{BB962C8B-B14F-4D97-AF65-F5344CB8AC3E}">
-        <p14:creationId xmlns:p14="http://schemas.microsoft.com/office/powerpoint/2010/main" val="3214932342"/>
+        <p14:creationId xmlns:p14="http://schemas.microsoft.com/office/powerpoint/2010/main" val="3801076791"/>
       </p:ext>
     </p:extLst>
   </p:cSld>
@@ -13385,7 +12995,7 @@
           <a:p>
             <a:r>
               <a:rPr lang="en-US" altLang="ko-KR" dirty="0"/>
-              <a:t>Fortune teller</a:t>
+              <a:t>Festivals in Pagoda</a:t>
             </a:r>
           </a:p>
         </p:txBody>
@@ -13506,8 +13116,8 @@
         </p:nvSpPr>
         <p:spPr>
           <a:xfrm>
-            <a:off x="4381500" y="0"/>
-            <a:ext cx="8293100" cy="6858000"/>
+            <a:off x="6096000" y="0"/>
+            <a:ext cx="6578600" cy="6858000"/>
           </a:xfrm>
         </p:spPr>
       </p:sp>
@@ -13559,8 +13169,8 @@
         </p:nvSpPr>
         <p:spPr>
           <a:xfrm>
-            <a:off x="101602" y="1181102"/>
-            <a:ext cx="5994398" cy="2781298"/>
+            <a:off x="101602" y="1181101"/>
+            <a:ext cx="5994398" cy="5357811"/>
           </a:xfrm>
         </p:spPr>
         <p:txBody>
@@ -13569,9 +13179,52 @@
           <a:p>
             <a:r>
               <a:rPr lang="ko-KR" altLang="en-US" dirty="0"/>
-              <a:t>세뱃돈</a:t>
+              <a:t>전통놀이</a:t>
+            </a:r>
+            <a:r>
+              <a:rPr lang="en-US" altLang="ko-KR" dirty="0"/>
+              <a:t> (</a:t>
+            </a:r>
+            <a:r>
+              <a:rPr lang="en-US" altLang="ko-KR" dirty="0" err="1"/>
+              <a:t>tro</a:t>
+            </a:r>
+            <a:r>
+              <a:rPr lang="en-US" altLang="ko-KR" dirty="0"/>
+              <a:t> choi </a:t>
+            </a:r>
+            <a:r>
+              <a:rPr lang="en-US" altLang="ko-KR" dirty="0" err="1"/>
+              <a:t>truyen</a:t>
+            </a:r>
+            <a:r>
+              <a:rPr lang="ko-KR" altLang="en-US" dirty="0"/>
+              <a:t> </a:t>
+            </a:r>
+            <a:r>
+              <a:rPr lang="en-US" altLang="ko-KR" dirty="0"/>
+              <a:t>thong)</a:t>
+            </a:r>
+          </a:p>
+          <a:p>
+            <a:r>
+              <a:rPr lang="ko-KR" altLang="en-US" dirty="0"/>
+              <a:t>차례</a:t>
             </a:r>
             <a:endParaRPr lang="en-US" altLang="ko-KR" dirty="0"/>
+          </a:p>
+          <a:p>
+            <a:r>
+              <a:rPr lang="ko-KR" altLang="en-US" dirty="0"/>
+              <a:t>덕담</a:t>
+            </a:r>
+            <a:endParaRPr lang="en-US" altLang="ko-KR" dirty="0"/>
+          </a:p>
+          <a:p>
+            <a:endParaRPr lang="en-US" altLang="ko-KR" dirty="0"/>
+          </a:p>
+          <a:p>
+            <a:endParaRPr lang="en-US" dirty="0"/>
           </a:p>
         </p:txBody>
       </p:sp>
@@ -13580,7 +13233,7 @@
           <p:cNvPr id="8" name="Title 2">
             <a:extLst>
               <a:ext uri="{FF2B5EF4-FFF2-40B4-BE49-F238E27FC236}">
-                <a16:creationId xmlns:a16="http://schemas.microsoft.com/office/drawing/2014/main" id="{3FD22D15-5D8E-430E-8C5A-D82A7EC802BF}"/>
+                <a16:creationId xmlns:a16="http://schemas.microsoft.com/office/drawing/2014/main" id="{9A37240E-1E4B-4814-904B-C330AE25CEE6}"/>
               </a:ext>
             </a:extLst>
           </p:cNvPr>
@@ -13646,7 +13299,7 @@
     </p:spTree>
     <p:extLst>
       <p:ext uri="{BB962C8B-B14F-4D97-AF65-F5344CB8AC3E}">
-        <p14:creationId xmlns:p14="http://schemas.microsoft.com/office/powerpoint/2010/main" val="3801076791"/>
+        <p14:creationId xmlns:p14="http://schemas.microsoft.com/office/powerpoint/2010/main" val="121874878"/>
       </p:ext>
     </p:extLst>
   </p:cSld>
@@ -13698,6 +13351,56 @@
       </p:sp>
       <p:sp>
         <p:nvSpPr>
+          <p:cNvPr id="3" name="Title 2">
+            <a:extLst>
+              <a:ext uri="{FF2B5EF4-FFF2-40B4-BE49-F238E27FC236}">
+                <a16:creationId xmlns:a16="http://schemas.microsoft.com/office/drawing/2014/main" id="{398F23BE-74AF-42C0-BA1D-FA64AB617C6F}"/>
+              </a:ext>
+            </a:extLst>
+          </p:cNvPr>
+          <p:cNvSpPr>
+            <a:spLocks noGrp="1"/>
+          </p:cNvSpPr>
+          <p:nvPr>
+            <p:ph type="title"/>
+          </p:nvPr>
+        </p:nvSpPr>
+        <p:spPr>
+          <a:xfrm>
+            <a:off x="101601" y="137400"/>
+            <a:ext cx="5994400" cy="792000"/>
+          </a:xfrm>
+          <a:solidFill>
+            <a:srgbClr val="FFC000"/>
+          </a:solidFill>
+        </p:spPr>
+        <p:txBody>
+          <a:bodyPr>
+            <a:normAutofit/>
+          </a:bodyPr>
+          <a:lstStyle/>
+          <a:p>
+            <a:pPr lvl="0"/>
+            <a:r>
+              <a:rPr lang="en-US" sz="2800" b="1" dirty="0">
+                <a:solidFill>
+                  <a:schemeClr val="tx1"/>
+                </a:solidFill>
+                <a:latin typeface="Abadi" panose="020B0604020104020204" pitchFamily="34" charset="0"/>
+              </a:rPr>
+              <a:t>What Vietnam can learn from Korea?</a:t>
+            </a:r>
+            <a:endParaRPr lang="en-US" sz="2800" b="0" i="0" dirty="0">
+              <a:solidFill>
+                <a:schemeClr val="tx1"/>
+              </a:solidFill>
+              <a:latin typeface="Abadi" panose="020B0604020104020204" pitchFamily="34" charset="0"/>
+            </a:endParaRPr>
+          </a:p>
+        </p:txBody>
+      </p:sp>
+      <p:sp>
+        <p:nvSpPr>
           <p:cNvPr id="5" name="Slide Number Placeholder 4">
             <a:extLst>
               <a:ext uri="{FF2B5EF4-FFF2-40B4-BE49-F238E27FC236}">
@@ -13731,7 +13434,7 @@
           <p:cNvPr id="7" name="Content Placeholder 6">
             <a:extLst>
               <a:ext uri="{FF2B5EF4-FFF2-40B4-BE49-F238E27FC236}">
-                <a16:creationId xmlns:a16="http://schemas.microsoft.com/office/drawing/2014/main" id="{BD9EDC80-57A1-45E2-97D7-4C23148F3E55}"/>
+                <a16:creationId xmlns:a16="http://schemas.microsoft.com/office/drawing/2014/main" id="{014AB7A2-E731-4113-B255-3EC2F548E3A3}"/>
               </a:ext>
             </a:extLst>
           </p:cNvPr>
@@ -13744,137 +13447,36 @@
         </p:nvSpPr>
         <p:spPr>
           <a:xfrm>
-            <a:off x="101602" y="1181101"/>
-            <a:ext cx="5994398" cy="5357811"/>
+            <a:off x="1" y="1181100"/>
+            <a:ext cx="6095998" cy="3803123"/>
           </a:xfrm>
         </p:spPr>
         <p:txBody>
-          <a:bodyPr/>
-          <a:lstStyle/>
-          <a:p>
-            <a:r>
-              <a:rPr lang="ko-KR" altLang="en-US" dirty="0"/>
-              <a:t>전통놀이</a:t>
-            </a:r>
-            <a:r>
-              <a:rPr lang="en-US" altLang="ko-KR" dirty="0"/>
-              <a:t> (</a:t>
-            </a:r>
-            <a:r>
-              <a:rPr lang="en-US" altLang="ko-KR" dirty="0" err="1"/>
-              <a:t>tro</a:t>
-            </a:r>
-            <a:r>
-              <a:rPr lang="en-US" altLang="ko-KR" dirty="0"/>
-              <a:t> choi </a:t>
-            </a:r>
-            <a:r>
-              <a:rPr lang="en-US" altLang="ko-KR" dirty="0" err="1"/>
-              <a:t>truyen</a:t>
-            </a:r>
-            <a:r>
-              <a:rPr lang="ko-KR" altLang="en-US" dirty="0"/>
-              <a:t> </a:t>
-            </a:r>
-            <a:r>
-              <a:rPr lang="en-US" altLang="ko-KR" dirty="0"/>
-              <a:t>thong)</a:t>
-            </a:r>
-          </a:p>
-          <a:p>
-            <a:r>
-              <a:rPr lang="ko-KR" altLang="en-US" dirty="0"/>
-              <a:t>차례</a:t>
-            </a:r>
-            <a:endParaRPr lang="en-US" altLang="ko-KR" dirty="0"/>
-          </a:p>
-          <a:p>
-            <a:r>
-              <a:rPr lang="ko-KR" altLang="en-US" dirty="0"/>
-              <a:t>덕담</a:t>
-            </a:r>
-            <a:endParaRPr lang="en-US" altLang="ko-KR" dirty="0"/>
-          </a:p>
-          <a:p>
-            <a:endParaRPr lang="en-US" altLang="ko-KR" dirty="0"/>
-          </a:p>
-          <a:p>
-            <a:endParaRPr lang="en-US" dirty="0"/>
-          </a:p>
-        </p:txBody>
-      </p:sp>
-      <p:sp>
-        <p:nvSpPr>
-          <p:cNvPr id="8" name="Title 2">
-            <a:extLst>
-              <a:ext uri="{FF2B5EF4-FFF2-40B4-BE49-F238E27FC236}">
-                <a16:creationId xmlns:a16="http://schemas.microsoft.com/office/drawing/2014/main" id="{9A37240E-1E4B-4814-904B-C330AE25CEE6}"/>
-              </a:ext>
-            </a:extLst>
-          </p:cNvPr>
-          <p:cNvSpPr txBox="1">
-            <a:spLocks/>
-          </p:cNvSpPr>
-          <p:nvPr/>
-        </p:nvSpPr>
-        <p:spPr>
-          <a:xfrm>
-            <a:off x="101601" y="137400"/>
-            <a:ext cx="4584700" cy="792000"/>
-          </a:xfrm>
-          <a:prstGeom prst="rect">
-            <a:avLst/>
-          </a:prstGeom>
-          <a:solidFill>
-            <a:schemeClr val="accent4">
-              <a:lumMod val="40000"/>
-              <a:lumOff val="60000"/>
-            </a:schemeClr>
-          </a:solidFill>
-        </p:spPr>
-        <p:txBody>
-          <a:bodyPr vert="horz" lIns="91440" tIns="45720" rIns="91440" bIns="45720" rtlCol="0" anchor="ctr">
+          <a:bodyPr>
             <a:normAutofit/>
           </a:bodyPr>
-          <a:lstStyle>
-            <a:lvl1pPr algn="l" defTabSz="914400" rtl="0" eaLnBrk="1" latinLnBrk="1" hangingPunct="1">
-              <a:lnSpc>
-                <a:spcPct val="100000"/>
-              </a:lnSpc>
-              <a:spcBef>
-                <a:spcPct val="0"/>
-              </a:spcBef>
-              <a:buNone/>
-              <a:defRPr sz="3600" kern="1200">
-                <a:solidFill>
-                  <a:schemeClr val="tx1">
-                    <a:lumMod val="85000"/>
-                    <a:lumOff val="15000"/>
-                  </a:schemeClr>
-                </a:solidFill>
-                <a:latin typeface="+mj-lt"/>
-                <a:ea typeface="+mj-ea"/>
-                <a:cs typeface="+mj-cs"/>
-              </a:defRPr>
-            </a:lvl1pPr>
-          </a:lstStyle>
-          <a:p>
-            <a:r>
-              <a:rPr lang="ko-KR" altLang="en-US" b="1" dirty="0">
-                <a:latin typeface="Abadi" panose="020B0604020104020204" pitchFamily="34" charset="0"/>
-              </a:rPr>
-              <a:t>설날 이벤트</a:t>
-            </a:r>
-            <a:endParaRPr lang="en-US" dirty="0">
-              <a:latin typeface="Abadi" panose="020B0604020104020204" pitchFamily="34" charset="0"/>
-            </a:endParaRPr>
+          <a:lstStyle/>
+          <a:p>
+            <a:r>
+              <a:rPr lang="ko-KR" altLang="en-US" sz="2400" dirty="0"/>
+              <a:t>베트남 축구 국가대표팀</a:t>
+            </a:r>
+            <a:r>
+              <a:rPr lang="en-US" altLang="ko-KR" sz="2400" dirty="0"/>
+              <a:t>: </a:t>
+            </a:r>
+            <a:r>
+              <a:rPr lang="ko-KR" altLang="en-US" sz="2400" dirty="0"/>
+              <a:t>박항서</a:t>
+            </a:r>
+            <a:endParaRPr lang="en-US" altLang="ko-KR" sz="2400" dirty="0"/>
           </a:p>
         </p:txBody>
       </p:sp>
     </p:spTree>
     <p:extLst>
       <p:ext uri="{BB962C8B-B14F-4D97-AF65-F5344CB8AC3E}">
-        <p14:creationId xmlns:p14="http://schemas.microsoft.com/office/powerpoint/2010/main" val="121874878"/>
+        <p14:creationId xmlns:p14="http://schemas.microsoft.com/office/powerpoint/2010/main" val="294758737"/>
       </p:ext>
     </p:extLst>
   </p:cSld>
@@ -14022,36 +13624,274 @@
         </p:nvSpPr>
         <p:spPr>
           <a:xfrm>
-            <a:off x="1" y="1181100"/>
-            <a:ext cx="6095998" cy="3803123"/>
+            <a:off x="1" y="2562447"/>
+            <a:ext cx="6095998" cy="2421775"/>
           </a:xfrm>
         </p:spPr>
         <p:txBody>
-          <a:bodyPr>
-            <a:normAutofit/>
-          </a:bodyPr>
+          <a:bodyPr/>
           <a:lstStyle/>
           <a:p>
-            <a:r>
-              <a:rPr lang="ko-KR" altLang="en-US" sz="2400" dirty="0"/>
-              <a:t>베트남 축구 국가대표팀</a:t>
-            </a:r>
-            <a:r>
-              <a:rPr lang="en-US" altLang="ko-KR" sz="2400" dirty="0"/>
-              <a:t>: </a:t>
-            </a:r>
-            <a:r>
-              <a:rPr lang="ko-KR" altLang="en-US" sz="2400" dirty="0"/>
-              <a:t>박항서</a:t>
-            </a:r>
-            <a:endParaRPr lang="en-US" altLang="ko-KR" sz="2400" dirty="0"/>
+            <a:endParaRPr lang="en-US" altLang="ko-KR" sz="2800" dirty="0"/>
+          </a:p>
+          <a:p>
+            <a:r>
+              <a:rPr lang="ko-KR" altLang="en-US" sz="2800" dirty="0"/>
+              <a:t>박정희 대통령</a:t>
+            </a:r>
+            <a:endParaRPr lang="en-US" altLang="ko-KR" sz="2800" dirty="0"/>
+          </a:p>
+          <a:p>
+            <a:endParaRPr lang="en-US" altLang="ko-KR" sz="2800" dirty="0"/>
+          </a:p>
+          <a:p>
+            <a:r>
+              <a:rPr lang="ko-KR" altLang="en-US" sz="2800" dirty="0"/>
+              <a:t>광주 민주화 항쟁</a:t>
+            </a:r>
+            <a:endParaRPr lang="en-US" altLang="ko-KR" sz="2800" dirty="0"/>
+          </a:p>
+          <a:p>
+            <a:endParaRPr lang="en-US" dirty="0"/>
           </a:p>
         </p:txBody>
       </p:sp>
+      <p:graphicFrame>
+        <p:nvGraphicFramePr>
+          <p:cNvPr id="6" name="Table 6">
+            <a:extLst>
+              <a:ext uri="{FF2B5EF4-FFF2-40B4-BE49-F238E27FC236}">
+                <a16:creationId xmlns:a16="http://schemas.microsoft.com/office/drawing/2014/main" id="{3FAD808F-95C5-4F3F-9FA1-646977A5D277}"/>
+              </a:ext>
+            </a:extLst>
+          </p:cNvPr>
+          <p:cNvGraphicFramePr>
+            <a:graphicFrameLocks/>
+          </p:cNvGraphicFramePr>
+          <p:nvPr>
+            <p:extLst>
+              <p:ext uri="{D42A27DB-BD31-4B8C-83A1-F6EECF244321}">
+                <p14:modId xmlns:p14="http://schemas.microsoft.com/office/powerpoint/2010/main" val="2049604432"/>
+              </p:ext>
+            </p:extLst>
+          </p:nvPr>
+        </p:nvGraphicFramePr>
+        <p:xfrm>
+          <a:off x="8269" y="1233170"/>
+          <a:ext cx="6096000" cy="1193800"/>
+        </p:xfrm>
+        <a:graphic>
+          <a:graphicData uri="http://schemas.openxmlformats.org/drawingml/2006/table">
+            <a:tbl>
+              <a:tblPr firstRow="1" bandRow="1">
+                <a:tableStyleId>{5C22544A-7EE6-4342-B048-85BDC9FD1C3A}</a:tableStyleId>
+              </a:tblPr>
+              <a:tblGrid>
+                <a:gridCol w="1150680">
+                  <a:extLst>
+                    <a:ext uri="{9D8B030D-6E8A-4147-A177-3AD203B41FA5}">
+                      <a16:colId xmlns:a16="http://schemas.microsoft.com/office/drawing/2014/main" val="4058099069"/>
+                    </a:ext>
+                  </a:extLst>
+                </a:gridCol>
+                <a:gridCol w="1881963">
+                  <a:extLst>
+                    <a:ext uri="{9D8B030D-6E8A-4147-A177-3AD203B41FA5}">
+                      <a16:colId xmlns:a16="http://schemas.microsoft.com/office/drawing/2014/main" val="1096586304"/>
+                    </a:ext>
+                  </a:extLst>
+                </a:gridCol>
+                <a:gridCol w="3063357">
+                  <a:extLst>
+                    <a:ext uri="{9D8B030D-6E8A-4147-A177-3AD203B41FA5}">
+                      <a16:colId xmlns:a16="http://schemas.microsoft.com/office/drawing/2014/main" val="3464940675"/>
+                    </a:ext>
+                  </a:extLst>
+                </a:gridCol>
+              </a:tblGrid>
+              <a:tr h="462280">
+                <a:tc>
+                  <a:txBody>
+                    <a:bodyPr/>
+                    <a:lstStyle/>
+                    <a:p>
+                      <a:pPr algn="ctr"/>
+                      <a:endParaRPr lang="en-US" dirty="0"/>
+                    </a:p>
+                  </a:txBody>
+                  <a:tcPr/>
+                </a:tc>
+                <a:tc>
+                  <a:txBody>
+                    <a:bodyPr/>
+                    <a:lstStyle/>
+                    <a:p>
+                      <a:pPr marL="0" marR="0" lvl="0" indent="0" algn="ctr" defTabSz="914400" rtl="0" eaLnBrk="1" fontAlgn="auto" latinLnBrk="1" hangingPunct="1">
+                        <a:lnSpc>
+                          <a:spcPct val="100000"/>
+                        </a:lnSpc>
+                        <a:spcBef>
+                          <a:spcPts val="0"/>
+                        </a:spcBef>
+                        <a:spcAft>
+                          <a:spcPts val="0"/>
+                        </a:spcAft>
+                        <a:buClrTx/>
+                        <a:buSzTx/>
+                        <a:buFontTx/>
+                        <a:buNone/>
+                        <a:tabLst/>
+                        <a:defRPr/>
+                      </a:pPr>
+                      <a:r>
+                        <a:rPr lang="ko-KR" altLang="en-US" sz="1800" b="1" dirty="0">
+                          <a:latin typeface="Abadi" panose="020B0604020104020204" pitchFamily="34" charset="0"/>
+                        </a:rPr>
+                        <a:t>대한민국</a:t>
+                      </a:r>
+                      <a:endParaRPr lang="en-US" dirty="0">
+                        <a:effectLst/>
+                      </a:endParaRPr>
+                    </a:p>
+                  </a:txBody>
+                  <a:tcPr/>
+                </a:tc>
+                <a:tc>
+                  <a:txBody>
+                    <a:bodyPr/>
+                    <a:lstStyle/>
+                    <a:p>
+                      <a:pPr marL="0" marR="0" lvl="0" indent="0" algn="ctr" defTabSz="914400" rtl="0" eaLnBrk="1" fontAlgn="auto" latinLnBrk="1" hangingPunct="1">
+                        <a:lnSpc>
+                          <a:spcPct val="100000"/>
+                        </a:lnSpc>
+                        <a:spcBef>
+                          <a:spcPts val="0"/>
+                        </a:spcBef>
+                        <a:spcAft>
+                          <a:spcPts val="0"/>
+                        </a:spcAft>
+                        <a:buClrTx/>
+                        <a:buSzTx/>
+                        <a:buFontTx/>
+                        <a:buNone/>
+                        <a:tabLst/>
+                        <a:defRPr/>
+                      </a:pPr>
+                      <a:r>
+                        <a:rPr lang="ko-KR" altLang="en-US" sz="1800" b="1" dirty="0">
+                          <a:latin typeface="Abadi" panose="020B0604020104020204" pitchFamily="34" charset="0"/>
+                        </a:rPr>
+                        <a:t>베트남</a:t>
+                      </a:r>
+                      <a:endParaRPr lang="en-US" dirty="0">
+                        <a:effectLst/>
+                      </a:endParaRPr>
+                    </a:p>
+                  </a:txBody>
+                  <a:tcPr/>
+                </a:tc>
+                <a:extLst>
+                  <a:ext uri="{0D108BD9-81ED-4DB2-BD59-A6C34878D82A}">
+                    <a16:rowId xmlns:a16="http://schemas.microsoft.com/office/drawing/2014/main" val="3826548073"/>
+                  </a:ext>
+                </a:extLst>
+              </a:tr>
+              <a:tr h="622300">
+                <a:tc>
+                  <a:txBody>
+                    <a:bodyPr/>
+                    <a:lstStyle/>
+                    <a:p>
+                      <a:pPr algn="ctr"/>
+                      <a:r>
+                        <a:rPr lang="en-US" sz="1400" b="1" dirty="0">
+                          <a:effectLst/>
+                          <a:latin typeface="Abadi" panose="020B0604020104020204" pitchFamily="34" charset="0"/>
+                        </a:rPr>
+                        <a:t>Great leader</a:t>
+                      </a:r>
+                    </a:p>
+                  </a:txBody>
+                  <a:tcPr marL="95250" marR="95250" marT="95250" marB="95250" anchor="ctr"/>
+                </a:tc>
+                <a:tc>
+                  <a:txBody>
+                    <a:bodyPr/>
+                    <a:lstStyle/>
+                    <a:p>
+                      <a:pPr marL="285750" indent="-285750" algn="l">
+                        <a:buFont typeface="Arial" panose="020B0604020202020204" pitchFamily="34" charset="0"/>
+                        <a:buChar char="•"/>
+                      </a:pPr>
+                      <a:r>
+                        <a:rPr lang="ko-KR" altLang="en-US" sz="1400" dirty="0"/>
+                        <a:t>박정희</a:t>
+                      </a:r>
+                      <a:endParaRPr lang="en-US" altLang="ko-KR" sz="1400" dirty="0">
+                        <a:latin typeface="Abadi" panose="020B0604020104020204" pitchFamily="34" charset="0"/>
+                      </a:endParaRPr>
+                    </a:p>
+                    <a:p>
+                      <a:pPr marL="0" indent="0" algn="l">
+                        <a:buFont typeface="Arial" panose="020B0604020202020204" pitchFamily="34" charset="0"/>
+                        <a:buNone/>
+                      </a:pPr>
+                      <a:r>
+                        <a:rPr lang="en-US" sz="1400" dirty="0">
+                          <a:latin typeface="Abadi" panose="020B0604020104020204" pitchFamily="34" charset="0"/>
+                        </a:rPr>
+                        <a:t>Trained in Japan</a:t>
+                      </a:r>
+                    </a:p>
+                  </a:txBody>
+                  <a:tcPr/>
+                </a:tc>
+                <a:tc>
+                  <a:txBody>
+                    <a:bodyPr/>
+                    <a:lstStyle/>
+                    <a:p>
+                      <a:pPr marL="285750" indent="-285750" algn="l">
+                        <a:buFont typeface="Arial" panose="020B0604020202020204" pitchFamily="34" charset="0"/>
+                        <a:buChar char="•"/>
+                      </a:pPr>
+                      <a:r>
+                        <a:rPr lang="en-US" sz="1400" dirty="0">
+                          <a:latin typeface="Abadi" panose="020B0604020104020204" pitchFamily="34" charset="0"/>
+                        </a:rPr>
+                        <a:t>Ho Chi Minh</a:t>
+                      </a:r>
+                    </a:p>
+                    <a:p>
+                      <a:pPr marL="0" indent="0" algn="l">
+                        <a:buFont typeface="Arial" panose="020B0604020202020204" pitchFamily="34" charset="0"/>
+                        <a:buNone/>
+                      </a:pPr>
+                      <a:r>
+                        <a:rPr lang="en-US" sz="1400" dirty="0">
+                          <a:latin typeface="Abadi" panose="020B0604020104020204" pitchFamily="34" charset="0"/>
+                        </a:rPr>
+                        <a:t>Trained in France, England, America, China, Soviet Union </a:t>
+                      </a:r>
+                    </a:p>
+                  </a:txBody>
+                  <a:tcPr/>
+                </a:tc>
+                <a:extLst>
+                  <a:ext uri="{0D108BD9-81ED-4DB2-BD59-A6C34878D82A}">
+                    <a16:rowId xmlns:a16="http://schemas.microsoft.com/office/drawing/2014/main" val="988632346"/>
+                  </a:ext>
+                </a:extLst>
+              </a:tr>
+            </a:tbl>
+          </a:graphicData>
+        </a:graphic>
+      </p:graphicFrame>
     </p:spTree>
     <p:extLst>
       <p:ext uri="{BB962C8B-B14F-4D97-AF65-F5344CB8AC3E}">
-        <p14:creationId xmlns:p14="http://schemas.microsoft.com/office/powerpoint/2010/main" val="294758737"/>
+        <p14:creationId xmlns:p14="http://schemas.microsoft.com/office/powerpoint/2010/main" val="1715026226"/>
       </p:ext>
     </p:extLst>
   </p:cSld>
@@ -14853,15 +14693,6 @@
 </file>
 
 <file path=customXml/item1.xml><?xml version="1.0" encoding="utf-8"?>
-<p:properties xmlns:p="http://schemas.microsoft.com/office/2006/metadata/properties" xmlns:xsi="http://www.w3.org/2001/XMLSchema-instance" xmlns:pc="http://schemas.microsoft.com/office/infopath/2007/PartnerControls">
-  <documentManagement>
-    <Status xmlns="71af3243-3dd4-4a8d-8c0d-dd76da1f02a5">Not started</Status>
-    <MediaServiceKeyPoints xmlns="71af3243-3dd4-4a8d-8c0d-dd76da1f02a5" xsi:nil="true"/>
-  </documentManagement>
-</p:properties>
-</file>
-
-<file path=customXml/item2.xml><?xml version="1.0" encoding="utf-8"?>
 <?mso-contentType ?>
 <FormTemplates xmlns="http://schemas.microsoft.com/sharepoint/v3/contenttype/forms">
   <Display>DocumentLibraryForm</Display>
@@ -14870,7 +14701,7 @@
 </FormTemplates>
 </file>
 
-<file path=customXml/item3.xml><?xml version="1.0" encoding="utf-8"?>
+<file path=customXml/item2.xml><?xml version="1.0" encoding="utf-8"?>
 <ct:contentTypeSchema xmlns:ct="http://schemas.microsoft.com/office/2006/metadata/contentType" xmlns:ma="http://schemas.microsoft.com/office/2006/metadata/properties/metaAttributes" ct:_="" ma:_="" ma:contentTypeName="Document" ma:contentTypeID="0x01010079F111ED35F8CC479449609E8A0923A6" ma:contentTypeVersion="12" ma:contentTypeDescription="Create a new document." ma:contentTypeScope="" ma:versionID="fa6e671f1cd7e4d96ff9652be322dd5e">
   <xsd:schema xmlns:xsd="http://www.w3.org/2001/XMLSchema" xmlns:xs="http://www.w3.org/2001/XMLSchema" xmlns:p="http://schemas.microsoft.com/office/2006/metadata/properties" xmlns:ns2="71af3243-3dd4-4a8d-8c0d-dd76da1f02a5" xmlns:ns3="16c05727-aa75-4e4a-9b5f-8a80a1165891" targetNamespace="http://schemas.microsoft.com/office/2006/metadata/properties" ma:root="true" ma:fieldsID="4e2496f70b101db0b8013f30a071bbf7" ns2:_="" ns3:_="">
     <xsd:import namespace="71af3243-3dd4-4a8d-8c0d-dd76da1f02a5"/>
@@ -15091,17 +14922,16 @@
 </ct:contentTypeSchema>
 </file>
 
-<file path=customXml/itemProps1.xml><?xml version="1.0" encoding="utf-8"?>
-<ds:datastoreItem xmlns:ds="http://schemas.openxmlformats.org/officeDocument/2006/customXml" ds:itemID="{E2606CA9-73CA-4217-BA3D-1864E6BFEEB4}">
-  <ds:schemaRefs>
-    <ds:schemaRef ds:uri="http://schemas.microsoft.com/office/2006/metadata/properties"/>
-    <ds:schemaRef ds:uri="http://schemas.microsoft.com/office/infopath/2007/PartnerControls"/>
-    <ds:schemaRef ds:uri="71af3243-3dd4-4a8d-8c0d-dd76da1f02a5"/>
-  </ds:schemaRefs>
-</ds:datastoreItem>
+<file path=customXml/item3.xml><?xml version="1.0" encoding="utf-8"?>
+<p:properties xmlns:p="http://schemas.microsoft.com/office/2006/metadata/properties" xmlns:xsi="http://www.w3.org/2001/XMLSchema-instance" xmlns:pc="http://schemas.microsoft.com/office/infopath/2007/PartnerControls">
+  <documentManagement>
+    <Status xmlns="71af3243-3dd4-4a8d-8c0d-dd76da1f02a5">Not started</Status>
+    <MediaServiceKeyPoints xmlns="71af3243-3dd4-4a8d-8c0d-dd76da1f02a5" xsi:nil="true"/>
+  </documentManagement>
+</p:properties>
 </file>
 
-<file path=customXml/itemProps2.xml><?xml version="1.0" encoding="utf-8"?>
+<file path=customXml/itemProps1.xml><?xml version="1.0" encoding="utf-8"?>
 <ds:datastoreItem xmlns:ds="http://schemas.openxmlformats.org/officeDocument/2006/customXml" ds:itemID="{DC58A64B-81C3-4EC2-A044-1AD401A10DA8}">
   <ds:schemaRefs>
     <ds:schemaRef ds:uri="http://schemas.microsoft.com/sharepoint/v3/contenttype/forms"/>
@@ -15109,7 +14939,7 @@
 </ds:datastoreItem>
 </file>
 
-<file path=customXml/itemProps3.xml><?xml version="1.0" encoding="utf-8"?>
+<file path=customXml/itemProps2.xml><?xml version="1.0" encoding="utf-8"?>
 <ds:datastoreItem xmlns:ds="http://schemas.openxmlformats.org/officeDocument/2006/customXml" ds:itemID="{9FE7B02C-5194-4175-B6C3-18AE8350DC57}">
   <ds:schemaRefs>
     <ds:schemaRef ds:uri="http://schemas.microsoft.com/office/2006/metadata/contentType"/>
@@ -15126,4 +14956,14 @@
     <ds:schemaRef ds:uri="http://schemas.microsoft.com/internal/obd"/>
   </ds:schemaRefs>
 </ds:datastoreItem>
+</file>
+
+<file path=customXml/itemProps3.xml><?xml version="1.0" encoding="utf-8"?>
+<ds:datastoreItem xmlns:ds="http://schemas.openxmlformats.org/officeDocument/2006/customXml" ds:itemID="{E2606CA9-73CA-4217-BA3D-1864E6BFEEB4}">
+  <ds:schemaRefs>
+    <ds:schemaRef ds:uri="http://schemas.microsoft.com/office/2006/metadata/properties"/>
+    <ds:schemaRef ds:uri="http://schemas.microsoft.com/office/infopath/2007/PartnerControls"/>
+    <ds:schemaRef ds:uri="71af3243-3dd4-4a8d-8c0d-dd76da1f02a5"/>
+  </ds:schemaRefs>
+</ds:datastoreItem>
 </file>
--- a/mducng_VN-KR.pptx
+++ b/mducng_VN-KR.pptx
@@ -5,23 +5,20 @@
     <p:sldMasterId id="2147483648" r:id="rId4"/>
   </p:sldMasterIdLst>
   <p:notesMasterIdLst>
-    <p:notesMasterId r:id="rId16"/>
+    <p:notesMasterId r:id="rId13"/>
   </p:notesMasterIdLst>
   <p:handoutMasterIdLst>
-    <p:handoutMasterId r:id="rId17"/>
+    <p:handoutMasterId r:id="rId14"/>
   </p:handoutMasterIdLst>
   <p:sldIdLst>
     <p:sldId id="272" r:id="rId5"/>
     <p:sldId id="275" r:id="rId6"/>
     <p:sldId id="281" r:id="rId7"/>
-    <p:sldId id="276" r:id="rId8"/>
-    <p:sldId id="279" r:id="rId9"/>
-    <p:sldId id="278" r:id="rId10"/>
-    <p:sldId id="277" r:id="rId11"/>
-    <p:sldId id="282" r:id="rId12"/>
-    <p:sldId id="284" r:id="rId13"/>
-    <p:sldId id="285" r:id="rId14"/>
-    <p:sldId id="283" r:id="rId15"/>
+    <p:sldId id="282" r:id="rId8"/>
+    <p:sldId id="276" r:id="rId9"/>
+    <p:sldId id="279" r:id="rId10"/>
+    <p:sldId id="278" r:id="rId11"/>
+    <p:sldId id="277" r:id="rId12"/>
   </p:sldIdLst>
   <p:sldSz cx="12192000" cy="6858000"/>
   <p:notesSz cx="6858000" cy="9144000"/>
@@ -3566,7 +3563,7 @@
           <a:p>
             <a:fld id="{3A6639B8-EA76-475F-ABF2-3D49BD1F56D3}" type="datetimeFigureOut">
               <a:rPr lang="en-US" smtClean="0"/>
-              <a:t>2/21/2021</a:t>
+              <a:t>2/22/2021</a:t>
             </a:fld>
             <a:endParaRPr lang="en-US" dirty="0"/>
           </a:p>
@@ -3743,7 +3740,7 @@
           <a:p>
             <a:fld id="{774F3147-C309-44B8-AF20-BAB82B7C4F88}" type="datetimeFigureOut">
               <a:rPr lang="en-US" smtClean="0"/>
-              <a:t>2/21/2021</a:t>
+              <a:t>2/22/2021</a:t>
             </a:fld>
             <a:endParaRPr lang="en-US" dirty="0"/>
           </a:p>
@@ -4357,7 +4354,7 @@
     </p:spTree>
     <p:extLst>
       <p:ext uri="{BB962C8B-B14F-4D97-AF65-F5344CB8AC3E}">
-        <p14:creationId xmlns:p14="http://schemas.microsoft.com/office/powerpoint/2010/main" val="2436753116"/>
+        <p14:creationId xmlns:p14="http://schemas.microsoft.com/office/powerpoint/2010/main" val="3247286087"/>
       </p:ext>
     </p:extLst>
   </p:cSld>
@@ -4444,7 +4441,7 @@
     </p:spTree>
     <p:extLst>
       <p:ext uri="{BB962C8B-B14F-4D97-AF65-F5344CB8AC3E}">
-        <p14:creationId xmlns:p14="http://schemas.microsoft.com/office/powerpoint/2010/main" val="942926203"/>
+        <p14:creationId xmlns:p14="http://schemas.microsoft.com/office/powerpoint/2010/main" val="2436753116"/>
       </p:ext>
     </p:extLst>
   </p:cSld>
@@ -4523,6 +4520,93 @@
             <a:fld id="{99CAC06A-4905-4B1A-83C1-3B011A8CF04B}" type="slidenum">
               <a:rPr lang="en-US" smtClean="0"/>
               <a:t>6</a:t>
+            </a:fld>
+            <a:endParaRPr lang="en-US" dirty="0"/>
+          </a:p>
+        </p:txBody>
+      </p:sp>
+    </p:spTree>
+    <p:extLst>
+      <p:ext uri="{BB962C8B-B14F-4D97-AF65-F5344CB8AC3E}">
+        <p14:creationId xmlns:p14="http://schemas.microsoft.com/office/powerpoint/2010/main" val="942926203"/>
+      </p:ext>
+    </p:extLst>
+  </p:cSld>
+  <p:clrMapOvr>
+    <a:masterClrMapping/>
+  </p:clrMapOvr>
+</p:notes>
+</file>
+
+<file path=ppt/notesSlides/notesSlide7.xml><?xml version="1.0" encoding="utf-8"?>
+<p:notes xmlns:a="http://schemas.openxmlformats.org/drawingml/2006/main" xmlns:r="http://schemas.openxmlformats.org/officeDocument/2006/relationships" xmlns:p="http://schemas.openxmlformats.org/presentationml/2006/main">
+  <p:cSld>
+    <p:spTree>
+      <p:nvGrpSpPr>
+        <p:cNvPr id="1" name=""/>
+        <p:cNvGrpSpPr/>
+        <p:nvPr/>
+      </p:nvGrpSpPr>
+      <p:grpSpPr>
+        <a:xfrm>
+          <a:off x="0" y="0"/>
+          <a:ext cx="0" cy="0"/>
+          <a:chOff x="0" y="0"/>
+          <a:chExt cx="0" cy="0"/>
+        </a:xfrm>
+      </p:grpSpPr>
+      <p:sp>
+        <p:nvSpPr>
+          <p:cNvPr id="2" name="Slide Image Placeholder 1"/>
+          <p:cNvSpPr>
+            <a:spLocks noGrp="1" noRot="1" noChangeAspect="1"/>
+          </p:cNvSpPr>
+          <p:nvPr>
+            <p:ph type="sldImg"/>
+          </p:nvPr>
+        </p:nvSpPr>
+        <p:spPr/>
+      </p:sp>
+      <p:sp>
+        <p:nvSpPr>
+          <p:cNvPr id="3" name="Notes Placeholder 2"/>
+          <p:cNvSpPr>
+            <a:spLocks noGrp="1"/>
+          </p:cNvSpPr>
+          <p:nvPr>
+            <p:ph type="body" idx="1"/>
+          </p:nvPr>
+        </p:nvSpPr>
+        <p:spPr/>
+        <p:txBody>
+          <a:bodyPr/>
+          <a:lstStyle/>
+          <a:p>
+            <a:r>
+              <a:rPr lang="en-US" dirty="0"/>
+              <a:t>Visiting relatives, friends, colleagues, neighbors</a:t>
+            </a:r>
+          </a:p>
+        </p:txBody>
+      </p:sp>
+      <p:sp>
+        <p:nvSpPr>
+          <p:cNvPr id="4" name="Slide Number Placeholder 3"/>
+          <p:cNvSpPr>
+            <a:spLocks noGrp="1"/>
+          </p:cNvSpPr>
+          <p:nvPr>
+            <p:ph type="sldNum" sz="quarter" idx="5"/>
+          </p:nvPr>
+        </p:nvSpPr>
+        <p:spPr/>
+        <p:txBody>
+          <a:bodyPr/>
+          <a:lstStyle/>
+          <a:p>
+            <a:fld id="{99CAC06A-4905-4B1A-83C1-3B011A8CF04B}" type="slidenum">
+              <a:rPr lang="en-US" smtClean="0"/>
+              <a:t>7</a:t>
             </a:fld>
             <a:endParaRPr lang="en-US" dirty="0"/>
           </a:p>
@@ -10550,14 +10634,17 @@
           <a:p>
             <a:pPr algn="ctr"/>
             <a:r>
-              <a:rPr lang="ko-KR" altLang="en-US" sz="3200" b="1" dirty="0">
+              <a:rPr lang="en-US" altLang="ko-KR" sz="3200" b="1" dirty="0">
                 <a:highlight>
                   <a:srgbClr val="00FFFF"/>
                 </a:highlight>
                 <a:latin typeface="Abadi" panose="020B0604020104020204" pitchFamily="34" charset="0"/>
               </a:rPr>
-              <a:t>대한민국</a:t>
-            </a:r>
+              <a:t>LUNAR NEW YEAR HOLIDAY:</a:t>
+            </a:r>
+          </a:p>
+          <a:p>
+            <a:pPr algn="ctr"/>
             <a:r>
               <a:rPr lang="en-US" sz="3200" b="1" dirty="0">
                 <a:highlight>
@@ -10565,40 +10652,8 @@
                 </a:highlight>
                 <a:latin typeface="Abadi" panose="020B0604020104020204" pitchFamily="34" charset="0"/>
               </a:rPr>
-              <a:t> vs. </a:t>
-            </a:r>
-            <a:r>
-              <a:rPr lang="ko-KR" altLang="en-US" sz="3200" b="1" dirty="0">
-                <a:highlight>
-                  <a:srgbClr val="00FFFF"/>
-                </a:highlight>
-                <a:latin typeface="Abadi" panose="020B0604020104020204" pitchFamily="34" charset="0"/>
-              </a:rPr>
-              <a:t>베트남 의 설날 </a:t>
-            </a:r>
-            <a:br>
-              <a:rPr lang="en-US" sz="3200" b="1" dirty="0">
-                <a:highlight>
-                  <a:srgbClr val="00FFFF"/>
-                </a:highlight>
-                <a:latin typeface="Abadi" panose="020B0604020104020204" pitchFamily="34" charset="0"/>
-              </a:rPr>
-            </a:br>
-            <a:r>
-              <a:rPr lang="ko-KR" altLang="en-US" sz="3200" b="1" dirty="0">
-                <a:highlight>
-                  <a:srgbClr val="00FFFF"/>
-                </a:highlight>
-                <a:latin typeface="Abadi" panose="020B0604020104020204" pitchFamily="34" charset="0"/>
-              </a:rPr>
-              <a:t>차이점 및 유사점</a:t>
-            </a:r>
-            <a:endParaRPr lang="en-US" sz="3200" b="1" dirty="0">
-              <a:highlight>
-                <a:srgbClr val="00FFFF"/>
-              </a:highlight>
-              <a:latin typeface="Abadi" panose="020B0604020104020204" pitchFamily="34" charset="0"/>
-            </a:endParaRPr>
+              <a:t>What do Vietnamese do during “TET’ holiday?</a:t>
+            </a:r>
           </a:p>
         </p:txBody>
       </p:sp>
@@ -10606,863 +10661,6 @@
     <p:extLst>
       <p:ext uri="{BB962C8B-B14F-4D97-AF65-F5344CB8AC3E}">
         <p14:creationId xmlns:p14="http://schemas.microsoft.com/office/powerpoint/2010/main" val="1843437846"/>
-      </p:ext>
-    </p:extLst>
-  </p:cSld>
-  <p:clrMapOvr>
-    <a:masterClrMapping/>
-  </p:clrMapOvr>
-</p:sld>
-</file>
-
-<file path=ppt/slides/slide10.xml><?xml version="1.0" encoding="utf-8"?>
-<p:sld xmlns:a="http://schemas.openxmlformats.org/drawingml/2006/main" xmlns:r="http://schemas.openxmlformats.org/officeDocument/2006/relationships" xmlns:p="http://schemas.openxmlformats.org/presentationml/2006/main">
-  <p:cSld>
-    <p:spTree>
-      <p:nvGrpSpPr>
-        <p:cNvPr id="1" name=""/>
-        <p:cNvGrpSpPr/>
-        <p:nvPr/>
-      </p:nvGrpSpPr>
-      <p:grpSpPr>
-        <a:xfrm>
-          <a:off x="0" y="0"/>
-          <a:ext cx="0" cy="0"/>
-          <a:chOff x="0" y="0"/>
-          <a:chExt cx="0" cy="0"/>
-        </a:xfrm>
-      </p:grpSpPr>
-      <p:sp>
-        <p:nvSpPr>
-          <p:cNvPr id="2" name="Picture Placeholder 1">
-            <a:extLst>
-              <a:ext uri="{FF2B5EF4-FFF2-40B4-BE49-F238E27FC236}">
-                <a16:creationId xmlns:a16="http://schemas.microsoft.com/office/drawing/2014/main" id="{23C6E8D1-D7A3-4BB4-9729-D16A3C182A21}"/>
-              </a:ext>
-            </a:extLst>
-          </p:cNvPr>
-          <p:cNvSpPr>
-            <a:spLocks noGrp="1"/>
-          </p:cNvSpPr>
-          <p:nvPr>
-            <p:ph type="pic" sz="quarter" idx="12"/>
-          </p:nvPr>
-        </p:nvSpPr>
-        <p:spPr>
-          <a:xfrm>
-            <a:off x="6096000" y="0"/>
-            <a:ext cx="6578600" cy="6858000"/>
-          </a:xfrm>
-        </p:spPr>
-      </p:sp>
-      <p:sp>
-        <p:nvSpPr>
-          <p:cNvPr id="3" name="Title 2">
-            <a:extLst>
-              <a:ext uri="{FF2B5EF4-FFF2-40B4-BE49-F238E27FC236}">
-                <a16:creationId xmlns:a16="http://schemas.microsoft.com/office/drawing/2014/main" id="{398F23BE-74AF-42C0-BA1D-FA64AB617C6F}"/>
-              </a:ext>
-            </a:extLst>
-          </p:cNvPr>
-          <p:cNvSpPr>
-            <a:spLocks noGrp="1"/>
-          </p:cNvSpPr>
-          <p:nvPr>
-            <p:ph type="title"/>
-          </p:nvPr>
-        </p:nvSpPr>
-        <p:spPr>
-          <a:xfrm>
-            <a:off x="101601" y="137400"/>
-            <a:ext cx="5994400" cy="792000"/>
-          </a:xfrm>
-          <a:solidFill>
-            <a:srgbClr val="FFC000"/>
-          </a:solidFill>
-        </p:spPr>
-        <p:txBody>
-          <a:bodyPr>
-            <a:normAutofit/>
-          </a:bodyPr>
-          <a:lstStyle/>
-          <a:p>
-            <a:pPr lvl="0"/>
-            <a:r>
-              <a:rPr lang="en-US" sz="2800" b="1" dirty="0">
-                <a:solidFill>
-                  <a:schemeClr val="tx1"/>
-                </a:solidFill>
-                <a:latin typeface="Abadi" panose="020B0604020104020204" pitchFamily="34" charset="0"/>
-              </a:rPr>
-              <a:t>What Vietnam can learn from Korea?</a:t>
-            </a:r>
-            <a:endParaRPr lang="en-US" sz="2800" b="0" i="0" dirty="0">
-              <a:solidFill>
-                <a:schemeClr val="tx1"/>
-              </a:solidFill>
-              <a:latin typeface="Abadi" panose="020B0604020104020204" pitchFamily="34" charset="0"/>
-            </a:endParaRPr>
-          </a:p>
-        </p:txBody>
-      </p:sp>
-      <p:sp>
-        <p:nvSpPr>
-          <p:cNvPr id="5" name="Slide Number Placeholder 4">
-            <a:extLst>
-              <a:ext uri="{FF2B5EF4-FFF2-40B4-BE49-F238E27FC236}">
-                <a16:creationId xmlns:a16="http://schemas.microsoft.com/office/drawing/2014/main" id="{3EB3E1F4-13A8-480F-BF66-537E5C6846AF}"/>
-              </a:ext>
-            </a:extLst>
-          </p:cNvPr>
-          <p:cNvSpPr>
-            <a:spLocks noGrp="1"/>
-          </p:cNvSpPr>
-          <p:nvPr>
-            <p:ph type="sldNum" sz="quarter" idx="11"/>
-          </p:nvPr>
-        </p:nvSpPr>
-        <p:spPr/>
-        <p:txBody>
-          <a:bodyPr/>
-          <a:lstStyle/>
-          <a:p>
-            <a:fld id="{7E0E41E9-E887-49CF-A358-8367F0C34840}" type="slidenum">
-              <a:rPr lang="en-US" smtClean="0"/>
-              <a:pPr/>
-              <a:t>10</a:t>
-            </a:fld>
-            <a:endParaRPr lang="en-US" dirty="0"/>
-          </a:p>
-        </p:txBody>
-      </p:sp>
-      <p:sp>
-        <p:nvSpPr>
-          <p:cNvPr id="7" name="Content Placeholder 6">
-            <a:extLst>
-              <a:ext uri="{FF2B5EF4-FFF2-40B4-BE49-F238E27FC236}">
-                <a16:creationId xmlns:a16="http://schemas.microsoft.com/office/drawing/2014/main" id="{014AB7A2-E731-4113-B255-3EC2F548E3A3}"/>
-              </a:ext>
-            </a:extLst>
-          </p:cNvPr>
-          <p:cNvSpPr>
-            <a:spLocks noGrp="1"/>
-          </p:cNvSpPr>
-          <p:nvPr>
-            <p:ph idx="1"/>
-          </p:nvPr>
-        </p:nvSpPr>
-        <p:spPr>
-          <a:xfrm>
-            <a:off x="1" y="1181100"/>
-            <a:ext cx="6095998" cy="3803123"/>
-          </a:xfrm>
-        </p:spPr>
-        <p:txBody>
-          <a:bodyPr>
-            <a:normAutofit/>
-          </a:bodyPr>
-          <a:lstStyle/>
-          <a:p>
-            <a:r>
-              <a:rPr lang="ko-KR" altLang="en-US" dirty="0"/>
-              <a:t>화산 이씨</a:t>
-            </a:r>
-            <a:r>
-              <a:rPr lang="en-US" altLang="ko-KR" dirty="0"/>
-              <a:t>, </a:t>
-            </a:r>
-            <a:r>
-              <a:rPr lang="ko-KR" altLang="en-US" dirty="0"/>
-              <a:t>花山李氏</a:t>
-            </a:r>
-            <a:r>
-              <a:rPr lang="en-US" altLang="ko-KR" dirty="0"/>
-              <a:t>, </a:t>
-            </a:r>
-            <a:r>
-              <a:rPr lang="en-US" altLang="ko-KR" dirty="0" err="1"/>
-              <a:t>Hoa</a:t>
-            </a:r>
-            <a:r>
-              <a:rPr lang="en-US" altLang="ko-KR" dirty="0"/>
-              <a:t> </a:t>
-            </a:r>
-            <a:r>
-              <a:rPr lang="en-US" altLang="ko-KR" dirty="0" err="1"/>
-              <a:t>Sơn</a:t>
-            </a:r>
-            <a:r>
-              <a:rPr lang="en-US" altLang="ko-KR" dirty="0"/>
-              <a:t> </a:t>
-            </a:r>
-            <a:r>
-              <a:rPr lang="en-US" altLang="ko-KR" dirty="0" err="1"/>
-              <a:t>Lý</a:t>
-            </a:r>
-            <a:r>
-              <a:rPr lang="en-US" altLang="ko-KR" dirty="0"/>
-              <a:t> </a:t>
-            </a:r>
-            <a:r>
-              <a:rPr lang="en-US" altLang="ko-KR" dirty="0" err="1"/>
-              <a:t>thị</a:t>
-            </a:r>
-            <a:endParaRPr lang="en-US" altLang="ko-KR" dirty="0"/>
-          </a:p>
-          <a:p>
-            <a:pPr lvl="1"/>
-            <a:r>
-              <a:rPr lang="ko-KR" altLang="en-US" sz="1800" dirty="0"/>
-              <a:t>이용상</a:t>
-            </a:r>
-            <a:r>
-              <a:rPr lang="en-US" altLang="ko-KR" sz="1800" dirty="0"/>
-              <a:t>, </a:t>
-            </a:r>
-            <a:r>
-              <a:rPr lang="ko-KR" altLang="en-US" sz="1800" dirty="0"/>
-              <a:t>李龍祥</a:t>
-            </a:r>
-            <a:r>
-              <a:rPr lang="en-US" altLang="ko-KR" sz="1800" dirty="0"/>
-              <a:t>, </a:t>
-            </a:r>
-            <a:r>
-              <a:rPr lang="vi-VN" altLang="ko-KR" sz="1800" dirty="0"/>
-              <a:t>Lý Long Tường</a:t>
-            </a:r>
-          </a:p>
-        </p:txBody>
-      </p:sp>
-    </p:spTree>
-    <p:extLst>
-      <p:ext uri="{BB962C8B-B14F-4D97-AF65-F5344CB8AC3E}">
-        <p14:creationId xmlns:p14="http://schemas.microsoft.com/office/powerpoint/2010/main" val="4272052194"/>
-      </p:ext>
-    </p:extLst>
-  </p:cSld>
-  <p:clrMapOvr>
-    <a:masterClrMapping/>
-  </p:clrMapOvr>
-</p:sld>
-</file>
-
-<file path=ppt/slides/slide11.xml><?xml version="1.0" encoding="utf-8"?>
-<p:sld xmlns:a="http://schemas.openxmlformats.org/drawingml/2006/main" xmlns:r="http://schemas.openxmlformats.org/officeDocument/2006/relationships" xmlns:p="http://schemas.openxmlformats.org/presentationml/2006/main">
-  <p:cSld>
-    <p:spTree>
-      <p:nvGrpSpPr>
-        <p:cNvPr id="1" name=""/>
-        <p:cNvGrpSpPr/>
-        <p:nvPr/>
-      </p:nvGrpSpPr>
-      <p:grpSpPr>
-        <a:xfrm>
-          <a:off x="0" y="0"/>
-          <a:ext cx="0" cy="0"/>
-          <a:chOff x="0" y="0"/>
-          <a:chExt cx="0" cy="0"/>
-        </a:xfrm>
-      </p:grpSpPr>
-      <p:sp>
-        <p:nvSpPr>
-          <p:cNvPr id="2" name="Picture Placeholder 1">
-            <a:extLst>
-              <a:ext uri="{FF2B5EF4-FFF2-40B4-BE49-F238E27FC236}">
-                <a16:creationId xmlns:a16="http://schemas.microsoft.com/office/drawing/2014/main" id="{23C6E8D1-D7A3-4BB4-9729-D16A3C182A21}"/>
-              </a:ext>
-            </a:extLst>
-          </p:cNvPr>
-          <p:cNvSpPr>
-            <a:spLocks noGrp="1"/>
-          </p:cNvSpPr>
-          <p:nvPr>
-            <p:ph type="pic" sz="quarter" idx="12"/>
-          </p:nvPr>
-        </p:nvSpPr>
-        <p:spPr>
-          <a:xfrm>
-            <a:off x="6096000" y="0"/>
-            <a:ext cx="6578600" cy="6858000"/>
-          </a:xfrm>
-        </p:spPr>
-      </p:sp>
-      <p:sp>
-        <p:nvSpPr>
-          <p:cNvPr id="3" name="Title 2">
-            <a:extLst>
-              <a:ext uri="{FF2B5EF4-FFF2-40B4-BE49-F238E27FC236}">
-                <a16:creationId xmlns:a16="http://schemas.microsoft.com/office/drawing/2014/main" id="{398F23BE-74AF-42C0-BA1D-FA64AB617C6F}"/>
-              </a:ext>
-            </a:extLst>
-          </p:cNvPr>
-          <p:cNvSpPr>
-            <a:spLocks noGrp="1"/>
-          </p:cNvSpPr>
-          <p:nvPr>
-            <p:ph type="title"/>
-          </p:nvPr>
-        </p:nvSpPr>
-        <p:spPr>
-          <a:xfrm>
-            <a:off x="101601" y="137400"/>
-            <a:ext cx="5994400" cy="792000"/>
-          </a:xfrm>
-          <a:solidFill>
-            <a:srgbClr val="FFFF00"/>
-          </a:solidFill>
-        </p:spPr>
-        <p:txBody>
-          <a:bodyPr>
-            <a:normAutofit/>
-          </a:bodyPr>
-          <a:lstStyle/>
-          <a:p>
-            <a:pPr lvl="0"/>
-            <a:r>
-              <a:rPr lang="en-US" sz="2800" b="1" i="0" dirty="0">
-                <a:solidFill>
-                  <a:schemeClr val="tx1"/>
-                </a:solidFill>
-                <a:latin typeface="Abadi" panose="020B0604020104020204" pitchFamily="34" charset="0"/>
-              </a:rPr>
-              <a:t>What Korea can learn from Vietnam?</a:t>
-            </a:r>
-          </a:p>
-        </p:txBody>
-      </p:sp>
-      <p:graphicFrame>
-        <p:nvGraphicFramePr>
-          <p:cNvPr id="6" name="Table 6">
-            <a:extLst>
-              <a:ext uri="{FF2B5EF4-FFF2-40B4-BE49-F238E27FC236}">
-                <a16:creationId xmlns:a16="http://schemas.microsoft.com/office/drawing/2014/main" id="{628B3944-71CD-4AD5-9EB5-B9BBD7CC9718}"/>
-              </a:ext>
-            </a:extLst>
-          </p:cNvPr>
-          <p:cNvGraphicFramePr>
-            <a:graphicFrameLocks noGrp="1"/>
-          </p:cNvGraphicFramePr>
-          <p:nvPr>
-            <p:ph idx="1"/>
-            <p:extLst>
-              <p:ext uri="{D42A27DB-BD31-4B8C-83A1-F6EECF244321}">
-                <p14:modId xmlns:p14="http://schemas.microsoft.com/office/powerpoint/2010/main" val="2009952885"/>
-              </p:ext>
-            </p:extLst>
-          </p:nvPr>
-        </p:nvGraphicFramePr>
-        <p:xfrm>
-          <a:off x="8269" y="1233170"/>
-          <a:ext cx="6096000" cy="1193800"/>
-        </p:xfrm>
-        <a:graphic>
-          <a:graphicData uri="http://schemas.openxmlformats.org/drawingml/2006/table">
-            <a:tbl>
-              <a:tblPr firstRow="1" bandRow="1">
-                <a:tableStyleId>{5C22544A-7EE6-4342-B048-85BDC9FD1C3A}</a:tableStyleId>
-              </a:tblPr>
-              <a:tblGrid>
-                <a:gridCol w="1278609">
-                  <a:extLst>
-                    <a:ext uri="{9D8B030D-6E8A-4147-A177-3AD203B41FA5}">
-                      <a16:colId xmlns:a16="http://schemas.microsoft.com/office/drawing/2014/main" val="4058099069"/>
-                    </a:ext>
-                  </a:extLst>
-                </a:gridCol>
-                <a:gridCol w="2040611">
-                  <a:extLst>
-                    <a:ext uri="{9D8B030D-6E8A-4147-A177-3AD203B41FA5}">
-                      <a16:colId xmlns:a16="http://schemas.microsoft.com/office/drawing/2014/main" val="1096586304"/>
-                    </a:ext>
-                  </a:extLst>
-                </a:gridCol>
-                <a:gridCol w="2776780">
-                  <a:extLst>
-                    <a:ext uri="{9D8B030D-6E8A-4147-A177-3AD203B41FA5}">
-                      <a16:colId xmlns:a16="http://schemas.microsoft.com/office/drawing/2014/main" val="3464940675"/>
-                    </a:ext>
-                  </a:extLst>
-                </a:gridCol>
-              </a:tblGrid>
-              <a:tr h="462280">
-                <a:tc>
-                  <a:txBody>
-                    <a:bodyPr/>
-                    <a:lstStyle/>
-                    <a:p>
-                      <a:pPr algn="ctr"/>
-                      <a:endParaRPr lang="en-US" dirty="0"/>
-                    </a:p>
-                  </a:txBody>
-                  <a:tcPr/>
-                </a:tc>
-                <a:tc>
-                  <a:txBody>
-                    <a:bodyPr/>
-                    <a:lstStyle/>
-                    <a:p>
-                      <a:pPr marL="0" marR="0" lvl="0" indent="0" algn="ctr" defTabSz="914400" rtl="0" eaLnBrk="1" fontAlgn="auto" latinLnBrk="1" hangingPunct="1">
-                        <a:lnSpc>
-                          <a:spcPct val="100000"/>
-                        </a:lnSpc>
-                        <a:spcBef>
-                          <a:spcPts val="0"/>
-                        </a:spcBef>
-                        <a:spcAft>
-                          <a:spcPts val="0"/>
-                        </a:spcAft>
-                        <a:buClrTx/>
-                        <a:buSzTx/>
-                        <a:buFontTx/>
-                        <a:buNone/>
-                        <a:tabLst/>
-                        <a:defRPr/>
-                      </a:pPr>
-                      <a:r>
-                        <a:rPr lang="ko-KR" altLang="en-US" sz="1800" b="1" dirty="0">
-                          <a:latin typeface="Abadi" panose="020B0604020104020204" pitchFamily="34" charset="0"/>
-                        </a:rPr>
-                        <a:t>대한민국</a:t>
-                      </a:r>
-                      <a:endParaRPr lang="en-US" dirty="0">
-                        <a:effectLst/>
-                      </a:endParaRPr>
-                    </a:p>
-                  </a:txBody>
-                  <a:tcPr/>
-                </a:tc>
-                <a:tc>
-                  <a:txBody>
-                    <a:bodyPr/>
-                    <a:lstStyle/>
-                    <a:p>
-                      <a:pPr marL="0" marR="0" lvl="0" indent="0" algn="ctr" defTabSz="914400" rtl="0" eaLnBrk="1" fontAlgn="auto" latinLnBrk="1" hangingPunct="1">
-                        <a:lnSpc>
-                          <a:spcPct val="100000"/>
-                        </a:lnSpc>
-                        <a:spcBef>
-                          <a:spcPts val="0"/>
-                        </a:spcBef>
-                        <a:spcAft>
-                          <a:spcPts val="0"/>
-                        </a:spcAft>
-                        <a:buClrTx/>
-                        <a:buSzTx/>
-                        <a:buFontTx/>
-                        <a:buNone/>
-                        <a:tabLst/>
-                        <a:defRPr/>
-                      </a:pPr>
-                      <a:r>
-                        <a:rPr lang="ko-KR" altLang="en-US" sz="1800" b="1" dirty="0">
-                          <a:latin typeface="Abadi" panose="020B0604020104020204" pitchFamily="34" charset="0"/>
-                        </a:rPr>
-                        <a:t>베트남</a:t>
-                      </a:r>
-                      <a:endParaRPr lang="en-US" dirty="0">
-                        <a:effectLst/>
-                      </a:endParaRPr>
-                    </a:p>
-                  </a:txBody>
-                  <a:tcPr/>
-                </a:tc>
-                <a:extLst>
-                  <a:ext uri="{0D108BD9-81ED-4DB2-BD59-A6C34878D82A}">
-                    <a16:rowId xmlns:a16="http://schemas.microsoft.com/office/drawing/2014/main" val="3826548073"/>
-                  </a:ext>
-                </a:extLst>
-              </a:tr>
-              <a:tr h="622300">
-                <a:tc>
-                  <a:txBody>
-                    <a:bodyPr/>
-                    <a:lstStyle/>
-                    <a:p>
-                      <a:pPr algn="ctr"/>
-                      <a:r>
-                        <a:rPr lang="en-US" sz="1400" b="1" dirty="0">
-                          <a:effectLst/>
-                          <a:latin typeface="Abadi" panose="020B0604020104020204" pitchFamily="34" charset="0"/>
-                        </a:rPr>
-                        <a:t>2 parts</a:t>
-                      </a:r>
-                    </a:p>
-                  </a:txBody>
-                  <a:tcPr marL="95250" marR="95250" marT="95250" marB="95250" anchor="ctr"/>
-                </a:tc>
-                <a:tc>
-                  <a:txBody>
-                    <a:bodyPr/>
-                    <a:lstStyle/>
-                    <a:p>
-                      <a:pPr marL="285750" indent="-285750" algn="l">
-                        <a:buFont typeface="Arial" panose="020B0604020202020204" pitchFamily="34" charset="0"/>
-                        <a:buChar char="•"/>
-                      </a:pPr>
-                      <a:r>
-                        <a:rPr lang="en-US" sz="1400" dirty="0">
-                          <a:latin typeface="Abadi" panose="020B0604020104020204" pitchFamily="34" charset="0"/>
-                        </a:rPr>
-                        <a:t>1950-now:</a:t>
-                      </a:r>
-                    </a:p>
-                    <a:p>
-                      <a:pPr algn="l"/>
-                      <a:r>
-                        <a:rPr lang="ko-KR" altLang="en-US" sz="1400" b="1" dirty="0">
-                          <a:latin typeface="Abadi" panose="020B0604020104020204" pitchFamily="34" charset="0"/>
-                        </a:rPr>
-                        <a:t>대한민국 </a:t>
-                      </a:r>
-                      <a:r>
-                        <a:rPr lang="en-US" sz="1400" dirty="0">
-                          <a:latin typeface="Abadi" panose="020B0604020104020204" pitchFamily="34" charset="0"/>
-                        </a:rPr>
-                        <a:t>vs </a:t>
-                      </a:r>
-                      <a:r>
-                        <a:rPr lang="ko-KR" altLang="en-US" sz="1400" dirty="0">
-                          <a:effectLst/>
-                          <a:latin typeface="Abadi" panose="020B0604020104020204" pitchFamily="34" charset="0"/>
-                        </a:rPr>
-                        <a:t>북</a:t>
-                      </a:r>
-                      <a:r>
-                        <a:rPr lang="ko-KR" altLang="en-US" sz="1400" b="1" dirty="0">
-                          <a:latin typeface="Abadi" panose="020B0604020104020204" pitchFamily="34" charset="0"/>
-                        </a:rPr>
-                        <a:t>한</a:t>
-                      </a:r>
-                      <a:endParaRPr lang="en-US" sz="1400" dirty="0">
-                        <a:latin typeface="Abadi" panose="020B0604020104020204" pitchFamily="34" charset="0"/>
-                      </a:endParaRPr>
-                    </a:p>
-                  </a:txBody>
-                  <a:tcPr/>
-                </a:tc>
-                <a:tc>
-                  <a:txBody>
-                    <a:bodyPr/>
-                    <a:lstStyle/>
-                    <a:p>
-                      <a:pPr marL="285750" indent="-285750" algn="l">
-                        <a:buFont typeface="Arial" panose="020B0604020202020204" pitchFamily="34" charset="0"/>
-                        <a:buChar char="•"/>
-                      </a:pPr>
-                      <a:r>
-                        <a:rPr lang="en-US" sz="1400" dirty="0">
-                          <a:latin typeface="Abadi" panose="020B0604020104020204" pitchFamily="34" charset="0"/>
-                        </a:rPr>
-                        <a:t>2 times</a:t>
-                      </a:r>
-                    </a:p>
-                    <a:p>
-                      <a:pPr algn="l"/>
-                      <a:r>
-                        <a:rPr lang="en-US" sz="1400" dirty="0">
-                          <a:latin typeface="Abadi" panose="020B0604020104020204" pitchFamily="34" charset="0"/>
-                        </a:rPr>
-                        <a:t>1954 - 1975: </a:t>
-                      </a:r>
-                      <a:r>
-                        <a:rPr lang="ko-KR" altLang="en-US" sz="1400" dirty="0">
-                          <a:latin typeface="Abadi" panose="020B0604020104020204" pitchFamily="34" charset="0"/>
-                        </a:rPr>
-                        <a:t>북베트</a:t>
-                      </a:r>
-                      <a:r>
-                        <a:rPr lang="en-US" sz="1400" dirty="0">
-                          <a:latin typeface="Abadi" panose="020B0604020104020204" pitchFamily="34" charset="0"/>
-                        </a:rPr>
-                        <a:t>win</a:t>
-                      </a:r>
-                    </a:p>
-                    <a:p>
-                      <a:pPr algn="l"/>
-                      <a:r>
-                        <a:rPr lang="en-US" sz="1400" dirty="0">
-                          <a:latin typeface="Abadi" panose="020B0604020104020204" pitchFamily="34" charset="0"/>
-                        </a:rPr>
-                        <a:t>16xx  - 18xx:  </a:t>
-                      </a:r>
-                      <a:r>
-                        <a:rPr lang="ko-KR" altLang="en-US" sz="1400" dirty="0">
-                          <a:latin typeface="Abadi" panose="020B0604020104020204" pitchFamily="34" charset="0"/>
-                        </a:rPr>
-                        <a:t>남베트</a:t>
-                      </a:r>
-                      <a:r>
-                        <a:rPr lang="en-US" sz="1400" dirty="0">
-                          <a:latin typeface="Abadi" panose="020B0604020104020204" pitchFamily="34" charset="0"/>
-                        </a:rPr>
-                        <a:t>win</a:t>
-                      </a:r>
-                    </a:p>
-                  </a:txBody>
-                  <a:tcPr/>
-                </a:tc>
-                <a:extLst>
-                  <a:ext uri="{0D108BD9-81ED-4DB2-BD59-A6C34878D82A}">
-                    <a16:rowId xmlns:a16="http://schemas.microsoft.com/office/drawing/2014/main" val="988632346"/>
-                  </a:ext>
-                </a:extLst>
-              </a:tr>
-            </a:tbl>
-          </a:graphicData>
-        </a:graphic>
-      </p:graphicFrame>
-      <p:sp>
-        <p:nvSpPr>
-          <p:cNvPr id="5" name="Slide Number Placeholder 4">
-            <a:extLst>
-              <a:ext uri="{FF2B5EF4-FFF2-40B4-BE49-F238E27FC236}">
-                <a16:creationId xmlns:a16="http://schemas.microsoft.com/office/drawing/2014/main" id="{3EB3E1F4-13A8-480F-BF66-537E5C6846AF}"/>
-              </a:ext>
-            </a:extLst>
-          </p:cNvPr>
-          <p:cNvSpPr>
-            <a:spLocks noGrp="1"/>
-          </p:cNvSpPr>
-          <p:nvPr>
-            <p:ph type="sldNum" sz="quarter" idx="11"/>
-          </p:nvPr>
-        </p:nvSpPr>
-        <p:spPr/>
-        <p:txBody>
-          <a:bodyPr/>
-          <a:lstStyle/>
-          <a:p>
-            <a:fld id="{7E0E41E9-E887-49CF-A358-8367F0C34840}" type="slidenum">
-              <a:rPr lang="en-US" smtClean="0"/>
-              <a:pPr/>
-              <a:t>11</a:t>
-            </a:fld>
-            <a:endParaRPr lang="en-US" dirty="0"/>
-          </a:p>
-        </p:txBody>
-      </p:sp>
-      <p:sp>
-        <p:nvSpPr>
-          <p:cNvPr id="8" name="Content Placeholder 6">
-            <a:extLst>
-              <a:ext uri="{FF2B5EF4-FFF2-40B4-BE49-F238E27FC236}">
-                <a16:creationId xmlns:a16="http://schemas.microsoft.com/office/drawing/2014/main" id="{BE3C0C00-3B75-49F7-93F8-BE4CA616F7E0}"/>
-              </a:ext>
-            </a:extLst>
-          </p:cNvPr>
-          <p:cNvSpPr txBox="1">
-            <a:spLocks/>
-          </p:cNvSpPr>
-          <p:nvPr/>
-        </p:nvSpPr>
-        <p:spPr>
-          <a:xfrm>
-            <a:off x="1" y="2562447"/>
-            <a:ext cx="6095998" cy="2421775"/>
-          </a:xfrm>
-          <a:prstGeom prst="rect">
-            <a:avLst/>
-          </a:prstGeom>
-        </p:spPr>
-        <p:txBody>
-          <a:bodyPr vert="horz" lIns="91440" tIns="45720" rIns="91440" bIns="45720" rtlCol="0" anchor="ctr">
-            <a:normAutofit/>
-          </a:bodyPr>
-          <a:lstStyle>
-            <a:lvl1pPr marL="179388" indent="-179388" algn="l" defTabSz="914400" rtl="0" eaLnBrk="1" latinLnBrk="1" hangingPunct="1">
-              <a:lnSpc>
-                <a:spcPct val="90000"/>
-              </a:lnSpc>
-              <a:spcBef>
-                <a:spcPts val="1000"/>
-              </a:spcBef>
-              <a:buClr>
-                <a:schemeClr val="bg1"/>
-              </a:buClr>
-              <a:buFont typeface="Wingdings" panose="05000000000000000000" pitchFamily="2" charset="2"/>
-              <a:buChar char="§"/>
-              <a:defRPr sz="1800" kern="1200">
-                <a:solidFill>
-                  <a:schemeClr val="bg1"/>
-                </a:solidFill>
-                <a:latin typeface="+mn-lt"/>
-                <a:ea typeface="+mn-ea"/>
-                <a:cs typeface="+mn-cs"/>
-              </a:defRPr>
-            </a:lvl1pPr>
-            <a:lvl2pPr marL="357188" indent="-177800" algn="l" defTabSz="914400" rtl="0" eaLnBrk="1" latinLnBrk="1" hangingPunct="1">
-              <a:lnSpc>
-                <a:spcPct val="90000"/>
-              </a:lnSpc>
-              <a:spcBef>
-                <a:spcPts val="500"/>
-              </a:spcBef>
-              <a:buFont typeface="Arial" panose="020B0604020202020204" pitchFamily="34" charset="0"/>
-              <a:buChar char="•"/>
-              <a:defRPr sz="1600" kern="1200">
-                <a:solidFill>
-                  <a:schemeClr val="bg1"/>
-                </a:solidFill>
-                <a:latin typeface="+mn-lt"/>
-                <a:ea typeface="+mn-ea"/>
-                <a:cs typeface="+mn-cs"/>
-              </a:defRPr>
-            </a:lvl2pPr>
-            <a:lvl3pPr marL="536575" indent="-179388" algn="l" defTabSz="914400" rtl="0" eaLnBrk="1" latinLnBrk="1" hangingPunct="1">
-              <a:lnSpc>
-                <a:spcPct val="90000"/>
-              </a:lnSpc>
-              <a:spcBef>
-                <a:spcPts val="500"/>
-              </a:spcBef>
-              <a:buFont typeface="Arial" panose="020B0604020202020204" pitchFamily="34" charset="0"/>
-              <a:buChar char="•"/>
-              <a:defRPr sz="1400" kern="1200">
-                <a:solidFill>
-                  <a:schemeClr val="bg1"/>
-                </a:solidFill>
-                <a:latin typeface="+mn-lt"/>
-                <a:ea typeface="+mn-ea"/>
-                <a:cs typeface="+mn-cs"/>
-              </a:defRPr>
-            </a:lvl3pPr>
-            <a:lvl4pPr marL="715963" indent="-179388" algn="l" defTabSz="914400" rtl="0" eaLnBrk="1" latinLnBrk="1" hangingPunct="1">
-              <a:lnSpc>
-                <a:spcPct val="90000"/>
-              </a:lnSpc>
-              <a:spcBef>
-                <a:spcPts val="500"/>
-              </a:spcBef>
-              <a:buFont typeface="Arial" panose="020B0604020202020204" pitchFamily="34" charset="0"/>
-              <a:buChar char="•"/>
-              <a:defRPr sz="1200" kern="1200">
-                <a:solidFill>
-                  <a:schemeClr val="bg1"/>
-                </a:solidFill>
-                <a:latin typeface="+mn-lt"/>
-                <a:ea typeface="+mn-ea"/>
-                <a:cs typeface="+mn-cs"/>
-              </a:defRPr>
-            </a:lvl4pPr>
-            <a:lvl5pPr marL="893763" indent="-177800" algn="l" defTabSz="914400" rtl="0" eaLnBrk="1" latinLnBrk="1" hangingPunct="1">
-              <a:lnSpc>
-                <a:spcPct val="90000"/>
-              </a:lnSpc>
-              <a:spcBef>
-                <a:spcPts val="500"/>
-              </a:spcBef>
-              <a:buFont typeface="Arial" panose="020B0604020202020204" pitchFamily="34" charset="0"/>
-              <a:buChar char="•"/>
-              <a:defRPr sz="1200" kern="1200">
-                <a:solidFill>
-                  <a:schemeClr val="bg1"/>
-                </a:solidFill>
-                <a:latin typeface="+mn-lt"/>
-                <a:ea typeface="+mn-ea"/>
-                <a:cs typeface="+mn-cs"/>
-              </a:defRPr>
-            </a:lvl5pPr>
-            <a:lvl6pPr marL="2514600" indent="-228600" algn="l" defTabSz="914400" rtl="0" eaLnBrk="1" latinLnBrk="1" hangingPunct="1">
-              <a:lnSpc>
-                <a:spcPct val="90000"/>
-              </a:lnSpc>
-              <a:spcBef>
-                <a:spcPts val="500"/>
-              </a:spcBef>
-              <a:buFont typeface="Arial" panose="020B0604020202020204" pitchFamily="34" charset="0"/>
-              <a:buChar char="•"/>
-              <a:defRPr sz="1800" kern="1200">
-                <a:solidFill>
-                  <a:schemeClr val="tx1"/>
-                </a:solidFill>
-                <a:latin typeface="+mn-lt"/>
-                <a:ea typeface="+mn-ea"/>
-                <a:cs typeface="+mn-cs"/>
-              </a:defRPr>
-            </a:lvl6pPr>
-            <a:lvl7pPr marL="2971800" indent="-228600" algn="l" defTabSz="914400" rtl="0" eaLnBrk="1" latinLnBrk="1" hangingPunct="1">
-              <a:lnSpc>
-                <a:spcPct val="90000"/>
-              </a:lnSpc>
-              <a:spcBef>
-                <a:spcPts val="500"/>
-              </a:spcBef>
-              <a:buFont typeface="Arial" panose="020B0604020202020204" pitchFamily="34" charset="0"/>
-              <a:buChar char="•"/>
-              <a:defRPr sz="1800" kern="1200">
-                <a:solidFill>
-                  <a:schemeClr val="tx1"/>
-                </a:solidFill>
-                <a:latin typeface="+mn-lt"/>
-                <a:ea typeface="+mn-ea"/>
-                <a:cs typeface="+mn-cs"/>
-              </a:defRPr>
-            </a:lvl7pPr>
-            <a:lvl8pPr marL="3429000" indent="-228600" algn="l" defTabSz="914400" rtl="0" eaLnBrk="1" latinLnBrk="1" hangingPunct="1">
-              <a:lnSpc>
-                <a:spcPct val="90000"/>
-              </a:lnSpc>
-              <a:spcBef>
-                <a:spcPts val="500"/>
-              </a:spcBef>
-              <a:buFont typeface="Arial" panose="020B0604020202020204" pitchFamily="34" charset="0"/>
-              <a:buChar char="•"/>
-              <a:defRPr sz="1800" kern="1200">
-                <a:solidFill>
-                  <a:schemeClr val="tx1"/>
-                </a:solidFill>
-                <a:latin typeface="+mn-lt"/>
-                <a:ea typeface="+mn-ea"/>
-                <a:cs typeface="+mn-cs"/>
-              </a:defRPr>
-            </a:lvl8pPr>
-            <a:lvl9pPr marL="3886200" indent="-228600" algn="l" defTabSz="914400" rtl="0" eaLnBrk="1" latinLnBrk="1" hangingPunct="1">
-              <a:lnSpc>
-                <a:spcPct val="90000"/>
-              </a:lnSpc>
-              <a:spcBef>
-                <a:spcPts val="500"/>
-              </a:spcBef>
-              <a:buFont typeface="Arial" panose="020B0604020202020204" pitchFamily="34" charset="0"/>
-              <a:buChar char="•"/>
-              <a:defRPr sz="1800" kern="1200">
-                <a:solidFill>
-                  <a:schemeClr val="tx1"/>
-                </a:solidFill>
-                <a:latin typeface="+mn-lt"/>
-                <a:ea typeface="+mn-ea"/>
-                <a:cs typeface="+mn-cs"/>
-              </a:defRPr>
-            </a:lvl9pPr>
-          </a:lstStyle>
-          <a:p>
-            <a:endParaRPr lang="en-US" altLang="ko-KR" sz="2800" dirty="0"/>
-          </a:p>
-          <a:p>
-            <a:r>
-              <a:rPr lang="en-US" altLang="ko-KR" sz="2800" dirty="0"/>
-              <a:t>Balance between China and America</a:t>
-            </a:r>
-          </a:p>
-          <a:p>
-            <a:endParaRPr lang="en-US" altLang="ko-KR" sz="2800" dirty="0"/>
-          </a:p>
-          <a:p>
-            <a:r>
-              <a:rPr lang="en-US" altLang="ko-KR" sz="2800" dirty="0"/>
-              <a:t>Relationship with N. Korea</a:t>
-            </a:r>
-          </a:p>
-          <a:p>
-            <a:endParaRPr lang="en-US" dirty="0"/>
-          </a:p>
-        </p:txBody>
-      </p:sp>
-    </p:spTree>
-    <p:extLst>
-      <p:ext uri="{BB962C8B-B14F-4D97-AF65-F5344CB8AC3E}">
-        <p14:creationId xmlns:p14="http://schemas.microsoft.com/office/powerpoint/2010/main" val="4291722942"/>
       </p:ext>
     </p:extLst>
   </p:cSld>
@@ -12266,29 +11464,36 @@
           <a:chExt cx="0" cy="0"/>
         </a:xfrm>
       </p:grpSpPr>
-      <p:sp>
-        <p:nvSpPr>
-          <p:cNvPr id="2" name="Picture Placeholder 1">
+      <p:pic>
+        <p:nvPicPr>
+          <p:cNvPr id="19" name="Picture Placeholder 18" descr="A picture containing text, white goods, different, several&#10;&#10;Description automatically generated">
             <a:extLst>
               <a:ext uri="{FF2B5EF4-FFF2-40B4-BE49-F238E27FC236}">
-                <a16:creationId xmlns:a16="http://schemas.microsoft.com/office/drawing/2014/main" id="{23C6E8D1-D7A3-4BB4-9729-D16A3C182A21}"/>
+                <a16:creationId xmlns:a16="http://schemas.microsoft.com/office/drawing/2014/main" id="{D49C5A68-D495-4D74-8D22-E485F196E4AE}"/>
               </a:ext>
             </a:extLst>
           </p:cNvPr>
-          <p:cNvSpPr>
-            <a:spLocks noGrp="1"/>
-          </p:cNvSpPr>
+          <p:cNvPicPr>
+            <a:picLocks noGrp="1" noChangeAspect="1"/>
+          </p:cNvPicPr>
           <p:nvPr>
             <p:ph type="pic" sz="quarter" idx="12"/>
           </p:nvPr>
-        </p:nvSpPr>
+        </p:nvPicPr>
+        <p:blipFill>
+          <a:blip r:embed="rId3"/>
+          <a:srcRect t="3436" b="3436"/>
+          <a:stretch>
+            <a:fillRect/>
+          </a:stretch>
+        </p:blipFill>
         <p:spPr>
           <a:xfrm>
-            <a:off x="4381500" y="0"/>
-            <a:ext cx="8293100" cy="6858000"/>
+            <a:off x="2867555" y="-4490"/>
+            <a:ext cx="9815512" cy="6858000"/>
           </a:xfrm>
         </p:spPr>
-      </p:sp>
+      </p:pic>
       <p:sp>
         <p:nvSpPr>
           <p:cNvPr id="3" name="Title 2">
@@ -12383,8 +11588,8 @@
         </p:nvSpPr>
         <p:spPr>
           <a:xfrm>
-            <a:off x="101602" y="1181102"/>
-            <a:ext cx="5994398" cy="2781298"/>
+            <a:off x="101603" y="1181102"/>
+            <a:ext cx="2641598" cy="1572608"/>
           </a:xfrm>
         </p:spPr>
         <p:txBody>
@@ -12393,13 +11598,6 @@
           <a:p>
             <a:r>
               <a:rPr lang="ko-KR" altLang="en-US" dirty="0"/>
-              <a:t>설날음식</a:t>
-            </a:r>
-            <a:endParaRPr lang="en-US" altLang="ko-KR" dirty="0"/>
-          </a:p>
-          <a:p>
-            <a:r>
-              <a:rPr lang="ko-KR" altLang="en-US" dirty="0"/>
               <a:t>성묘 </a:t>
             </a:r>
             <a:r>
@@ -12424,7 +11622,22 @@
             </a:r>
           </a:p>
           <a:p>
-            <a:endParaRPr lang="en-US" altLang="ko-KR" dirty="0"/>
+            <a:r>
+              <a:rPr lang="en-US" altLang="ko-KR" dirty="0"/>
+              <a:t>Tray of Five Fruits</a:t>
+            </a:r>
+          </a:p>
+          <a:p>
+            <a:r>
+              <a:rPr lang="en-US" altLang="ko-KR" dirty="0"/>
+              <a:t>Neu Tree</a:t>
+            </a:r>
+          </a:p>
+          <a:p>
+            <a:r>
+              <a:rPr lang="en-US" altLang="ko-KR" dirty="0"/>
+              <a:t>Flowers: Dao, Mai</a:t>
+            </a:r>
           </a:p>
         </p:txBody>
       </p:sp>
@@ -12458,12 +11671,42 @@
           <a:chExt cx="0" cy="0"/>
         </a:xfrm>
       </p:grpSpPr>
-      <p:sp>
-        <p:nvSpPr>
-          <p:cNvPr id="2" name="Picture Placeholder 1">
+      <p:pic>
+        <p:nvPicPr>
+          <p:cNvPr id="6" name="Picture Placeholder 5" descr="A person standing next to a tray of food&#10;&#10;Description automatically generated with low confidence">
             <a:extLst>
               <a:ext uri="{FF2B5EF4-FFF2-40B4-BE49-F238E27FC236}">
-                <a16:creationId xmlns:a16="http://schemas.microsoft.com/office/drawing/2014/main" id="{23C6E8D1-D7A3-4BB4-9729-D16A3C182A21}"/>
+                <a16:creationId xmlns:a16="http://schemas.microsoft.com/office/drawing/2014/main" id="{8114F695-353E-49EF-A294-EEFABE3CF514}"/>
+              </a:ext>
+            </a:extLst>
+          </p:cNvPr>
+          <p:cNvPicPr>
+            <a:picLocks noGrp="1" noChangeAspect="1"/>
+          </p:cNvPicPr>
+          <p:nvPr>
+            <p:ph type="pic" sz="quarter" idx="12"/>
+          </p:nvPr>
+        </p:nvPicPr>
+        <p:blipFill>
+          <a:blip r:embed="rId3"/>
+          <a:srcRect t="3436" b="3436"/>
+          <a:stretch>
+            <a:fillRect/>
+          </a:stretch>
+        </p:blipFill>
+        <p:spPr>
+          <a:xfrm>
+            <a:off x="4092575" y="0"/>
+            <a:ext cx="9315450" cy="6858000"/>
+          </a:xfrm>
+        </p:spPr>
+      </p:pic>
+      <p:sp>
+        <p:nvSpPr>
+          <p:cNvPr id="3" name="Title 2">
+            <a:extLst>
+              <a:ext uri="{FF2B5EF4-FFF2-40B4-BE49-F238E27FC236}">
+                <a16:creationId xmlns:a16="http://schemas.microsoft.com/office/drawing/2014/main" id="{398F23BE-74AF-42C0-BA1D-FA64AB617C6F}"/>
               </a:ext>
             </a:extLst>
           </p:cNvPr>
@@ -12471,15 +11714,38 @@
             <a:spLocks noGrp="1"/>
           </p:cNvSpPr>
           <p:nvPr>
-            <p:ph type="pic" sz="quarter" idx="12"/>
+            <p:ph type="title"/>
           </p:nvPr>
         </p:nvSpPr>
         <p:spPr>
           <a:xfrm>
-            <a:off x="4381500" y="0"/>
-            <a:ext cx="8293100" cy="6858000"/>
+            <a:off x="101601" y="137400"/>
+            <a:ext cx="4584700" cy="792000"/>
           </a:xfrm>
+          <a:solidFill>
+            <a:schemeClr val="accent4">
+              <a:lumMod val="40000"/>
+              <a:lumOff val="60000"/>
+            </a:schemeClr>
+          </a:solidFill>
         </p:spPr>
+        <p:txBody>
+          <a:bodyPr>
+            <a:normAutofit/>
+          </a:bodyPr>
+          <a:lstStyle/>
+          <a:p>
+            <a:r>
+              <a:rPr lang="ko-KR" altLang="en-US" b="1" dirty="0">
+                <a:latin typeface="Abadi" panose="020B0604020104020204" pitchFamily="34" charset="0"/>
+              </a:rPr>
+              <a:t>설날 이벤트</a:t>
+            </a:r>
+            <a:endParaRPr lang="en-US" dirty="0">
+              <a:latin typeface="Abadi" panose="020B0604020104020204" pitchFamily="34" charset="0"/>
+            </a:endParaRPr>
+          </a:p>
+        </p:txBody>
       </p:sp>
       <p:sp>
         <p:nvSpPr>
@@ -12529,8 +11795,188 @@
         </p:nvSpPr>
         <p:spPr>
           <a:xfrm>
+            <a:off x="101602" y="1181101"/>
+            <a:ext cx="4584699" cy="1835367"/>
+          </a:xfrm>
+        </p:spPr>
+        <p:txBody>
+          <a:bodyPr>
+            <a:normAutofit/>
+          </a:bodyPr>
+          <a:lstStyle/>
+          <a:p>
+            <a:r>
+              <a:rPr lang="ko-KR" altLang="en-US" dirty="0"/>
+              <a:t>설날음식</a:t>
+            </a:r>
+            <a:endParaRPr lang="en-US" altLang="ko-KR" dirty="0"/>
+          </a:p>
+          <a:p>
+            <a:r>
+              <a:rPr lang="en-US" altLang="ko-KR" dirty="0"/>
+              <a:t>Chung cake</a:t>
+            </a:r>
+          </a:p>
+          <a:p>
+            <a:r>
+              <a:rPr lang="en-US" altLang="ko-KR" dirty="0"/>
+              <a:t>Pickled onions: </a:t>
+            </a:r>
+            <a:r>
+              <a:rPr lang="ko-KR" altLang="en-US" dirty="0"/>
+              <a:t>베트남 김지</a:t>
+            </a:r>
+            <a:endParaRPr lang="en-US" altLang="ko-KR" dirty="0"/>
+          </a:p>
+          <a:p>
+            <a:r>
+              <a:rPr lang="en-US" altLang="ko-KR" dirty="0"/>
+              <a:t>Jam</a:t>
+            </a:r>
+          </a:p>
+          <a:p>
+            <a:endParaRPr lang="en-US" altLang="ko-KR" dirty="0"/>
+          </a:p>
+        </p:txBody>
+      </p:sp>
+      <p:pic>
+        <p:nvPicPr>
+          <p:cNvPr id="9" name="Picture 8" descr="A bowl of soup on a table&#10;&#10;Description automatically generated with low confidence">
+            <a:extLst>
+              <a:ext uri="{FF2B5EF4-FFF2-40B4-BE49-F238E27FC236}">
+                <a16:creationId xmlns:a16="http://schemas.microsoft.com/office/drawing/2014/main" id="{9C8E4F34-020E-4FF8-8A82-CE2BD460B669}"/>
+              </a:ext>
+            </a:extLst>
+          </p:cNvPr>
+          <p:cNvPicPr>
+            <a:picLocks noChangeAspect="1"/>
+          </p:cNvPicPr>
+          <p:nvPr/>
+        </p:nvPicPr>
+        <p:blipFill>
+          <a:blip r:embed="rId4"/>
+          <a:stretch>
+            <a:fillRect/>
+          </a:stretch>
+        </p:blipFill>
+        <p:spPr>
+          <a:xfrm rot="457049">
+            <a:off x="-47075" y="3170845"/>
+            <a:ext cx="4882051" cy="2192148"/>
+          </a:xfrm>
+          <a:prstGeom prst="rect">
+            <a:avLst/>
+          </a:prstGeom>
+        </p:spPr>
+      </p:pic>
+    </p:spTree>
+    <p:extLst>
+      <p:ext uri="{BB962C8B-B14F-4D97-AF65-F5344CB8AC3E}">
+        <p14:creationId xmlns:p14="http://schemas.microsoft.com/office/powerpoint/2010/main" val="411492418"/>
+      </p:ext>
+    </p:extLst>
+  </p:cSld>
+  <p:clrMapOvr>
+    <a:masterClrMapping/>
+  </p:clrMapOvr>
+</p:sld>
+</file>
+
+<file path=ppt/slides/slide5.xml><?xml version="1.0" encoding="utf-8"?>
+<p:sld xmlns:a="http://schemas.openxmlformats.org/drawingml/2006/main" xmlns:r="http://schemas.openxmlformats.org/officeDocument/2006/relationships" xmlns:p="http://schemas.openxmlformats.org/presentationml/2006/main">
+  <p:cSld>
+    <p:spTree>
+      <p:nvGrpSpPr>
+        <p:cNvPr id="1" name=""/>
+        <p:cNvGrpSpPr/>
+        <p:nvPr/>
+      </p:nvGrpSpPr>
+      <p:grpSpPr>
+        <a:xfrm>
+          <a:off x="0" y="0"/>
+          <a:ext cx="0" cy="0"/>
+          <a:chOff x="0" y="0"/>
+          <a:chExt cx="0" cy="0"/>
+        </a:xfrm>
+      </p:grpSpPr>
+      <p:pic>
+        <p:nvPicPr>
+          <p:cNvPr id="4" name="Picture Placeholder 3" descr="A picture containing text&#10;&#10;Description automatically generated">
+            <a:extLst>
+              <a:ext uri="{FF2B5EF4-FFF2-40B4-BE49-F238E27FC236}">
+                <a16:creationId xmlns:a16="http://schemas.microsoft.com/office/drawing/2014/main" id="{A5B0BCC7-425F-4106-ADB0-236BF1D3749B}"/>
+              </a:ext>
+            </a:extLst>
+          </p:cNvPr>
+          <p:cNvPicPr>
+            <a:picLocks noGrp="1" noChangeAspect="1"/>
+          </p:cNvPicPr>
+          <p:nvPr>
+            <p:ph type="pic" sz="quarter" idx="12"/>
+          </p:nvPr>
+        </p:nvPicPr>
+        <p:blipFill rotWithShape="1">
+          <a:blip r:embed="rId3"/>
+          <a:srcRect l="-851" r="-6231"/>
+          <a:stretch/>
+        </p:blipFill>
+        <p:spPr>
+          <a:xfrm>
+            <a:off x="4381500" y="0"/>
+            <a:ext cx="8293100" cy="6858000"/>
+          </a:xfrm>
+        </p:spPr>
+      </p:pic>
+      <p:sp>
+        <p:nvSpPr>
+          <p:cNvPr id="5" name="Slide Number Placeholder 4">
+            <a:extLst>
+              <a:ext uri="{FF2B5EF4-FFF2-40B4-BE49-F238E27FC236}">
+                <a16:creationId xmlns:a16="http://schemas.microsoft.com/office/drawing/2014/main" id="{3EB3E1F4-13A8-480F-BF66-537E5C6846AF}"/>
+              </a:ext>
+            </a:extLst>
+          </p:cNvPr>
+          <p:cNvSpPr>
+            <a:spLocks noGrp="1"/>
+          </p:cNvSpPr>
+          <p:nvPr>
+            <p:ph type="sldNum" sz="quarter" idx="11"/>
+          </p:nvPr>
+        </p:nvSpPr>
+        <p:spPr/>
+        <p:txBody>
+          <a:bodyPr/>
+          <a:lstStyle/>
+          <a:p>
+            <a:fld id="{7E0E41E9-E887-49CF-A358-8367F0C34840}" type="slidenum">
+              <a:rPr lang="en-US" smtClean="0"/>
+              <a:pPr/>
+              <a:t>5</a:t>
+            </a:fld>
+            <a:endParaRPr lang="en-US" dirty="0"/>
+          </a:p>
+        </p:txBody>
+      </p:sp>
+      <p:sp>
+        <p:nvSpPr>
+          <p:cNvPr id="7" name="Content Placeholder 6">
+            <a:extLst>
+              <a:ext uri="{FF2B5EF4-FFF2-40B4-BE49-F238E27FC236}">
+                <a16:creationId xmlns:a16="http://schemas.microsoft.com/office/drawing/2014/main" id="{BD9EDC80-57A1-45E2-97D7-4C23148F3E55}"/>
+              </a:ext>
+            </a:extLst>
+          </p:cNvPr>
+          <p:cNvSpPr>
+            <a:spLocks noGrp="1"/>
+          </p:cNvSpPr>
+          <p:nvPr>
+            <p:ph idx="1"/>
+          </p:nvPr>
+        </p:nvSpPr>
+        <p:spPr>
+          <a:xfrm>
             <a:off x="101602" y="1181102"/>
-            <a:ext cx="5994398" cy="2781298"/>
+            <a:ext cx="4584699" cy="2247898"/>
           </a:xfrm>
         </p:spPr>
         <p:txBody>
@@ -12539,49 +11985,20 @@
           <a:p>
             <a:r>
               <a:rPr lang="ko-KR" altLang="en-US" dirty="0"/>
-              <a:t>설빔 </a:t>
-            </a:r>
-            <a:r>
-              <a:rPr lang="en-US" altLang="ko-KR" dirty="0"/>
-              <a:t>(Quan </a:t>
-            </a:r>
-            <a:r>
-              <a:rPr lang="en-US" altLang="ko-KR" dirty="0" err="1"/>
-              <a:t>ao</a:t>
-            </a:r>
-            <a:r>
-              <a:rPr lang="en-US" altLang="ko-KR" dirty="0"/>
-              <a:t> </a:t>
-            </a:r>
-            <a:r>
-              <a:rPr lang="en-US" altLang="ko-KR" dirty="0" err="1"/>
-              <a:t>ngay</a:t>
-            </a:r>
-            <a:r>
-              <a:rPr lang="en-US" altLang="ko-KR" dirty="0"/>
-              <a:t> </a:t>
-            </a:r>
-            <a:r>
-              <a:rPr lang="en-US" altLang="ko-KR" dirty="0" err="1"/>
-              <a:t>tet</a:t>
-            </a:r>
-            <a:r>
-              <a:rPr lang="en-US" altLang="ko-KR" dirty="0"/>
-              <a:t>)</a:t>
-            </a:r>
-          </a:p>
-          <a:p>
-            <a:endParaRPr lang="en-US" altLang="ko-KR" dirty="0"/>
-          </a:p>
-          <a:p>
-            <a:r>
-              <a:rPr lang="ko-KR" altLang="en-US" dirty="0"/>
               <a:t>친척 </a:t>
             </a:r>
             <a:r>
               <a:rPr lang="en-US" altLang="ko-KR" dirty="0"/>
               <a:t>(ho hang)</a:t>
             </a:r>
+          </a:p>
+          <a:p>
+            <a:pPr lvl="1"/>
+            <a:r>
+              <a:rPr lang="ko-KR" altLang="en-US" dirty="0"/>
+              <a:t>세뱃돈</a:t>
+            </a:r>
+            <a:endParaRPr lang="en-US" altLang="ko-KR" dirty="0"/>
           </a:p>
           <a:p>
             <a:pPr lvl="1"/>
@@ -12697,7 +12114,7 @@
 </p:sld>
 </file>
 
-<file path=ppt/slides/slide5.xml><?xml version="1.0" encoding="utf-8"?>
+<file path=ppt/slides/slide6.xml><?xml version="1.0" encoding="utf-8"?>
 <p:sld xmlns:a="http://schemas.openxmlformats.org/drawingml/2006/main" xmlns:r="http://schemas.openxmlformats.org/officeDocument/2006/relationships" xmlns:p="http://schemas.openxmlformats.org/presentationml/2006/main">
   <p:cSld>
     <p:spTree>
@@ -12714,29 +12131,36 @@
           <a:chExt cx="0" cy="0"/>
         </a:xfrm>
       </p:grpSpPr>
-      <p:sp>
-        <p:nvSpPr>
-          <p:cNvPr id="2" name="Picture Placeholder 1">
+      <p:pic>
+        <p:nvPicPr>
+          <p:cNvPr id="4" name="Picture Placeholder 3" descr="A picture containing text&#10;&#10;Description automatically generated">
             <a:extLst>
               <a:ext uri="{FF2B5EF4-FFF2-40B4-BE49-F238E27FC236}">
-                <a16:creationId xmlns:a16="http://schemas.microsoft.com/office/drawing/2014/main" id="{23C6E8D1-D7A3-4BB4-9729-D16A3C182A21}"/>
+                <a16:creationId xmlns:a16="http://schemas.microsoft.com/office/drawing/2014/main" id="{B9868501-70E4-4822-B538-088AC7714690}"/>
               </a:ext>
             </a:extLst>
           </p:cNvPr>
-          <p:cNvSpPr>
-            <a:spLocks noGrp="1"/>
-          </p:cNvSpPr>
+          <p:cNvPicPr>
+            <a:picLocks noGrp="1" noChangeAspect="1"/>
+          </p:cNvPicPr>
           <p:nvPr>
             <p:ph type="pic" sz="quarter" idx="12"/>
           </p:nvPr>
-        </p:nvSpPr>
+        </p:nvPicPr>
+        <p:blipFill>
+          <a:blip r:embed="rId3"/>
+          <a:srcRect l="3975" r="3975"/>
+          <a:stretch>
+            <a:fillRect/>
+          </a:stretch>
+        </p:blipFill>
         <p:spPr>
           <a:xfrm>
-            <a:off x="4381500" y="0"/>
+            <a:off x="4257675" y="0"/>
             <a:ext cx="8293100" cy="6858000"/>
           </a:xfrm>
         </p:spPr>
-      </p:sp>
+      </p:pic>
       <p:sp>
         <p:nvSpPr>
           <p:cNvPr id="5" name="Slide Number Placeholder 4">
@@ -12761,7 +12185,7 @@
             <a:fld id="{7E0E41E9-E887-49CF-A358-8367F0C34840}" type="slidenum">
               <a:rPr lang="en-US" smtClean="0"/>
               <a:pPr/>
-              <a:t>5</a:t>
+              <a:t>6</a:t>
             </a:fld>
             <a:endParaRPr lang="en-US" dirty="0"/>
           </a:p>
@@ -12786,7 +12210,7 @@
         <p:spPr>
           <a:xfrm>
             <a:off x="101602" y="1181102"/>
-            <a:ext cx="5994398" cy="2781298"/>
+            <a:ext cx="4584699" cy="3670298"/>
           </a:xfrm>
         </p:spPr>
         <p:txBody>
@@ -12795,14 +12219,138 @@
           <a:p>
             <a:r>
               <a:rPr lang="en-US" altLang="ko-KR" dirty="0"/>
-              <a:t>Greeting</a:t>
-            </a:r>
-          </a:p>
-          <a:p>
+              <a:t>Greeting(</a:t>
+            </a:r>
             <a:r>
               <a:rPr lang="ko-KR" altLang="en-US" dirty="0"/>
-              <a:t>세뱃돈</a:t>
-            </a:r>
+              <a:t>새해 복 많이 받으세요</a:t>
+            </a:r>
+            <a:r>
+              <a:rPr lang="en-US" altLang="ko-KR" dirty="0"/>
+              <a:t>):</a:t>
+            </a:r>
+          </a:p>
+          <a:p>
+            <a:pPr lvl="1"/>
+            <a:r>
+              <a:rPr lang="en-US" altLang="ko-KR" dirty="0"/>
+              <a:t>Live</a:t>
+            </a:r>
+            <a:r>
+              <a:rPr lang="ko-KR" altLang="en-US" dirty="0"/>
+              <a:t> </a:t>
+            </a:r>
+            <a:r>
+              <a:rPr lang="en-US" altLang="ko-KR" dirty="0"/>
+              <a:t>up</a:t>
+            </a:r>
+            <a:r>
+              <a:rPr lang="ko-KR" altLang="en-US" dirty="0"/>
+              <a:t> </a:t>
+            </a:r>
+            <a:r>
+              <a:rPr lang="en-US" altLang="ko-KR" dirty="0"/>
+              <a:t>to</a:t>
+            </a:r>
+            <a:r>
+              <a:rPr lang="ko-KR" altLang="en-US" dirty="0"/>
+              <a:t> </a:t>
+            </a:r>
+            <a:r>
+              <a:rPr lang="en-US" altLang="ko-KR" dirty="0"/>
+              <a:t>100</a:t>
+            </a:r>
+            <a:r>
+              <a:rPr lang="ko-KR" altLang="en-US" dirty="0"/>
+              <a:t> </a:t>
+            </a:r>
+            <a:r>
+              <a:rPr lang="en-US" altLang="ko-KR" dirty="0"/>
+              <a:t>years</a:t>
+            </a:r>
+          </a:p>
+          <a:p>
+            <a:pPr lvl="1"/>
+            <a:r>
+              <a:rPr lang="en-US" altLang="ko-KR" dirty="0"/>
+              <a:t>Security, good health, and prosperity</a:t>
+            </a:r>
+          </a:p>
+          <a:p>
+            <a:pPr lvl="1"/>
+            <a:r>
+              <a:rPr lang="ko-KR" altLang="en-US" dirty="0"/>
+              <a:t>萬事如意 </a:t>
+            </a:r>
+            <a:r>
+              <a:rPr lang="en-US" altLang="ko-KR" dirty="0"/>
+              <a:t>(Van </a:t>
+            </a:r>
+            <a:r>
+              <a:rPr lang="en-US" altLang="ko-KR" dirty="0" err="1"/>
+              <a:t>su</a:t>
+            </a:r>
+            <a:r>
+              <a:rPr lang="en-US" altLang="ko-KR" dirty="0"/>
+              <a:t> </a:t>
+            </a:r>
+            <a:r>
+              <a:rPr lang="en-US" altLang="ko-KR" dirty="0" err="1"/>
+              <a:t>nhu</a:t>
+            </a:r>
+            <a:r>
+              <a:rPr lang="en-US" altLang="ko-KR" dirty="0"/>
+              <a:t> y)</a:t>
+            </a:r>
+          </a:p>
+          <a:p>
+            <a:pPr lvl="1"/>
+            <a:r>
+              <a:rPr lang="en-US" altLang="ko-KR" dirty="0"/>
+              <a:t>Plenty of health</a:t>
+            </a:r>
+          </a:p>
+          <a:p>
+            <a:pPr lvl="1"/>
+            <a:r>
+              <a:rPr lang="ko-KR" altLang="en-US" dirty="0"/>
+              <a:t>恭喜发财 </a:t>
+            </a:r>
+            <a:r>
+              <a:rPr lang="en-US" altLang="ko-KR" dirty="0"/>
+              <a:t>, </a:t>
+            </a:r>
+            <a:r>
+              <a:rPr lang="ko-KR" altLang="en-US" dirty="0"/>
+              <a:t>恭喜發財 </a:t>
+            </a:r>
+            <a:r>
+              <a:rPr lang="en-US" altLang="ko-KR" dirty="0"/>
+              <a:t>(</a:t>
+            </a:r>
+            <a:r>
+              <a:rPr lang="en-US" altLang="ko-KR" dirty="0" err="1"/>
+              <a:t>Cung</a:t>
+            </a:r>
+            <a:r>
+              <a:rPr lang="en-US" altLang="ko-KR" dirty="0"/>
+              <a:t> </a:t>
+            </a:r>
+            <a:r>
+              <a:rPr lang="en-US" altLang="ko-KR" dirty="0" err="1"/>
+              <a:t>hy</a:t>
+            </a:r>
+            <a:r>
+              <a:rPr lang="en-US" altLang="ko-KR" dirty="0"/>
+              <a:t> phat tai)</a:t>
+            </a:r>
+            <a:r>
+              <a:rPr lang="ko-KR" altLang="en-US" dirty="0"/>
+              <a:t> </a:t>
+            </a:r>
+            <a:endParaRPr lang="en-US" altLang="ko-KR" dirty="0"/>
+          </a:p>
+          <a:p>
             <a:endParaRPr lang="en-US" altLang="ko-KR" dirty="0"/>
           </a:p>
           <a:p>
@@ -12827,7 +12375,7 @@
         <p:spPr>
           <a:xfrm>
             <a:off x="101601" y="137400"/>
-            <a:ext cx="4584700" cy="792000"/>
+            <a:ext cx="4156074" cy="792000"/>
           </a:xfrm>
           <a:prstGeom prst="rect">
             <a:avLst/>
@@ -12891,7 +12439,7 @@
 </p:sld>
 </file>
 
-<file path=ppt/slides/slide6.xml><?xml version="1.0" encoding="utf-8"?>
+<file path=ppt/slides/slide7.xml><?xml version="1.0" encoding="utf-8"?>
 <p:sld xmlns:a="http://schemas.openxmlformats.org/drawingml/2006/main" xmlns:r="http://schemas.openxmlformats.org/officeDocument/2006/relationships" xmlns:p="http://schemas.openxmlformats.org/presentationml/2006/main">
   <p:cSld>
     <p:spTree>
@@ -12908,29 +12456,34 @@
           <a:chExt cx="0" cy="0"/>
         </a:xfrm>
       </p:grpSpPr>
-      <p:sp>
-        <p:nvSpPr>
-          <p:cNvPr id="2" name="Picture Placeholder 1">
+      <p:pic>
+        <p:nvPicPr>
+          <p:cNvPr id="4" name="Picture Placeholder 3" descr="A picture containing refrigerator, white goods, meal&#10;&#10;Description automatically generated">
             <a:extLst>
               <a:ext uri="{FF2B5EF4-FFF2-40B4-BE49-F238E27FC236}">
-                <a16:creationId xmlns:a16="http://schemas.microsoft.com/office/drawing/2014/main" id="{23C6E8D1-D7A3-4BB4-9729-D16A3C182A21}"/>
+                <a16:creationId xmlns:a16="http://schemas.microsoft.com/office/drawing/2014/main" id="{4131A751-DF8F-4F66-9A1E-4F88E636C081}"/>
               </a:ext>
             </a:extLst>
           </p:cNvPr>
-          <p:cNvSpPr>
-            <a:spLocks noGrp="1"/>
-          </p:cNvSpPr>
+          <p:cNvPicPr>
+            <a:picLocks noGrp="1" noChangeAspect="1"/>
+          </p:cNvPicPr>
           <p:nvPr>
             <p:ph type="pic" sz="quarter" idx="12"/>
           </p:nvPr>
-        </p:nvSpPr>
+        </p:nvPicPr>
+        <p:blipFill rotWithShape="1">
+          <a:blip r:embed="rId3"/>
+          <a:srcRect l="-1338" r="-6476"/>
+          <a:stretch/>
+        </p:blipFill>
         <p:spPr>
           <a:xfrm>
-            <a:off x="4381500" y="0"/>
-            <a:ext cx="8293100" cy="6858000"/>
+            <a:off x="3581400" y="0"/>
+            <a:ext cx="9855200" cy="6858000"/>
           </a:xfrm>
         </p:spPr>
-      </p:sp>
+      </p:pic>
       <p:sp>
         <p:nvSpPr>
           <p:cNvPr id="5" name="Slide Number Placeholder 4">
@@ -12955,7 +12508,7 @@
             <a:fld id="{7E0E41E9-E887-49CF-A358-8367F0C34840}" type="slidenum">
               <a:rPr lang="en-US" smtClean="0"/>
               <a:pPr/>
-              <a:t>6</a:t>
+              <a:t>7</a:t>
             </a:fld>
             <a:endParaRPr lang="en-US" dirty="0"/>
           </a:p>
@@ -12980,7 +12533,7 @@
         <p:spPr>
           <a:xfrm>
             <a:off x="101602" y="1181102"/>
-            <a:ext cx="5994398" cy="2781298"/>
+            <a:ext cx="4584699" cy="1194236"/>
           </a:xfrm>
         </p:spPr>
         <p:txBody>
@@ -12995,7 +12548,7 @@
           <a:p>
             <a:r>
               <a:rPr lang="en-US" altLang="ko-KR" dirty="0"/>
-              <a:t>Festivals in Pagoda</a:t>
+              <a:t>Traditional festivals in Pagoda</a:t>
             </a:r>
           </a:p>
         </p:txBody>
@@ -13017,7 +12570,7 @@
         <p:spPr>
           <a:xfrm>
             <a:off x="101601" y="137400"/>
-            <a:ext cx="4584700" cy="792000"/>
+            <a:ext cx="3835399" cy="792000"/>
           </a:xfrm>
           <a:prstGeom prst="rect">
             <a:avLst/>
@@ -13081,7 +12634,7 @@
 </p:sld>
 </file>
 
-<file path=ppt/slides/slide7.xml><?xml version="1.0" encoding="utf-8"?>
+<file path=ppt/slides/slide8.xml><?xml version="1.0" encoding="utf-8"?>
 <p:sld xmlns:a="http://schemas.openxmlformats.org/drawingml/2006/main" xmlns:r="http://schemas.openxmlformats.org/officeDocument/2006/relationships" xmlns:p="http://schemas.openxmlformats.org/presentationml/2006/main">
   <p:cSld>
     <p:spTree>
@@ -13098,29 +12651,36 @@
           <a:chExt cx="0" cy="0"/>
         </a:xfrm>
       </p:grpSpPr>
-      <p:sp>
-        <p:nvSpPr>
-          <p:cNvPr id="2" name="Picture Placeholder 1">
+      <p:pic>
+        <p:nvPicPr>
+          <p:cNvPr id="4" name="Picture Placeholder 3" descr="A picture containing text, different, picture frame, several&#10;&#10;Description automatically generated">
             <a:extLst>
               <a:ext uri="{FF2B5EF4-FFF2-40B4-BE49-F238E27FC236}">
-                <a16:creationId xmlns:a16="http://schemas.microsoft.com/office/drawing/2014/main" id="{23C6E8D1-D7A3-4BB4-9729-D16A3C182A21}"/>
+                <a16:creationId xmlns:a16="http://schemas.microsoft.com/office/drawing/2014/main" id="{B391702A-D4BA-4287-9E32-C4DD3FE5C6F7}"/>
               </a:ext>
             </a:extLst>
           </p:cNvPr>
-          <p:cNvSpPr>
-            <a:spLocks noGrp="1"/>
-          </p:cNvSpPr>
+          <p:cNvPicPr>
+            <a:picLocks noGrp="1" noChangeAspect="1"/>
+          </p:cNvPicPr>
           <p:nvPr>
             <p:ph type="pic" sz="quarter" idx="12"/>
           </p:nvPr>
-        </p:nvSpPr>
+        </p:nvPicPr>
+        <p:blipFill>
+          <a:blip r:embed="rId2"/>
+          <a:srcRect t="566" b="566"/>
+          <a:stretch>
+            <a:fillRect/>
+          </a:stretch>
+        </p:blipFill>
         <p:spPr>
           <a:xfrm>
-            <a:off x="6096000" y="0"/>
-            <a:ext cx="6578600" cy="6858000"/>
+            <a:off x="3429000" y="0"/>
+            <a:ext cx="9245600" cy="6858000"/>
           </a:xfrm>
         </p:spPr>
-      </p:sp>
+      </p:pic>
       <p:sp>
         <p:nvSpPr>
           <p:cNvPr id="5" name="Slide Number Placeholder 4">
@@ -13145,7 +12705,7 @@
             <a:fld id="{7E0E41E9-E887-49CF-A358-8367F0C34840}" type="slidenum">
               <a:rPr lang="en-US" smtClean="0"/>
               <a:pPr/>
-              <a:t>7</a:t>
+              <a:t>8</a:t>
             </a:fld>
             <a:endParaRPr lang="en-US" dirty="0"/>
           </a:p>
@@ -13169,8 +12729,8 @@
         </p:nvSpPr>
         <p:spPr>
           <a:xfrm>
-            <a:off x="101602" y="1181101"/>
-            <a:ext cx="5994398" cy="5357811"/>
+            <a:off x="101602" y="1181102"/>
+            <a:ext cx="4584699" cy="2087616"/>
           </a:xfrm>
         </p:spPr>
         <p:txBody>
@@ -13205,23 +12765,6 @@
               <a:rPr lang="en-US" altLang="ko-KR" dirty="0"/>
               <a:t>thong)</a:t>
             </a:r>
-          </a:p>
-          <a:p>
-            <a:r>
-              <a:rPr lang="ko-KR" altLang="en-US" dirty="0"/>
-              <a:t>차례</a:t>
-            </a:r>
-            <a:endParaRPr lang="en-US" altLang="ko-KR" dirty="0"/>
-          </a:p>
-          <a:p>
-            <a:r>
-              <a:rPr lang="ko-KR" altLang="en-US" dirty="0"/>
-              <a:t>덕담</a:t>
-            </a:r>
-            <a:endParaRPr lang="en-US" altLang="ko-KR" dirty="0"/>
-          </a:p>
-          <a:p>
-            <a:endParaRPr lang="en-US" altLang="ko-KR" dirty="0"/>
           </a:p>
           <a:p>
             <a:endParaRPr lang="en-US" dirty="0"/>
@@ -13245,7 +12788,7 @@
         <p:spPr>
           <a:xfrm>
             <a:off x="101601" y="137400"/>
-            <a:ext cx="4584700" cy="792000"/>
+            <a:ext cx="3581399" cy="792000"/>
           </a:xfrm>
           <a:prstGeom prst="rect">
             <a:avLst/>
@@ -13300,598 +12843,6 @@
     <p:extLst>
       <p:ext uri="{BB962C8B-B14F-4D97-AF65-F5344CB8AC3E}">
         <p14:creationId xmlns:p14="http://schemas.microsoft.com/office/powerpoint/2010/main" val="121874878"/>
-      </p:ext>
-    </p:extLst>
-  </p:cSld>
-  <p:clrMapOvr>
-    <a:masterClrMapping/>
-  </p:clrMapOvr>
-</p:sld>
-</file>
-
-<file path=ppt/slides/slide8.xml><?xml version="1.0" encoding="utf-8"?>
-<p:sld xmlns:a="http://schemas.openxmlformats.org/drawingml/2006/main" xmlns:r="http://schemas.openxmlformats.org/officeDocument/2006/relationships" xmlns:p="http://schemas.openxmlformats.org/presentationml/2006/main">
-  <p:cSld>
-    <p:spTree>
-      <p:nvGrpSpPr>
-        <p:cNvPr id="1" name=""/>
-        <p:cNvGrpSpPr/>
-        <p:nvPr/>
-      </p:nvGrpSpPr>
-      <p:grpSpPr>
-        <a:xfrm>
-          <a:off x="0" y="0"/>
-          <a:ext cx="0" cy="0"/>
-          <a:chOff x="0" y="0"/>
-          <a:chExt cx="0" cy="0"/>
-        </a:xfrm>
-      </p:grpSpPr>
-      <p:sp>
-        <p:nvSpPr>
-          <p:cNvPr id="2" name="Picture Placeholder 1">
-            <a:extLst>
-              <a:ext uri="{FF2B5EF4-FFF2-40B4-BE49-F238E27FC236}">
-                <a16:creationId xmlns:a16="http://schemas.microsoft.com/office/drawing/2014/main" id="{23C6E8D1-D7A3-4BB4-9729-D16A3C182A21}"/>
-              </a:ext>
-            </a:extLst>
-          </p:cNvPr>
-          <p:cNvSpPr>
-            <a:spLocks noGrp="1"/>
-          </p:cNvSpPr>
-          <p:nvPr>
-            <p:ph type="pic" sz="quarter" idx="12"/>
-          </p:nvPr>
-        </p:nvSpPr>
-        <p:spPr>
-          <a:xfrm>
-            <a:off x="6096000" y="0"/>
-            <a:ext cx="6578600" cy="6858000"/>
-          </a:xfrm>
-        </p:spPr>
-      </p:sp>
-      <p:sp>
-        <p:nvSpPr>
-          <p:cNvPr id="3" name="Title 2">
-            <a:extLst>
-              <a:ext uri="{FF2B5EF4-FFF2-40B4-BE49-F238E27FC236}">
-                <a16:creationId xmlns:a16="http://schemas.microsoft.com/office/drawing/2014/main" id="{398F23BE-74AF-42C0-BA1D-FA64AB617C6F}"/>
-              </a:ext>
-            </a:extLst>
-          </p:cNvPr>
-          <p:cNvSpPr>
-            <a:spLocks noGrp="1"/>
-          </p:cNvSpPr>
-          <p:nvPr>
-            <p:ph type="title"/>
-          </p:nvPr>
-        </p:nvSpPr>
-        <p:spPr>
-          <a:xfrm>
-            <a:off x="101601" y="137400"/>
-            <a:ext cx="5994400" cy="792000"/>
-          </a:xfrm>
-          <a:solidFill>
-            <a:srgbClr val="FFC000"/>
-          </a:solidFill>
-        </p:spPr>
-        <p:txBody>
-          <a:bodyPr>
-            <a:normAutofit/>
-          </a:bodyPr>
-          <a:lstStyle/>
-          <a:p>
-            <a:pPr lvl="0"/>
-            <a:r>
-              <a:rPr lang="en-US" sz="2800" b="1" dirty="0">
-                <a:solidFill>
-                  <a:schemeClr val="tx1"/>
-                </a:solidFill>
-                <a:latin typeface="Abadi" panose="020B0604020104020204" pitchFamily="34" charset="0"/>
-              </a:rPr>
-              <a:t>What Vietnam can learn from Korea?</a:t>
-            </a:r>
-            <a:endParaRPr lang="en-US" sz="2800" b="0" i="0" dirty="0">
-              <a:solidFill>
-                <a:schemeClr val="tx1"/>
-              </a:solidFill>
-              <a:latin typeface="Abadi" panose="020B0604020104020204" pitchFamily="34" charset="0"/>
-            </a:endParaRPr>
-          </a:p>
-        </p:txBody>
-      </p:sp>
-      <p:sp>
-        <p:nvSpPr>
-          <p:cNvPr id="5" name="Slide Number Placeholder 4">
-            <a:extLst>
-              <a:ext uri="{FF2B5EF4-FFF2-40B4-BE49-F238E27FC236}">
-                <a16:creationId xmlns:a16="http://schemas.microsoft.com/office/drawing/2014/main" id="{3EB3E1F4-13A8-480F-BF66-537E5C6846AF}"/>
-              </a:ext>
-            </a:extLst>
-          </p:cNvPr>
-          <p:cNvSpPr>
-            <a:spLocks noGrp="1"/>
-          </p:cNvSpPr>
-          <p:nvPr>
-            <p:ph type="sldNum" sz="quarter" idx="11"/>
-          </p:nvPr>
-        </p:nvSpPr>
-        <p:spPr/>
-        <p:txBody>
-          <a:bodyPr/>
-          <a:lstStyle/>
-          <a:p>
-            <a:fld id="{7E0E41E9-E887-49CF-A358-8367F0C34840}" type="slidenum">
-              <a:rPr lang="en-US" smtClean="0"/>
-              <a:pPr/>
-              <a:t>8</a:t>
-            </a:fld>
-            <a:endParaRPr lang="en-US" dirty="0"/>
-          </a:p>
-        </p:txBody>
-      </p:sp>
-      <p:sp>
-        <p:nvSpPr>
-          <p:cNvPr id="7" name="Content Placeholder 6">
-            <a:extLst>
-              <a:ext uri="{FF2B5EF4-FFF2-40B4-BE49-F238E27FC236}">
-                <a16:creationId xmlns:a16="http://schemas.microsoft.com/office/drawing/2014/main" id="{014AB7A2-E731-4113-B255-3EC2F548E3A3}"/>
-              </a:ext>
-            </a:extLst>
-          </p:cNvPr>
-          <p:cNvSpPr>
-            <a:spLocks noGrp="1"/>
-          </p:cNvSpPr>
-          <p:nvPr>
-            <p:ph idx="1"/>
-          </p:nvPr>
-        </p:nvSpPr>
-        <p:spPr>
-          <a:xfrm>
-            <a:off x="1" y="1181100"/>
-            <a:ext cx="6095998" cy="3803123"/>
-          </a:xfrm>
-        </p:spPr>
-        <p:txBody>
-          <a:bodyPr>
-            <a:normAutofit/>
-          </a:bodyPr>
-          <a:lstStyle/>
-          <a:p>
-            <a:r>
-              <a:rPr lang="ko-KR" altLang="en-US" sz="2400" dirty="0"/>
-              <a:t>베트남 축구 국가대표팀</a:t>
-            </a:r>
-            <a:r>
-              <a:rPr lang="en-US" altLang="ko-KR" sz="2400" dirty="0"/>
-              <a:t>: </a:t>
-            </a:r>
-            <a:r>
-              <a:rPr lang="ko-KR" altLang="en-US" sz="2400" dirty="0"/>
-              <a:t>박항서</a:t>
-            </a:r>
-            <a:endParaRPr lang="en-US" altLang="ko-KR" sz="2400" dirty="0"/>
-          </a:p>
-        </p:txBody>
-      </p:sp>
-    </p:spTree>
-    <p:extLst>
-      <p:ext uri="{BB962C8B-B14F-4D97-AF65-F5344CB8AC3E}">
-        <p14:creationId xmlns:p14="http://schemas.microsoft.com/office/powerpoint/2010/main" val="294758737"/>
-      </p:ext>
-    </p:extLst>
-  </p:cSld>
-  <p:clrMapOvr>
-    <a:masterClrMapping/>
-  </p:clrMapOvr>
-</p:sld>
-</file>
-
-<file path=ppt/slides/slide9.xml><?xml version="1.0" encoding="utf-8"?>
-<p:sld xmlns:a="http://schemas.openxmlformats.org/drawingml/2006/main" xmlns:r="http://schemas.openxmlformats.org/officeDocument/2006/relationships" xmlns:p="http://schemas.openxmlformats.org/presentationml/2006/main">
-  <p:cSld>
-    <p:spTree>
-      <p:nvGrpSpPr>
-        <p:cNvPr id="1" name=""/>
-        <p:cNvGrpSpPr/>
-        <p:nvPr/>
-      </p:nvGrpSpPr>
-      <p:grpSpPr>
-        <a:xfrm>
-          <a:off x="0" y="0"/>
-          <a:ext cx="0" cy="0"/>
-          <a:chOff x="0" y="0"/>
-          <a:chExt cx="0" cy="0"/>
-        </a:xfrm>
-      </p:grpSpPr>
-      <p:sp>
-        <p:nvSpPr>
-          <p:cNvPr id="2" name="Picture Placeholder 1">
-            <a:extLst>
-              <a:ext uri="{FF2B5EF4-FFF2-40B4-BE49-F238E27FC236}">
-                <a16:creationId xmlns:a16="http://schemas.microsoft.com/office/drawing/2014/main" id="{23C6E8D1-D7A3-4BB4-9729-D16A3C182A21}"/>
-              </a:ext>
-            </a:extLst>
-          </p:cNvPr>
-          <p:cNvSpPr>
-            <a:spLocks noGrp="1"/>
-          </p:cNvSpPr>
-          <p:nvPr>
-            <p:ph type="pic" sz="quarter" idx="12"/>
-          </p:nvPr>
-        </p:nvSpPr>
-        <p:spPr>
-          <a:xfrm>
-            <a:off x="6096000" y="0"/>
-            <a:ext cx="6578600" cy="6858000"/>
-          </a:xfrm>
-        </p:spPr>
-      </p:sp>
-      <p:sp>
-        <p:nvSpPr>
-          <p:cNvPr id="3" name="Title 2">
-            <a:extLst>
-              <a:ext uri="{FF2B5EF4-FFF2-40B4-BE49-F238E27FC236}">
-                <a16:creationId xmlns:a16="http://schemas.microsoft.com/office/drawing/2014/main" id="{398F23BE-74AF-42C0-BA1D-FA64AB617C6F}"/>
-              </a:ext>
-            </a:extLst>
-          </p:cNvPr>
-          <p:cNvSpPr>
-            <a:spLocks noGrp="1"/>
-          </p:cNvSpPr>
-          <p:nvPr>
-            <p:ph type="title"/>
-          </p:nvPr>
-        </p:nvSpPr>
-        <p:spPr>
-          <a:xfrm>
-            <a:off x="101601" y="137400"/>
-            <a:ext cx="5994400" cy="792000"/>
-          </a:xfrm>
-          <a:solidFill>
-            <a:srgbClr val="FFC000"/>
-          </a:solidFill>
-        </p:spPr>
-        <p:txBody>
-          <a:bodyPr>
-            <a:normAutofit/>
-          </a:bodyPr>
-          <a:lstStyle/>
-          <a:p>
-            <a:pPr lvl="0"/>
-            <a:r>
-              <a:rPr lang="en-US" sz="2800" b="1" dirty="0">
-                <a:solidFill>
-                  <a:schemeClr val="tx1"/>
-                </a:solidFill>
-                <a:latin typeface="Abadi" panose="020B0604020104020204" pitchFamily="34" charset="0"/>
-              </a:rPr>
-              <a:t>What Vietnam can learn from Korea?</a:t>
-            </a:r>
-            <a:endParaRPr lang="en-US" sz="2800" b="0" i="0" dirty="0">
-              <a:solidFill>
-                <a:schemeClr val="tx1"/>
-              </a:solidFill>
-              <a:latin typeface="Abadi" panose="020B0604020104020204" pitchFamily="34" charset="0"/>
-            </a:endParaRPr>
-          </a:p>
-        </p:txBody>
-      </p:sp>
-      <p:sp>
-        <p:nvSpPr>
-          <p:cNvPr id="5" name="Slide Number Placeholder 4">
-            <a:extLst>
-              <a:ext uri="{FF2B5EF4-FFF2-40B4-BE49-F238E27FC236}">
-                <a16:creationId xmlns:a16="http://schemas.microsoft.com/office/drawing/2014/main" id="{3EB3E1F4-13A8-480F-BF66-537E5C6846AF}"/>
-              </a:ext>
-            </a:extLst>
-          </p:cNvPr>
-          <p:cNvSpPr>
-            <a:spLocks noGrp="1"/>
-          </p:cNvSpPr>
-          <p:nvPr>
-            <p:ph type="sldNum" sz="quarter" idx="11"/>
-          </p:nvPr>
-        </p:nvSpPr>
-        <p:spPr/>
-        <p:txBody>
-          <a:bodyPr/>
-          <a:lstStyle/>
-          <a:p>
-            <a:fld id="{7E0E41E9-E887-49CF-A358-8367F0C34840}" type="slidenum">
-              <a:rPr lang="en-US" smtClean="0"/>
-              <a:pPr/>
-              <a:t>9</a:t>
-            </a:fld>
-            <a:endParaRPr lang="en-US" dirty="0"/>
-          </a:p>
-        </p:txBody>
-      </p:sp>
-      <p:sp>
-        <p:nvSpPr>
-          <p:cNvPr id="7" name="Content Placeholder 6">
-            <a:extLst>
-              <a:ext uri="{FF2B5EF4-FFF2-40B4-BE49-F238E27FC236}">
-                <a16:creationId xmlns:a16="http://schemas.microsoft.com/office/drawing/2014/main" id="{014AB7A2-E731-4113-B255-3EC2F548E3A3}"/>
-              </a:ext>
-            </a:extLst>
-          </p:cNvPr>
-          <p:cNvSpPr>
-            <a:spLocks noGrp="1"/>
-          </p:cNvSpPr>
-          <p:nvPr>
-            <p:ph idx="1"/>
-          </p:nvPr>
-        </p:nvSpPr>
-        <p:spPr>
-          <a:xfrm>
-            <a:off x="1" y="2562447"/>
-            <a:ext cx="6095998" cy="2421775"/>
-          </a:xfrm>
-        </p:spPr>
-        <p:txBody>
-          <a:bodyPr/>
-          <a:lstStyle/>
-          <a:p>
-            <a:endParaRPr lang="en-US" altLang="ko-KR" sz="2800" dirty="0"/>
-          </a:p>
-          <a:p>
-            <a:r>
-              <a:rPr lang="ko-KR" altLang="en-US" sz="2800" dirty="0"/>
-              <a:t>박정희 대통령</a:t>
-            </a:r>
-            <a:endParaRPr lang="en-US" altLang="ko-KR" sz="2800" dirty="0"/>
-          </a:p>
-          <a:p>
-            <a:endParaRPr lang="en-US" altLang="ko-KR" sz="2800" dirty="0"/>
-          </a:p>
-          <a:p>
-            <a:r>
-              <a:rPr lang="ko-KR" altLang="en-US" sz="2800" dirty="0"/>
-              <a:t>광주 민주화 항쟁</a:t>
-            </a:r>
-            <a:endParaRPr lang="en-US" altLang="ko-KR" sz="2800" dirty="0"/>
-          </a:p>
-          <a:p>
-            <a:endParaRPr lang="en-US" dirty="0"/>
-          </a:p>
-        </p:txBody>
-      </p:sp>
-      <p:graphicFrame>
-        <p:nvGraphicFramePr>
-          <p:cNvPr id="6" name="Table 6">
-            <a:extLst>
-              <a:ext uri="{FF2B5EF4-FFF2-40B4-BE49-F238E27FC236}">
-                <a16:creationId xmlns:a16="http://schemas.microsoft.com/office/drawing/2014/main" id="{3FAD808F-95C5-4F3F-9FA1-646977A5D277}"/>
-              </a:ext>
-            </a:extLst>
-          </p:cNvPr>
-          <p:cNvGraphicFramePr>
-            <a:graphicFrameLocks/>
-          </p:cNvGraphicFramePr>
-          <p:nvPr>
-            <p:extLst>
-              <p:ext uri="{D42A27DB-BD31-4B8C-83A1-F6EECF244321}">
-                <p14:modId xmlns:p14="http://schemas.microsoft.com/office/powerpoint/2010/main" val="2049604432"/>
-              </p:ext>
-            </p:extLst>
-          </p:nvPr>
-        </p:nvGraphicFramePr>
-        <p:xfrm>
-          <a:off x="8269" y="1233170"/>
-          <a:ext cx="6096000" cy="1193800"/>
-        </p:xfrm>
-        <a:graphic>
-          <a:graphicData uri="http://schemas.openxmlformats.org/drawingml/2006/table">
-            <a:tbl>
-              <a:tblPr firstRow="1" bandRow="1">
-                <a:tableStyleId>{5C22544A-7EE6-4342-B048-85BDC9FD1C3A}</a:tableStyleId>
-              </a:tblPr>
-              <a:tblGrid>
-                <a:gridCol w="1150680">
-                  <a:extLst>
-                    <a:ext uri="{9D8B030D-6E8A-4147-A177-3AD203B41FA5}">
-                      <a16:colId xmlns:a16="http://schemas.microsoft.com/office/drawing/2014/main" val="4058099069"/>
-                    </a:ext>
-                  </a:extLst>
-                </a:gridCol>
-                <a:gridCol w="1881963">
-                  <a:extLst>
-                    <a:ext uri="{9D8B030D-6E8A-4147-A177-3AD203B41FA5}">
-                      <a16:colId xmlns:a16="http://schemas.microsoft.com/office/drawing/2014/main" val="1096586304"/>
-                    </a:ext>
-                  </a:extLst>
-                </a:gridCol>
-                <a:gridCol w="3063357">
-                  <a:extLst>
-                    <a:ext uri="{9D8B030D-6E8A-4147-A177-3AD203B41FA5}">
-                      <a16:colId xmlns:a16="http://schemas.microsoft.com/office/drawing/2014/main" val="3464940675"/>
-                    </a:ext>
-                  </a:extLst>
-                </a:gridCol>
-              </a:tblGrid>
-              <a:tr h="462280">
-                <a:tc>
-                  <a:txBody>
-                    <a:bodyPr/>
-                    <a:lstStyle/>
-                    <a:p>
-                      <a:pPr algn="ctr"/>
-                      <a:endParaRPr lang="en-US" dirty="0"/>
-                    </a:p>
-                  </a:txBody>
-                  <a:tcPr/>
-                </a:tc>
-                <a:tc>
-                  <a:txBody>
-                    <a:bodyPr/>
-                    <a:lstStyle/>
-                    <a:p>
-                      <a:pPr marL="0" marR="0" lvl="0" indent="0" algn="ctr" defTabSz="914400" rtl="0" eaLnBrk="1" fontAlgn="auto" latinLnBrk="1" hangingPunct="1">
-                        <a:lnSpc>
-                          <a:spcPct val="100000"/>
-                        </a:lnSpc>
-                        <a:spcBef>
-                          <a:spcPts val="0"/>
-                        </a:spcBef>
-                        <a:spcAft>
-                          <a:spcPts val="0"/>
-                        </a:spcAft>
-                        <a:buClrTx/>
-                        <a:buSzTx/>
-                        <a:buFontTx/>
-                        <a:buNone/>
-                        <a:tabLst/>
-                        <a:defRPr/>
-                      </a:pPr>
-                      <a:r>
-                        <a:rPr lang="ko-KR" altLang="en-US" sz="1800" b="1" dirty="0">
-                          <a:latin typeface="Abadi" panose="020B0604020104020204" pitchFamily="34" charset="0"/>
-                        </a:rPr>
-                        <a:t>대한민국</a:t>
-                      </a:r>
-                      <a:endParaRPr lang="en-US" dirty="0">
-                        <a:effectLst/>
-                      </a:endParaRPr>
-                    </a:p>
-                  </a:txBody>
-                  <a:tcPr/>
-                </a:tc>
-                <a:tc>
-                  <a:txBody>
-                    <a:bodyPr/>
-                    <a:lstStyle/>
-                    <a:p>
-                      <a:pPr marL="0" marR="0" lvl="0" indent="0" algn="ctr" defTabSz="914400" rtl="0" eaLnBrk="1" fontAlgn="auto" latinLnBrk="1" hangingPunct="1">
-                        <a:lnSpc>
-                          <a:spcPct val="100000"/>
-                        </a:lnSpc>
-                        <a:spcBef>
-                          <a:spcPts val="0"/>
-                        </a:spcBef>
-                        <a:spcAft>
-                          <a:spcPts val="0"/>
-                        </a:spcAft>
-                        <a:buClrTx/>
-                        <a:buSzTx/>
-                        <a:buFontTx/>
-                        <a:buNone/>
-                        <a:tabLst/>
-                        <a:defRPr/>
-                      </a:pPr>
-                      <a:r>
-                        <a:rPr lang="ko-KR" altLang="en-US" sz="1800" b="1" dirty="0">
-                          <a:latin typeface="Abadi" panose="020B0604020104020204" pitchFamily="34" charset="0"/>
-                        </a:rPr>
-                        <a:t>베트남</a:t>
-                      </a:r>
-                      <a:endParaRPr lang="en-US" dirty="0">
-                        <a:effectLst/>
-                      </a:endParaRPr>
-                    </a:p>
-                  </a:txBody>
-                  <a:tcPr/>
-                </a:tc>
-                <a:extLst>
-                  <a:ext uri="{0D108BD9-81ED-4DB2-BD59-A6C34878D82A}">
-                    <a16:rowId xmlns:a16="http://schemas.microsoft.com/office/drawing/2014/main" val="3826548073"/>
-                  </a:ext>
-                </a:extLst>
-              </a:tr>
-              <a:tr h="622300">
-                <a:tc>
-                  <a:txBody>
-                    <a:bodyPr/>
-                    <a:lstStyle/>
-                    <a:p>
-                      <a:pPr algn="ctr"/>
-                      <a:r>
-                        <a:rPr lang="en-US" sz="1400" b="1" dirty="0">
-                          <a:effectLst/>
-                          <a:latin typeface="Abadi" panose="020B0604020104020204" pitchFamily="34" charset="0"/>
-                        </a:rPr>
-                        <a:t>Great leader</a:t>
-                      </a:r>
-                    </a:p>
-                  </a:txBody>
-                  <a:tcPr marL="95250" marR="95250" marT="95250" marB="95250" anchor="ctr"/>
-                </a:tc>
-                <a:tc>
-                  <a:txBody>
-                    <a:bodyPr/>
-                    <a:lstStyle/>
-                    <a:p>
-                      <a:pPr marL="285750" indent="-285750" algn="l">
-                        <a:buFont typeface="Arial" panose="020B0604020202020204" pitchFamily="34" charset="0"/>
-                        <a:buChar char="•"/>
-                      </a:pPr>
-                      <a:r>
-                        <a:rPr lang="ko-KR" altLang="en-US" sz="1400" dirty="0"/>
-                        <a:t>박정희</a:t>
-                      </a:r>
-                      <a:endParaRPr lang="en-US" altLang="ko-KR" sz="1400" dirty="0">
-                        <a:latin typeface="Abadi" panose="020B0604020104020204" pitchFamily="34" charset="0"/>
-                      </a:endParaRPr>
-                    </a:p>
-                    <a:p>
-                      <a:pPr marL="0" indent="0" algn="l">
-                        <a:buFont typeface="Arial" panose="020B0604020202020204" pitchFamily="34" charset="0"/>
-                        <a:buNone/>
-                      </a:pPr>
-                      <a:r>
-                        <a:rPr lang="en-US" sz="1400" dirty="0">
-                          <a:latin typeface="Abadi" panose="020B0604020104020204" pitchFamily="34" charset="0"/>
-                        </a:rPr>
-                        <a:t>Trained in Japan</a:t>
-                      </a:r>
-                    </a:p>
-                  </a:txBody>
-                  <a:tcPr/>
-                </a:tc>
-                <a:tc>
-                  <a:txBody>
-                    <a:bodyPr/>
-                    <a:lstStyle/>
-                    <a:p>
-                      <a:pPr marL="285750" indent="-285750" algn="l">
-                        <a:buFont typeface="Arial" panose="020B0604020202020204" pitchFamily="34" charset="0"/>
-                        <a:buChar char="•"/>
-                      </a:pPr>
-                      <a:r>
-                        <a:rPr lang="en-US" sz="1400" dirty="0">
-                          <a:latin typeface="Abadi" panose="020B0604020104020204" pitchFamily="34" charset="0"/>
-                        </a:rPr>
-                        <a:t>Ho Chi Minh</a:t>
-                      </a:r>
-                    </a:p>
-                    <a:p>
-                      <a:pPr marL="0" indent="0" algn="l">
-                        <a:buFont typeface="Arial" panose="020B0604020202020204" pitchFamily="34" charset="0"/>
-                        <a:buNone/>
-                      </a:pPr>
-                      <a:r>
-                        <a:rPr lang="en-US" sz="1400" dirty="0">
-                          <a:latin typeface="Abadi" panose="020B0604020104020204" pitchFamily="34" charset="0"/>
-                        </a:rPr>
-                        <a:t>Trained in France, England, America, China, Soviet Union </a:t>
-                      </a:r>
-                    </a:p>
-                  </a:txBody>
-                  <a:tcPr/>
-                </a:tc>
-                <a:extLst>
-                  <a:ext uri="{0D108BD9-81ED-4DB2-BD59-A6C34878D82A}">
-                    <a16:rowId xmlns:a16="http://schemas.microsoft.com/office/drawing/2014/main" val="988632346"/>
-                  </a:ext>
-                </a:extLst>
-              </a:tr>
-            </a:tbl>
-          </a:graphicData>
-        </a:graphic>
-      </p:graphicFrame>
-    </p:spTree>
-    <p:extLst>
-      <p:ext uri="{BB962C8B-B14F-4D97-AF65-F5344CB8AC3E}">
-        <p14:creationId xmlns:p14="http://schemas.microsoft.com/office/powerpoint/2010/main" val="1715026226"/>
       </p:ext>
     </p:extLst>
   </p:cSld>
@@ -14702,6 +13653,15 @@
 </file>
 
 <file path=customXml/item2.xml><?xml version="1.0" encoding="utf-8"?>
+<p:properties xmlns:p="http://schemas.microsoft.com/office/2006/metadata/properties" xmlns:xsi="http://www.w3.org/2001/XMLSchema-instance" xmlns:pc="http://schemas.microsoft.com/office/infopath/2007/PartnerControls">
+  <documentManagement>
+    <Status xmlns="71af3243-3dd4-4a8d-8c0d-dd76da1f02a5">Not started</Status>
+    <MediaServiceKeyPoints xmlns="71af3243-3dd4-4a8d-8c0d-dd76da1f02a5" xsi:nil="true"/>
+  </documentManagement>
+</p:properties>
+</file>
+
+<file path=customXml/item3.xml><?xml version="1.0" encoding="utf-8"?>
 <ct:contentTypeSchema xmlns:ct="http://schemas.microsoft.com/office/2006/metadata/contentType" xmlns:ma="http://schemas.microsoft.com/office/2006/metadata/properties/metaAttributes" ct:_="" ma:_="" ma:contentTypeName="Document" ma:contentTypeID="0x01010079F111ED35F8CC479449609E8A0923A6" ma:contentTypeVersion="12" ma:contentTypeDescription="Create a new document." ma:contentTypeScope="" ma:versionID="fa6e671f1cd7e4d96ff9652be322dd5e">
   <xsd:schema xmlns:xsd="http://www.w3.org/2001/XMLSchema" xmlns:xs="http://www.w3.org/2001/XMLSchema" xmlns:p="http://schemas.microsoft.com/office/2006/metadata/properties" xmlns:ns2="71af3243-3dd4-4a8d-8c0d-dd76da1f02a5" xmlns:ns3="16c05727-aa75-4e4a-9b5f-8a80a1165891" targetNamespace="http://schemas.microsoft.com/office/2006/metadata/properties" ma:root="true" ma:fieldsID="4e2496f70b101db0b8013f30a071bbf7" ns2:_="" ns3:_="">
     <xsd:import namespace="71af3243-3dd4-4a8d-8c0d-dd76da1f02a5"/>
@@ -14922,15 +13882,6 @@
 </ct:contentTypeSchema>
 </file>
 
-<file path=customXml/item3.xml><?xml version="1.0" encoding="utf-8"?>
-<p:properties xmlns:p="http://schemas.microsoft.com/office/2006/metadata/properties" xmlns:xsi="http://www.w3.org/2001/XMLSchema-instance" xmlns:pc="http://schemas.microsoft.com/office/infopath/2007/PartnerControls">
-  <documentManagement>
-    <Status xmlns="71af3243-3dd4-4a8d-8c0d-dd76da1f02a5">Not started</Status>
-    <MediaServiceKeyPoints xmlns="71af3243-3dd4-4a8d-8c0d-dd76da1f02a5" xsi:nil="true"/>
-  </documentManagement>
-</p:properties>
-</file>
-
 <file path=customXml/itemProps1.xml><?xml version="1.0" encoding="utf-8"?>
 <ds:datastoreItem xmlns:ds="http://schemas.openxmlformats.org/officeDocument/2006/customXml" ds:itemID="{DC58A64B-81C3-4EC2-A044-1AD401A10DA8}">
   <ds:schemaRefs>
@@ -14940,6 +13891,16 @@
 </file>
 
 <file path=customXml/itemProps2.xml><?xml version="1.0" encoding="utf-8"?>
+<ds:datastoreItem xmlns:ds="http://schemas.openxmlformats.org/officeDocument/2006/customXml" ds:itemID="{E2606CA9-73CA-4217-BA3D-1864E6BFEEB4}">
+  <ds:schemaRefs>
+    <ds:schemaRef ds:uri="http://schemas.microsoft.com/office/2006/metadata/properties"/>
+    <ds:schemaRef ds:uri="http://schemas.microsoft.com/office/infopath/2007/PartnerControls"/>
+    <ds:schemaRef ds:uri="71af3243-3dd4-4a8d-8c0d-dd76da1f02a5"/>
+  </ds:schemaRefs>
+</ds:datastoreItem>
+</file>
+
+<file path=customXml/itemProps3.xml><?xml version="1.0" encoding="utf-8"?>
 <ds:datastoreItem xmlns:ds="http://schemas.openxmlformats.org/officeDocument/2006/customXml" ds:itemID="{9FE7B02C-5194-4175-B6C3-18AE8350DC57}">
   <ds:schemaRefs>
     <ds:schemaRef ds:uri="http://schemas.microsoft.com/office/2006/metadata/contentType"/>
@@ -14956,14 +13917,4 @@
     <ds:schemaRef ds:uri="http://schemas.microsoft.com/internal/obd"/>
   </ds:schemaRefs>
 </ds:datastoreItem>
-</file>
-
-<file path=customXml/itemProps3.xml><?xml version="1.0" encoding="utf-8"?>
-<ds:datastoreItem xmlns:ds="http://schemas.openxmlformats.org/officeDocument/2006/customXml" ds:itemID="{E2606CA9-73CA-4217-BA3D-1864E6BFEEB4}">
-  <ds:schemaRefs>
-    <ds:schemaRef ds:uri="http://schemas.microsoft.com/office/2006/metadata/properties"/>
-    <ds:schemaRef ds:uri="http://schemas.microsoft.com/office/infopath/2007/PartnerControls"/>
-    <ds:schemaRef ds:uri="71af3243-3dd4-4a8d-8c0d-dd76da1f02a5"/>
-  </ds:schemaRefs>
-</ds:datastoreItem>
 </file>